--- a/Lectures/Lecture01_Introduction/Lecture1_Intro.pptx
+++ b/Lectures/Lecture01_Introduction/Lecture1_Intro.pptx
@@ -5,12 +5,12 @@
     <p:sldMasterId id="2147483738" r:id="rId1"/>
   </p:sldMasterIdLst>
   <p:notesMasterIdLst>
-    <p:notesMasterId r:id="rId37"/>
+    <p:notesMasterId r:id="rId38"/>
   </p:notesMasterIdLst>
   <p:sldIdLst>
     <p:sldId id="256" r:id="rId2"/>
     <p:sldId id="285" r:id="rId3"/>
-    <p:sldId id="345" r:id="rId4"/>
+    <p:sldId id="418" r:id="rId4"/>
     <p:sldId id="348" r:id="rId5"/>
     <p:sldId id="347" r:id="rId6"/>
     <p:sldId id="313" r:id="rId7"/>
@@ -22,27 +22,28 @@
     <p:sldId id="333" r:id="rId13"/>
     <p:sldId id="334" r:id="rId14"/>
     <p:sldId id="317" r:id="rId15"/>
-    <p:sldId id="326" r:id="rId16"/>
-    <p:sldId id="398" r:id="rId17"/>
-    <p:sldId id="399" r:id="rId18"/>
-    <p:sldId id="400" r:id="rId19"/>
-    <p:sldId id="401" r:id="rId20"/>
-    <p:sldId id="402" r:id="rId21"/>
-    <p:sldId id="403" r:id="rId22"/>
-    <p:sldId id="404" r:id="rId23"/>
-    <p:sldId id="405" r:id="rId24"/>
-    <p:sldId id="407" r:id="rId25"/>
-    <p:sldId id="406" r:id="rId26"/>
-    <p:sldId id="408" r:id="rId27"/>
-    <p:sldId id="409" r:id="rId28"/>
-    <p:sldId id="410" r:id="rId29"/>
-    <p:sldId id="411" r:id="rId30"/>
-    <p:sldId id="413" r:id="rId31"/>
-    <p:sldId id="414" r:id="rId32"/>
-    <p:sldId id="415" r:id="rId33"/>
-    <p:sldId id="416" r:id="rId34"/>
-    <p:sldId id="412" r:id="rId35"/>
-    <p:sldId id="417" r:id="rId36"/>
+    <p:sldId id="419" r:id="rId16"/>
+    <p:sldId id="326" r:id="rId17"/>
+    <p:sldId id="398" r:id="rId18"/>
+    <p:sldId id="399" r:id="rId19"/>
+    <p:sldId id="400" r:id="rId20"/>
+    <p:sldId id="401" r:id="rId21"/>
+    <p:sldId id="402" r:id="rId22"/>
+    <p:sldId id="403" r:id="rId23"/>
+    <p:sldId id="404" r:id="rId24"/>
+    <p:sldId id="405" r:id="rId25"/>
+    <p:sldId id="407" r:id="rId26"/>
+    <p:sldId id="406" r:id="rId27"/>
+    <p:sldId id="408" r:id="rId28"/>
+    <p:sldId id="409" r:id="rId29"/>
+    <p:sldId id="410" r:id="rId30"/>
+    <p:sldId id="411" r:id="rId31"/>
+    <p:sldId id="413" r:id="rId32"/>
+    <p:sldId id="414" r:id="rId33"/>
+    <p:sldId id="415" r:id="rId34"/>
+    <p:sldId id="416" r:id="rId35"/>
+    <p:sldId id="412" r:id="rId36"/>
+    <p:sldId id="417" r:id="rId37"/>
   </p:sldIdLst>
   <p:sldSz cx="12192000" cy="6858000"/>
   <p:notesSz cx="7010400" cy="9296400"/>
@@ -358,7 +359,7 @@
           <a:p>
             <a:fld id="{EF911157-0FC2-4F06-8D61-FD647FE4E19D}" type="datetimeFigureOut">
               <a:rPr lang="en-US" smtClean="0"/>
-              <a:t>9/13/2023</a:t>
+              <a:t>1/4/2024</a:t>
             </a:fld>
             <a:endParaRPr lang="en-US"/>
           </a:p>
@@ -1149,7 +1150,7 @@
           <a:p>
             <a:r>
               <a:rPr lang="en-CA" dirty="0"/>
-              <a:t>Cheap, great resource. Other options listed on syllabus.</a:t>
+              <a:t>Cheap, great resource. Other options listed on syllabus. Not required, any edition will work. </a:t>
             </a:r>
           </a:p>
         </p:txBody>
@@ -1235,9 +1236,18 @@
           <a:lstStyle/>
           <a:p>
             <a:r>
-              <a:rPr lang="en-CA" dirty="0"/>
-              <a:t>There are no real-time emergencies in a university class setting – send me an email, and please be respectful of my time. Likewise, I will be respectful of yours. </a:t>
-            </a:r>
+              <a:rPr lang="en-US" dirty="0"/>
+              <a:t>This course should prepare you to specialize within your emphasis – econometrics if you’re in HE, other biostats classes for </a:t>
+            </a:r>
+            <a:r>
+              <a:rPr lang="en-US" dirty="0" err="1"/>
+              <a:t>ClinEpi</a:t>
+            </a:r>
+            <a:r>
+              <a:rPr lang="en-US"/>
+              <a:t>, etc. </a:t>
+            </a:r>
+            <a:endParaRPr lang="en-CA" dirty="0"/>
           </a:p>
         </p:txBody>
       </p:sp>
@@ -1267,7 +1277,7 @@
     </p:spTree>
     <p:extLst>
       <p:ext uri="{BB962C8B-B14F-4D97-AF65-F5344CB8AC3E}">
-        <p14:creationId xmlns:p14="http://schemas.microsoft.com/office/powerpoint/2010/main" val="1998886115"/>
+        <p14:creationId xmlns:p14="http://schemas.microsoft.com/office/powerpoint/2010/main" val="1119064972"/>
       </p:ext>
     </p:extLst>
   </p:cSld>
@@ -1321,7 +1331,10 @@
           <a:bodyPr/>
           <a:lstStyle/>
           <a:p>
-            <a:endParaRPr lang="en-US" dirty="0"/>
+            <a:r>
+              <a:rPr lang="en-CA" dirty="0"/>
+              <a:t>There are no real-time emergencies in a university class setting – send me an email, and please be respectful of my time. Likewise, I will be respectful of yours. </a:t>
+            </a:r>
           </a:p>
         </p:txBody>
       </p:sp>
@@ -1351,7 +1364,7 @@
     </p:spTree>
     <p:extLst>
       <p:ext uri="{BB962C8B-B14F-4D97-AF65-F5344CB8AC3E}">
-        <p14:creationId xmlns:p14="http://schemas.microsoft.com/office/powerpoint/2010/main" val="3366095260"/>
+        <p14:creationId xmlns:p14="http://schemas.microsoft.com/office/powerpoint/2010/main" val="1998886115"/>
       </p:ext>
     </p:extLst>
   </p:cSld>
@@ -1405,7 +1418,7 @@
           <a:bodyPr/>
           <a:lstStyle/>
           <a:p>
-            <a:endParaRPr lang="en-CA" dirty="0"/>
+            <a:endParaRPr lang="en-US" dirty="0"/>
           </a:p>
         </p:txBody>
       </p:sp>
@@ -1435,7 +1448,7 @@
     </p:spTree>
     <p:extLst>
       <p:ext uri="{BB962C8B-B14F-4D97-AF65-F5344CB8AC3E}">
-        <p14:creationId xmlns:p14="http://schemas.microsoft.com/office/powerpoint/2010/main" val="375680415"/>
+        <p14:creationId xmlns:p14="http://schemas.microsoft.com/office/powerpoint/2010/main" val="3366095260"/>
       </p:ext>
     </p:extLst>
   </p:cSld>
@@ -1519,7 +1532,7 @@
     </p:spTree>
     <p:extLst>
       <p:ext uri="{BB962C8B-B14F-4D97-AF65-F5344CB8AC3E}">
-        <p14:creationId xmlns:p14="http://schemas.microsoft.com/office/powerpoint/2010/main" val="2441164128"/>
+        <p14:creationId xmlns:p14="http://schemas.microsoft.com/office/powerpoint/2010/main" val="375680415"/>
       </p:ext>
     </p:extLst>
   </p:cSld>
@@ -1573,10 +1586,7 @@
           <a:bodyPr/>
           <a:lstStyle/>
           <a:p>
-            <a:r>
-              <a:rPr lang="en-CA" dirty="0"/>
-              <a:t>Statistics helps us generalize from limited n to a population *while being explicit* about the inherent uncertainty of doing so. </a:t>
-            </a:r>
+            <a:endParaRPr lang="en-CA" dirty="0"/>
           </a:p>
         </p:txBody>
       </p:sp>
@@ -1606,7 +1616,7 @@
     </p:spTree>
     <p:extLst>
       <p:ext uri="{BB962C8B-B14F-4D97-AF65-F5344CB8AC3E}">
-        <p14:creationId xmlns:p14="http://schemas.microsoft.com/office/powerpoint/2010/main" val="1123559337"/>
+        <p14:creationId xmlns:p14="http://schemas.microsoft.com/office/powerpoint/2010/main" val="2441164128"/>
       </p:ext>
     </p:extLst>
   </p:cSld>
@@ -1749,72 +1759,8 @@
           <a:p>
             <a:r>
               <a:rPr lang="en-CA" dirty="0"/>
-              <a:t>Do one for the whole class – should be that 90% of the intervals include the true amount, but in general, people are too narrow (overconfident) </a:t>
-            </a:r>
-          </a:p>
-          <a:p>
-            <a:endParaRPr lang="en-CA" dirty="0"/>
-          </a:p>
-          <a:p>
-            <a:endParaRPr lang="en-CA" dirty="0"/>
-          </a:p>
-          <a:p>
-            <a:endParaRPr lang="en-CA" dirty="0"/>
-          </a:p>
-          <a:p>
-            <a:endParaRPr lang="en-CA" dirty="0"/>
-          </a:p>
-          <a:p>
-            <a:endParaRPr lang="en-CA" dirty="0"/>
-          </a:p>
-          <a:p>
-            <a:endParaRPr lang="en-CA" dirty="0"/>
-          </a:p>
-          <a:p>
-            <a:endParaRPr lang="en-CA" dirty="0"/>
-          </a:p>
-          <a:p>
-            <a:r>
-              <a:rPr lang="en-CA" dirty="0"/>
-              <a:t>Answers: </a:t>
-            </a:r>
-          </a:p>
-          <a:p>
-            <a:pPr marL="171450" indent="-171450">
-              <a:buFont typeface="Arial" panose="020B0604020202020204" pitchFamily="34" charset="0"/>
-              <a:buChar char="•"/>
-            </a:pPr>
-            <a:r>
-              <a:rPr lang="en-CA" dirty="0"/>
-              <a:t>1227</a:t>
-            </a:r>
-          </a:p>
-          <a:p>
-            <a:pPr marL="171450" indent="-171450">
-              <a:buFont typeface="Arial" panose="020B0604020202020204" pitchFamily="34" charset="0"/>
-              <a:buChar char="•"/>
-            </a:pPr>
-            <a:r>
-              <a:rPr lang="en-CA" dirty="0"/>
-              <a:t>100 nanometers</a:t>
-            </a:r>
-          </a:p>
-          <a:p>
-            <a:pPr marL="171450" indent="-171450">
-              <a:buFont typeface="Arial" panose="020B0604020202020204" pitchFamily="34" charset="0"/>
-              <a:buChar char="•"/>
-            </a:pPr>
-            <a:r>
-              <a:rPr lang="en-CA" dirty="0"/>
-              <a:t>49244 km </a:t>
-            </a:r>
-          </a:p>
-          <a:p>
-            <a:pPr marL="171450" indent="-171450">
-              <a:buFont typeface="Arial" panose="020B0604020202020204" pitchFamily="34" charset="0"/>
-              <a:buChar char="•"/>
-            </a:pPr>
-            <a:endParaRPr lang="en-CA" dirty="0"/>
+              <a:t>Statistics helps us generalize from limited n to a population *while being explicit* about the inherent uncertainty of doing so. </a:t>
+            </a:r>
           </a:p>
         </p:txBody>
       </p:sp>
@@ -1844,7 +1790,7 @@
     </p:spTree>
     <p:extLst>
       <p:ext uri="{BB962C8B-B14F-4D97-AF65-F5344CB8AC3E}">
-        <p14:creationId xmlns:p14="http://schemas.microsoft.com/office/powerpoint/2010/main" val="3798776713"/>
+        <p14:creationId xmlns:p14="http://schemas.microsoft.com/office/powerpoint/2010/main" val="1123559337"/>
       </p:ext>
     </p:extLst>
   </p:cSld>
@@ -1900,8 +1846,72 @@
           <a:p>
             <a:r>
               <a:rPr lang="en-CA" dirty="0"/>
-              <a:t>Who’s on a “hot streak” here? Is there any player here whose chance of making the next shot (moving to the right) depends on the number of successful prior shots? (Note: all are random)</a:t>
-            </a:r>
+              <a:t>Do one for the whole class – should be that 90% of the intervals include the true amount, but in general, people are too narrow (overconfident) </a:t>
+            </a:r>
+          </a:p>
+          <a:p>
+            <a:endParaRPr lang="en-CA" dirty="0"/>
+          </a:p>
+          <a:p>
+            <a:endParaRPr lang="en-CA" dirty="0"/>
+          </a:p>
+          <a:p>
+            <a:endParaRPr lang="en-CA" dirty="0"/>
+          </a:p>
+          <a:p>
+            <a:endParaRPr lang="en-CA" dirty="0"/>
+          </a:p>
+          <a:p>
+            <a:endParaRPr lang="en-CA" dirty="0"/>
+          </a:p>
+          <a:p>
+            <a:endParaRPr lang="en-CA" dirty="0"/>
+          </a:p>
+          <a:p>
+            <a:endParaRPr lang="en-CA" dirty="0"/>
+          </a:p>
+          <a:p>
+            <a:r>
+              <a:rPr lang="en-CA" dirty="0"/>
+              <a:t>Answers: </a:t>
+            </a:r>
+          </a:p>
+          <a:p>
+            <a:pPr marL="171450" indent="-171450">
+              <a:buFont typeface="Arial" panose="020B0604020202020204" pitchFamily="34" charset="0"/>
+              <a:buChar char="•"/>
+            </a:pPr>
+            <a:r>
+              <a:rPr lang="en-CA" dirty="0"/>
+              <a:t>1227</a:t>
+            </a:r>
+          </a:p>
+          <a:p>
+            <a:pPr marL="171450" indent="-171450">
+              <a:buFont typeface="Arial" panose="020B0604020202020204" pitchFamily="34" charset="0"/>
+              <a:buChar char="•"/>
+            </a:pPr>
+            <a:r>
+              <a:rPr lang="en-CA" dirty="0"/>
+              <a:t>100 nanometers</a:t>
+            </a:r>
+          </a:p>
+          <a:p>
+            <a:pPr marL="171450" indent="-171450">
+              <a:buFont typeface="Arial" panose="020B0604020202020204" pitchFamily="34" charset="0"/>
+              <a:buChar char="•"/>
+            </a:pPr>
+            <a:r>
+              <a:rPr lang="en-CA" dirty="0"/>
+              <a:t>49244 km </a:t>
+            </a:r>
+          </a:p>
+          <a:p>
+            <a:pPr marL="171450" indent="-171450">
+              <a:buFont typeface="Arial" panose="020B0604020202020204" pitchFamily="34" charset="0"/>
+              <a:buChar char="•"/>
+            </a:pPr>
+            <a:endParaRPr lang="en-CA" dirty="0"/>
           </a:p>
         </p:txBody>
       </p:sp>
@@ -1931,7 +1941,7 @@
     </p:spTree>
     <p:extLst>
       <p:ext uri="{BB962C8B-B14F-4D97-AF65-F5344CB8AC3E}">
-        <p14:creationId xmlns:p14="http://schemas.microsoft.com/office/powerpoint/2010/main" val="3801040719"/>
+        <p14:creationId xmlns:p14="http://schemas.microsoft.com/office/powerpoint/2010/main" val="3798776713"/>
       </p:ext>
     </p:extLst>
   </p:cSld>
@@ -1985,11 +1995,10 @@
           <a:bodyPr/>
           <a:lstStyle/>
           <a:p>
-            <a:pPr marL="171450" indent="-171450">
-              <a:buFont typeface="Arial" panose="020B0604020202020204" pitchFamily="34" charset="0"/>
-              <a:buChar char="•"/>
-            </a:pPr>
-            <a:endParaRPr lang="en-CA" dirty="0"/>
+            <a:r>
+              <a:rPr lang="en-CA" dirty="0"/>
+              <a:t>Who’s on a “hot streak” here? Is there any player here whose chance of making the next shot (moving to the right) depends on the number of successful prior shots? (Note: all are random)</a:t>
+            </a:r>
           </a:p>
         </p:txBody>
       </p:sp>
@@ -2019,7 +2028,7 @@
     </p:spTree>
     <p:extLst>
       <p:ext uri="{BB962C8B-B14F-4D97-AF65-F5344CB8AC3E}">
-        <p14:creationId xmlns:p14="http://schemas.microsoft.com/office/powerpoint/2010/main" val="3288150254"/>
+        <p14:creationId xmlns:p14="http://schemas.microsoft.com/office/powerpoint/2010/main" val="3801040719"/>
       </p:ext>
     </p:extLst>
   </p:cSld>
@@ -2107,7 +2116,7 @@
     </p:spTree>
     <p:extLst>
       <p:ext uri="{BB962C8B-B14F-4D97-AF65-F5344CB8AC3E}">
-        <p14:creationId xmlns:p14="http://schemas.microsoft.com/office/powerpoint/2010/main" val="2772141251"/>
+        <p14:creationId xmlns:p14="http://schemas.microsoft.com/office/powerpoint/2010/main" val="3288150254"/>
       </p:ext>
     </p:extLst>
   </p:cSld>
@@ -2161,14 +2170,11 @@
           <a:bodyPr/>
           <a:lstStyle/>
           <a:p>
-            <a:pPr marL="0" indent="0">
+            <a:pPr marL="171450" indent="-171450">
               <a:buFont typeface="Arial" panose="020B0604020202020204" pitchFamily="34" charset="0"/>
-              <a:buNone/>
+              <a:buChar char="•"/>
             </a:pPr>
-            <a:r>
-              <a:rPr lang="en-CA" dirty="0"/>
-              <a:t>What does this mean? But if there are 223 admissions and 12 signs, that’s 2,676 distinct comparisons! Given a threshold of 5%, we should expect about 134 significant associations by chance (the authors found 72). </a:t>
-            </a:r>
+            <a:endParaRPr lang="en-CA" dirty="0"/>
           </a:p>
         </p:txBody>
       </p:sp>
@@ -2198,7 +2204,7 @@
     </p:spTree>
     <p:extLst>
       <p:ext uri="{BB962C8B-B14F-4D97-AF65-F5344CB8AC3E}">
-        <p14:creationId xmlns:p14="http://schemas.microsoft.com/office/powerpoint/2010/main" val="2991907137"/>
+        <p14:creationId xmlns:p14="http://schemas.microsoft.com/office/powerpoint/2010/main" val="2772141251"/>
       </p:ext>
     </p:extLst>
   </p:cSld>
@@ -2252,13 +2258,13 @@
           <a:bodyPr/>
           <a:lstStyle/>
           <a:p>
-            <a:pPr marL="171450" indent="-171450">
+            <a:pPr marL="0" indent="0">
               <a:buFont typeface="Arial" panose="020B0604020202020204" pitchFamily="34" charset="0"/>
-              <a:buChar char="•"/>
+              <a:buNone/>
             </a:pPr>
             <a:r>
               <a:rPr lang="en-CA" dirty="0"/>
-              <a:t>Someone visits the doctor once a month, and in October has terrible blood pressure. MD prescribes a medication – is this a sign that the medication worked? Why/why not?  </a:t>
+              <a:t>What does this mean? But if there are 223 admissions and 12 signs, that’s 2,676 distinct comparisons! Given a threshold of 5%, we should expect about 134 significant associations by chance (the authors found 72). </a:t>
             </a:r>
           </a:p>
         </p:txBody>
@@ -2289,7 +2295,7 @@
     </p:spTree>
     <p:extLst>
       <p:ext uri="{BB962C8B-B14F-4D97-AF65-F5344CB8AC3E}">
-        <p14:creationId xmlns:p14="http://schemas.microsoft.com/office/powerpoint/2010/main" val="2107801764"/>
+        <p14:creationId xmlns:p14="http://schemas.microsoft.com/office/powerpoint/2010/main" val="2991907137"/>
       </p:ext>
     </p:extLst>
   </p:cSld>
@@ -2343,7 +2349,14 @@
           <a:bodyPr/>
           <a:lstStyle/>
           <a:p>
-            <a:endParaRPr lang="en-US" dirty="0"/>
+            <a:pPr marL="171450" indent="-171450">
+              <a:buFont typeface="Arial" panose="020B0604020202020204" pitchFamily="34" charset="0"/>
+              <a:buChar char="•"/>
+            </a:pPr>
+            <a:r>
+              <a:rPr lang="en-CA" dirty="0"/>
+              <a:t>Someone visits the doctor once a month, and in October has terrible blood pressure. MD prescribes a medication – is this a sign that the medication worked? Why/why not?  </a:t>
+            </a:r>
           </a:p>
         </p:txBody>
       </p:sp>
@@ -2373,7 +2386,7 @@
     </p:spTree>
     <p:extLst>
       <p:ext uri="{BB962C8B-B14F-4D97-AF65-F5344CB8AC3E}">
-        <p14:creationId xmlns:p14="http://schemas.microsoft.com/office/powerpoint/2010/main" val="2726739068"/>
+        <p14:creationId xmlns:p14="http://schemas.microsoft.com/office/powerpoint/2010/main" val="2107801764"/>
       </p:ext>
     </p:extLst>
   </p:cSld>
@@ -2427,11 +2440,7 @@
           <a:bodyPr/>
           <a:lstStyle/>
           <a:p>
-            <a:pPr marL="171450" indent="-171450">
-              <a:buFont typeface="Arial" panose="020B0604020202020204" pitchFamily="34" charset="0"/>
-              <a:buChar char="•"/>
-            </a:pPr>
-            <a:endParaRPr lang="en-CA" dirty="0"/>
+            <a:endParaRPr lang="en-US" dirty="0"/>
           </a:p>
         </p:txBody>
       </p:sp>
@@ -2461,7 +2470,7 @@
     </p:spTree>
     <p:extLst>
       <p:ext uri="{BB962C8B-B14F-4D97-AF65-F5344CB8AC3E}">
-        <p14:creationId xmlns:p14="http://schemas.microsoft.com/office/powerpoint/2010/main" val="932696244"/>
+        <p14:creationId xmlns:p14="http://schemas.microsoft.com/office/powerpoint/2010/main" val="2726739068"/>
       </p:ext>
     </p:extLst>
   </p:cSld>
@@ -2549,7 +2558,7 @@
     </p:spTree>
     <p:extLst>
       <p:ext uri="{BB962C8B-B14F-4D97-AF65-F5344CB8AC3E}">
-        <p14:creationId xmlns:p14="http://schemas.microsoft.com/office/powerpoint/2010/main" val="109902631"/>
+        <p14:creationId xmlns:p14="http://schemas.microsoft.com/office/powerpoint/2010/main" val="932696244"/>
       </p:ext>
     </p:extLst>
   </p:cSld>
@@ -2607,10 +2616,7 @@
               <a:buFont typeface="Arial" panose="020B0604020202020204" pitchFamily="34" charset="0"/>
               <a:buChar char="•"/>
             </a:pPr>
-            <a:r>
-              <a:rPr lang="en-CA" dirty="0"/>
-              <a:t>Go through these one by one. For this one – say you want to know about the effectiveness of a drug to treat cancer. The population we really care about is all patients (including those who have cancer now but also everyone who might get cancer). But how do we get data?</a:t>
-            </a:r>
+            <a:endParaRPr lang="en-CA" dirty="0"/>
           </a:p>
         </p:txBody>
       </p:sp>
@@ -2640,7 +2646,7 @@
     </p:spTree>
     <p:extLst>
       <p:ext uri="{BB962C8B-B14F-4D97-AF65-F5344CB8AC3E}">
-        <p14:creationId xmlns:p14="http://schemas.microsoft.com/office/powerpoint/2010/main" val="4282466909"/>
+        <p14:creationId xmlns:p14="http://schemas.microsoft.com/office/powerpoint/2010/main" val="109902631"/>
       </p:ext>
     </p:extLst>
   </p:cSld>
@@ -2696,7 +2702,7 @@
           <a:p>
             <a:r>
               <a:rPr lang="en-CA" dirty="0"/>
-              <a:t>Note: no truly non-mathematical introduction, as the language of statistics is math. But we will focus on the math you need to know to make your research work. </a:t>
+              <a:t>Some of my “get to know you” answers:</a:t>
             </a:r>
           </a:p>
         </p:txBody>
@@ -2727,7 +2733,7 @@
     </p:spTree>
     <p:extLst>
       <p:ext uri="{BB962C8B-B14F-4D97-AF65-F5344CB8AC3E}">
-        <p14:creationId xmlns:p14="http://schemas.microsoft.com/office/powerpoint/2010/main" val="1246612500"/>
+        <p14:creationId xmlns:p14="http://schemas.microsoft.com/office/powerpoint/2010/main" val="1937607941"/>
       </p:ext>
     </p:extLst>
   </p:cSld>
@@ -2787,7 +2793,7 @@
             </a:pPr>
             <a:r>
               <a:rPr lang="en-CA" dirty="0"/>
-              <a:t>You may be limited in your data (e.g., lung cancer patients in Ontario). Have to think about how that affects the (1) you can speak to.</a:t>
+              <a:t>Go through these one by one. For this one – say you want to know about the effectiveness of a drug to treat cancer. The population we really care about is all patients (including those who have cancer now but also everyone who might get cancer). But how do we get data?</a:t>
             </a:r>
           </a:p>
         </p:txBody>
@@ -2818,7 +2824,7 @@
     </p:spTree>
     <p:extLst>
       <p:ext uri="{BB962C8B-B14F-4D97-AF65-F5344CB8AC3E}">
-        <p14:creationId xmlns:p14="http://schemas.microsoft.com/office/powerpoint/2010/main" val="3746082600"/>
+        <p14:creationId xmlns:p14="http://schemas.microsoft.com/office/powerpoint/2010/main" val="4282466909"/>
       </p:ext>
     </p:extLst>
   </p:cSld>
@@ -2878,7 +2884,7 @@
             </a:pPr>
             <a:r>
               <a:rPr lang="en-CA" dirty="0"/>
-              <a:t>Say we’re interested in “effectiveness.” what does that mean? % of patients in remission? Patient well-being? Years of life gained? </a:t>
+              <a:t>You may be limited in your data (e.g., lung cancer patients in Ontario). Have to think about how that affects the (1) you can speak to.</a:t>
             </a:r>
           </a:p>
         </p:txBody>
@@ -2909,7 +2915,7 @@
     </p:spTree>
     <p:extLst>
       <p:ext uri="{BB962C8B-B14F-4D97-AF65-F5344CB8AC3E}">
-        <p14:creationId xmlns:p14="http://schemas.microsoft.com/office/powerpoint/2010/main" val="3934575500"/>
+        <p14:creationId xmlns:p14="http://schemas.microsoft.com/office/powerpoint/2010/main" val="3746082600"/>
       </p:ext>
     </p:extLst>
   </p:cSld>
@@ -2963,13 +2969,13 @@
           <a:bodyPr/>
           <a:lstStyle/>
           <a:p>
-            <a:pPr marL="0" indent="0">
+            <a:pPr marL="171450" indent="-171450">
               <a:buFont typeface="Arial" panose="020B0604020202020204" pitchFamily="34" charset="0"/>
-              <a:buNone/>
+              <a:buChar char="•"/>
             </a:pPr>
             <a:r>
               <a:rPr lang="en-CA" dirty="0"/>
-              <a:t>Other assumptions we need to make: is treatment randomly assigned? What if we have observational data? Etc. </a:t>
+              <a:t>Say we’re interested in “effectiveness.” what does that mean? % of patients in remission? Patient well-being? Years of life gained? </a:t>
             </a:r>
           </a:p>
         </p:txBody>
@@ -3000,7 +3006,7 @@
     </p:spTree>
     <p:extLst>
       <p:ext uri="{BB962C8B-B14F-4D97-AF65-F5344CB8AC3E}">
-        <p14:creationId xmlns:p14="http://schemas.microsoft.com/office/powerpoint/2010/main" val="1936282456"/>
+        <p14:creationId xmlns:p14="http://schemas.microsoft.com/office/powerpoint/2010/main" val="3934575500"/>
       </p:ext>
     </p:extLst>
   </p:cSld>
@@ -3060,7 +3066,7 @@
             </a:pPr>
             <a:r>
               <a:rPr lang="en-CA" dirty="0"/>
-              <a:t>Statistics requires us to carefully think about each of these steps and honestly address how our research fits in given these limitations. </a:t>
+              <a:t>Other assumptions we need to make: is treatment randomly assigned? What if we have observational data? Etc. </a:t>
             </a:r>
           </a:p>
         </p:txBody>
@@ -3091,7 +3097,7 @@
     </p:spTree>
     <p:extLst>
       <p:ext uri="{BB962C8B-B14F-4D97-AF65-F5344CB8AC3E}">
-        <p14:creationId xmlns:p14="http://schemas.microsoft.com/office/powerpoint/2010/main" val="1165705853"/>
+        <p14:creationId xmlns:p14="http://schemas.microsoft.com/office/powerpoint/2010/main" val="1936282456"/>
       </p:ext>
     </p:extLst>
   </p:cSld>
@@ -3151,15 +3157,7 @@
             </a:pPr>
             <a:r>
               <a:rPr lang="en-CA" dirty="0"/>
-              <a:t>There are ML and econometric/causal inference methods to deal with these, but stats alone is not enough. </a:t>
-            </a:r>
-            <a:r>
-              <a:rPr lang="en-CA" dirty="0" err="1"/>
-              <a:t>Tradeoffs</a:t>
-            </a:r>
-            <a:r>
-              <a:rPr lang="en-CA" dirty="0"/>
-              <a:t> between assumptions and usefulness of results. </a:t>
+              <a:t>Statistics requires us to carefully think about each of these steps and honestly address how our research fits in given these limitations. </a:t>
             </a:r>
           </a:p>
         </p:txBody>
@@ -3190,7 +3188,7 @@
     </p:spTree>
     <p:extLst>
       <p:ext uri="{BB962C8B-B14F-4D97-AF65-F5344CB8AC3E}">
-        <p14:creationId xmlns:p14="http://schemas.microsoft.com/office/powerpoint/2010/main" val="1266546803"/>
+        <p14:creationId xmlns:p14="http://schemas.microsoft.com/office/powerpoint/2010/main" val="1165705853"/>
       </p:ext>
     </p:extLst>
   </p:cSld>
@@ -3248,7 +3246,18 @@
               <a:buFont typeface="Arial" panose="020B0604020202020204" pitchFamily="34" charset="0"/>
               <a:buNone/>
             </a:pPr>
-            <a:endParaRPr lang="en-CA" dirty="0"/>
+            <a:r>
+              <a:rPr lang="en-CA" dirty="0"/>
+              <a:t>There are ML and econometric/causal inference methods to deal with these, but stats alone is not enough. </a:t>
+            </a:r>
+            <a:r>
+              <a:rPr lang="en-CA" dirty="0" err="1"/>
+              <a:t>Tradeoffs</a:t>
+            </a:r>
+            <a:r>
+              <a:rPr lang="en-CA" dirty="0"/>
+              <a:t> between assumptions and usefulness of results. </a:t>
+            </a:r>
           </a:p>
         </p:txBody>
       </p:sp>
@@ -3270,6 +3279,94 @@
             <a:fld id="{4AF79E1B-2C51-4B9B-8EA4-26DE9E345AFF}" type="slidenum">
               <a:rPr lang="en-US" smtClean="0"/>
               <a:t>35</a:t>
+            </a:fld>
+            <a:endParaRPr lang="en-US"/>
+          </a:p>
+        </p:txBody>
+      </p:sp>
+    </p:spTree>
+    <p:extLst>
+      <p:ext uri="{BB962C8B-B14F-4D97-AF65-F5344CB8AC3E}">
+        <p14:creationId xmlns:p14="http://schemas.microsoft.com/office/powerpoint/2010/main" val="1266546803"/>
+      </p:ext>
+    </p:extLst>
+  </p:cSld>
+  <p:clrMapOvr>
+    <a:masterClrMapping/>
+  </p:clrMapOvr>
+</p:notes>
+</file>
+
+<file path=ppt/notesSlides/notesSlide36.xml><?xml version="1.0" encoding="utf-8"?>
+<p:notes xmlns:a="http://schemas.openxmlformats.org/drawingml/2006/main" xmlns:r="http://schemas.openxmlformats.org/officeDocument/2006/relationships" xmlns:p="http://schemas.openxmlformats.org/presentationml/2006/main">
+  <p:cSld>
+    <p:spTree>
+      <p:nvGrpSpPr>
+        <p:cNvPr id="1" name=""/>
+        <p:cNvGrpSpPr/>
+        <p:nvPr/>
+      </p:nvGrpSpPr>
+      <p:grpSpPr>
+        <a:xfrm>
+          <a:off x="0" y="0"/>
+          <a:ext cx="0" cy="0"/>
+          <a:chOff x="0" y="0"/>
+          <a:chExt cx="0" cy="0"/>
+        </a:xfrm>
+      </p:grpSpPr>
+      <p:sp>
+        <p:nvSpPr>
+          <p:cNvPr id="2" name="Slide Image Placeholder 1"/>
+          <p:cNvSpPr>
+            <a:spLocks noGrp="1" noRot="1" noChangeAspect="1"/>
+          </p:cNvSpPr>
+          <p:nvPr>
+            <p:ph type="sldImg"/>
+          </p:nvPr>
+        </p:nvSpPr>
+        <p:spPr/>
+      </p:sp>
+      <p:sp>
+        <p:nvSpPr>
+          <p:cNvPr id="3" name="Notes Placeholder 2"/>
+          <p:cNvSpPr>
+            <a:spLocks noGrp="1"/>
+          </p:cNvSpPr>
+          <p:nvPr>
+            <p:ph type="body" idx="1"/>
+          </p:nvPr>
+        </p:nvSpPr>
+        <p:spPr/>
+        <p:txBody>
+          <a:bodyPr/>
+          <a:lstStyle/>
+          <a:p>
+            <a:pPr marL="0" indent="0">
+              <a:buFont typeface="Arial" panose="020B0604020202020204" pitchFamily="34" charset="0"/>
+              <a:buNone/>
+            </a:pPr>
+            <a:endParaRPr lang="en-CA" dirty="0"/>
+          </a:p>
+        </p:txBody>
+      </p:sp>
+      <p:sp>
+        <p:nvSpPr>
+          <p:cNvPr id="4" name="Slide Number Placeholder 3"/>
+          <p:cNvSpPr>
+            <a:spLocks noGrp="1"/>
+          </p:cNvSpPr>
+          <p:nvPr>
+            <p:ph type="sldNum" sz="quarter" idx="5"/>
+          </p:nvPr>
+        </p:nvSpPr>
+        <p:spPr/>
+        <p:txBody>
+          <a:bodyPr/>
+          <a:lstStyle/>
+          <a:p>
+            <a:fld id="{4AF79E1B-2C51-4B9B-8EA4-26DE9E345AFF}" type="slidenum">
+              <a:rPr lang="en-US" smtClean="0"/>
+              <a:t>36</a:t>
             </a:fld>
             <a:endParaRPr lang="en-US"/>
           </a:p>
@@ -3421,7 +3518,7 @@
           <a:p>
             <a:r>
               <a:rPr lang="en-CA" dirty="0"/>
-              <a:t>Lots of different professional and academic goals!</a:t>
+              <a:t>A lot of people interested/worried about math levels – here is where we are starting</a:t>
             </a:r>
           </a:p>
         </p:txBody>
@@ -3997,7 +4094,7 @@
             <a:fld id="{0972D05C-DCFB-4BB6-B49C-AC126BF3ED2C}" type="datetimeFigureOut">
               <a:rPr lang="en-US" smtClean="0"/>
               <a:pPr/>
-              <a:t>9/13/2023</a:t>
+              <a:t>1/4/2024</a:t>
             </a:fld>
             <a:endParaRPr lang="en-US"/>
           </a:p>
@@ -4227,7 +4324,7 @@
             <a:fld id="{0972D05C-DCFB-4BB6-B49C-AC126BF3ED2C}" type="datetimeFigureOut">
               <a:rPr lang="en-US" smtClean="0"/>
               <a:pPr/>
-              <a:t>9/13/2023</a:t>
+              <a:t>1/4/2024</a:t>
             </a:fld>
             <a:endParaRPr lang="en-US"/>
           </a:p>
@@ -4409,7 +4506,7 @@
             <a:fld id="{0972D05C-DCFB-4BB6-B49C-AC126BF3ED2C}" type="datetimeFigureOut">
               <a:rPr lang="en-US" smtClean="0"/>
               <a:pPr/>
-              <a:t>9/13/2023</a:t>
+              <a:t>1/4/2024</a:t>
             </a:fld>
             <a:endParaRPr lang="en-US"/>
           </a:p>
@@ -4581,7 +4678,7 @@
             <a:fld id="{0972D05C-DCFB-4BB6-B49C-AC126BF3ED2C}" type="datetimeFigureOut">
               <a:rPr lang="en-US" smtClean="0"/>
               <a:pPr/>
-              <a:t>9/13/2023</a:t>
+              <a:t>1/4/2024</a:t>
             </a:fld>
             <a:endParaRPr lang="en-US"/>
           </a:p>
@@ -4837,7 +4934,7 @@
             <a:fld id="{0972D05C-DCFB-4BB6-B49C-AC126BF3ED2C}" type="datetimeFigureOut">
               <a:rPr lang="en-US" smtClean="0"/>
               <a:pPr/>
-              <a:t>9/13/2023</a:t>
+              <a:t>1/4/2024</a:t>
             </a:fld>
             <a:endParaRPr lang="en-US"/>
           </a:p>
@@ -5165,7 +5262,7 @@
             <a:fld id="{0972D05C-DCFB-4BB6-B49C-AC126BF3ED2C}" type="datetimeFigureOut">
               <a:rPr lang="en-US" smtClean="0"/>
               <a:pPr/>
-              <a:t>9/13/2023</a:t>
+              <a:t>1/4/2024</a:t>
             </a:fld>
             <a:endParaRPr lang="en-US"/>
           </a:p>
@@ -5618,7 +5715,7 @@
             <a:fld id="{0972D05C-DCFB-4BB6-B49C-AC126BF3ED2C}" type="datetimeFigureOut">
               <a:rPr lang="en-US" smtClean="0"/>
               <a:pPr/>
-              <a:t>9/13/2023</a:t>
+              <a:t>1/4/2024</a:t>
             </a:fld>
             <a:endParaRPr lang="en-US"/>
           </a:p>
@@ -5738,7 +5835,7 @@
             <a:fld id="{0972D05C-DCFB-4BB6-B49C-AC126BF3ED2C}" type="datetimeFigureOut">
               <a:rPr lang="en-US" smtClean="0"/>
               <a:pPr/>
-              <a:t>9/13/2023</a:t>
+              <a:t>1/4/2024</a:t>
             </a:fld>
             <a:endParaRPr lang="en-US"/>
           </a:p>
@@ -5835,7 +5932,7 @@
             <a:fld id="{0972D05C-DCFB-4BB6-B49C-AC126BF3ED2C}" type="datetimeFigureOut">
               <a:rPr lang="en-US" smtClean="0"/>
               <a:pPr/>
-              <a:t>9/13/2023</a:t>
+              <a:t>1/4/2024</a:t>
             </a:fld>
             <a:endParaRPr lang="en-US"/>
           </a:p>
@@ -6124,7 +6221,7 @@
             <a:fld id="{0972D05C-DCFB-4BB6-B49C-AC126BF3ED2C}" type="datetimeFigureOut">
               <a:rPr lang="en-US" smtClean="0"/>
               <a:pPr/>
-              <a:t>9/13/2023</a:t>
+              <a:t>1/4/2024</a:t>
             </a:fld>
             <a:endParaRPr lang="en-US"/>
           </a:p>
@@ -6448,7 +6545,7 @@
             <a:fld id="{0972D05C-DCFB-4BB6-B49C-AC126BF3ED2C}" type="datetimeFigureOut">
               <a:rPr lang="en-US" smtClean="0"/>
               <a:pPr/>
-              <a:t>9/13/2023</a:t>
+              <a:t>1/4/2024</a:t>
             </a:fld>
             <a:endParaRPr lang="en-US"/>
           </a:p>
@@ -6703,7 +6800,7 @@
             <a:fld id="{0972D05C-DCFB-4BB6-B49C-AC126BF3ED2C}" type="datetimeFigureOut">
               <a:rPr lang="en-US" smtClean="0"/>
               <a:pPr/>
-              <a:t>9/13/2023</a:t>
+              <a:t>1/4/2024</a:t>
             </a:fld>
             <a:endParaRPr lang="en-US" dirty="0"/>
           </a:p>
@@ -8423,6 +8520,236 @@
         </p:nvSpPr>
         <p:spPr/>
         <p:txBody>
+          <a:bodyPr/>
+          <a:lstStyle/>
+          <a:p>
+            <a:r>
+              <a:rPr lang="en-US" dirty="0"/>
+              <a:t> </a:t>
+            </a:r>
+          </a:p>
+        </p:txBody>
+      </p:sp>
+      <p:sp>
+        <p:nvSpPr>
+          <p:cNvPr id="2" name="TextBox 1">
+            <a:extLst>
+              <a:ext uri="{FF2B5EF4-FFF2-40B4-BE49-F238E27FC236}">
+                <a16:creationId xmlns:a16="http://schemas.microsoft.com/office/drawing/2014/main" id="{3EACAB49-2397-06CA-9197-B9ABCC386752}"/>
+              </a:ext>
+            </a:extLst>
+          </p:cNvPr>
+          <p:cNvSpPr txBox="1"/>
+          <p:nvPr/>
+        </p:nvSpPr>
+        <p:spPr>
+          <a:xfrm>
+            <a:off x="1371600" y="1143000"/>
+            <a:ext cx="9448800" cy="2308324"/>
+          </a:xfrm>
+          <a:prstGeom prst="rect">
+            <a:avLst/>
+          </a:prstGeom>
+          <a:noFill/>
+        </p:spPr>
+        <p:txBody>
+          <a:bodyPr wrap="square" rtlCol="0">
+            <a:spAutoFit/>
+          </a:bodyPr>
+          <a:lstStyle/>
+          <a:p>
+            <a:r>
+              <a:rPr lang="en-US" sz="2400" dirty="0"/>
+              <a:t>Course outline: </a:t>
+            </a:r>
+          </a:p>
+          <a:p>
+            <a:pPr marL="342900" indent="-342900">
+              <a:buAutoNum type="arabicPeriod"/>
+            </a:pPr>
+            <a:r>
+              <a:rPr lang="en-US" sz="2400" dirty="0"/>
+              <a:t>Data visualization (and introduction to R)</a:t>
+            </a:r>
+          </a:p>
+          <a:p>
+            <a:pPr marL="342900" indent="-342900">
+              <a:buAutoNum type="arabicPeriod"/>
+            </a:pPr>
+            <a:r>
+              <a:rPr lang="en-US" sz="2400" dirty="0"/>
+              <a:t>Standard errors and other measures of uncertainty</a:t>
+            </a:r>
+          </a:p>
+          <a:p>
+            <a:pPr marL="342900" indent="-342900">
+              <a:buAutoNum type="arabicPeriod"/>
+            </a:pPr>
+            <a:r>
+              <a:rPr lang="en-US" sz="2400" dirty="0"/>
+              <a:t>Hypothesis Testing</a:t>
+            </a:r>
+          </a:p>
+          <a:p>
+            <a:pPr marL="342900" indent="-342900">
+              <a:buAutoNum type="arabicPeriod"/>
+            </a:pPr>
+            <a:r>
+              <a:rPr lang="en-US" sz="2400" dirty="0"/>
+              <a:t>Survival Analysis, Mixed Methods </a:t>
+            </a:r>
+          </a:p>
+          <a:p>
+            <a:pPr marL="342900" indent="-342900">
+              <a:buAutoNum type="arabicPeriod"/>
+            </a:pPr>
+            <a:r>
+              <a:rPr lang="en-US" sz="2400" dirty="0"/>
+              <a:t>Linear Regression</a:t>
+            </a:r>
+            <a:endParaRPr lang="en-CA" sz="2400" dirty="0"/>
+          </a:p>
+        </p:txBody>
+      </p:sp>
+    </p:spTree>
+    <p:extLst>
+      <p:ext uri="{BB962C8B-B14F-4D97-AF65-F5344CB8AC3E}">
+        <p14:creationId xmlns:p14="http://schemas.microsoft.com/office/powerpoint/2010/main" val="2458449207"/>
+      </p:ext>
+    </p:extLst>
+  </p:cSld>
+  <p:clrMapOvr>
+    <a:masterClrMapping/>
+  </p:clrMapOvr>
+</p:sld>
+</file>
+
+<file path=ppt/slides/slide16.xml><?xml version="1.0" encoding="utf-8"?>
+<p:sld xmlns:a="http://schemas.openxmlformats.org/drawingml/2006/main" xmlns:r="http://schemas.openxmlformats.org/officeDocument/2006/relationships" xmlns:p="http://schemas.openxmlformats.org/presentationml/2006/main">
+  <p:cSld>
+    <p:spTree>
+      <p:nvGrpSpPr>
+        <p:cNvPr id="1" name=""/>
+        <p:cNvGrpSpPr/>
+        <p:nvPr/>
+      </p:nvGrpSpPr>
+      <p:grpSpPr>
+        <a:xfrm>
+          <a:off x="0" y="0"/>
+          <a:ext cx="0" cy="0"/>
+          <a:chOff x="0" y="0"/>
+          <a:chExt cx="0" cy="0"/>
+        </a:xfrm>
+      </p:grpSpPr>
+      <p:sp>
+        <p:nvSpPr>
+          <p:cNvPr id="4" name="Content Placeholder 3">
+            <a:extLst>
+              <a:ext uri="{FF2B5EF4-FFF2-40B4-BE49-F238E27FC236}">
+                <a16:creationId xmlns:a16="http://schemas.microsoft.com/office/drawing/2014/main" id="{AE68E5BA-C675-4302-ABDA-3EFDD6418FDE}"/>
+              </a:ext>
+            </a:extLst>
+          </p:cNvPr>
+          <p:cNvSpPr>
+            <a:spLocks noGrp="1"/>
+          </p:cNvSpPr>
+          <p:nvPr>
+            <p:ph idx="1"/>
+          </p:nvPr>
+        </p:nvSpPr>
+        <p:spPr>
+          <a:xfrm>
+            <a:off x="2470404" y="1608139"/>
+            <a:ext cx="7359396" cy="4572000"/>
+          </a:xfrm>
+        </p:spPr>
+        <p:txBody>
+          <a:bodyPr/>
+          <a:lstStyle/>
+          <a:p>
+            <a:pPr lvl="1"/>
+            <a:endParaRPr lang="en-US" dirty="0"/>
+          </a:p>
+          <a:p>
+            <a:pPr lvl="1"/>
+            <a:endParaRPr lang="en-US" dirty="0"/>
+          </a:p>
+        </p:txBody>
+      </p:sp>
+      <p:sp>
+        <p:nvSpPr>
+          <p:cNvPr id="6" name="Title 1">
+            <a:extLst>
+              <a:ext uri="{FF2B5EF4-FFF2-40B4-BE49-F238E27FC236}">
+                <a16:creationId xmlns:a16="http://schemas.microsoft.com/office/drawing/2014/main" id="{2447C70A-E8CD-4D7B-8C00-FF6EC3DCB236}"/>
+              </a:ext>
+            </a:extLst>
+          </p:cNvPr>
+          <p:cNvSpPr txBox="1">
+            <a:spLocks/>
+          </p:cNvSpPr>
+          <p:nvPr/>
+        </p:nvSpPr>
+        <p:spPr>
+          <a:xfrm>
+            <a:off x="1261872" y="365760"/>
+            <a:ext cx="9692640" cy="777240"/>
+          </a:xfrm>
+          <a:prstGeom prst="rect">
+            <a:avLst/>
+          </a:prstGeom>
+        </p:spPr>
+        <p:txBody>
+          <a:bodyPr vert="horz" lIns="91440" tIns="45720" rIns="91440" bIns="45720" rtlCol="0" anchor="b">
+            <a:normAutofit/>
+          </a:bodyPr>
+          <a:lstStyle>
+            <a:lvl1pPr algn="l" defTabSz="914400" rtl="0" eaLnBrk="1" latinLnBrk="0" hangingPunct="1">
+              <a:lnSpc>
+                <a:spcPct val="90000"/>
+              </a:lnSpc>
+              <a:spcBef>
+                <a:spcPct val="0"/>
+              </a:spcBef>
+              <a:buNone/>
+              <a:defRPr sz="4400" kern="1200" spc="-50" baseline="0">
+                <a:solidFill>
+                  <a:schemeClr val="tx1"/>
+                </a:solidFill>
+                <a:latin typeface="+mj-lt"/>
+                <a:ea typeface="+mj-ea"/>
+                <a:cs typeface="+mj-cs"/>
+              </a:defRPr>
+            </a:lvl1pPr>
+          </a:lstStyle>
+          <a:p>
+            <a:r>
+              <a:rPr lang="en-US" dirty="0">
+                <a:latin typeface="Times New Roman" panose="02020603050405020304" pitchFamily="18" charset="0"/>
+              </a:rPr>
+              <a:t>Introduction &amp; Syllabus</a:t>
+            </a:r>
+          </a:p>
+        </p:txBody>
+      </p:sp>
+      <p:sp>
+        <p:nvSpPr>
+          <p:cNvPr id="8" name="Title 7">
+            <a:extLst>
+              <a:ext uri="{FF2B5EF4-FFF2-40B4-BE49-F238E27FC236}">
+                <a16:creationId xmlns:a16="http://schemas.microsoft.com/office/drawing/2014/main" id="{D13B5070-8B01-4C63-9F2E-79CAC4D00929}"/>
+              </a:ext>
+            </a:extLst>
+          </p:cNvPr>
+          <p:cNvSpPr>
+            <a:spLocks noGrp="1"/>
+          </p:cNvSpPr>
+          <p:nvPr>
+            <p:ph type="title"/>
+          </p:nvPr>
+        </p:nvSpPr>
+        <p:spPr/>
+        <p:txBody>
           <a:bodyPr>
             <a:normAutofit/>
           </a:bodyPr>
@@ -8484,7 +8811,7 @@
 </p:sld>
 </file>
 
-<file path=ppt/slides/slide16.xml><?xml version="1.0" encoding="utf-8"?>
+<file path=ppt/slides/slide17.xml><?xml version="1.0" encoding="utf-8"?>
 <p:sld xmlns:a="http://schemas.openxmlformats.org/drawingml/2006/main" xmlns:r="http://schemas.openxmlformats.org/officeDocument/2006/relationships" xmlns:p="http://schemas.openxmlformats.org/presentationml/2006/main">
   <p:cSld>
     <p:spTree>
@@ -8574,7 +8901,7 @@
 </p:sld>
 </file>
 
-<file path=ppt/slides/slide17.xml><?xml version="1.0" encoding="utf-8"?>
+<file path=ppt/slides/slide18.xml><?xml version="1.0" encoding="utf-8"?>
 <p:sld xmlns:a="http://schemas.openxmlformats.org/drawingml/2006/main" xmlns:r="http://schemas.openxmlformats.org/officeDocument/2006/relationships" xmlns:p="http://schemas.openxmlformats.org/presentationml/2006/main">
   <p:cSld>
     <p:spTree>
@@ -9021,7 +9348,7 @@
 </p:sld>
 </file>
 
-<file path=ppt/slides/slide18.xml><?xml version="1.0" encoding="utf-8"?>
+<file path=ppt/slides/slide19.xml><?xml version="1.0" encoding="utf-8"?>
 <p:sld xmlns:a="http://schemas.openxmlformats.org/drawingml/2006/main" xmlns:r="http://schemas.openxmlformats.org/officeDocument/2006/relationships" xmlns:p="http://schemas.openxmlformats.org/presentationml/2006/main">
   <p:cSld>
     <p:spTree>
@@ -9507,7 +9834,106 @@
 </p:sld>
 </file>
 
-<file path=ppt/slides/slide19.xml><?xml version="1.0" encoding="utf-8"?>
+<file path=ppt/slides/slide2.xml><?xml version="1.0" encoding="utf-8"?>
+<p:sld xmlns:a="http://schemas.openxmlformats.org/drawingml/2006/main" xmlns:r="http://schemas.openxmlformats.org/officeDocument/2006/relationships" xmlns:p="http://schemas.openxmlformats.org/presentationml/2006/main">
+  <p:cSld>
+    <p:spTree>
+      <p:nvGrpSpPr>
+        <p:cNvPr id="1" name=""/>
+        <p:cNvGrpSpPr/>
+        <p:nvPr/>
+      </p:nvGrpSpPr>
+      <p:grpSpPr>
+        <a:xfrm>
+          <a:off x="0" y="0"/>
+          <a:ext cx="0" cy="0"/>
+          <a:chOff x="0" y="0"/>
+          <a:chExt cx="0" cy="0"/>
+        </a:xfrm>
+      </p:grpSpPr>
+      <p:sp>
+        <p:nvSpPr>
+          <p:cNvPr id="2" name="Title 1">
+            <a:extLst>
+              <a:ext uri="{FF2B5EF4-FFF2-40B4-BE49-F238E27FC236}">
+                <a16:creationId xmlns:a16="http://schemas.microsoft.com/office/drawing/2014/main" id="{E54BD568-A3DE-4D27-9652-A8CF021A9E7A}"/>
+              </a:ext>
+            </a:extLst>
+          </p:cNvPr>
+          <p:cNvSpPr>
+            <a:spLocks noGrp="1"/>
+          </p:cNvSpPr>
+          <p:nvPr>
+            <p:ph type="title"/>
+          </p:nvPr>
+        </p:nvSpPr>
+        <p:spPr>
+          <a:xfrm>
+            <a:off x="762000" y="365760"/>
+            <a:ext cx="10192512" cy="777240"/>
+          </a:xfrm>
+        </p:spPr>
+        <p:txBody>
+          <a:bodyPr/>
+          <a:lstStyle/>
+          <a:p>
+            <a:r>
+              <a:rPr lang="en-US" dirty="0"/>
+              <a:t>Introductions</a:t>
+            </a:r>
+          </a:p>
+        </p:txBody>
+      </p:sp>
+      <p:pic>
+        <p:nvPicPr>
+          <p:cNvPr id="6" name="Picture 5" descr="A group of people posing for a picture&#10;&#10;Description automatically generated">
+            <a:extLst>
+              <a:ext uri="{FF2B5EF4-FFF2-40B4-BE49-F238E27FC236}">
+                <a16:creationId xmlns:a16="http://schemas.microsoft.com/office/drawing/2014/main" id="{FCFD7292-A9B7-091C-C1E0-CD0EB9D2BCAF}"/>
+              </a:ext>
+            </a:extLst>
+          </p:cNvPr>
+          <p:cNvPicPr>
+            <a:picLocks noChangeAspect="1"/>
+          </p:cNvPicPr>
+          <p:nvPr/>
+        </p:nvPicPr>
+        <p:blipFill>
+          <a:blip r:embed="rId3" cstate="print">
+            <a:extLst>
+              <a:ext uri="{28A0092B-C50C-407E-A947-70E740481C1C}">
+                <a14:useLocalDpi xmlns:a14="http://schemas.microsoft.com/office/drawing/2010/main" val="0"/>
+              </a:ext>
+            </a:extLst>
+          </a:blip>
+          <a:stretch>
+            <a:fillRect/>
+          </a:stretch>
+        </p:blipFill>
+        <p:spPr>
+          <a:xfrm rot="5400000">
+            <a:off x="5174106" y="880441"/>
+            <a:ext cx="6858000" cy="5143500"/>
+          </a:xfrm>
+          <a:prstGeom prst="rect">
+            <a:avLst/>
+          </a:prstGeom>
+        </p:spPr>
+      </p:pic>
+    </p:spTree>
+    <p:extLst>
+      <p:ext uri="{BB962C8B-B14F-4D97-AF65-F5344CB8AC3E}">
+        <p14:creationId xmlns:p14="http://schemas.microsoft.com/office/powerpoint/2010/main" val="1453377438"/>
+      </p:ext>
+    </p:extLst>
+  </p:cSld>
+  <p:clrMapOvr>
+    <a:masterClrMapping/>
+  </p:clrMapOvr>
+</p:sld>
+</file>
+
+<file path=ppt/slides/slide20.xml><?xml version="1.0" encoding="utf-8"?>
 <p:sld xmlns:a="http://schemas.openxmlformats.org/drawingml/2006/main" xmlns:r="http://schemas.openxmlformats.org/officeDocument/2006/relationships" xmlns:p="http://schemas.openxmlformats.org/presentationml/2006/main">
   <p:cSld>
     <p:spTree>
@@ -10053,103 +10479,7 @@
 </p:sld>
 </file>
 
-<file path=ppt/slides/slide2.xml><?xml version="1.0" encoding="utf-8"?>
-<p:sld xmlns:a="http://schemas.openxmlformats.org/drawingml/2006/main" xmlns:r="http://schemas.openxmlformats.org/officeDocument/2006/relationships" xmlns:p="http://schemas.openxmlformats.org/presentationml/2006/main">
-  <p:cSld>
-    <p:spTree>
-      <p:nvGrpSpPr>
-        <p:cNvPr id="1" name=""/>
-        <p:cNvGrpSpPr/>
-        <p:nvPr/>
-      </p:nvGrpSpPr>
-      <p:grpSpPr>
-        <a:xfrm>
-          <a:off x="0" y="0"/>
-          <a:ext cx="0" cy="0"/>
-          <a:chOff x="0" y="0"/>
-          <a:chExt cx="0" cy="0"/>
-        </a:xfrm>
-      </p:grpSpPr>
-      <p:sp>
-        <p:nvSpPr>
-          <p:cNvPr id="2" name="Title 1">
-            <a:extLst>
-              <a:ext uri="{FF2B5EF4-FFF2-40B4-BE49-F238E27FC236}">
-                <a16:creationId xmlns:a16="http://schemas.microsoft.com/office/drawing/2014/main" id="{E54BD568-A3DE-4D27-9652-A8CF021A9E7A}"/>
-              </a:ext>
-            </a:extLst>
-          </p:cNvPr>
-          <p:cNvSpPr>
-            <a:spLocks noGrp="1"/>
-          </p:cNvSpPr>
-          <p:nvPr>
-            <p:ph type="title"/>
-          </p:nvPr>
-        </p:nvSpPr>
-        <p:spPr>
-          <a:xfrm>
-            <a:off x="762000" y="365760"/>
-            <a:ext cx="10192512" cy="777240"/>
-          </a:xfrm>
-        </p:spPr>
-        <p:txBody>
-          <a:bodyPr/>
-          <a:lstStyle/>
-          <a:p>
-            <a:r>
-              <a:rPr lang="en-US" dirty="0"/>
-              <a:t>Introductions</a:t>
-            </a:r>
-          </a:p>
-        </p:txBody>
-      </p:sp>
-      <p:pic>
-        <p:nvPicPr>
-          <p:cNvPr id="5" name="Content Placeholder 4" descr="A group of people posing for the camera&#10;&#10;Description automatically generated">
-            <a:extLst>
-              <a:ext uri="{FF2B5EF4-FFF2-40B4-BE49-F238E27FC236}">
-                <a16:creationId xmlns:a16="http://schemas.microsoft.com/office/drawing/2014/main" id="{05B97C3B-5375-46FF-8DF1-E978AD7F137B}"/>
-              </a:ext>
-            </a:extLst>
-          </p:cNvPr>
-          <p:cNvPicPr>
-            <a:picLocks noGrp="1" noChangeAspect="1"/>
-          </p:cNvPicPr>
-          <p:nvPr>
-            <p:ph idx="1"/>
-          </p:nvPr>
-        </p:nvPicPr>
-        <p:blipFill rotWithShape="1">
-          <a:blip r:embed="rId3" cstate="print">
-            <a:extLst>
-              <a:ext uri="{28A0092B-C50C-407E-A947-70E740481C1C}">
-                <a14:useLocalDpi xmlns:a14="http://schemas.microsoft.com/office/drawing/2010/main" val="0"/>
-              </a:ext>
-            </a:extLst>
-          </a:blip>
-          <a:stretch/>
-        </p:blipFill>
-        <p:spPr>
-          <a:xfrm>
-            <a:off x="762000" y="1066800"/>
-            <a:ext cx="4191000" cy="5591707"/>
-          </a:xfrm>
-        </p:spPr>
-      </p:pic>
-    </p:spTree>
-    <p:extLst>
-      <p:ext uri="{BB962C8B-B14F-4D97-AF65-F5344CB8AC3E}">
-        <p14:creationId xmlns:p14="http://schemas.microsoft.com/office/powerpoint/2010/main" val="1453377438"/>
-      </p:ext>
-    </p:extLst>
-  </p:cSld>
-  <p:clrMapOvr>
-    <a:masterClrMapping/>
-  </p:clrMapOvr>
-</p:sld>
-</file>
-
-<file path=ppt/slides/slide20.xml><?xml version="1.0" encoding="utf-8"?>
+<file path=ppt/slides/slide21.xml><?xml version="1.0" encoding="utf-8"?>
 <p:sld xmlns:a="http://schemas.openxmlformats.org/drawingml/2006/main" xmlns:r="http://schemas.openxmlformats.org/officeDocument/2006/relationships" xmlns:p="http://schemas.openxmlformats.org/presentationml/2006/main">
   <p:cSld>
     <p:spTree>
@@ -10598,7 +10928,7 @@
 </p:sld>
 </file>
 
-<file path=ppt/slides/slide21.xml><?xml version="1.0" encoding="utf-8"?>
+<file path=ppt/slides/slide22.xml><?xml version="1.0" encoding="utf-8"?>
 <p:sld xmlns:a="http://schemas.openxmlformats.org/drawingml/2006/main" xmlns:r="http://schemas.openxmlformats.org/officeDocument/2006/relationships" xmlns:p="http://schemas.openxmlformats.org/presentationml/2006/main">
   <p:cSld>
     <p:spTree>
@@ -11034,7 +11364,7 @@
 </p:sld>
 </file>
 
-<file path=ppt/slides/slide22.xml><?xml version="1.0" encoding="utf-8"?>
+<file path=ppt/slides/slide23.xml><?xml version="1.0" encoding="utf-8"?>
 <p:sld xmlns:a="http://schemas.openxmlformats.org/drawingml/2006/main" xmlns:r="http://schemas.openxmlformats.org/officeDocument/2006/relationships" xmlns:p="http://schemas.openxmlformats.org/presentationml/2006/main">
   <p:cSld>
     <p:spTree>
@@ -11495,7 +11825,7 @@
 </p:sld>
 </file>
 
-<file path=ppt/slides/slide23.xml><?xml version="1.0" encoding="utf-8"?>
+<file path=ppt/slides/slide24.xml><?xml version="1.0" encoding="utf-8"?>
 <p:sld xmlns:a="http://schemas.openxmlformats.org/drawingml/2006/main" xmlns:r="http://schemas.openxmlformats.org/officeDocument/2006/relationships" xmlns:p="http://schemas.openxmlformats.org/presentationml/2006/main">
   <p:cSld>
     <p:spTree>
@@ -11971,7 +12301,7 @@
 </p:sld>
 </file>
 
-<file path=ppt/slides/slide24.xml><?xml version="1.0" encoding="utf-8"?>
+<file path=ppt/slides/slide25.xml><?xml version="1.0" encoding="utf-8"?>
 <p:sld xmlns:a="http://schemas.openxmlformats.org/drawingml/2006/main" xmlns:r="http://schemas.openxmlformats.org/officeDocument/2006/relationships" xmlns:p="http://schemas.openxmlformats.org/presentationml/2006/main">
   <p:cSld>
     <p:spTree>
@@ -12650,7 +12980,7 @@
 </p:sld>
 </file>
 
-<file path=ppt/slides/slide25.xml><?xml version="1.0" encoding="utf-8"?>
+<file path=ppt/slides/slide26.xml><?xml version="1.0" encoding="utf-8"?>
 <p:sld xmlns:a="http://schemas.openxmlformats.org/drawingml/2006/main" xmlns:r="http://schemas.openxmlformats.org/officeDocument/2006/relationships" xmlns:p="http://schemas.openxmlformats.org/presentationml/2006/main">
   <p:cSld>
     <p:spTree>
@@ -13099,7 +13429,7 @@
 </p:sld>
 </file>
 
-<file path=ppt/slides/slide26.xml><?xml version="1.0" encoding="utf-8"?>
+<file path=ppt/slides/slide27.xml><?xml version="1.0" encoding="utf-8"?>
 <p:sld xmlns:a="http://schemas.openxmlformats.org/drawingml/2006/main" xmlns:r="http://schemas.openxmlformats.org/officeDocument/2006/relationships" xmlns:p="http://schemas.openxmlformats.org/presentationml/2006/main">
   <p:cSld>
     <p:spTree>
@@ -13189,7 +13519,7 @@
 </p:sld>
 </file>
 
-<file path=ppt/slides/slide27.xml><?xml version="1.0" encoding="utf-8"?>
+<file path=ppt/slides/slide28.xml><?xml version="1.0" encoding="utf-8"?>
 <p:sld xmlns:a="http://schemas.openxmlformats.org/drawingml/2006/main" xmlns:r="http://schemas.openxmlformats.org/officeDocument/2006/relationships" xmlns:p="http://schemas.openxmlformats.org/presentationml/2006/main">
   <p:cSld>
     <p:spTree>
@@ -13496,7 +13826,7 @@
 </p:sld>
 </file>
 
-<file path=ppt/slides/slide28.xml><?xml version="1.0" encoding="utf-8"?>
+<file path=ppt/slides/slide29.xml><?xml version="1.0" encoding="utf-8"?>
 <p:sld xmlns:a="http://schemas.openxmlformats.org/drawingml/2006/main" xmlns:r="http://schemas.openxmlformats.org/officeDocument/2006/relationships" xmlns:p="http://schemas.openxmlformats.org/presentationml/2006/main">
   <p:cSld>
     <p:spTree>
@@ -13802,380 +14132,6 @@
 </p:sld>
 </file>
 
-<file path=ppt/slides/slide29.xml><?xml version="1.0" encoding="utf-8"?>
-<p:sld xmlns:a="http://schemas.openxmlformats.org/drawingml/2006/main" xmlns:r="http://schemas.openxmlformats.org/officeDocument/2006/relationships" xmlns:p="http://schemas.openxmlformats.org/presentationml/2006/main">
-  <p:cSld>
-    <p:spTree>
-      <p:nvGrpSpPr>
-        <p:cNvPr id="1" name=""/>
-        <p:cNvGrpSpPr/>
-        <p:nvPr/>
-      </p:nvGrpSpPr>
-      <p:grpSpPr>
-        <a:xfrm>
-          <a:off x="0" y="0"/>
-          <a:ext cx="0" cy="0"/>
-          <a:chOff x="0" y="0"/>
-          <a:chExt cx="0" cy="0"/>
-        </a:xfrm>
-      </p:grpSpPr>
-      <p:sp>
-        <p:nvSpPr>
-          <p:cNvPr id="6" name="Title 1">
-            <a:extLst>
-              <a:ext uri="{FF2B5EF4-FFF2-40B4-BE49-F238E27FC236}">
-                <a16:creationId xmlns:a16="http://schemas.microsoft.com/office/drawing/2014/main" id="{2447C70A-E8CD-4D7B-8C00-FF6EC3DCB236}"/>
-              </a:ext>
-            </a:extLst>
-          </p:cNvPr>
-          <p:cNvSpPr txBox="1">
-            <a:spLocks/>
-          </p:cNvSpPr>
-          <p:nvPr/>
-        </p:nvSpPr>
-        <p:spPr>
-          <a:xfrm>
-            <a:off x="318370" y="387315"/>
-            <a:ext cx="9692640" cy="777240"/>
-          </a:xfrm>
-          <a:prstGeom prst="rect">
-            <a:avLst/>
-          </a:prstGeom>
-        </p:spPr>
-        <p:txBody>
-          <a:bodyPr vert="horz" lIns="91440" tIns="45720" rIns="91440" bIns="45720" rtlCol="0" anchor="b">
-            <a:normAutofit/>
-          </a:bodyPr>
-          <a:lstStyle>
-            <a:lvl1pPr algn="l" defTabSz="914400" rtl="0" eaLnBrk="1" latinLnBrk="0" hangingPunct="1">
-              <a:lnSpc>
-                <a:spcPct val="90000"/>
-              </a:lnSpc>
-              <a:spcBef>
-                <a:spcPct val="0"/>
-              </a:spcBef>
-              <a:buNone/>
-              <a:defRPr sz="4400" kern="1200" spc="-50" baseline="0">
-                <a:solidFill>
-                  <a:schemeClr val="tx1"/>
-                </a:solidFill>
-                <a:latin typeface="+mj-lt"/>
-                <a:ea typeface="+mj-ea"/>
-                <a:cs typeface="+mj-cs"/>
-              </a:defRPr>
-            </a:lvl1pPr>
-          </a:lstStyle>
-          <a:p>
-            <a:r>
-              <a:rPr lang="en-US" dirty="0">
-                <a:solidFill>
-                  <a:srgbClr val="0070C0"/>
-                </a:solidFill>
-                <a:latin typeface="Times New Roman" panose="02020603050405020304" pitchFamily="18" charset="0"/>
-              </a:rPr>
-              <a:t>What statistics can do</a:t>
-            </a:r>
-          </a:p>
-        </p:txBody>
-      </p:sp>
-      <p:sp>
-        <p:nvSpPr>
-          <p:cNvPr id="2" name="Content Placeholder 3">
-            <a:extLst>
-              <a:ext uri="{FF2B5EF4-FFF2-40B4-BE49-F238E27FC236}">
-                <a16:creationId xmlns:a16="http://schemas.microsoft.com/office/drawing/2014/main" id="{3F15E76A-5D15-A90E-3BAC-6C06CA5B293D}"/>
-              </a:ext>
-            </a:extLst>
-          </p:cNvPr>
-          <p:cNvSpPr txBox="1">
-            <a:spLocks/>
-          </p:cNvSpPr>
-          <p:nvPr/>
-        </p:nvSpPr>
-        <p:spPr>
-          <a:xfrm>
-            <a:off x="389852" y="1219200"/>
-            <a:ext cx="9634728" cy="4960939"/>
-          </a:xfrm>
-          <a:prstGeom prst="rect">
-            <a:avLst/>
-          </a:prstGeom>
-        </p:spPr>
-        <p:txBody>
-          <a:bodyPr vert="horz" lIns="91440" tIns="45720" rIns="91440" bIns="45720" rtlCol="0">
-            <a:noAutofit/>
-          </a:bodyPr>
-          <a:lstStyle>
-            <a:lvl1pPr marL="182880" indent="-182880" algn="l" defTabSz="914400" rtl="0" eaLnBrk="1" latinLnBrk="0" hangingPunct="1">
-              <a:lnSpc>
-                <a:spcPct val="95000"/>
-              </a:lnSpc>
-              <a:spcBef>
-                <a:spcPts val="1400"/>
-              </a:spcBef>
-              <a:spcAft>
-                <a:spcPts val="200"/>
-              </a:spcAft>
-              <a:buClr>
-                <a:schemeClr val="accent1"/>
-              </a:buClr>
-              <a:buSzPct val="80000"/>
-              <a:buFont typeface="Arial" pitchFamily="34" charset="0"/>
-              <a:buChar char="•"/>
-              <a:defRPr sz="1800" kern="1200" spc="10" baseline="0">
-                <a:solidFill>
-                  <a:schemeClr val="tx1"/>
-                </a:solidFill>
-                <a:latin typeface="Times New Roman" panose="02020603050405020304" pitchFamily="18" charset="0"/>
-                <a:ea typeface="+mn-ea"/>
-                <a:cs typeface="+mn-cs"/>
-              </a:defRPr>
-            </a:lvl1pPr>
-            <a:lvl2pPr marL="457200" indent="-182880" algn="l" defTabSz="914400" rtl="0" eaLnBrk="1" latinLnBrk="0" hangingPunct="1">
-              <a:lnSpc>
-                <a:spcPct val="90000"/>
-              </a:lnSpc>
-              <a:spcBef>
-                <a:spcPts val="300"/>
-              </a:spcBef>
-              <a:spcAft>
-                <a:spcPts val="300"/>
-              </a:spcAft>
-              <a:buClr>
-                <a:schemeClr val="accent1"/>
-              </a:buClr>
-              <a:buFont typeface="Wingdings 2" pitchFamily="18" charset="2"/>
-              <a:buChar char=""/>
-              <a:defRPr sz="1600" kern="1200">
-                <a:solidFill>
-                  <a:schemeClr val="tx1">
-                    <a:lumMod val="85000"/>
-                    <a:lumOff val="15000"/>
-                  </a:schemeClr>
-                </a:solidFill>
-                <a:latin typeface="Times New Roman" panose="02020603050405020304" pitchFamily="18" charset="0"/>
-                <a:ea typeface="+mn-ea"/>
-                <a:cs typeface="+mn-cs"/>
-              </a:defRPr>
-            </a:lvl2pPr>
-            <a:lvl3pPr marL="731520" indent="-182880" algn="l" defTabSz="914400" rtl="0" eaLnBrk="1" latinLnBrk="0" hangingPunct="1">
-              <a:lnSpc>
-                <a:spcPct val="90000"/>
-              </a:lnSpc>
-              <a:spcBef>
-                <a:spcPts val="300"/>
-              </a:spcBef>
-              <a:spcAft>
-                <a:spcPts val="300"/>
-              </a:spcAft>
-              <a:buClr>
-                <a:schemeClr val="accent1"/>
-              </a:buClr>
-              <a:buFont typeface="Wingdings 2" pitchFamily="18" charset="2"/>
-              <a:buChar char=""/>
-              <a:defRPr sz="1400" kern="1200">
-                <a:solidFill>
-                  <a:schemeClr val="tx1">
-                    <a:lumMod val="85000"/>
-                    <a:lumOff val="15000"/>
-                  </a:schemeClr>
-                </a:solidFill>
-                <a:latin typeface="Times New Roman" panose="02020603050405020304" pitchFamily="18" charset="0"/>
-                <a:ea typeface="+mn-ea"/>
-                <a:cs typeface="+mn-cs"/>
-              </a:defRPr>
-            </a:lvl3pPr>
-            <a:lvl4pPr marL="1005840" indent="-182880" algn="l" defTabSz="914400" rtl="0" eaLnBrk="1" latinLnBrk="0" hangingPunct="1">
-              <a:lnSpc>
-                <a:spcPct val="90000"/>
-              </a:lnSpc>
-              <a:spcBef>
-                <a:spcPts val="300"/>
-              </a:spcBef>
-              <a:spcAft>
-                <a:spcPts val="300"/>
-              </a:spcAft>
-              <a:buClr>
-                <a:schemeClr val="accent1"/>
-              </a:buClr>
-              <a:buFont typeface="Wingdings 2" pitchFamily="18" charset="2"/>
-              <a:buChar char=""/>
-              <a:defRPr sz="1400" kern="1200">
-                <a:solidFill>
-                  <a:schemeClr val="tx1">
-                    <a:lumMod val="85000"/>
-                    <a:lumOff val="15000"/>
-                  </a:schemeClr>
-                </a:solidFill>
-                <a:latin typeface="Times New Roman" panose="02020603050405020304" pitchFamily="18" charset="0"/>
-                <a:ea typeface="+mn-ea"/>
-                <a:cs typeface="+mn-cs"/>
-              </a:defRPr>
-            </a:lvl4pPr>
-            <a:lvl5pPr marL="1280160" indent="-182880" algn="l" defTabSz="914400" rtl="0" eaLnBrk="1" latinLnBrk="0" hangingPunct="1">
-              <a:lnSpc>
-                <a:spcPct val="90000"/>
-              </a:lnSpc>
-              <a:spcBef>
-                <a:spcPts val="300"/>
-              </a:spcBef>
-              <a:spcAft>
-                <a:spcPts val="300"/>
-              </a:spcAft>
-              <a:buClr>
-                <a:schemeClr val="accent1"/>
-              </a:buClr>
-              <a:buFont typeface="Wingdings 2" pitchFamily="18" charset="2"/>
-              <a:buChar char=""/>
-              <a:defRPr sz="1400" kern="1200">
-                <a:solidFill>
-                  <a:schemeClr val="tx1">
-                    <a:lumMod val="85000"/>
-                    <a:lumOff val="15000"/>
-                  </a:schemeClr>
-                </a:solidFill>
-                <a:latin typeface="Times New Roman" panose="02020603050405020304" pitchFamily="18" charset="0"/>
-                <a:ea typeface="+mn-ea"/>
-                <a:cs typeface="+mn-cs"/>
-              </a:defRPr>
-            </a:lvl5pPr>
-            <a:lvl6pPr marL="1600000" indent="-228600" algn="l" defTabSz="914400" rtl="0" eaLnBrk="1" latinLnBrk="0" hangingPunct="1">
-              <a:lnSpc>
-                <a:spcPct val="90000"/>
-              </a:lnSpc>
-              <a:spcBef>
-                <a:spcPts val="300"/>
-              </a:spcBef>
-              <a:spcAft>
-                <a:spcPts val="300"/>
-              </a:spcAft>
-              <a:buClr>
-                <a:schemeClr val="accent1"/>
-              </a:buClr>
-              <a:buFont typeface="Wingdings 2" pitchFamily="18" charset="2"/>
-              <a:buChar char=""/>
-              <a:defRPr sz="1400" kern="1200">
-                <a:solidFill>
-                  <a:schemeClr val="tx1">
-                    <a:lumMod val="85000"/>
-                    <a:lumOff val="15000"/>
-                  </a:schemeClr>
-                </a:solidFill>
-                <a:latin typeface="+mn-lt"/>
-                <a:ea typeface="+mn-ea"/>
-                <a:cs typeface="+mn-cs"/>
-              </a:defRPr>
-            </a:lvl6pPr>
-            <a:lvl7pPr marL="1900000" indent="-228600" algn="l" defTabSz="914400" rtl="0" eaLnBrk="1" latinLnBrk="0" hangingPunct="1">
-              <a:lnSpc>
-                <a:spcPct val="90000"/>
-              </a:lnSpc>
-              <a:spcBef>
-                <a:spcPts val="300"/>
-              </a:spcBef>
-              <a:spcAft>
-                <a:spcPts val="300"/>
-              </a:spcAft>
-              <a:buClr>
-                <a:schemeClr val="accent1"/>
-              </a:buClr>
-              <a:buFont typeface="Wingdings 2" pitchFamily="18" charset="2"/>
-              <a:buChar char=""/>
-              <a:defRPr sz="1400" kern="1200">
-                <a:solidFill>
-                  <a:schemeClr val="tx1">
-                    <a:lumMod val="85000"/>
-                    <a:lumOff val="15000"/>
-                  </a:schemeClr>
-                </a:solidFill>
-                <a:latin typeface="+mn-lt"/>
-                <a:ea typeface="+mn-ea"/>
-                <a:cs typeface="+mn-cs"/>
-              </a:defRPr>
-            </a:lvl7pPr>
-            <a:lvl8pPr marL="2200000" indent="-228600" algn="l" defTabSz="914400" rtl="0" eaLnBrk="1" latinLnBrk="0" hangingPunct="1">
-              <a:lnSpc>
-                <a:spcPct val="90000"/>
-              </a:lnSpc>
-              <a:spcBef>
-                <a:spcPts val="300"/>
-              </a:spcBef>
-              <a:spcAft>
-                <a:spcPts val="300"/>
-              </a:spcAft>
-              <a:buClr>
-                <a:schemeClr val="accent1"/>
-              </a:buClr>
-              <a:buFont typeface="Wingdings 2" pitchFamily="18" charset="2"/>
-              <a:buChar char=""/>
-              <a:defRPr sz="1400" kern="1200">
-                <a:solidFill>
-                  <a:schemeClr val="tx1">
-                    <a:lumMod val="85000"/>
-                    <a:lumOff val="15000"/>
-                  </a:schemeClr>
-                </a:solidFill>
-                <a:latin typeface="+mn-lt"/>
-                <a:ea typeface="+mn-ea"/>
-                <a:cs typeface="+mn-cs"/>
-              </a:defRPr>
-            </a:lvl8pPr>
-            <a:lvl9pPr marL="2500000" indent="-228600" algn="l" defTabSz="914400" rtl="0" eaLnBrk="1" latinLnBrk="0" hangingPunct="1">
-              <a:lnSpc>
-                <a:spcPct val="90000"/>
-              </a:lnSpc>
-              <a:spcBef>
-                <a:spcPts val="300"/>
-              </a:spcBef>
-              <a:spcAft>
-                <a:spcPts val="300"/>
-              </a:spcAft>
-              <a:buClr>
-                <a:schemeClr val="accent1"/>
-              </a:buClr>
-              <a:buFont typeface="Wingdings 2" pitchFamily="18" charset="2"/>
-              <a:buChar char=""/>
-              <a:defRPr sz="1400" kern="1200">
-                <a:solidFill>
-                  <a:schemeClr val="tx1">
-                    <a:lumMod val="85000"/>
-                    <a:lumOff val="15000"/>
-                  </a:schemeClr>
-                </a:solidFill>
-                <a:latin typeface="+mn-lt"/>
-                <a:ea typeface="+mn-ea"/>
-                <a:cs typeface="+mn-cs"/>
-              </a:defRPr>
-            </a:lvl9pPr>
-          </a:lstStyle>
-          <a:p>
-            <a:pPr marL="514350" indent="-514350">
-              <a:buAutoNum type="arabicPeriod"/>
-            </a:pPr>
-            <a:r>
-              <a:rPr lang="en-US" sz="2800" dirty="0"/>
-              <a:t>For a </a:t>
-            </a:r>
-            <a:r>
-              <a:rPr lang="en-US" sz="2800" u="sng" dirty="0"/>
-              <a:t>defined population of interest, </a:t>
-            </a:r>
-          </a:p>
-        </p:txBody>
-      </p:sp>
-    </p:spTree>
-    <p:extLst>
-      <p:ext uri="{BB962C8B-B14F-4D97-AF65-F5344CB8AC3E}">
-        <p14:creationId xmlns:p14="http://schemas.microsoft.com/office/powerpoint/2010/main" val="3348349559"/>
-      </p:ext>
-    </p:extLst>
-  </p:cSld>
-  <p:clrMapOvr>
-    <a:masterClrMapping/>
-  </p:clrMapOvr>
-</p:sld>
-</file>
-
 <file path=ppt/slides/slide3.xml><?xml version="1.0" encoding="utf-8"?>
 <p:sld xmlns:a="http://schemas.openxmlformats.org/drawingml/2006/main" xmlns:r="http://schemas.openxmlformats.org/officeDocument/2006/relationships" xmlns:p="http://schemas.openxmlformats.org/presentationml/2006/main">
   <p:cSld>
@@ -14228,21 +14184,19 @@
       </p:sp>
       <p:pic>
         <p:nvPicPr>
-          <p:cNvPr id="5" name="Content Placeholder 4" descr="A group of people posing for the camera&#10;&#10;Description automatically generated">
+          <p:cNvPr id="6" name="Picture 5" descr="A group of people posing for a picture&#10;&#10;Description automatically generated">
             <a:extLst>
               <a:ext uri="{FF2B5EF4-FFF2-40B4-BE49-F238E27FC236}">
-                <a16:creationId xmlns:a16="http://schemas.microsoft.com/office/drawing/2014/main" id="{05B97C3B-5375-46FF-8DF1-E978AD7F137B}"/>
+                <a16:creationId xmlns:a16="http://schemas.microsoft.com/office/drawing/2014/main" id="{FCFD7292-A9B7-091C-C1E0-CD0EB9D2BCAF}"/>
               </a:ext>
             </a:extLst>
           </p:cNvPr>
           <p:cNvPicPr>
-            <a:picLocks noGrp="1" noChangeAspect="1"/>
+            <a:picLocks noChangeAspect="1"/>
           </p:cNvPicPr>
-          <p:nvPr>
-            <p:ph idx="1"/>
-          </p:nvPr>
+          <p:nvPr/>
         </p:nvPicPr>
-        <p:blipFill rotWithShape="1">
+        <p:blipFill>
           <a:blip r:embed="rId3" cstate="print">
             <a:extLst>
               <a:ext uri="{28A0092B-C50C-407E-A947-70E740481C1C}">
@@ -14250,23 +14204,28 @@
               </a:ext>
             </a:extLst>
           </a:blip>
-          <a:stretch/>
+          <a:stretch>
+            <a:fillRect/>
+          </a:stretch>
         </p:blipFill>
         <p:spPr>
-          <a:xfrm>
-            <a:off x="762000" y="1066800"/>
-            <a:ext cx="4191000" cy="5591707"/>
+          <a:xfrm rot="5400000">
+            <a:off x="5174106" y="880441"/>
+            <a:ext cx="6858000" cy="5143500"/>
           </a:xfrm>
+          <a:prstGeom prst="rect">
+            <a:avLst/>
+          </a:prstGeom>
         </p:spPr>
       </p:pic>
-      <mc:AlternateContent xmlns:mc="http://schemas.openxmlformats.org/markup-compatibility/2006" xmlns:a14="http://schemas.microsoft.com/office/drawing/2010/main">
-        <mc:Choice Requires="a14">
+      <mc:AlternateContent xmlns:mc="http://schemas.openxmlformats.org/markup-compatibility/2006">
+        <mc:Choice xmlns:a14="http://schemas.microsoft.com/office/drawing/2010/main" Requires="a14">
           <p:sp>
             <p:nvSpPr>
-              <p:cNvPr id="4" name="TextBox 3">
+              <p:cNvPr id="7" name="TextBox 6">
                 <a:extLst>
                   <a:ext uri="{FF2B5EF4-FFF2-40B4-BE49-F238E27FC236}">
-                    <a16:creationId xmlns:a16="http://schemas.microsoft.com/office/drawing/2014/main" id="{7548CDD0-1238-A3EA-7C33-5A931598ABD0}"/>
+                    <a16:creationId xmlns:a16="http://schemas.microsoft.com/office/drawing/2014/main" id="{47DF9A17-958F-0CD7-70AD-4C72741EA6E9}"/>
                   </a:ext>
                 </a:extLst>
               </p:cNvPr>
@@ -14275,7 +14234,7 @@
             </p:nvSpPr>
             <p:spPr>
               <a:xfrm>
-                <a:off x="5105400" y="1143000"/>
+                <a:off x="132508" y="1146752"/>
                 <a:ext cx="6172200" cy="4708981"/>
               </a:xfrm>
               <a:prstGeom prst="rect">
@@ -14427,13 +14386,13 @@
             </p:txBody>
           </p:sp>
         </mc:Choice>
-        <mc:Fallback xmlns="">
+        <mc:Fallback>
           <p:sp>
             <p:nvSpPr>
-              <p:cNvPr id="4" name="TextBox 3">
+              <p:cNvPr id="7" name="TextBox 6">
                 <a:extLst>
                   <a:ext uri="{FF2B5EF4-FFF2-40B4-BE49-F238E27FC236}">
-                    <a16:creationId xmlns:a16="http://schemas.microsoft.com/office/drawing/2014/main" id="{7548CDD0-1238-A3EA-7C33-5A931598ABD0}"/>
+                    <a16:creationId xmlns:a16="http://schemas.microsoft.com/office/drawing/2014/main" id="{47DF9A17-958F-0CD7-70AD-4C72741EA6E9}"/>
                   </a:ext>
                 </a:extLst>
               </p:cNvPr>
@@ -14444,7 +14403,7 @@
             </p:nvSpPr>
             <p:spPr>
               <a:xfrm>
-                <a:off x="5105400" y="1143000"/>
+                <a:off x="132508" y="1146752"/>
                 <a:ext cx="6172200" cy="4708981"/>
               </a:xfrm>
               <a:prstGeom prst="rect">
@@ -14453,7 +14412,7 @@
               <a:blipFill>
                 <a:blip r:embed="rId4"/>
                 <a:stretch>
-                  <a:fillRect l="-1285" t="-907" b="-1684"/>
+                  <a:fillRect l="-1285" t="-906" b="-1682"/>
                 </a:stretch>
               </a:blipFill>
             </p:spPr>
@@ -14462,7 +14421,7 @@
               <a:lstStyle/>
               <a:p>
                 <a:r>
-                  <a:rPr lang="en-US">
+                  <a:rPr lang="en-CA">
                     <a:noFill/>
                   </a:rPr>
                   <a:t> </a:t>
@@ -14475,7 +14434,7 @@
     </p:spTree>
     <p:extLst>
       <p:ext uri="{BB962C8B-B14F-4D97-AF65-F5344CB8AC3E}">
-        <p14:creationId xmlns:p14="http://schemas.microsoft.com/office/powerpoint/2010/main" val="2735801824"/>
+        <p14:creationId xmlns:p14="http://schemas.microsoft.com/office/powerpoint/2010/main" val="1447813118"/>
       </p:ext>
     </p:extLst>
   </p:cSld>
@@ -14844,25 +14803,12 @@
               <a:t>defined population of interest, </a:t>
             </a:r>
           </a:p>
-          <a:p>
-            <a:pPr marL="514350" indent="-514350">
-              <a:buAutoNum type="arabicPeriod"/>
-            </a:pPr>
-            <a:r>
-              <a:rPr lang="en-US" sz="2800" dirty="0"/>
-              <a:t>With an </a:t>
-            </a:r>
-            <a:r>
-              <a:rPr lang="en-US" sz="2800" u="sng" dirty="0"/>
-              <a:t>appropriately selected random sample,</a:t>
-            </a:r>
-          </a:p>
         </p:txBody>
       </p:sp>
     </p:spTree>
     <p:extLst>
       <p:ext uri="{BB962C8B-B14F-4D97-AF65-F5344CB8AC3E}">
-        <p14:creationId xmlns:p14="http://schemas.microsoft.com/office/powerpoint/2010/main" val="2329274608"/>
+        <p14:creationId xmlns:p14="http://schemas.microsoft.com/office/powerpoint/2010/main" val="3348349559"/>
       </p:ext>
     </p:extLst>
   </p:cSld>
@@ -15244,25 +15190,12 @@
               <a:t>appropriately selected random sample,</a:t>
             </a:r>
           </a:p>
-          <a:p>
-            <a:pPr marL="514350" indent="-514350">
-              <a:buAutoNum type="arabicPeriod"/>
-            </a:pPr>
-            <a:r>
-              <a:rPr lang="en-US" sz="2800" dirty="0"/>
-              <a:t>And a </a:t>
-            </a:r>
-            <a:r>
-              <a:rPr lang="en-US" sz="2800" u="sng" dirty="0"/>
-              <a:t>well-measured variable of interest,</a:t>
-            </a:r>
-          </a:p>
         </p:txBody>
       </p:sp>
     </p:spTree>
     <p:extLst>
       <p:ext uri="{BB962C8B-B14F-4D97-AF65-F5344CB8AC3E}">
-        <p14:creationId xmlns:p14="http://schemas.microsoft.com/office/powerpoint/2010/main" val="612190701"/>
+        <p14:creationId xmlns:p14="http://schemas.microsoft.com/office/powerpoint/2010/main" val="2329274608"/>
       </p:ext>
     </p:extLst>
   </p:cSld>
@@ -15656,45 +15589,13 @@
               <a:rPr lang="en-US" sz="2800" u="sng" dirty="0"/>
               <a:t>well-measured variable of interest,</a:t>
             </a:r>
-            <a:endParaRPr lang="en-US" sz="2800" dirty="0"/>
-          </a:p>
-          <a:p>
-            <a:pPr marL="514350" indent="-514350">
-              <a:buAutoNum type="arabicPeriod"/>
-            </a:pPr>
-            <a:r>
-              <a:rPr lang="en-US" sz="2800" dirty="0"/>
-              <a:t>Under </a:t>
-            </a:r>
-            <a:r>
-              <a:rPr lang="en-US" sz="2800" u="sng" dirty="0"/>
-              <a:t>the appropriate assumptions:</a:t>
-            </a:r>
-          </a:p>
-          <a:p>
-            <a:pPr marL="514350" indent="-514350">
-              <a:buAutoNum type="arabicPeriod"/>
-            </a:pPr>
-            <a:endParaRPr lang="en-US" sz="2800" b="1" dirty="0">
-              <a:solidFill>
-                <a:schemeClr val="accent2">
-                  <a:lumMod val="75000"/>
-                </a:schemeClr>
-              </a:solidFill>
-            </a:endParaRPr>
-          </a:p>
-          <a:p>
-            <a:pPr marL="514350" indent="-514350">
-              <a:buAutoNum type="arabicPeriod"/>
-            </a:pPr>
-            <a:endParaRPr lang="en-US" sz="2800" u="sng" dirty="0"/>
           </a:p>
         </p:txBody>
       </p:sp>
     </p:spTree>
     <p:extLst>
       <p:ext uri="{BB962C8B-B14F-4D97-AF65-F5344CB8AC3E}">
-        <p14:creationId xmlns:p14="http://schemas.microsoft.com/office/powerpoint/2010/main" val="471639199"/>
+        <p14:creationId xmlns:p14="http://schemas.microsoft.com/office/powerpoint/2010/main" val="612190701"/>
       </p:ext>
     </p:extLst>
   </p:cSld>
@@ -16107,22 +16008,13 @@
             <a:pPr marL="514350" indent="-514350">
               <a:buAutoNum type="arabicPeriod"/>
             </a:pPr>
-            <a:endParaRPr lang="en-US" sz="2800" u="sng" dirty="0"/>
-          </a:p>
-          <a:p>
-            <a:pPr marL="0" indent="0" algn="ctr">
-              <a:buNone/>
-            </a:pPr>
-            <a:r>
-              <a:rPr lang="en-US" sz="2800" b="1" dirty="0">
-                <a:solidFill>
-                  <a:schemeClr val="accent2">
-                    <a:lumMod val="75000"/>
-                  </a:schemeClr>
-                </a:solidFill>
-              </a:rPr>
-              <a:t>One can make inferences about the (changes in) distribution of the variable in the population given the sample</a:t>
-            </a:r>
+            <a:endParaRPr lang="en-US" sz="2800" b="1" dirty="0">
+              <a:solidFill>
+                <a:schemeClr val="accent2">
+                  <a:lumMod val="75000"/>
+                </a:schemeClr>
+              </a:solidFill>
+            </a:endParaRPr>
           </a:p>
           <a:p>
             <a:pPr marL="514350" indent="-514350">
@@ -16135,7 +16027,7 @@
     </p:spTree>
     <p:extLst>
       <p:ext uri="{BB962C8B-B14F-4D97-AF65-F5344CB8AC3E}">
-        <p14:creationId xmlns:p14="http://schemas.microsoft.com/office/powerpoint/2010/main" val="3477177824"/>
+        <p14:creationId xmlns:p14="http://schemas.microsoft.com/office/powerpoint/2010/main" val="471639199"/>
       </p:ext>
     </p:extLst>
   </p:cSld>
@@ -16164,41 +16056,6 @@
       </p:grpSpPr>
       <p:sp>
         <p:nvSpPr>
-          <p:cNvPr id="4" name="Content Placeholder 3">
-            <a:extLst>
-              <a:ext uri="{FF2B5EF4-FFF2-40B4-BE49-F238E27FC236}">
-                <a16:creationId xmlns:a16="http://schemas.microsoft.com/office/drawing/2014/main" id="{AE68E5BA-C675-4302-ABDA-3EFDD6418FDE}"/>
-              </a:ext>
-            </a:extLst>
-          </p:cNvPr>
-          <p:cNvSpPr>
-            <a:spLocks noGrp="1"/>
-          </p:cNvSpPr>
-          <p:nvPr>
-            <p:ph idx="1"/>
-          </p:nvPr>
-        </p:nvSpPr>
-        <p:spPr>
-          <a:xfrm>
-            <a:off x="2470404" y="1608139"/>
-            <a:ext cx="7359396" cy="4572000"/>
-          </a:xfrm>
-        </p:spPr>
-        <p:txBody>
-          <a:bodyPr/>
-          <a:lstStyle/>
-          <a:p>
-            <a:pPr lvl="1"/>
-            <a:endParaRPr lang="en-US" dirty="0"/>
-          </a:p>
-          <a:p>
-            <a:pPr lvl="1"/>
-            <a:endParaRPr lang="en-US" dirty="0"/>
-          </a:p>
-        </p:txBody>
-      </p:sp>
-      <p:sp>
-        <p:nvSpPr>
           <p:cNvPr id="6" name="Title 1">
             <a:extLst>
               <a:ext uri="{FF2B5EF4-FFF2-40B4-BE49-F238E27FC236}">
@@ -16251,35 +16108,17 @@
                 </a:solidFill>
                 <a:latin typeface="Times New Roman" panose="02020603050405020304" pitchFamily="18" charset="0"/>
               </a:rPr>
-              <a:t>What statistics </a:t>
-            </a:r>
-            <a:r>
-              <a:rPr lang="en-US" b="1" dirty="0">
-                <a:solidFill>
-                  <a:srgbClr val="0070C0"/>
-                </a:solidFill>
-                <a:latin typeface="Times New Roman" panose="02020603050405020304" pitchFamily="18" charset="0"/>
-              </a:rPr>
-              <a:t>cannot</a:t>
-            </a:r>
-            <a:r>
-              <a:rPr lang="en-US" dirty="0">
-                <a:solidFill>
-                  <a:srgbClr val="0070C0"/>
-                </a:solidFill>
-                <a:latin typeface="Times New Roman" panose="02020603050405020304" pitchFamily="18" charset="0"/>
-              </a:rPr>
-              <a:t> do (well)</a:t>
-            </a:r>
-          </a:p>
-        </p:txBody>
-      </p:sp>
-      <p:sp>
-        <p:nvSpPr>
-          <p:cNvPr id="5" name="Content Placeholder 3">
+              <a:t>What statistics can do</a:t>
+            </a:r>
+          </a:p>
+        </p:txBody>
+      </p:sp>
+      <p:sp>
+        <p:nvSpPr>
+          <p:cNvPr id="2" name="Content Placeholder 3">
             <a:extLst>
               <a:ext uri="{FF2B5EF4-FFF2-40B4-BE49-F238E27FC236}">
-                <a16:creationId xmlns:a16="http://schemas.microsoft.com/office/drawing/2014/main" id="{EF77A64B-FB81-2AF7-47B1-7CC481CD8F82}"/>
+                <a16:creationId xmlns:a16="http://schemas.microsoft.com/office/drawing/2014/main" id="{3F15E76A-5D15-A90E-3BAC-6C06CA5B293D}"/>
               </a:ext>
             </a:extLst>
           </p:cNvPr>
@@ -16545,6 +16384,500 @@
             </a:lvl9pPr>
           </a:lstStyle>
           <a:p>
+            <a:pPr marL="514350" indent="-514350">
+              <a:buAutoNum type="arabicPeriod"/>
+            </a:pPr>
+            <a:r>
+              <a:rPr lang="en-US" sz="2800" dirty="0"/>
+              <a:t>For a </a:t>
+            </a:r>
+            <a:r>
+              <a:rPr lang="en-US" sz="2800" u="sng" dirty="0"/>
+              <a:t>defined population of interest, </a:t>
+            </a:r>
+          </a:p>
+          <a:p>
+            <a:pPr marL="514350" indent="-514350">
+              <a:buAutoNum type="arabicPeriod"/>
+            </a:pPr>
+            <a:r>
+              <a:rPr lang="en-US" sz="2800" dirty="0"/>
+              <a:t>With an </a:t>
+            </a:r>
+            <a:r>
+              <a:rPr lang="en-US" sz="2800" u="sng" dirty="0"/>
+              <a:t>appropriately selected random sample,</a:t>
+            </a:r>
+          </a:p>
+          <a:p>
+            <a:pPr marL="514350" indent="-514350">
+              <a:buAutoNum type="arabicPeriod"/>
+            </a:pPr>
+            <a:r>
+              <a:rPr lang="en-US" sz="2800" dirty="0"/>
+              <a:t>And a </a:t>
+            </a:r>
+            <a:r>
+              <a:rPr lang="en-US" sz="2800" u="sng" dirty="0"/>
+              <a:t>well-measured variable of interest,</a:t>
+            </a:r>
+            <a:endParaRPr lang="en-US" sz="2800" dirty="0"/>
+          </a:p>
+          <a:p>
+            <a:pPr marL="514350" indent="-514350">
+              <a:buAutoNum type="arabicPeriod"/>
+            </a:pPr>
+            <a:r>
+              <a:rPr lang="en-US" sz="2800" dirty="0"/>
+              <a:t>Under </a:t>
+            </a:r>
+            <a:r>
+              <a:rPr lang="en-US" sz="2800" u="sng" dirty="0"/>
+              <a:t>the appropriate assumptions:</a:t>
+            </a:r>
+          </a:p>
+          <a:p>
+            <a:pPr marL="514350" indent="-514350">
+              <a:buAutoNum type="arabicPeriod"/>
+            </a:pPr>
+            <a:endParaRPr lang="en-US" sz="2800" u="sng" dirty="0"/>
+          </a:p>
+          <a:p>
+            <a:pPr marL="0" indent="0" algn="ctr">
+              <a:buNone/>
+            </a:pPr>
+            <a:r>
+              <a:rPr lang="en-US" sz="2800" b="1" dirty="0">
+                <a:solidFill>
+                  <a:schemeClr val="accent2">
+                    <a:lumMod val="75000"/>
+                  </a:schemeClr>
+                </a:solidFill>
+              </a:rPr>
+              <a:t>One can make inferences about the (changes in) distribution of the variable in the population given the sample</a:t>
+            </a:r>
+          </a:p>
+          <a:p>
+            <a:pPr marL="514350" indent="-514350">
+              <a:buAutoNum type="arabicPeriod"/>
+            </a:pPr>
+            <a:endParaRPr lang="en-US" sz="2800" u="sng" dirty="0"/>
+          </a:p>
+        </p:txBody>
+      </p:sp>
+    </p:spTree>
+    <p:extLst>
+      <p:ext uri="{BB962C8B-B14F-4D97-AF65-F5344CB8AC3E}">
+        <p14:creationId xmlns:p14="http://schemas.microsoft.com/office/powerpoint/2010/main" val="3477177824"/>
+      </p:ext>
+    </p:extLst>
+  </p:cSld>
+  <p:clrMapOvr>
+    <a:masterClrMapping/>
+  </p:clrMapOvr>
+</p:sld>
+</file>
+
+<file path=ppt/slides/slide35.xml><?xml version="1.0" encoding="utf-8"?>
+<p:sld xmlns:a="http://schemas.openxmlformats.org/drawingml/2006/main" xmlns:r="http://schemas.openxmlformats.org/officeDocument/2006/relationships" xmlns:p="http://schemas.openxmlformats.org/presentationml/2006/main">
+  <p:cSld>
+    <p:spTree>
+      <p:nvGrpSpPr>
+        <p:cNvPr id="1" name=""/>
+        <p:cNvGrpSpPr/>
+        <p:nvPr/>
+      </p:nvGrpSpPr>
+      <p:grpSpPr>
+        <a:xfrm>
+          <a:off x="0" y="0"/>
+          <a:ext cx="0" cy="0"/>
+          <a:chOff x="0" y="0"/>
+          <a:chExt cx="0" cy="0"/>
+        </a:xfrm>
+      </p:grpSpPr>
+      <p:sp>
+        <p:nvSpPr>
+          <p:cNvPr id="4" name="Content Placeholder 3">
+            <a:extLst>
+              <a:ext uri="{FF2B5EF4-FFF2-40B4-BE49-F238E27FC236}">
+                <a16:creationId xmlns:a16="http://schemas.microsoft.com/office/drawing/2014/main" id="{AE68E5BA-C675-4302-ABDA-3EFDD6418FDE}"/>
+              </a:ext>
+            </a:extLst>
+          </p:cNvPr>
+          <p:cNvSpPr>
+            <a:spLocks noGrp="1"/>
+          </p:cNvSpPr>
+          <p:nvPr>
+            <p:ph idx="1"/>
+          </p:nvPr>
+        </p:nvSpPr>
+        <p:spPr>
+          <a:xfrm>
+            <a:off x="2470404" y="1608139"/>
+            <a:ext cx="7359396" cy="4572000"/>
+          </a:xfrm>
+        </p:spPr>
+        <p:txBody>
+          <a:bodyPr/>
+          <a:lstStyle/>
+          <a:p>
+            <a:pPr lvl="1"/>
+            <a:endParaRPr lang="en-US" dirty="0"/>
+          </a:p>
+          <a:p>
+            <a:pPr lvl="1"/>
+            <a:endParaRPr lang="en-US" dirty="0"/>
+          </a:p>
+        </p:txBody>
+      </p:sp>
+      <p:sp>
+        <p:nvSpPr>
+          <p:cNvPr id="6" name="Title 1">
+            <a:extLst>
+              <a:ext uri="{FF2B5EF4-FFF2-40B4-BE49-F238E27FC236}">
+                <a16:creationId xmlns:a16="http://schemas.microsoft.com/office/drawing/2014/main" id="{2447C70A-E8CD-4D7B-8C00-FF6EC3DCB236}"/>
+              </a:ext>
+            </a:extLst>
+          </p:cNvPr>
+          <p:cNvSpPr txBox="1">
+            <a:spLocks/>
+          </p:cNvSpPr>
+          <p:nvPr/>
+        </p:nvSpPr>
+        <p:spPr>
+          <a:xfrm>
+            <a:off x="318370" y="387315"/>
+            <a:ext cx="9692640" cy="777240"/>
+          </a:xfrm>
+          <a:prstGeom prst="rect">
+            <a:avLst/>
+          </a:prstGeom>
+        </p:spPr>
+        <p:txBody>
+          <a:bodyPr vert="horz" lIns="91440" tIns="45720" rIns="91440" bIns="45720" rtlCol="0" anchor="b">
+            <a:normAutofit/>
+          </a:bodyPr>
+          <a:lstStyle>
+            <a:lvl1pPr algn="l" defTabSz="914400" rtl="0" eaLnBrk="1" latinLnBrk="0" hangingPunct="1">
+              <a:lnSpc>
+                <a:spcPct val="90000"/>
+              </a:lnSpc>
+              <a:spcBef>
+                <a:spcPct val="0"/>
+              </a:spcBef>
+              <a:buNone/>
+              <a:defRPr sz="4400" kern="1200" spc="-50" baseline="0">
+                <a:solidFill>
+                  <a:schemeClr val="tx1"/>
+                </a:solidFill>
+                <a:latin typeface="+mj-lt"/>
+                <a:ea typeface="+mj-ea"/>
+                <a:cs typeface="+mj-cs"/>
+              </a:defRPr>
+            </a:lvl1pPr>
+          </a:lstStyle>
+          <a:p>
+            <a:r>
+              <a:rPr lang="en-US" dirty="0">
+                <a:solidFill>
+                  <a:srgbClr val="0070C0"/>
+                </a:solidFill>
+                <a:latin typeface="Times New Roman" panose="02020603050405020304" pitchFamily="18" charset="0"/>
+              </a:rPr>
+              <a:t>What statistics </a:t>
+            </a:r>
+            <a:r>
+              <a:rPr lang="en-US" b="1" dirty="0">
+                <a:solidFill>
+                  <a:srgbClr val="0070C0"/>
+                </a:solidFill>
+                <a:latin typeface="Times New Roman" panose="02020603050405020304" pitchFamily="18" charset="0"/>
+              </a:rPr>
+              <a:t>cannot</a:t>
+            </a:r>
+            <a:r>
+              <a:rPr lang="en-US" dirty="0">
+                <a:solidFill>
+                  <a:srgbClr val="0070C0"/>
+                </a:solidFill>
+                <a:latin typeface="Times New Roman" panose="02020603050405020304" pitchFamily="18" charset="0"/>
+              </a:rPr>
+              <a:t> do (well)</a:t>
+            </a:r>
+          </a:p>
+        </p:txBody>
+      </p:sp>
+      <p:sp>
+        <p:nvSpPr>
+          <p:cNvPr id="5" name="Content Placeholder 3">
+            <a:extLst>
+              <a:ext uri="{FF2B5EF4-FFF2-40B4-BE49-F238E27FC236}">
+                <a16:creationId xmlns:a16="http://schemas.microsoft.com/office/drawing/2014/main" id="{EF77A64B-FB81-2AF7-47B1-7CC481CD8F82}"/>
+              </a:ext>
+            </a:extLst>
+          </p:cNvPr>
+          <p:cNvSpPr txBox="1">
+            <a:spLocks/>
+          </p:cNvSpPr>
+          <p:nvPr/>
+        </p:nvSpPr>
+        <p:spPr>
+          <a:xfrm>
+            <a:off x="389852" y="1219200"/>
+            <a:ext cx="9634728" cy="4960939"/>
+          </a:xfrm>
+          <a:prstGeom prst="rect">
+            <a:avLst/>
+          </a:prstGeom>
+        </p:spPr>
+        <p:txBody>
+          <a:bodyPr vert="horz" lIns="91440" tIns="45720" rIns="91440" bIns="45720" rtlCol="0">
+            <a:noAutofit/>
+          </a:bodyPr>
+          <a:lstStyle>
+            <a:lvl1pPr marL="182880" indent="-182880" algn="l" defTabSz="914400" rtl="0" eaLnBrk="1" latinLnBrk="0" hangingPunct="1">
+              <a:lnSpc>
+                <a:spcPct val="95000"/>
+              </a:lnSpc>
+              <a:spcBef>
+                <a:spcPts val="1400"/>
+              </a:spcBef>
+              <a:spcAft>
+                <a:spcPts val="200"/>
+              </a:spcAft>
+              <a:buClr>
+                <a:schemeClr val="accent1"/>
+              </a:buClr>
+              <a:buSzPct val="80000"/>
+              <a:buFont typeface="Arial" pitchFamily="34" charset="0"/>
+              <a:buChar char="•"/>
+              <a:defRPr sz="1800" kern="1200" spc="10" baseline="0">
+                <a:solidFill>
+                  <a:schemeClr val="tx1"/>
+                </a:solidFill>
+                <a:latin typeface="Times New Roman" panose="02020603050405020304" pitchFamily="18" charset="0"/>
+                <a:ea typeface="+mn-ea"/>
+                <a:cs typeface="+mn-cs"/>
+              </a:defRPr>
+            </a:lvl1pPr>
+            <a:lvl2pPr marL="457200" indent="-182880" algn="l" defTabSz="914400" rtl="0" eaLnBrk="1" latinLnBrk="0" hangingPunct="1">
+              <a:lnSpc>
+                <a:spcPct val="90000"/>
+              </a:lnSpc>
+              <a:spcBef>
+                <a:spcPts val="300"/>
+              </a:spcBef>
+              <a:spcAft>
+                <a:spcPts val="300"/>
+              </a:spcAft>
+              <a:buClr>
+                <a:schemeClr val="accent1"/>
+              </a:buClr>
+              <a:buFont typeface="Wingdings 2" pitchFamily="18" charset="2"/>
+              <a:buChar char=""/>
+              <a:defRPr sz="1600" kern="1200">
+                <a:solidFill>
+                  <a:schemeClr val="tx1">
+                    <a:lumMod val="85000"/>
+                    <a:lumOff val="15000"/>
+                  </a:schemeClr>
+                </a:solidFill>
+                <a:latin typeface="Times New Roman" panose="02020603050405020304" pitchFamily="18" charset="0"/>
+                <a:ea typeface="+mn-ea"/>
+                <a:cs typeface="+mn-cs"/>
+              </a:defRPr>
+            </a:lvl2pPr>
+            <a:lvl3pPr marL="731520" indent="-182880" algn="l" defTabSz="914400" rtl="0" eaLnBrk="1" latinLnBrk="0" hangingPunct="1">
+              <a:lnSpc>
+                <a:spcPct val="90000"/>
+              </a:lnSpc>
+              <a:spcBef>
+                <a:spcPts val="300"/>
+              </a:spcBef>
+              <a:spcAft>
+                <a:spcPts val="300"/>
+              </a:spcAft>
+              <a:buClr>
+                <a:schemeClr val="accent1"/>
+              </a:buClr>
+              <a:buFont typeface="Wingdings 2" pitchFamily="18" charset="2"/>
+              <a:buChar char=""/>
+              <a:defRPr sz="1400" kern="1200">
+                <a:solidFill>
+                  <a:schemeClr val="tx1">
+                    <a:lumMod val="85000"/>
+                    <a:lumOff val="15000"/>
+                  </a:schemeClr>
+                </a:solidFill>
+                <a:latin typeface="Times New Roman" panose="02020603050405020304" pitchFamily="18" charset="0"/>
+                <a:ea typeface="+mn-ea"/>
+                <a:cs typeface="+mn-cs"/>
+              </a:defRPr>
+            </a:lvl3pPr>
+            <a:lvl4pPr marL="1005840" indent="-182880" algn="l" defTabSz="914400" rtl="0" eaLnBrk="1" latinLnBrk="0" hangingPunct="1">
+              <a:lnSpc>
+                <a:spcPct val="90000"/>
+              </a:lnSpc>
+              <a:spcBef>
+                <a:spcPts val="300"/>
+              </a:spcBef>
+              <a:spcAft>
+                <a:spcPts val="300"/>
+              </a:spcAft>
+              <a:buClr>
+                <a:schemeClr val="accent1"/>
+              </a:buClr>
+              <a:buFont typeface="Wingdings 2" pitchFamily="18" charset="2"/>
+              <a:buChar char=""/>
+              <a:defRPr sz="1400" kern="1200">
+                <a:solidFill>
+                  <a:schemeClr val="tx1">
+                    <a:lumMod val="85000"/>
+                    <a:lumOff val="15000"/>
+                  </a:schemeClr>
+                </a:solidFill>
+                <a:latin typeface="Times New Roman" panose="02020603050405020304" pitchFamily="18" charset="0"/>
+                <a:ea typeface="+mn-ea"/>
+                <a:cs typeface="+mn-cs"/>
+              </a:defRPr>
+            </a:lvl4pPr>
+            <a:lvl5pPr marL="1280160" indent="-182880" algn="l" defTabSz="914400" rtl="0" eaLnBrk="1" latinLnBrk="0" hangingPunct="1">
+              <a:lnSpc>
+                <a:spcPct val="90000"/>
+              </a:lnSpc>
+              <a:spcBef>
+                <a:spcPts val="300"/>
+              </a:spcBef>
+              <a:spcAft>
+                <a:spcPts val="300"/>
+              </a:spcAft>
+              <a:buClr>
+                <a:schemeClr val="accent1"/>
+              </a:buClr>
+              <a:buFont typeface="Wingdings 2" pitchFamily="18" charset="2"/>
+              <a:buChar char=""/>
+              <a:defRPr sz="1400" kern="1200">
+                <a:solidFill>
+                  <a:schemeClr val="tx1">
+                    <a:lumMod val="85000"/>
+                    <a:lumOff val="15000"/>
+                  </a:schemeClr>
+                </a:solidFill>
+                <a:latin typeface="Times New Roman" panose="02020603050405020304" pitchFamily="18" charset="0"/>
+                <a:ea typeface="+mn-ea"/>
+                <a:cs typeface="+mn-cs"/>
+              </a:defRPr>
+            </a:lvl5pPr>
+            <a:lvl6pPr marL="1600000" indent="-228600" algn="l" defTabSz="914400" rtl="0" eaLnBrk="1" latinLnBrk="0" hangingPunct="1">
+              <a:lnSpc>
+                <a:spcPct val="90000"/>
+              </a:lnSpc>
+              <a:spcBef>
+                <a:spcPts val="300"/>
+              </a:spcBef>
+              <a:spcAft>
+                <a:spcPts val="300"/>
+              </a:spcAft>
+              <a:buClr>
+                <a:schemeClr val="accent1"/>
+              </a:buClr>
+              <a:buFont typeface="Wingdings 2" pitchFamily="18" charset="2"/>
+              <a:buChar char=""/>
+              <a:defRPr sz="1400" kern="1200">
+                <a:solidFill>
+                  <a:schemeClr val="tx1">
+                    <a:lumMod val="85000"/>
+                    <a:lumOff val="15000"/>
+                  </a:schemeClr>
+                </a:solidFill>
+                <a:latin typeface="+mn-lt"/>
+                <a:ea typeface="+mn-ea"/>
+                <a:cs typeface="+mn-cs"/>
+              </a:defRPr>
+            </a:lvl6pPr>
+            <a:lvl7pPr marL="1900000" indent="-228600" algn="l" defTabSz="914400" rtl="0" eaLnBrk="1" latinLnBrk="0" hangingPunct="1">
+              <a:lnSpc>
+                <a:spcPct val="90000"/>
+              </a:lnSpc>
+              <a:spcBef>
+                <a:spcPts val="300"/>
+              </a:spcBef>
+              <a:spcAft>
+                <a:spcPts val="300"/>
+              </a:spcAft>
+              <a:buClr>
+                <a:schemeClr val="accent1"/>
+              </a:buClr>
+              <a:buFont typeface="Wingdings 2" pitchFamily="18" charset="2"/>
+              <a:buChar char=""/>
+              <a:defRPr sz="1400" kern="1200">
+                <a:solidFill>
+                  <a:schemeClr val="tx1">
+                    <a:lumMod val="85000"/>
+                    <a:lumOff val="15000"/>
+                  </a:schemeClr>
+                </a:solidFill>
+                <a:latin typeface="+mn-lt"/>
+                <a:ea typeface="+mn-ea"/>
+                <a:cs typeface="+mn-cs"/>
+              </a:defRPr>
+            </a:lvl7pPr>
+            <a:lvl8pPr marL="2200000" indent="-228600" algn="l" defTabSz="914400" rtl="0" eaLnBrk="1" latinLnBrk="0" hangingPunct="1">
+              <a:lnSpc>
+                <a:spcPct val="90000"/>
+              </a:lnSpc>
+              <a:spcBef>
+                <a:spcPts val="300"/>
+              </a:spcBef>
+              <a:spcAft>
+                <a:spcPts val="300"/>
+              </a:spcAft>
+              <a:buClr>
+                <a:schemeClr val="accent1"/>
+              </a:buClr>
+              <a:buFont typeface="Wingdings 2" pitchFamily="18" charset="2"/>
+              <a:buChar char=""/>
+              <a:defRPr sz="1400" kern="1200">
+                <a:solidFill>
+                  <a:schemeClr val="tx1">
+                    <a:lumMod val="85000"/>
+                    <a:lumOff val="15000"/>
+                  </a:schemeClr>
+                </a:solidFill>
+                <a:latin typeface="+mn-lt"/>
+                <a:ea typeface="+mn-ea"/>
+                <a:cs typeface="+mn-cs"/>
+              </a:defRPr>
+            </a:lvl8pPr>
+            <a:lvl9pPr marL="2500000" indent="-228600" algn="l" defTabSz="914400" rtl="0" eaLnBrk="1" latinLnBrk="0" hangingPunct="1">
+              <a:lnSpc>
+                <a:spcPct val="90000"/>
+              </a:lnSpc>
+              <a:spcBef>
+                <a:spcPts val="300"/>
+              </a:spcBef>
+              <a:spcAft>
+                <a:spcPts val="300"/>
+              </a:spcAft>
+              <a:buClr>
+                <a:schemeClr val="accent1"/>
+              </a:buClr>
+              <a:buFont typeface="Wingdings 2" pitchFamily="18" charset="2"/>
+              <a:buChar char=""/>
+              <a:defRPr sz="1400" kern="1200">
+                <a:solidFill>
+                  <a:schemeClr val="tx1">
+                    <a:lumMod val="85000"/>
+                    <a:lumOff val="15000"/>
+                  </a:schemeClr>
+                </a:solidFill>
+                <a:latin typeface="+mn-lt"/>
+                <a:ea typeface="+mn-ea"/>
+                <a:cs typeface="+mn-cs"/>
+              </a:defRPr>
+            </a:lvl9pPr>
+          </a:lstStyle>
+          <a:p>
             <a:r>
               <a:rPr lang="en-US" sz="2800" dirty="0"/>
               <a:t>Go from a limited sample to a (even related) population</a:t>
@@ -16583,7 +16916,7 @@
 </p:sld>
 </file>
 
-<file path=ppt/slides/slide35.xml><?xml version="1.0" encoding="utf-8"?>
+<file path=ppt/slides/slide36.xml><?xml version="1.0" encoding="utf-8"?>
 <p:sld xmlns:a="http://schemas.openxmlformats.org/drawingml/2006/main" xmlns:r="http://schemas.openxmlformats.org/officeDocument/2006/relationships" xmlns:p="http://schemas.openxmlformats.org/presentationml/2006/main">
   <p:cSld>
     <p:spTree>
@@ -17416,7 +17749,7 @@
         </p:nvSpPr>
         <p:spPr>
           <a:xfrm>
-            <a:off x="988118" y="3314134"/>
+            <a:off x="988118" y="3450343"/>
             <a:ext cx="10060882" cy="510778"/>
           </a:xfrm>
           <a:prstGeom prst="roundRect">
@@ -17442,10 +17775,20 @@
           </a:bodyPr>
           <a:lstStyle/>
           <a:p>
+            <a:r>
+              <a:rPr lang="en-US" sz="2400" dirty="0">
+                <a:solidFill>
+                  <a:schemeClr val="accent2">
+                    <a:lumMod val="50000"/>
+                  </a:schemeClr>
+                </a:solidFill>
+              </a:rPr>
+              <a:t>Others looking to prepare for academic careers</a:t>
+            </a:r>
             <a:endParaRPr lang="en-CA" sz="2400" dirty="0">
               <a:solidFill>
                 <a:schemeClr val="accent2">
-                  <a:lumMod val="75000"/>
+                  <a:lumMod val="50000"/>
                 </a:schemeClr>
               </a:solidFill>
             </a:endParaRPr>
@@ -17467,6 +17810,93 @@
         <p:spPr>
           <a:xfrm>
             <a:off x="988119" y="4490799"/>
+            <a:ext cx="10060882" cy="919401"/>
+          </a:xfrm>
+          <a:prstGeom prst="roundRect">
+            <a:avLst/>
+          </a:prstGeom>
+          <a:solidFill>
+            <a:schemeClr val="accent2">
+              <a:lumMod val="40000"/>
+              <a:lumOff val="60000"/>
+            </a:schemeClr>
+          </a:solidFill>
+          <a:ln>
+            <a:solidFill>
+              <a:schemeClr val="accent2">
+                <a:lumMod val="50000"/>
+              </a:schemeClr>
+            </a:solidFill>
+          </a:ln>
+        </p:spPr>
+        <p:txBody>
+          <a:bodyPr wrap="square" rtlCol="0">
+            <a:spAutoFit/>
+          </a:bodyPr>
+          <a:lstStyle/>
+          <a:p>
+            <a:r>
+              <a:rPr lang="en-US" sz="2400" i="0" dirty="0">
+                <a:solidFill>
+                  <a:schemeClr val="accent2">
+                    <a:lumMod val="50000"/>
+                  </a:schemeClr>
+                </a:solidFill>
+                <a:effectLst/>
+                <a:latin typeface="+mj-lt"/>
+              </a:rPr>
+              <a:t>I hope to work with healthcare institutions to make </a:t>
+            </a:r>
+            <a:r>
+              <a:rPr lang="en-US" sz="2400" i="0" dirty="0" err="1">
+                <a:solidFill>
+                  <a:schemeClr val="accent2">
+                    <a:lumMod val="50000"/>
+                  </a:schemeClr>
+                </a:solidFill>
+                <a:effectLst/>
+                <a:latin typeface="+mj-lt"/>
+              </a:rPr>
+              <a:t>meso</a:t>
+            </a:r>
+            <a:r>
+              <a:rPr lang="en-US" sz="2400" i="0" dirty="0">
+                <a:solidFill>
+                  <a:schemeClr val="accent2">
+                    <a:lumMod val="50000"/>
+                  </a:schemeClr>
+                </a:solidFill>
+                <a:effectLst/>
+                <a:latin typeface="+mj-lt"/>
+              </a:rPr>
+              <a:t> and macro level changes through healthcare protocols and the like. </a:t>
+            </a:r>
+            <a:endParaRPr lang="en-CA" sz="2400" dirty="0">
+              <a:solidFill>
+                <a:schemeClr val="accent2">
+                  <a:lumMod val="50000"/>
+                </a:schemeClr>
+              </a:solidFill>
+              <a:latin typeface="+mj-lt"/>
+            </a:endParaRPr>
+          </a:p>
+        </p:txBody>
+      </p:sp>
+      <p:sp>
+        <p:nvSpPr>
+          <p:cNvPr id="16" name="TextBox 15">
+            <a:extLst>
+              <a:ext uri="{FF2B5EF4-FFF2-40B4-BE49-F238E27FC236}">
+                <a16:creationId xmlns:a16="http://schemas.microsoft.com/office/drawing/2014/main" id="{044AD57E-3F5D-52D7-2D73-D98C8B80C9C7}"/>
+              </a:ext>
+            </a:extLst>
+          </p:cNvPr>
+          <p:cNvSpPr txBox="1"/>
+          <p:nvPr/>
+        </p:nvSpPr>
+        <p:spPr>
+          <a:xfrm>
+            <a:off x="988119" y="2409886"/>
             <a:ext cx="10060882" cy="510778"/>
           </a:xfrm>
           <a:prstGeom prst="roundRect">
@@ -17492,10 +17922,20 @@
           </a:bodyPr>
           <a:lstStyle/>
           <a:p>
+            <a:r>
+              <a:rPr lang="en-US" sz="2400" dirty="0">
+                <a:solidFill>
+                  <a:schemeClr val="accent2">
+                    <a:lumMod val="50000"/>
+                  </a:schemeClr>
+                </a:solidFill>
+              </a:rPr>
+              <a:t>Some looking to improve clinical practice</a:t>
+            </a:r>
             <a:endParaRPr lang="en-CA" sz="2400" dirty="0">
               <a:solidFill>
                 <a:schemeClr val="accent2">
-                  <a:lumMod val="75000"/>
+                  <a:lumMod val="50000"/>
                 </a:schemeClr>
               </a:solidFill>
             </a:endParaRPr>
@@ -17504,10 +17944,10 @@
       </p:sp>
       <p:sp>
         <p:nvSpPr>
-          <p:cNvPr id="16" name="TextBox 15">
+          <p:cNvPr id="17" name="TextBox 16">
             <a:extLst>
               <a:ext uri="{FF2B5EF4-FFF2-40B4-BE49-F238E27FC236}">
-                <a16:creationId xmlns:a16="http://schemas.microsoft.com/office/drawing/2014/main" id="{044AD57E-3F5D-52D7-2D73-D98C8B80C9C7}"/>
+                <a16:creationId xmlns:a16="http://schemas.microsoft.com/office/drawing/2014/main" id="{F8A4666C-BC49-0B06-DA1C-0573BF456E8B}"/>
               </a:ext>
             </a:extLst>
           </p:cNvPr>
@@ -17516,8 +17956,8 @@
         </p:nvSpPr>
         <p:spPr>
           <a:xfrm>
-            <a:off x="988119" y="2137470"/>
-            <a:ext cx="10060882" cy="510778"/>
+            <a:off x="988118" y="1369429"/>
+            <a:ext cx="2610974" cy="510778"/>
           </a:xfrm>
           <a:prstGeom prst="roundRect">
             <a:avLst/>
@@ -17537,65 +17977,25 @@
           </a:ln>
         </p:spPr>
         <p:txBody>
-          <a:bodyPr wrap="square" rtlCol="0">
-            <a:spAutoFit/>
-          </a:bodyPr>
-          <a:lstStyle/>
-          <a:p>
-            <a:endParaRPr lang="en-CA" sz="2400" dirty="0">
-              <a:solidFill>
-                <a:schemeClr val="accent2">
-                  <a:lumMod val="75000"/>
-                </a:schemeClr>
-              </a:solidFill>
-            </a:endParaRPr>
-          </a:p>
-        </p:txBody>
-      </p:sp>
-      <p:sp>
-        <p:nvSpPr>
-          <p:cNvPr id="17" name="TextBox 16">
-            <a:extLst>
-              <a:ext uri="{FF2B5EF4-FFF2-40B4-BE49-F238E27FC236}">
-                <a16:creationId xmlns:a16="http://schemas.microsoft.com/office/drawing/2014/main" id="{F8A4666C-BC49-0B06-DA1C-0573BF456E8B}"/>
-              </a:ext>
-            </a:extLst>
-          </p:cNvPr>
-          <p:cNvSpPr txBox="1"/>
-          <p:nvPr/>
-        </p:nvSpPr>
-        <p:spPr>
-          <a:xfrm>
-            <a:off x="988118" y="1369429"/>
-            <a:ext cx="204383" cy="479524"/>
-          </a:xfrm>
-          <a:prstGeom prst="roundRect">
-            <a:avLst/>
-          </a:prstGeom>
-          <a:solidFill>
-            <a:schemeClr val="accent2">
-              <a:lumMod val="40000"/>
-              <a:lumOff val="60000"/>
-            </a:schemeClr>
-          </a:solidFill>
-          <a:ln>
-            <a:solidFill>
-              <a:schemeClr val="accent2">
-                <a:lumMod val="50000"/>
-              </a:schemeClr>
-            </a:solidFill>
-          </a:ln>
-        </p:spPr>
-        <p:txBody>
           <a:bodyPr wrap="none" rtlCol="0">
             <a:spAutoFit/>
           </a:bodyPr>
           <a:lstStyle/>
           <a:p>
+            <a:r>
+              <a:rPr lang="en-US" sz="2400" dirty="0">
+                <a:solidFill>
+                  <a:schemeClr val="accent2">
+                    <a:lumMod val="50000"/>
+                  </a:schemeClr>
+                </a:solidFill>
+              </a:rPr>
+              <a:t>Many physicians</a:t>
+            </a:r>
             <a:endParaRPr lang="en-CA" sz="2400" dirty="0">
               <a:solidFill>
                 <a:schemeClr val="accent2">
-                  <a:lumMod val="75000"/>
+                  <a:lumMod val="50000"/>
                 </a:schemeClr>
               </a:solidFill>
             </a:endParaRPr>
@@ -17660,7 +18060,7 @@
           <a:p>
             <a:r>
               <a:rPr lang="en-US" dirty="0"/>
-              <a:t>Introductions: Goals from Course</a:t>
+              <a:t>Introductions: Math levels</a:t>
             </a:r>
           </a:p>
         </p:txBody>
@@ -17679,8 +18079,8 @@
         </p:nvSpPr>
         <p:spPr>
           <a:xfrm>
-            <a:off x="914399" y="2407206"/>
-            <a:ext cx="7467601" cy="510778"/>
+            <a:off x="762000" y="2372083"/>
+            <a:ext cx="7467601" cy="919401"/>
           </a:xfrm>
           <a:prstGeom prst="roundRect">
             <a:avLst/>
@@ -17705,8 +18105,15 @@
           </a:bodyPr>
           <a:lstStyle/>
           <a:p>
+            <a:r>
+              <a:rPr lang="en-US" sz="2400" i="0">
+                <a:effectLst/>
+                <a:latin typeface="+mj-lt"/>
+              </a:rPr>
+              <a:t>last stats was 2nd year uni 1990 - just reviewing stats for research - quite simple</a:t>
+            </a:r>
             <a:endParaRPr lang="en-CA" sz="2400" dirty="0">
-              <a:latin typeface="Times New Roman" panose="02020603050405020304" pitchFamily="18" charset="0"/>
+              <a:latin typeface="+mj-lt"/>
               <a:cs typeface="Times New Roman" panose="02020603050405020304" pitchFamily="18" charset="0"/>
             </a:endParaRPr>
           </a:p>
@@ -17726,7 +18133,7 @@
         </p:nvSpPr>
         <p:spPr>
           <a:xfrm>
-            <a:off x="914399" y="3262789"/>
+            <a:off x="762000" y="3601166"/>
             <a:ext cx="9753601" cy="510778"/>
           </a:xfrm>
           <a:prstGeom prst="roundRect">
@@ -17752,8 +18159,15 @@
           </a:bodyPr>
           <a:lstStyle/>
           <a:p>
+            <a:r>
+              <a:rPr lang="en-CA" sz="2400" i="0">
+                <a:effectLst/>
+                <a:latin typeface="+mj-lt"/>
+              </a:rPr>
+              <a:t>Minimal</a:t>
+            </a:r>
             <a:endParaRPr lang="en-CA" sz="2400" dirty="0">
-              <a:latin typeface="Times New Roman" panose="02020603050405020304" pitchFamily="18" charset="0"/>
+              <a:latin typeface="+mj-lt"/>
               <a:cs typeface="Times New Roman" panose="02020603050405020304" pitchFamily="18" charset="0"/>
             </a:endParaRPr>
           </a:p>
@@ -17773,7 +18187,7 @@
         </p:nvSpPr>
         <p:spPr>
           <a:xfrm>
-            <a:off x="914399" y="4526995"/>
+            <a:off x="762000" y="4421626"/>
             <a:ext cx="9753601" cy="510778"/>
           </a:xfrm>
           <a:prstGeom prst="roundRect">
@@ -17799,8 +18213,15 @@
           </a:bodyPr>
           <a:lstStyle/>
           <a:p>
+            <a:r>
+              <a:rPr lang="en-US" sz="2400" i="0">
+                <a:effectLst/>
+                <a:latin typeface="+mj-lt"/>
+              </a:rPr>
+              <a:t>I have an undergraduate level stat/math experience</a:t>
+            </a:r>
             <a:endParaRPr lang="en-CA" sz="2400" dirty="0">
-              <a:latin typeface="Times New Roman" panose="02020603050405020304" pitchFamily="18" charset="0"/>
+              <a:latin typeface="+mj-lt"/>
               <a:cs typeface="Times New Roman" panose="02020603050405020304" pitchFamily="18" charset="0"/>
             </a:endParaRPr>
           </a:p>
@@ -17820,8 +18241,8 @@
         </p:nvSpPr>
         <p:spPr>
           <a:xfrm>
-            <a:off x="914399" y="5791201"/>
-            <a:ext cx="9753601" cy="510778"/>
+            <a:off x="762000" y="5242086"/>
+            <a:ext cx="9753601" cy="1328023"/>
           </a:xfrm>
           <a:prstGeom prst="roundRect">
             <a:avLst/>
@@ -17846,8 +18267,15 @@
           </a:bodyPr>
           <a:lstStyle/>
           <a:p>
+            <a:r>
+              <a:rPr lang="en-US" sz="2400" i="0">
+                <a:effectLst/>
+                <a:latin typeface="+mj-lt"/>
+              </a:rPr>
+              <a:t>I have taken an introduction to statistics course in my master's but stats is outside my comfort zone - I have more experience with qualitative methods </a:t>
+            </a:r>
             <a:endParaRPr lang="en-CA" sz="2400" dirty="0">
-              <a:latin typeface="Times New Roman" panose="02020603050405020304" pitchFamily="18" charset="0"/>
+              <a:latin typeface="+mj-lt"/>
               <a:cs typeface="Times New Roman" panose="02020603050405020304" pitchFamily="18" charset="0"/>
             </a:endParaRPr>
           </a:p>
@@ -17867,8 +18295,8 @@
         </p:nvSpPr>
         <p:spPr>
           <a:xfrm>
-            <a:off x="914399" y="1143000"/>
-            <a:ext cx="9753601" cy="510778"/>
+            <a:off x="762000" y="1143000"/>
+            <a:ext cx="9753601" cy="919401"/>
           </a:xfrm>
           <a:prstGeom prst="roundRect">
             <a:avLst/>
@@ -17893,8 +18321,18 @@
           </a:bodyPr>
           <a:lstStyle/>
           <a:p>
+            <a:r>
+              <a:rPr lang="en-US" sz="2400" b="0" i="0">
+                <a:solidFill>
+                  <a:srgbClr val="1F1F1F"/>
+                </a:solidFill>
+                <a:effectLst/>
+                <a:latin typeface="+mj-lt"/>
+              </a:rPr>
+              <a:t>I have zero knowledge about proofs-calculus and linear algebra are my nightmare. </a:t>
+            </a:r>
             <a:endParaRPr lang="en-CA" sz="2400" dirty="0">
-              <a:latin typeface="Times New Roman" panose="02020603050405020304" pitchFamily="18" charset="0"/>
+              <a:latin typeface="+mj-lt"/>
               <a:cs typeface="Times New Roman" panose="02020603050405020304" pitchFamily="18" charset="0"/>
             </a:endParaRPr>
           </a:p>
@@ -18223,7 +18661,7 @@
                 <a:ea typeface="Calibri" panose="020F0502020204030204" pitchFamily="34" charset="0"/>
                 <a:cs typeface="Times New Roman" panose="02020603050405020304" pitchFamily="18" charset="0"/>
               </a:rPr>
-              <a:t>1</a:t>
+              <a:t>5</a:t>
             </a:r>
             <a:r>
               <a:rPr lang="en-US" sz="3000" dirty="0">
@@ -18232,7 +18670,7 @@
                 <a:ea typeface="Calibri" panose="020F0502020204030204" pitchFamily="34" charset="0"/>
                 <a:cs typeface="Times New Roman" panose="02020603050405020304" pitchFamily="18" charset="0"/>
               </a:rPr>
-              <a:t> group assignment, worth 30% of the final grade.</a:t>
+              <a:t> short (group) assignments, worth 30% of the final grade.</a:t>
             </a:r>
           </a:p>
           <a:p>
@@ -18317,7 +18755,7 @@
                 <a:ea typeface="Calibri" panose="020F0502020204030204" pitchFamily="34" charset="0"/>
                 <a:cs typeface="Times New Roman" panose="02020603050405020304" pitchFamily="18" charset="0"/>
               </a:rPr>
-              <a:t>Evaluations focus on practical applications</a:t>
+              <a:t>Evaluations focus on practical applications (e.g., coding)</a:t>
             </a:r>
           </a:p>
         </p:txBody>
@@ -18569,7 +19007,7 @@
                 <a:ea typeface="Calibri" panose="020F0502020204030204" pitchFamily="34" charset="0"/>
                 <a:cs typeface="Times New Roman" panose="02020603050405020304" pitchFamily="18" charset="0"/>
               </a:rPr>
-              <a:t>Training sessions offered in department. </a:t>
+              <a:t>Training sessions offered in department in early Jan. </a:t>
             </a:r>
             <a:endParaRPr lang="en-US" sz="3000" dirty="0">
               <a:ea typeface="Calibri" panose="020F0502020204030204" pitchFamily="34" charset="0"/>
@@ -18848,7 +19286,7 @@
                 <a:ea typeface="Calibri" panose="020F0502020204030204" pitchFamily="34" charset="0"/>
                 <a:cs typeface="Times New Roman" panose="02020603050405020304" pitchFamily="18" charset="0"/>
               </a:rPr>
-              <a:t>Training sessions offered in department. </a:t>
+              <a:t>Training sessions offered in department in early Jan. </a:t>
             </a:r>
             <a:endParaRPr lang="en-US" sz="2800" dirty="0">
               <a:ea typeface="Calibri" panose="020F0502020204030204" pitchFamily="34" charset="0"/>
@@ -18886,30 +19324,6 @@
               </a:rPr>
               <a:t>Contains all relevant course materials</a:t>
             </a:r>
-          </a:p>
-          <a:p>
-            <a:pPr lvl="1"/>
-            <a:r>
-              <a:rPr lang="en-US" sz="2800" dirty="0">
-                <a:cs typeface="Times New Roman" panose="02020603050405020304" pitchFamily="18" charset="0"/>
-              </a:rPr>
-              <a:t>Sample papers</a:t>
-            </a:r>
-          </a:p>
-          <a:p>
-            <a:pPr lvl="1"/>
-            <a:r>
-              <a:rPr lang="en-US" sz="2800" dirty="0">
-                <a:cs typeface="Times New Roman" panose="02020603050405020304" pitchFamily="18" charset="0"/>
-                <a:hlinkClick r:id="rId6"/>
-              </a:rPr>
-              <a:t>Discussion boards</a:t>
-            </a:r>
-            <a:endParaRPr lang="en-US" sz="2800" dirty="0"/>
-          </a:p>
-          <a:p>
-            <a:pPr lvl="1"/>
-            <a:endParaRPr lang="en-US" sz="2800" dirty="0"/>
           </a:p>
         </p:txBody>
       </p:sp>

--- a/Lectures/Lecture01_Introduction/Lecture1_Intro.pptx
+++ b/Lectures/Lecture01_Introduction/Lecture1_Intro.pptx
@@ -359,7 +359,7 @@
           <a:p>
             <a:fld id="{EF911157-0FC2-4F06-8D61-FD647FE4E19D}" type="datetimeFigureOut">
               <a:rPr lang="en-US" smtClean="0"/>
-              <a:t>1/4/2024</a:t>
+              <a:t>1/17/2024</a:t>
             </a:fld>
             <a:endParaRPr lang="en-US"/>
           </a:p>
@@ -679,6 +679,14 @@
               <a:buFont typeface="Arial" panose="020B0604020202020204" pitchFamily="34" charset="0"/>
               <a:buNone/>
             </a:pPr>
+            <a:r>
+              <a:rPr lang="en-US" dirty="0"/>
+              <a:t>For next time – include Map and Data library instructions on R </a:t>
+            </a:r>
+            <a:r>
+              <a:rPr lang="en-US"/>
+              <a:t>and course on R</a:t>
+            </a:r>
             <a:endParaRPr lang="en-US" dirty="0"/>
           </a:p>
         </p:txBody>
@@ -4094,7 +4102,7 @@
             <a:fld id="{0972D05C-DCFB-4BB6-B49C-AC126BF3ED2C}" type="datetimeFigureOut">
               <a:rPr lang="en-US" smtClean="0"/>
               <a:pPr/>
-              <a:t>1/4/2024</a:t>
+              <a:t>1/17/2024</a:t>
             </a:fld>
             <a:endParaRPr lang="en-US"/>
           </a:p>
@@ -4324,7 +4332,7 @@
             <a:fld id="{0972D05C-DCFB-4BB6-B49C-AC126BF3ED2C}" type="datetimeFigureOut">
               <a:rPr lang="en-US" smtClean="0"/>
               <a:pPr/>
-              <a:t>1/4/2024</a:t>
+              <a:t>1/17/2024</a:t>
             </a:fld>
             <a:endParaRPr lang="en-US"/>
           </a:p>
@@ -4506,7 +4514,7 @@
             <a:fld id="{0972D05C-DCFB-4BB6-B49C-AC126BF3ED2C}" type="datetimeFigureOut">
               <a:rPr lang="en-US" smtClean="0"/>
               <a:pPr/>
-              <a:t>1/4/2024</a:t>
+              <a:t>1/17/2024</a:t>
             </a:fld>
             <a:endParaRPr lang="en-US"/>
           </a:p>
@@ -4678,7 +4686,7 @@
             <a:fld id="{0972D05C-DCFB-4BB6-B49C-AC126BF3ED2C}" type="datetimeFigureOut">
               <a:rPr lang="en-US" smtClean="0"/>
               <a:pPr/>
-              <a:t>1/4/2024</a:t>
+              <a:t>1/17/2024</a:t>
             </a:fld>
             <a:endParaRPr lang="en-US"/>
           </a:p>
@@ -4934,7 +4942,7 @@
             <a:fld id="{0972D05C-DCFB-4BB6-B49C-AC126BF3ED2C}" type="datetimeFigureOut">
               <a:rPr lang="en-US" smtClean="0"/>
               <a:pPr/>
-              <a:t>1/4/2024</a:t>
+              <a:t>1/17/2024</a:t>
             </a:fld>
             <a:endParaRPr lang="en-US"/>
           </a:p>
@@ -5262,7 +5270,7 @@
             <a:fld id="{0972D05C-DCFB-4BB6-B49C-AC126BF3ED2C}" type="datetimeFigureOut">
               <a:rPr lang="en-US" smtClean="0"/>
               <a:pPr/>
-              <a:t>1/4/2024</a:t>
+              <a:t>1/17/2024</a:t>
             </a:fld>
             <a:endParaRPr lang="en-US"/>
           </a:p>
@@ -5715,7 +5723,7 @@
             <a:fld id="{0972D05C-DCFB-4BB6-B49C-AC126BF3ED2C}" type="datetimeFigureOut">
               <a:rPr lang="en-US" smtClean="0"/>
               <a:pPr/>
-              <a:t>1/4/2024</a:t>
+              <a:t>1/17/2024</a:t>
             </a:fld>
             <a:endParaRPr lang="en-US"/>
           </a:p>
@@ -5835,7 +5843,7 @@
             <a:fld id="{0972D05C-DCFB-4BB6-B49C-AC126BF3ED2C}" type="datetimeFigureOut">
               <a:rPr lang="en-US" smtClean="0"/>
               <a:pPr/>
-              <a:t>1/4/2024</a:t>
+              <a:t>1/17/2024</a:t>
             </a:fld>
             <a:endParaRPr lang="en-US"/>
           </a:p>
@@ -5932,7 +5940,7 @@
             <a:fld id="{0972D05C-DCFB-4BB6-B49C-AC126BF3ED2C}" type="datetimeFigureOut">
               <a:rPr lang="en-US" smtClean="0"/>
               <a:pPr/>
-              <a:t>1/4/2024</a:t>
+              <a:t>1/17/2024</a:t>
             </a:fld>
             <a:endParaRPr lang="en-US"/>
           </a:p>
@@ -6221,7 +6229,7 @@
             <a:fld id="{0972D05C-DCFB-4BB6-B49C-AC126BF3ED2C}" type="datetimeFigureOut">
               <a:rPr lang="en-US" smtClean="0"/>
               <a:pPr/>
-              <a:t>1/4/2024</a:t>
+              <a:t>1/17/2024</a:t>
             </a:fld>
             <a:endParaRPr lang="en-US"/>
           </a:p>
@@ -6545,7 +6553,7 @@
             <a:fld id="{0972D05C-DCFB-4BB6-B49C-AC126BF3ED2C}" type="datetimeFigureOut">
               <a:rPr lang="en-US" smtClean="0"/>
               <a:pPr/>
-              <a:t>1/4/2024</a:t>
+              <a:t>1/17/2024</a:t>
             </a:fld>
             <a:endParaRPr lang="en-US"/>
           </a:p>
@@ -6800,7 +6808,7 @@
             <a:fld id="{0972D05C-DCFB-4BB6-B49C-AC126BF3ED2C}" type="datetimeFigureOut">
               <a:rPr lang="en-US" smtClean="0"/>
               <a:pPr/>
-              <a:t>1/4/2024</a:t>
+              <a:t>1/17/2024</a:t>
             </a:fld>
             <a:endParaRPr lang="en-US" dirty="0"/>
           </a:p>
@@ -14218,8 +14226,8 @@
           </a:prstGeom>
         </p:spPr>
       </p:pic>
-      <mc:AlternateContent xmlns:mc="http://schemas.openxmlformats.org/markup-compatibility/2006">
-        <mc:Choice xmlns:a14="http://schemas.microsoft.com/office/drawing/2010/main" Requires="a14">
+      <mc:AlternateContent xmlns:mc="http://schemas.openxmlformats.org/markup-compatibility/2006" xmlns:a14="http://schemas.microsoft.com/office/drawing/2010/main">
+        <mc:Choice Requires="a14">
           <p:sp>
             <p:nvSpPr>
               <p:cNvPr id="7" name="TextBox 6">
@@ -14386,7 +14394,7 @@
             </p:txBody>
           </p:sp>
         </mc:Choice>
-        <mc:Fallback>
+        <mc:Fallback xmlns="">
           <p:sp>
             <p:nvSpPr>
               <p:cNvPr id="7" name="TextBox 6">

--- a/Lectures/Lecture01_Introduction/Lecture1_Intro.pptx
+++ b/Lectures/Lecture01_Introduction/Lecture1_Intro.pptx
@@ -9,11 +9,11 @@
   </p:notesMasterIdLst>
   <p:sldIdLst>
     <p:sldId id="256" r:id="rId2"/>
-    <p:sldId id="285" r:id="rId3"/>
-    <p:sldId id="418" r:id="rId4"/>
-    <p:sldId id="348" r:id="rId5"/>
-    <p:sldId id="347" r:id="rId6"/>
-    <p:sldId id="420" r:id="rId7"/>
+    <p:sldId id="425" r:id="rId3"/>
+    <p:sldId id="348" r:id="rId4"/>
+    <p:sldId id="426" r:id="rId5"/>
+    <p:sldId id="420" r:id="rId6"/>
+    <p:sldId id="427" r:id="rId7"/>
     <p:sldId id="313" r:id="rId8"/>
     <p:sldId id="314" r:id="rId9"/>
     <p:sldId id="315" r:id="rId10"/>
@@ -364,7 +364,7 @@
           <a:p>
             <a:fld id="{EF911157-0FC2-4F06-8D61-FD647FE4E19D}" type="datetimeFigureOut">
               <a:rPr lang="en-US" smtClean="0"/>
-              <a:t>10/9/2024</a:t>
+              <a:t>1/6/2025</a:t>
             </a:fld>
             <a:endParaRPr lang="en-US"/>
           </a:p>
@@ -1684,10 +1684,7 @@
           <a:bodyPr/>
           <a:lstStyle/>
           <a:p>
-            <a:r>
-              <a:rPr lang="en-CA" dirty="0"/>
-              <a:t>Some of my “get to know you” answers:</a:t>
-            </a:r>
+            <a:endParaRPr lang="en-CA" dirty="0"/>
           </a:p>
         </p:txBody>
       </p:sp>
@@ -2709,7 +2706,7 @@
           <a:p>
             <a:r>
               <a:rPr lang="en-CA" dirty="0"/>
-              <a:t>Some of my “get to know you” answers:</a:t>
+              <a:t>Some of your answers to the survey (if you haven’t taken it, please do! For my own info at least). We have both Master’s and PhD students with all kinds of interests (here are just a few – can remain anonymous if desired)</a:t>
             </a:r>
           </a:p>
         </p:txBody>
@@ -2740,7 +2737,7 @@
     </p:spTree>
     <p:extLst>
       <p:ext uri="{BB962C8B-B14F-4D97-AF65-F5344CB8AC3E}">
-        <p14:creationId xmlns:p14="http://schemas.microsoft.com/office/powerpoint/2010/main" val="1937607941"/>
+        <p14:creationId xmlns:p14="http://schemas.microsoft.com/office/powerpoint/2010/main" val="3800457791"/>
       </p:ext>
     </p:extLst>
   </p:cSld>
@@ -3652,7 +3649,13 @@
   <p:cSld>
     <p:spTree>
       <p:nvGrpSpPr>
-        <p:cNvPr id="1" name=""/>
+        <p:cNvPr id="1" name="">
+          <a:extLst>
+            <a:ext uri="{FF2B5EF4-FFF2-40B4-BE49-F238E27FC236}">
+              <a16:creationId xmlns:a16="http://schemas.microsoft.com/office/drawing/2014/main" id="{C5930C8D-8EAC-2584-EA27-B0FF665169A9}"/>
+            </a:ext>
+          </a:extLst>
+        </p:cNvPr>
         <p:cNvGrpSpPr/>
         <p:nvPr/>
       </p:nvGrpSpPr>
@@ -3666,7 +3669,13 @@
       </p:grpSpPr>
       <p:sp>
         <p:nvSpPr>
-          <p:cNvPr id="2" name="Slide Image Placeholder 1"/>
+          <p:cNvPr id="2" name="Slide Image Placeholder 1">
+            <a:extLst>
+              <a:ext uri="{FF2B5EF4-FFF2-40B4-BE49-F238E27FC236}">
+                <a16:creationId xmlns:a16="http://schemas.microsoft.com/office/drawing/2014/main" id="{2F0F4E56-8FFA-06EE-693A-263307600C31}"/>
+              </a:ext>
+            </a:extLst>
+          </p:cNvPr>
           <p:cNvSpPr>
             <a:spLocks noGrp="1" noRot="1" noChangeAspect="1"/>
           </p:cNvSpPr>
@@ -3678,7 +3687,13 @@
       </p:sp>
       <p:sp>
         <p:nvSpPr>
-          <p:cNvPr id="3" name="Notes Placeholder 2"/>
+          <p:cNvPr id="3" name="Notes Placeholder 2">
+            <a:extLst>
+              <a:ext uri="{FF2B5EF4-FFF2-40B4-BE49-F238E27FC236}">
+                <a16:creationId xmlns:a16="http://schemas.microsoft.com/office/drawing/2014/main" id="{7B686A4C-99BA-070A-4E89-C9167A3232AA}"/>
+              </a:ext>
+            </a:extLst>
+          </p:cNvPr>
           <p:cNvSpPr>
             <a:spLocks noGrp="1"/>
           </p:cNvSpPr>
@@ -3700,7 +3715,13 @@
       </p:sp>
       <p:sp>
         <p:nvSpPr>
-          <p:cNvPr id="4" name="Slide Number Placeholder 3"/>
+          <p:cNvPr id="4" name="Slide Number Placeholder 3">
+            <a:extLst>
+              <a:ext uri="{FF2B5EF4-FFF2-40B4-BE49-F238E27FC236}">
+                <a16:creationId xmlns:a16="http://schemas.microsoft.com/office/drawing/2014/main" id="{11AD33F8-DF1D-F7B2-5105-69769EFCF396}"/>
+              </a:ext>
+            </a:extLst>
+          </p:cNvPr>
           <p:cNvSpPr>
             <a:spLocks noGrp="1"/>
           </p:cNvSpPr>
@@ -3724,7 +3745,7 @@
     </p:spTree>
     <p:extLst>
       <p:ext uri="{BB962C8B-B14F-4D97-AF65-F5344CB8AC3E}">
-        <p14:creationId xmlns:p14="http://schemas.microsoft.com/office/powerpoint/2010/main" val="3800457791"/>
+        <p14:creationId xmlns:p14="http://schemas.microsoft.com/office/powerpoint/2010/main" val="3124087864"/>
       </p:ext>
     </p:extLst>
   </p:cSld>
@@ -3967,7 +3988,7 @@
           <a:p>
             <a:r>
               <a:rPr lang="en-CA" dirty="0"/>
-              <a:t>A lot of people interested/worried about math levels – here is where we are starting</a:t>
+              <a:t>A lot of people interested/worried about coding levels – here is where we are starting</a:t>
             </a:r>
           </a:p>
         </p:txBody>
@@ -3998,7 +4019,7 @@
     </p:spTree>
     <p:extLst>
       <p:ext uri="{BB962C8B-B14F-4D97-AF65-F5344CB8AC3E}">
-        <p14:creationId xmlns:p14="http://schemas.microsoft.com/office/powerpoint/2010/main" val="2459165494"/>
+        <p14:creationId xmlns:p14="http://schemas.microsoft.com/office/powerpoint/2010/main" val="3825036293"/>
       </p:ext>
     </p:extLst>
   </p:cSld>
@@ -4013,7 +4034,13 @@
   <p:cSld>
     <p:spTree>
       <p:nvGrpSpPr>
-        <p:cNvPr id="1" name=""/>
+        <p:cNvPr id="1" name="">
+          <a:extLst>
+            <a:ext uri="{FF2B5EF4-FFF2-40B4-BE49-F238E27FC236}">
+              <a16:creationId xmlns:a16="http://schemas.microsoft.com/office/drawing/2014/main" id="{558A65A3-726B-69F7-E50A-CB23D4AD084F}"/>
+            </a:ext>
+          </a:extLst>
+        </p:cNvPr>
         <p:cNvGrpSpPr/>
         <p:nvPr/>
       </p:nvGrpSpPr>
@@ -4027,7 +4054,13 @@
       </p:grpSpPr>
       <p:sp>
         <p:nvSpPr>
-          <p:cNvPr id="2" name="Slide Image Placeholder 1"/>
+          <p:cNvPr id="2" name="Slide Image Placeholder 1">
+            <a:extLst>
+              <a:ext uri="{FF2B5EF4-FFF2-40B4-BE49-F238E27FC236}">
+                <a16:creationId xmlns:a16="http://schemas.microsoft.com/office/drawing/2014/main" id="{A186B6F5-75BC-90D9-7FE9-27DBBB53C01F}"/>
+              </a:ext>
+            </a:extLst>
+          </p:cNvPr>
           <p:cNvSpPr>
             <a:spLocks noGrp="1" noRot="1" noChangeAspect="1"/>
           </p:cNvSpPr>
@@ -4039,7 +4072,13 @@
       </p:sp>
       <p:sp>
         <p:nvSpPr>
-          <p:cNvPr id="3" name="Notes Placeholder 2"/>
+          <p:cNvPr id="3" name="Notes Placeholder 2">
+            <a:extLst>
+              <a:ext uri="{FF2B5EF4-FFF2-40B4-BE49-F238E27FC236}">
+                <a16:creationId xmlns:a16="http://schemas.microsoft.com/office/drawing/2014/main" id="{7C6B6924-8A0D-EB2E-5575-7FC6C0C618A9}"/>
+              </a:ext>
+            </a:extLst>
+          </p:cNvPr>
           <p:cNvSpPr>
             <a:spLocks noGrp="1"/>
           </p:cNvSpPr>
@@ -4061,7 +4100,13 @@
       </p:sp>
       <p:sp>
         <p:nvSpPr>
-          <p:cNvPr id="4" name="Slide Number Placeholder 3"/>
+          <p:cNvPr id="4" name="Slide Number Placeholder 3">
+            <a:extLst>
+              <a:ext uri="{FF2B5EF4-FFF2-40B4-BE49-F238E27FC236}">
+                <a16:creationId xmlns:a16="http://schemas.microsoft.com/office/drawing/2014/main" id="{A885CFCE-5D7D-0538-D360-560A45E7F295}"/>
+              </a:ext>
+            </a:extLst>
+          </p:cNvPr>
           <p:cNvSpPr>
             <a:spLocks noGrp="1"/>
           </p:cNvSpPr>
@@ -4085,7 +4130,7 @@
     </p:spTree>
     <p:extLst>
       <p:ext uri="{BB962C8B-B14F-4D97-AF65-F5344CB8AC3E}">
-        <p14:creationId xmlns:p14="http://schemas.microsoft.com/office/powerpoint/2010/main" val="3825036293"/>
+        <p14:creationId xmlns:p14="http://schemas.microsoft.com/office/powerpoint/2010/main" val="4267839333"/>
       </p:ext>
     </p:extLst>
   </p:cSld>
@@ -4534,7 +4579,7 @@
             <a:fld id="{0972D05C-DCFB-4BB6-B49C-AC126BF3ED2C}" type="datetimeFigureOut">
               <a:rPr lang="en-US" smtClean="0"/>
               <a:pPr/>
-              <a:t>10/9/2024</a:t>
+              <a:t>1/6/2025</a:t>
             </a:fld>
             <a:endParaRPr lang="en-US"/>
           </a:p>
@@ -4764,7 +4809,7 @@
             <a:fld id="{0972D05C-DCFB-4BB6-B49C-AC126BF3ED2C}" type="datetimeFigureOut">
               <a:rPr lang="en-US" smtClean="0"/>
               <a:pPr/>
-              <a:t>10/9/2024</a:t>
+              <a:t>1/6/2025</a:t>
             </a:fld>
             <a:endParaRPr lang="en-US"/>
           </a:p>
@@ -4946,7 +4991,7 @@
             <a:fld id="{0972D05C-DCFB-4BB6-B49C-AC126BF3ED2C}" type="datetimeFigureOut">
               <a:rPr lang="en-US" smtClean="0"/>
               <a:pPr/>
-              <a:t>10/9/2024</a:t>
+              <a:t>1/6/2025</a:t>
             </a:fld>
             <a:endParaRPr lang="en-US"/>
           </a:p>
@@ -5118,7 +5163,7 @@
             <a:fld id="{0972D05C-DCFB-4BB6-B49C-AC126BF3ED2C}" type="datetimeFigureOut">
               <a:rPr lang="en-US" smtClean="0"/>
               <a:pPr/>
-              <a:t>10/9/2024</a:t>
+              <a:t>1/6/2025</a:t>
             </a:fld>
             <a:endParaRPr lang="en-US"/>
           </a:p>
@@ -5374,7 +5419,7 @@
             <a:fld id="{0972D05C-DCFB-4BB6-B49C-AC126BF3ED2C}" type="datetimeFigureOut">
               <a:rPr lang="en-US" smtClean="0"/>
               <a:pPr/>
-              <a:t>10/9/2024</a:t>
+              <a:t>1/6/2025</a:t>
             </a:fld>
             <a:endParaRPr lang="en-US"/>
           </a:p>
@@ -5702,7 +5747,7 @@
             <a:fld id="{0972D05C-DCFB-4BB6-B49C-AC126BF3ED2C}" type="datetimeFigureOut">
               <a:rPr lang="en-US" smtClean="0"/>
               <a:pPr/>
-              <a:t>10/9/2024</a:t>
+              <a:t>1/6/2025</a:t>
             </a:fld>
             <a:endParaRPr lang="en-US"/>
           </a:p>
@@ -6155,7 +6200,7 @@
             <a:fld id="{0972D05C-DCFB-4BB6-B49C-AC126BF3ED2C}" type="datetimeFigureOut">
               <a:rPr lang="en-US" smtClean="0"/>
               <a:pPr/>
-              <a:t>10/9/2024</a:t>
+              <a:t>1/6/2025</a:t>
             </a:fld>
             <a:endParaRPr lang="en-US"/>
           </a:p>
@@ -6275,7 +6320,7 @@
             <a:fld id="{0972D05C-DCFB-4BB6-B49C-AC126BF3ED2C}" type="datetimeFigureOut">
               <a:rPr lang="en-US" smtClean="0"/>
               <a:pPr/>
-              <a:t>10/9/2024</a:t>
+              <a:t>1/6/2025</a:t>
             </a:fld>
             <a:endParaRPr lang="en-US"/>
           </a:p>
@@ -6372,7 +6417,7 @@
             <a:fld id="{0972D05C-DCFB-4BB6-B49C-AC126BF3ED2C}" type="datetimeFigureOut">
               <a:rPr lang="en-US" smtClean="0"/>
               <a:pPr/>
-              <a:t>10/9/2024</a:t>
+              <a:t>1/6/2025</a:t>
             </a:fld>
             <a:endParaRPr lang="en-US"/>
           </a:p>
@@ -6661,7 +6706,7 @@
             <a:fld id="{0972D05C-DCFB-4BB6-B49C-AC126BF3ED2C}" type="datetimeFigureOut">
               <a:rPr lang="en-US" smtClean="0"/>
               <a:pPr/>
-              <a:t>10/9/2024</a:t>
+              <a:t>1/6/2025</a:t>
             </a:fld>
             <a:endParaRPr lang="en-US"/>
           </a:p>
@@ -6985,7 +7030,7 @@
             <a:fld id="{0972D05C-DCFB-4BB6-B49C-AC126BF3ED2C}" type="datetimeFigureOut">
               <a:rPr lang="en-US" smtClean="0"/>
               <a:pPr/>
-              <a:t>10/9/2024</a:t>
+              <a:t>1/6/2025</a:t>
             </a:fld>
             <a:endParaRPr lang="en-US"/>
           </a:p>
@@ -7240,7 +7285,7 @@
             <a:fld id="{0972D05C-DCFB-4BB6-B49C-AC126BF3ED2C}" type="datetimeFigureOut">
               <a:rPr lang="en-US" smtClean="0"/>
               <a:pPr/>
-              <a:t>10/9/2024</a:t>
+              <a:t>1/6/2025</a:t>
             </a:fld>
             <a:endParaRPr lang="en-US" dirty="0"/>
           </a:p>
@@ -10099,16 +10144,28 @@
         </p:nvSpPr>
         <p:spPr>
           <a:xfrm>
-            <a:off x="762000" y="365760"/>
-            <a:ext cx="10192512" cy="777240"/>
+            <a:off x="5522600" y="758952"/>
+            <a:ext cx="5157591" cy="4041648"/>
           </a:xfrm>
         </p:spPr>
         <p:txBody>
-          <a:bodyPr/>
+          <a:bodyPr vert="horz" lIns="91440" tIns="45720" rIns="91440" bIns="45720" rtlCol="0" anchor="b">
+            <a:normAutofit/>
+          </a:bodyPr>
           <a:lstStyle/>
           <a:p>
-            <a:r>
-              <a:rPr lang="en-US" dirty="0"/>
+            <a:pPr>
+              <a:lnSpc>
+                <a:spcPct val="85000"/>
+              </a:lnSpc>
+            </a:pPr>
+            <a:r>
+              <a:rPr lang="en-US" sz="6100">
+                <a:solidFill>
+                  <a:srgbClr val="FFFFFF"/>
+                </a:solidFill>
+                <a:latin typeface="+mj-lt"/>
+              </a:rPr>
               <a:t>Introductions</a:t>
             </a:r>
           </a:p>
@@ -10116,17 +10173,19 @@
       </p:sp>
       <p:pic>
         <p:nvPicPr>
-          <p:cNvPr id="6" name="Picture 5" descr="A group of people posing for a picture&#10;&#10;Description automatically generated">
+          <p:cNvPr id="7" name="Content Placeholder 6" descr="A person and person standing in front of a bookcase&#10;&#10;Description automatically generated">
             <a:extLst>
               <a:ext uri="{FF2B5EF4-FFF2-40B4-BE49-F238E27FC236}">
-                <a16:creationId xmlns:a16="http://schemas.microsoft.com/office/drawing/2014/main" id="{FCFD7292-A9B7-091C-C1E0-CD0EB9D2BCAF}"/>
+                <a16:creationId xmlns:a16="http://schemas.microsoft.com/office/drawing/2014/main" id="{4735A106-9BF2-1E5B-7016-007E4C8AF12E}"/>
               </a:ext>
             </a:extLst>
           </p:cNvPr>
           <p:cNvPicPr>
-            <a:picLocks noChangeAspect="1"/>
+            <a:picLocks noGrp="1" noChangeAspect="1"/>
           </p:cNvPicPr>
-          <p:nvPr/>
+          <p:nvPr>
+            <p:ph idx="1"/>
+          </p:nvPr>
         </p:nvPicPr>
         <p:blipFill>
           <a:blip r:embed="rId3" cstate="print">
@@ -10136,24 +10195,290 @@
               </a:ext>
             </a:extLst>
           </a:blip>
-          <a:stretch>
-            <a:fillRect/>
-          </a:stretch>
+          <a:stretch/>
         </p:blipFill>
         <p:spPr>
-          <a:xfrm rot="5400000">
-            <a:off x="5174106" y="880441"/>
-            <a:ext cx="6858000" cy="5143500"/>
+          <a:xfrm>
+            <a:off x="1210826" y="484632"/>
+            <a:ext cx="3102885" cy="5882248"/>
           </a:xfrm>
           <a:prstGeom prst="rect">
             <a:avLst/>
           </a:prstGeom>
         </p:spPr>
       </p:pic>
+      <mc:AlternateContent xmlns:mc="http://schemas.openxmlformats.org/markup-compatibility/2006">
+        <mc:Choice xmlns:a14="http://schemas.microsoft.com/office/drawing/2010/main" Requires="a14">
+          <p:sp>
+            <p:nvSpPr>
+              <p:cNvPr id="4" name="TextBox 3">
+                <a:extLst>
+                  <a:ext uri="{FF2B5EF4-FFF2-40B4-BE49-F238E27FC236}">
+                    <a16:creationId xmlns:a16="http://schemas.microsoft.com/office/drawing/2014/main" id="{A2E9AAB5-EC22-8C7C-66D5-C599EA396629}"/>
+                  </a:ext>
+                </a:extLst>
+              </p:cNvPr>
+              <p:cNvSpPr txBox="1"/>
+              <p:nvPr/>
+            </p:nvSpPr>
+            <p:spPr>
+              <a:xfrm>
+                <a:off x="4557686" y="1295400"/>
+                <a:ext cx="6423487" cy="3847207"/>
+              </a:xfrm>
+              <a:prstGeom prst="rect">
+                <a:avLst/>
+              </a:prstGeom>
+              <a:noFill/>
+            </p:spPr>
+            <p:txBody>
+              <a:bodyPr wrap="square">
+                <a:spAutoFit/>
+              </a:bodyPr>
+              <a:lstStyle/>
+              <a:p>
+                <a:r>
+                  <a:rPr lang="en-CA" sz="1800" b="1" dirty="0"/>
+                  <a:t>From: </a:t>
+                </a:r>
+                <a:r>
+                  <a:rPr lang="en-CA" sz="1800" dirty="0"/>
+                  <a:t>USA (Texas </a:t>
+                </a:r>
+                <a14:m>
+                  <m:oMath xmlns:m="http://schemas.openxmlformats.org/officeDocument/2006/math">
+                    <m:r>
+                      <a:rPr lang="en-CA" sz="1800" b="0" i="1" smtClean="0">
+                        <a:latin typeface="Cambria Math" panose="02040503050406030204" pitchFamily="18" charset="0"/>
+                      </a:rPr>
+                      <m:t>→</m:t>
+                    </m:r>
+                  </m:oMath>
+                </a14:m>
+                <a:r>
+                  <a:rPr lang="en-CA" sz="1800" dirty="0"/>
+                  <a:t> Utah </a:t>
+                </a:r>
+                <a14:m>
+                  <m:oMath xmlns:m="http://schemas.openxmlformats.org/officeDocument/2006/math">
+                    <m:r>
+                      <a:rPr lang="en-CA" sz="1800" b="0" i="1" smtClean="0">
+                        <a:latin typeface="Cambria Math" panose="02040503050406030204" pitchFamily="18" charset="0"/>
+                      </a:rPr>
+                      <m:t>→</m:t>
+                    </m:r>
+                  </m:oMath>
+                </a14:m>
+                <a:r>
+                  <a:rPr lang="en-CA" sz="1800" dirty="0"/>
+                  <a:t> Boston)</a:t>
+                </a:r>
+              </a:p>
+              <a:p>
+                <a:endParaRPr lang="en-CA" sz="1600" dirty="0"/>
+              </a:p>
+              <a:p>
+                <a:r>
+                  <a:rPr lang="en-CA" sz="1800" b="1" dirty="0"/>
+                  <a:t>Health Systems Experience: </a:t>
+                </a:r>
+                <a:r>
+                  <a:rPr lang="en-CA" sz="1800" dirty="0"/>
+                  <a:t>US, Ontario</a:t>
+                </a:r>
+              </a:p>
+              <a:p>
+                <a:endParaRPr lang="en-CA" sz="1600" b="1" dirty="0"/>
+              </a:p>
+              <a:p>
+                <a:r>
+                  <a:rPr lang="en-CA" sz="1800" b="1" dirty="0"/>
+                  <a:t>Health Systems Experience 2: </a:t>
+                </a:r>
+              </a:p>
+              <a:p>
+                <a:pPr marL="285750" indent="-285750">
+                  <a:buFont typeface="Arial" panose="020B0604020202020204" pitchFamily="34" charset="0"/>
+                  <a:buChar char="•"/>
+                </a:pPr>
+                <a:r>
+                  <a:rPr lang="en-CA" sz="1800" dirty="0"/>
+                  <a:t>Chronic disease, innovation</a:t>
+                </a:r>
+              </a:p>
+              <a:p>
+                <a:pPr marL="285750" indent="-285750">
+                  <a:buFont typeface="Arial" panose="020B0604020202020204" pitchFamily="34" charset="0"/>
+                  <a:buChar char="•"/>
+                </a:pPr>
+                <a:endParaRPr lang="en-CA" sz="1600" b="1" dirty="0"/>
+              </a:p>
+              <a:p>
+                <a:r>
+                  <a:rPr lang="en-CA" sz="1800" b="1" dirty="0"/>
+                  <a:t>Education: </a:t>
+                </a:r>
+                <a:r>
+                  <a:rPr lang="en-CA" sz="1800" dirty="0"/>
+                  <a:t>Economics PhD (Health/IO)</a:t>
+                </a:r>
+              </a:p>
+              <a:p>
+                <a:endParaRPr lang="en-CA" sz="1600" b="1" dirty="0"/>
+              </a:p>
+              <a:p>
+                <a:r>
+                  <a:rPr lang="en-CA" sz="1800" b="1" dirty="0"/>
+                  <a:t>Main Goals of the Course: </a:t>
+                </a:r>
+              </a:p>
+              <a:p>
+                <a:pPr marL="285750" indent="-285750">
+                  <a:buFont typeface="Arial" panose="020B0604020202020204" pitchFamily="34" charset="0"/>
+                  <a:buChar char="•"/>
+                </a:pPr>
+                <a:r>
+                  <a:rPr lang="en-CA" sz="1800" dirty="0"/>
+                  <a:t>“Nonmathematical” Stats</a:t>
+                </a:r>
+              </a:p>
+              <a:p>
+                <a:pPr marL="285750" indent="-285750">
+                  <a:buFont typeface="Arial" panose="020B0604020202020204" pitchFamily="34" charset="0"/>
+                  <a:buChar char="•"/>
+                </a:pPr>
+                <a:r>
+                  <a:rPr lang="en-CA" sz="1800" dirty="0"/>
+                  <a:t>Practical applications to research</a:t>
+                </a:r>
+              </a:p>
+              <a:p>
+                <a:pPr marL="285750" indent="-285750">
+                  <a:buFont typeface="Arial" panose="020B0604020202020204" pitchFamily="34" charset="0"/>
+                  <a:buChar char="•"/>
+                </a:pPr>
+                <a:r>
+                  <a:rPr lang="en-CA" sz="1800" dirty="0"/>
+                  <a:t>Emphasize applications/evaluations</a:t>
+                </a:r>
+              </a:p>
+              <a:p>
+                <a:pPr marL="285750" indent="-285750">
+                  <a:buFont typeface="Arial" panose="020B0604020202020204" pitchFamily="34" charset="0"/>
+                  <a:buChar char="•"/>
+                </a:pPr>
+                <a:r>
+                  <a:rPr lang="en-CA" sz="1800" dirty="0"/>
+                  <a:t>Practice coding</a:t>
+                </a:r>
+              </a:p>
+            </p:txBody>
+          </p:sp>
+        </mc:Choice>
+        <mc:Fallback>
+          <p:sp>
+            <p:nvSpPr>
+              <p:cNvPr id="4" name="TextBox 3">
+                <a:extLst>
+                  <a:ext uri="{FF2B5EF4-FFF2-40B4-BE49-F238E27FC236}">
+                    <a16:creationId xmlns:a16="http://schemas.microsoft.com/office/drawing/2014/main" id="{A2E9AAB5-EC22-8C7C-66D5-C599EA396629}"/>
+                  </a:ext>
+                </a:extLst>
+              </p:cNvPr>
+              <p:cNvSpPr txBox="1">
+                <a:spLocks noRot="1" noChangeAspect="1" noMove="1" noResize="1" noEditPoints="1" noAdjustHandles="1" noChangeArrowheads="1" noChangeShapeType="1" noTextEdit="1"/>
+              </p:cNvSpPr>
+              <p:nvPr/>
+            </p:nvSpPr>
+            <p:spPr>
+              <a:xfrm>
+                <a:off x="4557686" y="1295400"/>
+                <a:ext cx="6423487" cy="3847207"/>
+              </a:xfrm>
+              <a:prstGeom prst="rect">
+                <a:avLst/>
+              </a:prstGeom>
+              <a:blipFill>
+                <a:blip r:embed="rId4"/>
+                <a:stretch>
+                  <a:fillRect l="-855" t="-951" b="-1426"/>
+                </a:stretch>
+              </a:blipFill>
+            </p:spPr>
+            <p:txBody>
+              <a:bodyPr/>
+              <a:lstStyle/>
+              <a:p>
+                <a:r>
+                  <a:rPr lang="en-CA">
+                    <a:noFill/>
+                  </a:rPr>
+                  <a:t> </a:t>
+                </a:r>
+              </a:p>
+            </p:txBody>
+          </p:sp>
+        </mc:Fallback>
+      </mc:AlternateContent>
+      <p:sp>
+        <p:nvSpPr>
+          <p:cNvPr id="5" name="Title 1">
+            <a:extLst>
+              <a:ext uri="{FF2B5EF4-FFF2-40B4-BE49-F238E27FC236}">
+                <a16:creationId xmlns:a16="http://schemas.microsoft.com/office/drawing/2014/main" id="{E1908AC6-5EE0-DB17-8813-2A6D6119A6CD}"/>
+              </a:ext>
+            </a:extLst>
+          </p:cNvPr>
+          <p:cNvSpPr txBox="1">
+            <a:spLocks/>
+          </p:cNvSpPr>
+          <p:nvPr/>
+        </p:nvSpPr>
+        <p:spPr>
+          <a:xfrm>
+            <a:off x="4557687" y="467929"/>
+            <a:ext cx="10192512" cy="777240"/>
+          </a:xfrm>
+          <a:prstGeom prst="rect">
+            <a:avLst/>
+          </a:prstGeom>
+        </p:spPr>
+        <p:txBody>
+          <a:bodyPr vert="horz" lIns="91440" tIns="45720" rIns="91440" bIns="45720" rtlCol="0" anchor="b">
+            <a:normAutofit/>
+          </a:bodyPr>
+          <a:lstStyle>
+            <a:lvl1pPr algn="l" defTabSz="914400" rtl="0" eaLnBrk="1" latinLnBrk="0" hangingPunct="1">
+              <a:lnSpc>
+                <a:spcPct val="90000"/>
+              </a:lnSpc>
+              <a:spcBef>
+                <a:spcPct val="0"/>
+              </a:spcBef>
+              <a:buNone/>
+              <a:defRPr sz="4400" kern="1200" spc="-50" baseline="0">
+                <a:solidFill>
+                  <a:schemeClr val="tx1"/>
+                </a:solidFill>
+                <a:latin typeface="Times New Roman" panose="02020603050405020304" pitchFamily="18" charset="0"/>
+                <a:ea typeface="+mj-ea"/>
+                <a:cs typeface="+mj-cs"/>
+              </a:defRPr>
+            </a:lvl1pPr>
+          </a:lstStyle>
+          <a:p>
+            <a:r>
+              <a:rPr lang="en-US"/>
+              <a:t>Introductions</a:t>
+            </a:r>
+            <a:endParaRPr lang="en-US" dirty="0"/>
+          </a:p>
+        </p:txBody>
+      </p:sp>
     </p:spTree>
     <p:extLst>
       <p:ext uri="{BB962C8B-B14F-4D97-AF65-F5344CB8AC3E}">
-        <p14:creationId xmlns:p14="http://schemas.microsoft.com/office/powerpoint/2010/main" val="1453377438"/>
+        <p14:creationId xmlns:p14="http://schemas.microsoft.com/office/powerpoint/2010/main" val="3250820489"/>
       </p:ext>
     </p:extLst>
   </p:cSld>
@@ -14037,269 +14362,75 @@
           </a:xfrm>
         </p:spPr>
         <p:txBody>
-          <a:bodyPr/>
+          <a:bodyPr>
+            <a:normAutofit/>
+          </a:bodyPr>
           <a:lstStyle/>
           <a:p>
             <a:r>
               <a:rPr lang="en-US" dirty="0"/>
-              <a:t>Introductions</a:t>
-            </a:r>
-          </a:p>
-        </p:txBody>
-      </p:sp>
-      <p:pic>
-        <p:nvPicPr>
-          <p:cNvPr id="6" name="Picture 5" descr="A group of people posing for a picture&#10;&#10;Description automatically generated">
+              <a:t>Introductions: Backgrounds</a:t>
+            </a:r>
+          </a:p>
+        </p:txBody>
+      </p:sp>
+      <p:sp>
+        <p:nvSpPr>
+          <p:cNvPr id="17" name="TextBox 16">
             <a:extLst>
               <a:ext uri="{FF2B5EF4-FFF2-40B4-BE49-F238E27FC236}">
-                <a16:creationId xmlns:a16="http://schemas.microsoft.com/office/drawing/2014/main" id="{FCFD7292-A9B7-091C-C1E0-CD0EB9D2BCAF}"/>
+                <a16:creationId xmlns:a16="http://schemas.microsoft.com/office/drawing/2014/main" id="{F8A4666C-BC49-0B06-DA1C-0573BF456E8B}"/>
               </a:ext>
             </a:extLst>
           </p:cNvPr>
-          <p:cNvPicPr>
-            <a:picLocks noChangeAspect="1"/>
-          </p:cNvPicPr>
+          <p:cNvSpPr txBox="1"/>
           <p:nvPr/>
-        </p:nvPicPr>
-        <p:blipFill>
-          <a:blip r:embed="rId3" cstate="print">
-            <a:extLst>
-              <a:ext uri="{28A0092B-C50C-407E-A947-70E740481C1C}">
-                <a14:useLocalDpi xmlns:a14="http://schemas.microsoft.com/office/drawing/2010/main" val="0"/>
-              </a:ext>
-            </a:extLst>
-          </a:blip>
-          <a:stretch>
-            <a:fillRect/>
-          </a:stretch>
-        </p:blipFill>
+        </p:nvSpPr>
         <p:spPr>
-          <a:xfrm rot="5400000">
-            <a:off x="5174106" y="880441"/>
-            <a:ext cx="6858000" cy="5143500"/>
+          <a:xfrm>
+            <a:off x="988118" y="1369429"/>
+            <a:ext cx="9055684" cy="510778"/>
           </a:xfrm>
-          <a:prstGeom prst="rect">
+          <a:prstGeom prst="roundRect">
             <a:avLst/>
           </a:prstGeom>
+          <a:solidFill>
+            <a:schemeClr val="accent2">
+              <a:lumMod val="40000"/>
+              <a:lumOff val="60000"/>
+            </a:schemeClr>
+          </a:solidFill>
+          <a:ln>
+            <a:solidFill>
+              <a:schemeClr val="accent2">
+                <a:lumMod val="50000"/>
+              </a:schemeClr>
+            </a:solidFill>
+          </a:ln>
         </p:spPr>
-      </p:pic>
-      <mc:AlternateContent xmlns:mc="http://schemas.openxmlformats.org/markup-compatibility/2006" xmlns:a14="http://schemas.microsoft.com/office/drawing/2010/main">
-        <mc:Choice Requires="a14">
-          <p:sp>
-            <p:nvSpPr>
-              <p:cNvPr id="7" name="TextBox 6">
-                <a:extLst>
-                  <a:ext uri="{FF2B5EF4-FFF2-40B4-BE49-F238E27FC236}">
-                    <a16:creationId xmlns:a16="http://schemas.microsoft.com/office/drawing/2014/main" id="{47DF9A17-958F-0CD7-70AD-4C72741EA6E9}"/>
-                  </a:ext>
-                </a:extLst>
-              </p:cNvPr>
-              <p:cNvSpPr txBox="1"/>
-              <p:nvPr/>
-            </p:nvSpPr>
-            <p:spPr>
-              <a:xfrm>
-                <a:off x="132508" y="1146752"/>
-                <a:ext cx="6172200" cy="4708981"/>
-              </a:xfrm>
-              <a:prstGeom prst="rect">
-                <a:avLst/>
-              </a:prstGeom>
-              <a:noFill/>
-            </p:spPr>
-            <p:txBody>
-              <a:bodyPr wrap="square" rtlCol="0">
-                <a:spAutoFit/>
-              </a:bodyPr>
-              <a:lstStyle/>
-              <a:p>
-                <a:r>
-                  <a:rPr lang="en-CA" sz="2200" b="1" dirty="0"/>
-                  <a:t>From: </a:t>
-                </a:r>
-                <a:r>
-                  <a:rPr lang="en-CA" sz="2200" dirty="0"/>
-                  <a:t>USA (Texas </a:t>
-                </a:r>
-                <a14:m>
-                  <m:oMath xmlns:m="http://schemas.openxmlformats.org/officeDocument/2006/math">
-                    <m:r>
-                      <a:rPr lang="en-CA" sz="2200" b="0" i="1" smtClean="0">
-                        <a:latin typeface="Cambria Math" panose="02040503050406030204" pitchFamily="18" charset="0"/>
-                      </a:rPr>
-                      <m:t>→</m:t>
-                    </m:r>
-                  </m:oMath>
-                </a14:m>
-                <a:r>
-                  <a:rPr lang="en-CA" sz="2200" dirty="0"/>
-                  <a:t> Utah </a:t>
-                </a:r>
-                <a14:m>
-                  <m:oMath xmlns:m="http://schemas.openxmlformats.org/officeDocument/2006/math">
-                    <m:r>
-                      <a:rPr lang="en-CA" sz="2200" b="0" i="1" smtClean="0">
-                        <a:latin typeface="Cambria Math" panose="02040503050406030204" pitchFamily="18" charset="0"/>
-                      </a:rPr>
-                      <m:t>→</m:t>
-                    </m:r>
-                  </m:oMath>
-                </a14:m>
-                <a:r>
-                  <a:rPr lang="en-CA" sz="2200" dirty="0"/>
-                  <a:t> Boston)</a:t>
-                </a:r>
-              </a:p>
-              <a:p>
-                <a:endParaRPr lang="en-CA" sz="2000" dirty="0"/>
-              </a:p>
-              <a:p>
-                <a:r>
-                  <a:rPr lang="en-CA" sz="2200" b="1" dirty="0"/>
-                  <a:t>Health Systems Experience: </a:t>
-                </a:r>
-                <a:r>
-                  <a:rPr lang="en-CA" sz="2200" dirty="0"/>
-                  <a:t>US, Ontario</a:t>
-                </a:r>
-              </a:p>
-              <a:p>
-                <a:endParaRPr lang="en-CA" sz="2000" b="1" dirty="0"/>
-              </a:p>
-              <a:p>
-                <a:r>
-                  <a:rPr lang="en-CA" sz="2200" b="1" dirty="0"/>
-                  <a:t>Health Systems Experience 2: </a:t>
-                </a:r>
-              </a:p>
-              <a:p>
-                <a:pPr marL="285750" indent="-285750">
-                  <a:buFont typeface="Arial" panose="020B0604020202020204" pitchFamily="34" charset="0"/>
-                  <a:buChar char="•"/>
-                </a:pPr>
-                <a:r>
-                  <a:rPr lang="en-CA" sz="2200" dirty="0"/>
-                  <a:t>Chronic disease, innovation</a:t>
-                </a:r>
-              </a:p>
-              <a:p>
-                <a:pPr marL="285750" indent="-285750">
-                  <a:buFont typeface="Arial" panose="020B0604020202020204" pitchFamily="34" charset="0"/>
-                  <a:buChar char="•"/>
-                </a:pPr>
-                <a:endParaRPr lang="en-CA" sz="2000" b="1" dirty="0"/>
-              </a:p>
-              <a:p>
-                <a:r>
-                  <a:rPr lang="en-CA" sz="2200" b="1" dirty="0"/>
-                  <a:t>Education: </a:t>
-                </a:r>
-                <a:r>
-                  <a:rPr lang="en-CA" sz="2200" dirty="0"/>
-                  <a:t>Economics PhD (Health/IO)</a:t>
-                </a:r>
-              </a:p>
-              <a:p>
-                <a:endParaRPr lang="en-CA" sz="2000" b="1" dirty="0"/>
-              </a:p>
-              <a:p>
-                <a:r>
-                  <a:rPr lang="en-CA" sz="2200" b="1" dirty="0"/>
-                  <a:t>Main Goals of the Course: </a:t>
-                </a:r>
-              </a:p>
-              <a:p>
-                <a:pPr marL="285750" indent="-285750">
-                  <a:buFont typeface="Arial" panose="020B0604020202020204" pitchFamily="34" charset="0"/>
-                  <a:buChar char="•"/>
-                </a:pPr>
-                <a:r>
-                  <a:rPr lang="en-CA" sz="2200" dirty="0"/>
-                  <a:t>“Nonmathematical” Stats</a:t>
-                </a:r>
-              </a:p>
-              <a:p>
-                <a:pPr marL="285750" indent="-285750">
-                  <a:buFont typeface="Arial" panose="020B0604020202020204" pitchFamily="34" charset="0"/>
-                  <a:buChar char="•"/>
-                </a:pPr>
-                <a:r>
-                  <a:rPr lang="en-CA" sz="2200" dirty="0"/>
-                  <a:t>Practical applications to research</a:t>
-                </a:r>
-              </a:p>
-              <a:p>
-                <a:pPr marL="285750" indent="-285750">
-                  <a:buFont typeface="Arial" panose="020B0604020202020204" pitchFamily="34" charset="0"/>
-                  <a:buChar char="•"/>
-                </a:pPr>
-                <a:r>
-                  <a:rPr lang="en-CA" sz="2200" dirty="0"/>
-                  <a:t>Emphasize applications/evaluations</a:t>
-                </a:r>
-              </a:p>
-              <a:p>
-                <a:pPr marL="285750" indent="-285750">
-                  <a:buFont typeface="Arial" panose="020B0604020202020204" pitchFamily="34" charset="0"/>
-                  <a:buChar char="•"/>
-                </a:pPr>
-                <a:r>
-                  <a:rPr lang="en-CA" sz="2200" dirty="0"/>
-                  <a:t>Practice coding</a:t>
-                </a:r>
-              </a:p>
-            </p:txBody>
-          </p:sp>
-        </mc:Choice>
-        <mc:Fallback xmlns="">
-          <p:sp>
-            <p:nvSpPr>
-              <p:cNvPr id="7" name="TextBox 6">
-                <a:extLst>
-                  <a:ext uri="{FF2B5EF4-FFF2-40B4-BE49-F238E27FC236}">
-                    <a16:creationId xmlns:a16="http://schemas.microsoft.com/office/drawing/2014/main" id="{47DF9A17-958F-0CD7-70AD-4C72741EA6E9}"/>
-                  </a:ext>
-                </a:extLst>
-              </p:cNvPr>
-              <p:cNvSpPr txBox="1">
-                <a:spLocks noRot="1" noChangeAspect="1" noMove="1" noResize="1" noEditPoints="1" noAdjustHandles="1" noChangeArrowheads="1" noChangeShapeType="1" noTextEdit="1"/>
-              </p:cNvSpPr>
-              <p:nvPr/>
-            </p:nvSpPr>
-            <p:spPr>
-              <a:xfrm>
-                <a:off x="132508" y="1146752"/>
-                <a:ext cx="6172200" cy="4708981"/>
-              </a:xfrm>
-              <a:prstGeom prst="rect">
-                <a:avLst/>
-              </a:prstGeom>
-              <a:blipFill>
-                <a:blip r:embed="rId4"/>
-                <a:stretch>
-                  <a:fillRect l="-1285" t="-906" b="-1682"/>
-                </a:stretch>
-              </a:blipFill>
-            </p:spPr>
-            <p:txBody>
-              <a:bodyPr/>
-              <a:lstStyle/>
-              <a:p>
-                <a:r>
-                  <a:rPr lang="en-CA">
-                    <a:noFill/>
-                  </a:rPr>
-                  <a:t> </a:t>
-                </a:r>
-              </a:p>
-            </p:txBody>
-          </p:sp>
-        </mc:Fallback>
-      </mc:AlternateContent>
+        <p:txBody>
+          <a:bodyPr wrap="none" rtlCol="0">
+            <a:spAutoFit/>
+          </a:bodyPr>
+          <a:lstStyle/>
+          <a:p>
+            <a:r>
+              <a:rPr lang="en-CA" sz="2400" dirty="0">
+                <a:solidFill>
+                  <a:schemeClr val="accent2">
+                    <a:lumMod val="50000"/>
+                  </a:schemeClr>
+                </a:solidFill>
+              </a:rPr>
+              <a:t>Most have backgrounds in mixed methods or qualitative work</a:t>
+            </a:r>
+          </a:p>
+        </p:txBody>
+      </p:sp>
     </p:spTree>
     <p:extLst>
       <p:ext uri="{BB962C8B-B14F-4D97-AF65-F5344CB8AC3E}">
-        <p14:creationId xmlns:p14="http://schemas.microsoft.com/office/powerpoint/2010/main" val="1447813118"/>
+        <p14:creationId xmlns:p14="http://schemas.microsoft.com/office/powerpoint/2010/main" val="1999073114"/>
       </p:ext>
     </p:extLst>
   </p:cSld>
@@ -18179,7 +18310,13 @@
   <p:cSld>
     <p:spTree>
       <p:nvGrpSpPr>
-        <p:cNvPr id="1" name=""/>
+        <p:cNvPr id="1" name="">
+          <a:extLst>
+            <a:ext uri="{FF2B5EF4-FFF2-40B4-BE49-F238E27FC236}">
+              <a16:creationId xmlns:a16="http://schemas.microsoft.com/office/drawing/2014/main" id="{460EE19D-4E5A-FD51-439E-467AEBC01266}"/>
+            </a:ext>
+          </a:extLst>
+        </p:cNvPr>
         <p:cNvGrpSpPr/>
         <p:nvPr/>
       </p:nvGrpSpPr>
@@ -18196,7 +18333,7 @@
           <p:cNvPr id="2" name="Title 1">
             <a:extLst>
               <a:ext uri="{FF2B5EF4-FFF2-40B4-BE49-F238E27FC236}">
-                <a16:creationId xmlns:a16="http://schemas.microsoft.com/office/drawing/2014/main" id="{E54BD568-A3DE-4D27-9652-A8CF021A9E7A}"/>
+                <a16:creationId xmlns:a16="http://schemas.microsoft.com/office/drawing/2014/main" id="{2937BBA2-428A-32DD-3463-21DFB8EBB4FD}"/>
               </a:ext>
             </a:extLst>
           </p:cNvPr>
@@ -18231,7 +18368,7 @@
           <p:cNvPr id="14" name="TextBox 13">
             <a:extLst>
               <a:ext uri="{FF2B5EF4-FFF2-40B4-BE49-F238E27FC236}">
-                <a16:creationId xmlns:a16="http://schemas.microsoft.com/office/drawing/2014/main" id="{CA1C3643-665B-1FA8-3CBF-91DFCE933DE3}"/>
+                <a16:creationId xmlns:a16="http://schemas.microsoft.com/office/drawing/2014/main" id="{78E48B89-8828-FECB-FE5C-BBDAA4453DF8}"/>
               </a:ext>
             </a:extLst>
           </p:cNvPr>
@@ -18240,7 +18377,241 @@
         </p:nvSpPr>
         <p:spPr>
           <a:xfrm>
-            <a:off x="988118" y="3450343"/>
+            <a:off x="951675" y="3181618"/>
+            <a:ext cx="10060882" cy="919401"/>
+          </a:xfrm>
+          <a:prstGeom prst="roundRect">
+            <a:avLst/>
+          </a:prstGeom>
+          <a:solidFill>
+            <a:schemeClr val="accent2">
+              <a:lumMod val="40000"/>
+              <a:lumOff val="60000"/>
+            </a:schemeClr>
+          </a:solidFill>
+          <a:ln>
+            <a:solidFill>
+              <a:schemeClr val="accent2">
+                <a:lumMod val="50000"/>
+              </a:schemeClr>
+            </a:solidFill>
+          </a:ln>
+        </p:spPr>
+        <p:txBody>
+          <a:bodyPr wrap="square" rtlCol="0">
+            <a:spAutoFit/>
+          </a:bodyPr>
+          <a:lstStyle/>
+          <a:p>
+            <a:r>
+              <a:rPr lang="en-US" sz="2400" b="0" i="0">
+                <a:solidFill>
+                  <a:srgbClr val="202124"/>
+                </a:solidFill>
+                <a:effectLst/>
+                <a:latin typeface="Roboto" panose="02000000000000000000" pitchFamily="2" charset="0"/>
+              </a:rPr>
+              <a:t>I work as a research coordinator in the Indigenous Cancer Screening Research program at Sunnybrook Research Institute</a:t>
+            </a:r>
+            <a:endParaRPr lang="en-CA" sz="2400" dirty="0">
+              <a:solidFill>
+                <a:schemeClr val="accent2">
+                  <a:lumMod val="50000"/>
+                </a:schemeClr>
+              </a:solidFill>
+            </a:endParaRPr>
+          </a:p>
+        </p:txBody>
+      </p:sp>
+      <p:sp>
+        <p:nvSpPr>
+          <p:cNvPr id="15" name="TextBox 14">
+            <a:extLst>
+              <a:ext uri="{FF2B5EF4-FFF2-40B4-BE49-F238E27FC236}">
+                <a16:creationId xmlns:a16="http://schemas.microsoft.com/office/drawing/2014/main" id="{DD2FB79B-CDF8-1ABA-54EB-C4750FEA1305}"/>
+              </a:ext>
+            </a:extLst>
+          </p:cNvPr>
+          <p:cNvSpPr txBox="1"/>
+          <p:nvPr/>
+        </p:nvSpPr>
+        <p:spPr>
+          <a:xfrm>
+            <a:off x="951675" y="4292024"/>
+            <a:ext cx="10060882" cy="919401"/>
+          </a:xfrm>
+          <a:prstGeom prst="roundRect">
+            <a:avLst/>
+          </a:prstGeom>
+          <a:solidFill>
+            <a:schemeClr val="accent2">
+              <a:lumMod val="40000"/>
+              <a:lumOff val="60000"/>
+            </a:schemeClr>
+          </a:solidFill>
+          <a:ln>
+            <a:solidFill>
+              <a:schemeClr val="accent2">
+                <a:lumMod val="50000"/>
+              </a:schemeClr>
+            </a:solidFill>
+          </a:ln>
+        </p:spPr>
+        <p:txBody>
+          <a:bodyPr wrap="square" rtlCol="0">
+            <a:spAutoFit/>
+          </a:bodyPr>
+          <a:lstStyle/>
+          <a:p>
+            <a:r>
+              <a:rPr lang="en-US" sz="2400" b="0" i="0" dirty="0">
+                <a:solidFill>
+                  <a:srgbClr val="202124"/>
+                </a:solidFill>
+                <a:effectLst/>
+                <a:latin typeface="Roboto" panose="02000000000000000000" pitchFamily="2" charset="0"/>
+              </a:rPr>
+              <a:t>Most recently employed by a company that specializes in medical chatbots</a:t>
+            </a:r>
+            <a:endParaRPr lang="en-CA" sz="2400" dirty="0">
+              <a:solidFill>
+                <a:schemeClr val="accent2">
+                  <a:lumMod val="50000"/>
+                </a:schemeClr>
+              </a:solidFill>
+              <a:latin typeface="+mj-lt"/>
+            </a:endParaRPr>
+          </a:p>
+        </p:txBody>
+      </p:sp>
+      <p:sp>
+        <p:nvSpPr>
+          <p:cNvPr id="16" name="TextBox 15">
+            <a:extLst>
+              <a:ext uri="{FF2B5EF4-FFF2-40B4-BE49-F238E27FC236}">
+                <a16:creationId xmlns:a16="http://schemas.microsoft.com/office/drawing/2014/main" id="{FAE3F75C-2B72-2255-C3A3-FF5073429ED0}"/>
+              </a:ext>
+            </a:extLst>
+          </p:cNvPr>
+          <p:cNvSpPr txBox="1"/>
+          <p:nvPr/>
+        </p:nvSpPr>
+        <p:spPr>
+          <a:xfrm>
+            <a:off x="951675" y="2071212"/>
+            <a:ext cx="10060882" cy="919401"/>
+          </a:xfrm>
+          <a:prstGeom prst="roundRect">
+            <a:avLst/>
+          </a:prstGeom>
+          <a:solidFill>
+            <a:schemeClr val="accent2">
+              <a:lumMod val="40000"/>
+              <a:lumOff val="60000"/>
+            </a:schemeClr>
+          </a:solidFill>
+          <a:ln>
+            <a:solidFill>
+              <a:schemeClr val="accent2">
+                <a:lumMod val="50000"/>
+              </a:schemeClr>
+            </a:solidFill>
+          </a:ln>
+        </p:spPr>
+        <p:txBody>
+          <a:bodyPr wrap="square" rtlCol="0">
+            <a:spAutoFit/>
+          </a:bodyPr>
+          <a:lstStyle/>
+          <a:p>
+            <a:r>
+              <a:rPr lang="en-US" sz="2400" b="0" i="0">
+                <a:solidFill>
+                  <a:srgbClr val="202124"/>
+                </a:solidFill>
+                <a:effectLst/>
+                <a:latin typeface="Roboto" panose="02000000000000000000" pitchFamily="2" charset="0"/>
+              </a:rPr>
+              <a:t>I currently work as a head and neck surgical oncologist at mount Sinai hospital</a:t>
+            </a:r>
+            <a:endParaRPr lang="en-CA" sz="2400" dirty="0">
+              <a:solidFill>
+                <a:schemeClr val="accent2">
+                  <a:lumMod val="50000"/>
+                </a:schemeClr>
+              </a:solidFill>
+            </a:endParaRPr>
+          </a:p>
+        </p:txBody>
+      </p:sp>
+      <p:sp>
+        <p:nvSpPr>
+          <p:cNvPr id="17" name="TextBox 16">
+            <a:extLst>
+              <a:ext uri="{FF2B5EF4-FFF2-40B4-BE49-F238E27FC236}">
+                <a16:creationId xmlns:a16="http://schemas.microsoft.com/office/drawing/2014/main" id="{3EDD08F7-B6F8-457D-2795-E6D349BC0A65}"/>
+              </a:ext>
+            </a:extLst>
+          </p:cNvPr>
+          <p:cNvSpPr txBox="1"/>
+          <p:nvPr/>
+        </p:nvSpPr>
+        <p:spPr>
+          <a:xfrm>
+            <a:off x="951675" y="1369429"/>
+            <a:ext cx="9055684" cy="510778"/>
+          </a:xfrm>
+          <a:prstGeom prst="roundRect">
+            <a:avLst/>
+          </a:prstGeom>
+          <a:solidFill>
+            <a:schemeClr val="accent2">
+              <a:lumMod val="40000"/>
+              <a:lumOff val="60000"/>
+            </a:schemeClr>
+          </a:solidFill>
+          <a:ln>
+            <a:solidFill>
+              <a:schemeClr val="accent2">
+                <a:lumMod val="50000"/>
+              </a:schemeClr>
+            </a:solidFill>
+          </a:ln>
+        </p:spPr>
+        <p:txBody>
+          <a:bodyPr wrap="none" rtlCol="0">
+            <a:spAutoFit/>
+          </a:bodyPr>
+          <a:lstStyle/>
+          <a:p>
+            <a:r>
+              <a:rPr lang="en-CA" sz="2400" dirty="0">
+                <a:solidFill>
+                  <a:schemeClr val="accent2">
+                    <a:lumMod val="50000"/>
+                  </a:schemeClr>
+                </a:solidFill>
+              </a:rPr>
+              <a:t>Most have backgrounds in mixed methods or qualitative work</a:t>
+            </a:r>
+          </a:p>
+        </p:txBody>
+      </p:sp>
+      <p:sp>
+        <p:nvSpPr>
+          <p:cNvPr id="3" name="TextBox 2">
+            <a:extLst>
+              <a:ext uri="{FF2B5EF4-FFF2-40B4-BE49-F238E27FC236}">
+                <a16:creationId xmlns:a16="http://schemas.microsoft.com/office/drawing/2014/main" id="{517F7FAF-A0D9-57B9-5A28-DFCA0AF43A41}"/>
+              </a:ext>
+            </a:extLst>
+          </p:cNvPr>
+          <p:cNvSpPr txBox="1"/>
+          <p:nvPr/>
+        </p:nvSpPr>
+        <p:spPr>
+          <a:xfrm>
+            <a:off x="951675" y="5402432"/>
             <a:ext cx="10060882" cy="510778"/>
           </a:xfrm>
           <a:prstGeom prst="roundRect">
@@ -18266,56 +18637,16 @@
           </a:bodyPr>
           <a:lstStyle/>
           <a:p>
-            <a:endParaRPr lang="en-CA" sz="2400" dirty="0">
-              <a:solidFill>
-                <a:schemeClr val="accent2">
-                  <a:lumMod val="50000"/>
-                </a:schemeClr>
-              </a:solidFill>
-            </a:endParaRPr>
-          </a:p>
-        </p:txBody>
-      </p:sp>
-      <p:sp>
-        <p:nvSpPr>
-          <p:cNvPr id="15" name="TextBox 14">
-            <a:extLst>
-              <a:ext uri="{FF2B5EF4-FFF2-40B4-BE49-F238E27FC236}">
-                <a16:creationId xmlns:a16="http://schemas.microsoft.com/office/drawing/2014/main" id="{6A45EBA3-6688-AE2D-E845-0A9843EE531D}"/>
-              </a:ext>
-            </a:extLst>
-          </p:cNvPr>
-          <p:cNvSpPr txBox="1"/>
-          <p:nvPr/>
-        </p:nvSpPr>
-        <p:spPr>
-          <a:xfrm>
-            <a:off x="988119" y="4490799"/>
-            <a:ext cx="10060882" cy="510778"/>
-          </a:xfrm>
-          <a:prstGeom prst="roundRect">
-            <a:avLst/>
-          </a:prstGeom>
-          <a:solidFill>
-            <a:schemeClr val="accent2">
-              <a:lumMod val="40000"/>
-              <a:lumOff val="60000"/>
-            </a:schemeClr>
-          </a:solidFill>
-          <a:ln>
-            <a:solidFill>
-              <a:schemeClr val="accent2">
-                <a:lumMod val="50000"/>
-              </a:schemeClr>
-            </a:solidFill>
-          </a:ln>
-        </p:spPr>
-        <p:txBody>
-          <a:bodyPr wrap="square" rtlCol="0">
-            <a:spAutoFit/>
-          </a:bodyPr>
-          <a:lstStyle/>
-          <a:p>
+            <a:r>
+              <a:rPr lang="en-US" sz="2400" b="0" i="0" dirty="0">
+                <a:solidFill>
+                  <a:srgbClr val="202124"/>
+                </a:solidFill>
+                <a:effectLst/>
+                <a:latin typeface="Roboto" panose="02000000000000000000" pitchFamily="2" charset="0"/>
+              </a:rPr>
+              <a:t>Senior Instructor at an academic institute in my home country</a:t>
+            </a:r>
             <a:endParaRPr lang="en-CA" sz="2400" dirty="0">
               <a:solidFill>
                 <a:schemeClr val="accent2">
@@ -18327,110 +18658,10 @@
           </a:p>
         </p:txBody>
       </p:sp>
-      <p:sp>
-        <p:nvSpPr>
-          <p:cNvPr id="16" name="TextBox 15">
-            <a:extLst>
-              <a:ext uri="{FF2B5EF4-FFF2-40B4-BE49-F238E27FC236}">
-                <a16:creationId xmlns:a16="http://schemas.microsoft.com/office/drawing/2014/main" id="{044AD57E-3F5D-52D7-2D73-D98C8B80C9C7}"/>
-              </a:ext>
-            </a:extLst>
-          </p:cNvPr>
-          <p:cNvSpPr txBox="1"/>
-          <p:nvPr/>
-        </p:nvSpPr>
-        <p:spPr>
-          <a:xfrm>
-            <a:off x="988119" y="2409886"/>
-            <a:ext cx="10060882" cy="510778"/>
-          </a:xfrm>
-          <a:prstGeom prst="roundRect">
-            <a:avLst/>
-          </a:prstGeom>
-          <a:solidFill>
-            <a:schemeClr val="accent2">
-              <a:lumMod val="40000"/>
-              <a:lumOff val="60000"/>
-            </a:schemeClr>
-          </a:solidFill>
-          <a:ln>
-            <a:solidFill>
-              <a:schemeClr val="accent2">
-                <a:lumMod val="50000"/>
-              </a:schemeClr>
-            </a:solidFill>
-          </a:ln>
-        </p:spPr>
-        <p:txBody>
-          <a:bodyPr wrap="square" rtlCol="0">
-            <a:spAutoFit/>
-          </a:bodyPr>
-          <a:lstStyle/>
-          <a:p>
-            <a:endParaRPr lang="en-CA" sz="2400" dirty="0">
-              <a:solidFill>
-                <a:schemeClr val="accent2">
-                  <a:lumMod val="50000"/>
-                </a:schemeClr>
-              </a:solidFill>
-            </a:endParaRPr>
-          </a:p>
-        </p:txBody>
-      </p:sp>
-      <p:sp>
-        <p:nvSpPr>
-          <p:cNvPr id="17" name="TextBox 16">
-            <a:extLst>
-              <a:ext uri="{FF2B5EF4-FFF2-40B4-BE49-F238E27FC236}">
-                <a16:creationId xmlns:a16="http://schemas.microsoft.com/office/drawing/2014/main" id="{F8A4666C-BC49-0B06-DA1C-0573BF456E8B}"/>
-              </a:ext>
-            </a:extLst>
-          </p:cNvPr>
-          <p:cNvSpPr txBox="1"/>
-          <p:nvPr/>
-        </p:nvSpPr>
-        <p:spPr>
-          <a:xfrm>
-            <a:off x="988118" y="1369429"/>
-            <a:ext cx="204383" cy="479524"/>
-          </a:xfrm>
-          <a:prstGeom prst="roundRect">
-            <a:avLst/>
-          </a:prstGeom>
-          <a:solidFill>
-            <a:schemeClr val="accent2">
-              <a:lumMod val="40000"/>
-              <a:lumOff val="60000"/>
-            </a:schemeClr>
-          </a:solidFill>
-          <a:ln>
-            <a:solidFill>
-              <a:schemeClr val="accent2">
-                <a:lumMod val="50000"/>
-              </a:schemeClr>
-            </a:solidFill>
-          </a:ln>
-        </p:spPr>
-        <p:txBody>
-          <a:bodyPr wrap="none" rtlCol="0">
-            <a:spAutoFit/>
-          </a:bodyPr>
-          <a:lstStyle/>
-          <a:p>
-            <a:endParaRPr lang="en-CA" sz="2400" dirty="0">
-              <a:solidFill>
-                <a:schemeClr val="accent2">
-                  <a:lumMod val="50000"/>
-                </a:schemeClr>
-              </a:solidFill>
-            </a:endParaRPr>
-          </a:p>
-        </p:txBody>
-      </p:sp>
     </p:spTree>
     <p:extLst>
       <p:ext uri="{BB962C8B-B14F-4D97-AF65-F5344CB8AC3E}">
-        <p14:creationId xmlns:p14="http://schemas.microsoft.com/office/powerpoint/2010/main" val="1999073114"/>
+        <p14:creationId xmlns:p14="http://schemas.microsoft.com/office/powerpoint/2010/main" val="2139319395"/>
       </p:ext>
     </p:extLst>
   </p:cSld>
@@ -19690,7 +19921,7 @@
           <a:p>
             <a:r>
               <a:rPr lang="en-US" dirty="0"/>
-              <a:t>Introductions: Math levels</a:t>
+              <a:t>Introductions: Coding levels</a:t>
             </a:r>
           </a:p>
         </p:txBody>
@@ -19709,8 +19940,8 @@
         </p:nvSpPr>
         <p:spPr>
           <a:xfrm>
-            <a:off x="762000" y="2372083"/>
-            <a:ext cx="7467601" cy="510778"/>
+            <a:off x="304799" y="2094695"/>
+            <a:ext cx="7467601" cy="919401"/>
           </a:xfrm>
           <a:prstGeom prst="roundRect">
             <a:avLst/>
@@ -19735,6 +19966,16 @@
           </a:bodyPr>
           <a:lstStyle/>
           <a:p>
+            <a:r>
+              <a:rPr lang="en-US" sz="2400" b="0" i="0">
+                <a:solidFill>
+                  <a:srgbClr val="202124"/>
+                </a:solidFill>
+                <a:effectLst/>
+                <a:latin typeface="Roboto" panose="02000000000000000000" pitchFamily="2" charset="0"/>
+              </a:rPr>
+              <a:t>Don't know anything about R - I am very anxious about this course</a:t>
+            </a:r>
             <a:endParaRPr lang="en-CA" sz="2400" dirty="0">
               <a:latin typeface="+mj-lt"/>
               <a:cs typeface="Times New Roman" panose="02020603050405020304" pitchFamily="18" charset="0"/>
@@ -19756,7 +19997,64 @@
         </p:nvSpPr>
         <p:spPr>
           <a:xfrm>
-            <a:off x="762000" y="3601166"/>
+            <a:off x="304799" y="3455013"/>
+            <a:ext cx="9753601" cy="919401"/>
+          </a:xfrm>
+          <a:prstGeom prst="roundRect">
+            <a:avLst/>
+          </a:prstGeom>
+          <a:solidFill>
+            <a:schemeClr val="accent3">
+              <a:lumMod val="40000"/>
+              <a:lumOff val="60000"/>
+            </a:schemeClr>
+          </a:solidFill>
+          <a:ln>
+            <a:solidFill>
+              <a:schemeClr val="accent3">
+                <a:lumMod val="75000"/>
+              </a:schemeClr>
+            </a:solidFill>
+          </a:ln>
+        </p:spPr>
+        <p:txBody>
+          <a:bodyPr wrap="square" rtlCol="0">
+            <a:spAutoFit/>
+          </a:bodyPr>
+          <a:lstStyle/>
+          <a:p>
+            <a:r>
+              <a:rPr lang="en-US" sz="2400" b="0" i="0" dirty="0">
+                <a:solidFill>
+                  <a:srgbClr val="202124"/>
+                </a:solidFill>
+                <a:effectLst/>
+                <a:latin typeface="Roboto" panose="02000000000000000000" pitchFamily="2" charset="0"/>
+              </a:rPr>
+              <a:t>I have never heard of R before and am nervous but excited to learn about it.</a:t>
+            </a:r>
+            <a:endParaRPr lang="en-CA" sz="2400" dirty="0">
+              <a:latin typeface="+mj-lt"/>
+              <a:cs typeface="Times New Roman" panose="02020603050405020304" pitchFamily="18" charset="0"/>
+            </a:endParaRPr>
+          </a:p>
+        </p:txBody>
+      </p:sp>
+      <p:sp>
+        <p:nvSpPr>
+          <p:cNvPr id="17" name="TextBox 16">
+            <a:extLst>
+              <a:ext uri="{FF2B5EF4-FFF2-40B4-BE49-F238E27FC236}">
+                <a16:creationId xmlns:a16="http://schemas.microsoft.com/office/drawing/2014/main" id="{924289A9-17DB-B0B9-EDAC-99D29420738E}"/>
+              </a:ext>
+            </a:extLst>
+          </p:cNvPr>
+          <p:cNvSpPr txBox="1"/>
+          <p:nvPr/>
+        </p:nvSpPr>
+        <p:spPr>
+          <a:xfrm>
+            <a:off x="304799" y="6175647"/>
             <a:ext cx="9753601" cy="510778"/>
           </a:xfrm>
           <a:prstGeom prst="roundRect">
@@ -19782,6 +20080,16 @@
           </a:bodyPr>
           <a:lstStyle/>
           <a:p>
+            <a:r>
+              <a:rPr lang="en-US" sz="2400" b="0" i="0" dirty="0">
+                <a:solidFill>
+                  <a:srgbClr val="202124"/>
+                </a:solidFill>
+                <a:effectLst/>
+                <a:latin typeface="Roboto" panose="02000000000000000000" pitchFamily="2" charset="0"/>
+              </a:rPr>
+              <a:t>However, I primarily used Excel to track and run descriptive statistics.</a:t>
+            </a:r>
             <a:endParaRPr lang="en-CA" sz="2400" dirty="0">
               <a:latin typeface="+mj-lt"/>
               <a:cs typeface="Times New Roman" panose="02020603050405020304" pitchFamily="18" charset="0"/>
@@ -19791,10 +20099,10 @@
       </p:sp>
       <p:sp>
         <p:nvSpPr>
-          <p:cNvPr id="16" name="TextBox 15">
+          <p:cNvPr id="18" name="TextBox 17">
             <a:extLst>
               <a:ext uri="{FF2B5EF4-FFF2-40B4-BE49-F238E27FC236}">
-                <a16:creationId xmlns:a16="http://schemas.microsoft.com/office/drawing/2014/main" id="{A453869E-425F-F7DD-38B4-4A6E25DFA2A7}"/>
+                <a16:creationId xmlns:a16="http://schemas.microsoft.com/office/drawing/2014/main" id="{9546A42C-7216-1EB0-7D5D-CE6ED6AD65CC}"/>
               </a:ext>
             </a:extLst>
           </p:cNvPr>
@@ -19803,7 +20111,7 @@
         </p:nvSpPr>
         <p:spPr>
           <a:xfrm>
-            <a:off x="762000" y="4421626"/>
+            <a:off x="304799" y="1143000"/>
             <a:ext cx="9753601" cy="510778"/>
           </a:xfrm>
           <a:prstGeom prst="roundRect">
@@ -19829,6 +20137,16 @@
           </a:bodyPr>
           <a:lstStyle/>
           <a:p>
+            <a:r>
+              <a:rPr lang="en-US" sz="2400" b="0" i="0" dirty="0">
+                <a:solidFill>
+                  <a:srgbClr val="202124"/>
+                </a:solidFill>
+                <a:effectLst/>
+                <a:latin typeface="Roboto" panose="02000000000000000000" pitchFamily="2" charset="0"/>
+              </a:rPr>
+              <a:t>no coding only simple stats - I usually consult statisticians</a:t>
+            </a:r>
             <a:endParaRPr lang="en-CA" sz="2400" dirty="0">
               <a:latin typeface="+mj-lt"/>
               <a:cs typeface="Times New Roman" panose="02020603050405020304" pitchFamily="18" charset="0"/>
@@ -19838,10 +20156,10 @@
       </p:sp>
       <p:sp>
         <p:nvSpPr>
-          <p:cNvPr id="17" name="TextBox 16">
+          <p:cNvPr id="5" name="TextBox 4">
             <a:extLst>
               <a:ext uri="{FF2B5EF4-FFF2-40B4-BE49-F238E27FC236}">
-                <a16:creationId xmlns:a16="http://schemas.microsoft.com/office/drawing/2014/main" id="{924289A9-17DB-B0B9-EDAC-99D29420738E}"/>
+                <a16:creationId xmlns:a16="http://schemas.microsoft.com/office/drawing/2014/main" id="{DB3FBCCA-59D4-3060-B25F-6C357798551C}"/>
               </a:ext>
             </a:extLst>
           </p:cNvPr>
@@ -19850,7 +20168,190 @@
         </p:nvSpPr>
         <p:spPr>
           <a:xfrm>
-            <a:off x="762000" y="5242086"/>
+            <a:off x="304799" y="4815331"/>
+            <a:ext cx="9753601" cy="919401"/>
+          </a:xfrm>
+          <a:prstGeom prst="roundRect">
+            <a:avLst/>
+          </a:prstGeom>
+          <a:solidFill>
+            <a:schemeClr val="accent3">
+              <a:lumMod val="40000"/>
+              <a:lumOff val="60000"/>
+            </a:schemeClr>
+          </a:solidFill>
+          <a:ln>
+            <a:solidFill>
+              <a:schemeClr val="accent3">
+                <a:lumMod val="75000"/>
+              </a:schemeClr>
+            </a:solidFill>
+          </a:ln>
+        </p:spPr>
+        <p:txBody>
+          <a:bodyPr wrap="square" rtlCol="0">
+            <a:spAutoFit/>
+          </a:bodyPr>
+          <a:lstStyle/>
+          <a:p>
+            <a:r>
+              <a:rPr lang="en-US" sz="2400" b="0" i="0" dirty="0">
+                <a:solidFill>
+                  <a:srgbClr val="202124"/>
+                </a:solidFill>
+                <a:effectLst/>
+                <a:latin typeface="Roboto" panose="02000000000000000000" pitchFamily="2" charset="0"/>
+              </a:rPr>
+              <a:t>I often find myself unsure about which specific analyses are appropriate for different conditions or research questions. </a:t>
+            </a:r>
+            <a:endParaRPr lang="en-CA" sz="2400" dirty="0">
+              <a:latin typeface="+mj-lt"/>
+              <a:cs typeface="Times New Roman" panose="02020603050405020304" pitchFamily="18" charset="0"/>
+            </a:endParaRPr>
+          </a:p>
+        </p:txBody>
+      </p:sp>
+    </p:spTree>
+    <p:extLst>
+      <p:ext uri="{BB962C8B-B14F-4D97-AF65-F5344CB8AC3E}">
+        <p14:creationId xmlns:p14="http://schemas.microsoft.com/office/powerpoint/2010/main" val="2567020955"/>
+      </p:ext>
+    </p:extLst>
+  </p:cSld>
+  <p:clrMapOvr>
+    <a:masterClrMapping/>
+  </p:clrMapOvr>
+</p:sld>
+</file>
+
+<file path=ppt/slides/slide6.xml><?xml version="1.0" encoding="utf-8"?>
+<p:sld xmlns:a="http://schemas.openxmlformats.org/drawingml/2006/main" xmlns:r="http://schemas.openxmlformats.org/officeDocument/2006/relationships" xmlns:p="http://schemas.openxmlformats.org/presentationml/2006/main">
+  <p:cSld>
+    <p:spTree>
+      <p:nvGrpSpPr>
+        <p:cNvPr id="1" name="">
+          <a:extLst>
+            <a:ext uri="{FF2B5EF4-FFF2-40B4-BE49-F238E27FC236}">
+              <a16:creationId xmlns:a16="http://schemas.microsoft.com/office/drawing/2014/main" id="{FF8F25F0-1C88-CBEC-9663-84008E8C16C4}"/>
+            </a:ext>
+          </a:extLst>
+        </p:cNvPr>
+        <p:cNvGrpSpPr/>
+        <p:nvPr/>
+      </p:nvGrpSpPr>
+      <p:grpSpPr>
+        <a:xfrm>
+          <a:off x="0" y="0"/>
+          <a:ext cx="0" cy="0"/>
+          <a:chOff x="0" y="0"/>
+          <a:chExt cx="0" cy="0"/>
+        </a:xfrm>
+      </p:grpSpPr>
+      <p:sp>
+        <p:nvSpPr>
+          <p:cNvPr id="2" name="Title 1">
+            <a:extLst>
+              <a:ext uri="{FF2B5EF4-FFF2-40B4-BE49-F238E27FC236}">
+                <a16:creationId xmlns:a16="http://schemas.microsoft.com/office/drawing/2014/main" id="{77249283-1EF4-7A5E-8F4F-AEE494EDD9C5}"/>
+              </a:ext>
+            </a:extLst>
+          </p:cNvPr>
+          <p:cNvSpPr>
+            <a:spLocks noGrp="1"/>
+          </p:cNvSpPr>
+          <p:nvPr>
+            <p:ph type="title"/>
+          </p:nvPr>
+        </p:nvSpPr>
+        <p:spPr>
+          <a:xfrm>
+            <a:off x="762000" y="365760"/>
+            <a:ext cx="10192512" cy="777240"/>
+          </a:xfrm>
+        </p:spPr>
+        <p:txBody>
+          <a:bodyPr/>
+          <a:lstStyle/>
+          <a:p>
+            <a:r>
+              <a:rPr lang="en-US" dirty="0"/>
+              <a:t>Introductions: Course Expectations</a:t>
+            </a:r>
+          </a:p>
+        </p:txBody>
+      </p:sp>
+      <p:sp>
+        <p:nvSpPr>
+          <p:cNvPr id="16" name="TextBox 15">
+            <a:extLst>
+              <a:ext uri="{FF2B5EF4-FFF2-40B4-BE49-F238E27FC236}">
+                <a16:creationId xmlns:a16="http://schemas.microsoft.com/office/drawing/2014/main" id="{B907B735-90FF-F271-CD79-5FD637815CC8}"/>
+              </a:ext>
+            </a:extLst>
+          </p:cNvPr>
+          <p:cNvSpPr txBox="1"/>
+          <p:nvPr/>
+        </p:nvSpPr>
+        <p:spPr>
+          <a:xfrm>
+            <a:off x="533399" y="3576445"/>
+            <a:ext cx="9753601" cy="919401"/>
+          </a:xfrm>
+          <a:prstGeom prst="roundRect">
+            <a:avLst/>
+          </a:prstGeom>
+          <a:solidFill>
+            <a:schemeClr val="accent3">
+              <a:lumMod val="40000"/>
+              <a:lumOff val="60000"/>
+            </a:schemeClr>
+          </a:solidFill>
+          <a:ln>
+            <a:solidFill>
+              <a:schemeClr val="accent3">
+                <a:lumMod val="75000"/>
+              </a:schemeClr>
+            </a:solidFill>
+          </a:ln>
+        </p:spPr>
+        <p:txBody>
+          <a:bodyPr wrap="square" rtlCol="0">
+            <a:spAutoFit/>
+          </a:bodyPr>
+          <a:lstStyle/>
+          <a:p>
+            <a:r>
+              <a:rPr lang="en-US" sz="2400" b="0" i="0" dirty="0">
+                <a:solidFill>
+                  <a:srgbClr val="202124"/>
+                </a:solidFill>
+                <a:effectLst/>
+                <a:latin typeface="Roboto" panose="02000000000000000000" pitchFamily="2" charset="0"/>
+              </a:rPr>
+              <a:t>I hope to walk away feeling more comfortable using R to do my own analysis. </a:t>
+            </a:r>
+            <a:endParaRPr lang="en-CA" sz="2400" dirty="0">
+              <a:latin typeface="+mj-lt"/>
+              <a:cs typeface="Times New Roman" panose="02020603050405020304" pitchFamily="18" charset="0"/>
+            </a:endParaRPr>
+          </a:p>
+        </p:txBody>
+      </p:sp>
+      <p:sp>
+        <p:nvSpPr>
+          <p:cNvPr id="3" name="TextBox 2">
+            <a:extLst>
+              <a:ext uri="{FF2B5EF4-FFF2-40B4-BE49-F238E27FC236}">
+                <a16:creationId xmlns:a16="http://schemas.microsoft.com/office/drawing/2014/main" id="{CB938DAA-A297-017D-2F28-4DDAF1EED031}"/>
+              </a:ext>
+            </a:extLst>
+          </p:cNvPr>
+          <p:cNvSpPr txBox="1"/>
+          <p:nvPr/>
+        </p:nvSpPr>
+        <p:spPr>
+          <a:xfrm>
+            <a:off x="533399" y="5256246"/>
             <a:ext cx="9753601" cy="510778"/>
           </a:xfrm>
           <a:prstGeom prst="roundRect">
@@ -19876,6 +20377,16 @@
           </a:bodyPr>
           <a:lstStyle/>
           <a:p>
+            <a:r>
+              <a:rPr lang="en-US" sz="2400" b="0" i="0" dirty="0">
+                <a:solidFill>
+                  <a:srgbClr val="202124"/>
+                </a:solidFill>
+                <a:effectLst/>
+                <a:latin typeface="Roboto" panose="02000000000000000000" pitchFamily="2" charset="0"/>
+              </a:rPr>
+              <a:t>I've heard it is a "get out of it what you put in" class. </a:t>
+            </a:r>
             <a:endParaRPr lang="en-CA" sz="2400" dirty="0">
               <a:latin typeface="+mj-lt"/>
               <a:cs typeface="Times New Roman" panose="02020603050405020304" pitchFamily="18" charset="0"/>
@@ -19885,10 +20396,10 @@
       </p:sp>
       <p:sp>
         <p:nvSpPr>
-          <p:cNvPr id="18" name="TextBox 17">
+          <p:cNvPr id="5" name="TextBox 4">
             <a:extLst>
               <a:ext uri="{FF2B5EF4-FFF2-40B4-BE49-F238E27FC236}">
-                <a16:creationId xmlns:a16="http://schemas.microsoft.com/office/drawing/2014/main" id="{9546A42C-7216-1EB0-7D5D-CE6ED6AD65CC}"/>
+                <a16:creationId xmlns:a16="http://schemas.microsoft.com/office/drawing/2014/main" id="{FE1D991C-1CBB-D52C-FEEE-FD424F87A71D}"/>
               </a:ext>
             </a:extLst>
           </p:cNvPr>
@@ -19897,8 +20408,8 @@
         </p:nvSpPr>
         <p:spPr>
           <a:xfrm>
-            <a:off x="762000" y="1143000"/>
-            <a:ext cx="9753601" cy="510778"/>
+            <a:off x="-685800" y="7580780"/>
+            <a:ext cx="9753601" cy="2962513"/>
           </a:xfrm>
           <a:prstGeom prst="roundRect">
             <a:avLst/>
@@ -19923,6 +20434,16 @@
           </a:bodyPr>
           <a:lstStyle/>
           <a:p>
+            <a:r>
+              <a:rPr lang="en-US" sz="2400" b="0" i="0" dirty="0">
+                <a:solidFill>
+                  <a:srgbClr val="202124"/>
+                </a:solidFill>
+                <a:effectLst/>
+                <a:latin typeface="Roboto" panose="02000000000000000000" pitchFamily="2" charset="0"/>
+              </a:rPr>
+              <a:t>I have used R before and am comfortable with basic statistics and regression analysis. However, I often find myself unsure about which specific analyses are appropriate for different conditions or research questions. I'm excited to deepen my understanding of how to choose the right methods for various situations, as I’d like to be able to decipher which statistical approaches best address different research goals. </a:t>
+            </a:r>
             <a:endParaRPr lang="en-CA" sz="2400" dirty="0">
               <a:latin typeface="+mj-lt"/>
               <a:cs typeface="Times New Roman" panose="02020603050405020304" pitchFamily="18" charset="0"/>
@@ -19930,75 +20451,12 @@
           </a:p>
         </p:txBody>
       </p:sp>
-    </p:spTree>
-    <p:extLst>
-      <p:ext uri="{BB962C8B-B14F-4D97-AF65-F5344CB8AC3E}">
-        <p14:creationId xmlns:p14="http://schemas.microsoft.com/office/powerpoint/2010/main" val="3180877132"/>
-      </p:ext>
-    </p:extLst>
-  </p:cSld>
-  <p:clrMapOvr>
-    <a:masterClrMapping/>
-  </p:clrMapOvr>
-</p:sld>
-</file>
-
-<file path=ppt/slides/slide6.xml><?xml version="1.0" encoding="utf-8"?>
-<p:sld xmlns:a="http://schemas.openxmlformats.org/drawingml/2006/main" xmlns:r="http://schemas.openxmlformats.org/officeDocument/2006/relationships" xmlns:p="http://schemas.openxmlformats.org/presentationml/2006/main">
-  <p:cSld>
-    <p:spTree>
-      <p:nvGrpSpPr>
-        <p:cNvPr id="1" name=""/>
-        <p:cNvGrpSpPr/>
-        <p:nvPr/>
-      </p:nvGrpSpPr>
-      <p:grpSpPr>
-        <a:xfrm>
-          <a:off x="0" y="0"/>
-          <a:ext cx="0" cy="0"/>
-          <a:chOff x="0" y="0"/>
-          <a:chExt cx="0" cy="0"/>
-        </a:xfrm>
-      </p:grpSpPr>
-      <p:sp>
-        <p:nvSpPr>
-          <p:cNvPr id="2" name="Title 1">
+      <p:sp>
+        <p:nvSpPr>
+          <p:cNvPr id="6" name="TextBox 5">
             <a:extLst>
               <a:ext uri="{FF2B5EF4-FFF2-40B4-BE49-F238E27FC236}">
-                <a16:creationId xmlns:a16="http://schemas.microsoft.com/office/drawing/2014/main" id="{E54BD568-A3DE-4D27-9652-A8CF021A9E7A}"/>
-              </a:ext>
-            </a:extLst>
-          </p:cNvPr>
-          <p:cNvSpPr>
-            <a:spLocks noGrp="1"/>
-          </p:cNvSpPr>
-          <p:nvPr>
-            <p:ph type="title"/>
-          </p:nvPr>
-        </p:nvSpPr>
-        <p:spPr>
-          <a:xfrm>
-            <a:off x="762000" y="365760"/>
-            <a:ext cx="10192512" cy="777240"/>
-          </a:xfrm>
-        </p:spPr>
-        <p:txBody>
-          <a:bodyPr/>
-          <a:lstStyle/>
-          <a:p>
-            <a:r>
-              <a:rPr lang="en-US" dirty="0"/>
-              <a:t>Introductions: Coding levels</a:t>
-            </a:r>
-          </a:p>
-        </p:txBody>
-      </p:sp>
-      <p:sp>
-        <p:nvSpPr>
-          <p:cNvPr id="14" name="TextBox 13">
-            <a:extLst>
-              <a:ext uri="{FF2B5EF4-FFF2-40B4-BE49-F238E27FC236}">
-                <a16:creationId xmlns:a16="http://schemas.microsoft.com/office/drawing/2014/main" id="{EEAEDE12-3D45-001A-D408-204AE08E9795}"/>
+                <a16:creationId xmlns:a16="http://schemas.microsoft.com/office/drawing/2014/main" id="{7B21BB36-80F1-B712-EFA2-D4AA958F1DE9}"/>
               </a:ext>
             </a:extLst>
           </p:cNvPr>
@@ -20007,8 +20465,8 @@
         </p:nvSpPr>
         <p:spPr>
           <a:xfrm>
-            <a:off x="762000" y="2372083"/>
-            <a:ext cx="7467601" cy="510778"/>
+            <a:off x="533399" y="1488022"/>
+            <a:ext cx="9753601" cy="1328023"/>
           </a:xfrm>
           <a:prstGeom prst="roundRect">
             <a:avLst/>
@@ -20033,6 +20491,16 @@
           </a:bodyPr>
           <a:lstStyle/>
           <a:p>
+            <a:r>
+              <a:rPr lang="en-US" sz="2400" b="0" i="0" dirty="0">
+                <a:solidFill>
+                  <a:srgbClr val="202124"/>
+                </a:solidFill>
+                <a:effectLst/>
+                <a:latin typeface="Roboto" panose="02000000000000000000" pitchFamily="2" charset="0"/>
+              </a:rPr>
+              <a:t>My goal is to become comfortable as a mixed methods researcher by the end of this program and I see this course as a first step towards that.</a:t>
+            </a:r>
             <a:endParaRPr lang="en-CA" sz="2400" dirty="0">
               <a:latin typeface="+mj-lt"/>
               <a:cs typeface="Times New Roman" panose="02020603050405020304" pitchFamily="18" charset="0"/>
@@ -20040,198 +20508,10 @@
           </a:p>
         </p:txBody>
       </p:sp>
-      <p:sp>
-        <p:nvSpPr>
-          <p:cNvPr id="15" name="TextBox 14">
-            <a:extLst>
-              <a:ext uri="{FF2B5EF4-FFF2-40B4-BE49-F238E27FC236}">
-                <a16:creationId xmlns:a16="http://schemas.microsoft.com/office/drawing/2014/main" id="{84FE55AC-ED42-C1B3-E590-786755FFCB30}"/>
-              </a:ext>
-            </a:extLst>
-          </p:cNvPr>
-          <p:cNvSpPr txBox="1"/>
-          <p:nvPr/>
-        </p:nvSpPr>
-        <p:spPr>
-          <a:xfrm>
-            <a:off x="762000" y="3601166"/>
-            <a:ext cx="9753601" cy="510778"/>
-          </a:xfrm>
-          <a:prstGeom prst="roundRect">
-            <a:avLst/>
-          </a:prstGeom>
-          <a:solidFill>
-            <a:schemeClr val="accent3">
-              <a:lumMod val="40000"/>
-              <a:lumOff val="60000"/>
-            </a:schemeClr>
-          </a:solidFill>
-          <a:ln>
-            <a:solidFill>
-              <a:schemeClr val="accent3">
-                <a:lumMod val="75000"/>
-              </a:schemeClr>
-            </a:solidFill>
-          </a:ln>
-        </p:spPr>
-        <p:txBody>
-          <a:bodyPr wrap="square" rtlCol="0">
-            <a:spAutoFit/>
-          </a:bodyPr>
-          <a:lstStyle/>
-          <a:p>
-            <a:endParaRPr lang="en-CA" sz="2400" dirty="0">
-              <a:latin typeface="+mj-lt"/>
-              <a:cs typeface="Times New Roman" panose="02020603050405020304" pitchFamily="18" charset="0"/>
-            </a:endParaRPr>
-          </a:p>
-        </p:txBody>
-      </p:sp>
-      <p:sp>
-        <p:nvSpPr>
-          <p:cNvPr id="16" name="TextBox 15">
-            <a:extLst>
-              <a:ext uri="{FF2B5EF4-FFF2-40B4-BE49-F238E27FC236}">
-                <a16:creationId xmlns:a16="http://schemas.microsoft.com/office/drawing/2014/main" id="{A453869E-425F-F7DD-38B4-4A6E25DFA2A7}"/>
-              </a:ext>
-            </a:extLst>
-          </p:cNvPr>
-          <p:cNvSpPr txBox="1"/>
-          <p:nvPr/>
-        </p:nvSpPr>
-        <p:spPr>
-          <a:xfrm>
-            <a:off x="762000" y="4421626"/>
-            <a:ext cx="9753601" cy="510778"/>
-          </a:xfrm>
-          <a:prstGeom prst="roundRect">
-            <a:avLst/>
-          </a:prstGeom>
-          <a:solidFill>
-            <a:schemeClr val="accent3">
-              <a:lumMod val="40000"/>
-              <a:lumOff val="60000"/>
-            </a:schemeClr>
-          </a:solidFill>
-          <a:ln>
-            <a:solidFill>
-              <a:schemeClr val="accent3">
-                <a:lumMod val="75000"/>
-              </a:schemeClr>
-            </a:solidFill>
-          </a:ln>
-        </p:spPr>
-        <p:txBody>
-          <a:bodyPr wrap="square" rtlCol="0">
-            <a:spAutoFit/>
-          </a:bodyPr>
-          <a:lstStyle/>
-          <a:p>
-            <a:endParaRPr lang="en-CA" sz="2400" dirty="0">
-              <a:latin typeface="+mj-lt"/>
-              <a:cs typeface="Times New Roman" panose="02020603050405020304" pitchFamily="18" charset="0"/>
-            </a:endParaRPr>
-          </a:p>
-        </p:txBody>
-      </p:sp>
-      <p:sp>
-        <p:nvSpPr>
-          <p:cNvPr id="17" name="TextBox 16">
-            <a:extLst>
-              <a:ext uri="{FF2B5EF4-FFF2-40B4-BE49-F238E27FC236}">
-                <a16:creationId xmlns:a16="http://schemas.microsoft.com/office/drawing/2014/main" id="{924289A9-17DB-B0B9-EDAC-99D29420738E}"/>
-              </a:ext>
-            </a:extLst>
-          </p:cNvPr>
-          <p:cNvSpPr txBox="1"/>
-          <p:nvPr/>
-        </p:nvSpPr>
-        <p:spPr>
-          <a:xfrm>
-            <a:off x="762000" y="5242086"/>
-            <a:ext cx="9753601" cy="510778"/>
-          </a:xfrm>
-          <a:prstGeom prst="roundRect">
-            <a:avLst/>
-          </a:prstGeom>
-          <a:solidFill>
-            <a:schemeClr val="accent3">
-              <a:lumMod val="40000"/>
-              <a:lumOff val="60000"/>
-            </a:schemeClr>
-          </a:solidFill>
-          <a:ln>
-            <a:solidFill>
-              <a:schemeClr val="accent3">
-                <a:lumMod val="75000"/>
-              </a:schemeClr>
-            </a:solidFill>
-          </a:ln>
-        </p:spPr>
-        <p:txBody>
-          <a:bodyPr wrap="square" rtlCol="0">
-            <a:spAutoFit/>
-          </a:bodyPr>
-          <a:lstStyle/>
-          <a:p>
-            <a:endParaRPr lang="en-CA" sz="2400" dirty="0">
-              <a:latin typeface="+mj-lt"/>
-              <a:cs typeface="Times New Roman" panose="02020603050405020304" pitchFamily="18" charset="0"/>
-            </a:endParaRPr>
-          </a:p>
-        </p:txBody>
-      </p:sp>
-      <p:sp>
-        <p:nvSpPr>
-          <p:cNvPr id="18" name="TextBox 17">
-            <a:extLst>
-              <a:ext uri="{FF2B5EF4-FFF2-40B4-BE49-F238E27FC236}">
-                <a16:creationId xmlns:a16="http://schemas.microsoft.com/office/drawing/2014/main" id="{9546A42C-7216-1EB0-7D5D-CE6ED6AD65CC}"/>
-              </a:ext>
-            </a:extLst>
-          </p:cNvPr>
-          <p:cNvSpPr txBox="1"/>
-          <p:nvPr/>
-        </p:nvSpPr>
-        <p:spPr>
-          <a:xfrm>
-            <a:off x="762000" y="1143000"/>
-            <a:ext cx="9753601" cy="510778"/>
-          </a:xfrm>
-          <a:prstGeom prst="roundRect">
-            <a:avLst/>
-          </a:prstGeom>
-          <a:solidFill>
-            <a:schemeClr val="accent3">
-              <a:lumMod val="40000"/>
-              <a:lumOff val="60000"/>
-            </a:schemeClr>
-          </a:solidFill>
-          <a:ln>
-            <a:solidFill>
-              <a:schemeClr val="accent3">
-                <a:lumMod val="75000"/>
-              </a:schemeClr>
-            </a:solidFill>
-          </a:ln>
-        </p:spPr>
-        <p:txBody>
-          <a:bodyPr wrap="square" rtlCol="0">
-            <a:spAutoFit/>
-          </a:bodyPr>
-          <a:lstStyle/>
-          <a:p>
-            <a:endParaRPr lang="en-CA" sz="2400" dirty="0">
-              <a:latin typeface="+mj-lt"/>
-              <a:cs typeface="Times New Roman" panose="02020603050405020304" pitchFamily="18" charset="0"/>
-            </a:endParaRPr>
-          </a:p>
-        </p:txBody>
-      </p:sp>
     </p:spTree>
     <p:extLst>
       <p:ext uri="{BB962C8B-B14F-4D97-AF65-F5344CB8AC3E}">
-        <p14:creationId xmlns:p14="http://schemas.microsoft.com/office/powerpoint/2010/main" val="2567020955"/>
+        <p14:creationId xmlns:p14="http://schemas.microsoft.com/office/powerpoint/2010/main" val="4040943911"/>
       </p:ext>
     </p:extLst>
   </p:cSld>
@@ -20327,7 +20607,7 @@
             <a:pPr lvl="1"/>
             <a:r>
               <a:rPr lang="en-US" sz="2400" dirty="0"/>
-              <a:t>Zoom: Thursdays and Fridays, 10-12</a:t>
+              <a:t>Zoom: Thursdays, 10-11:30</a:t>
             </a:r>
           </a:p>
           <a:p>
@@ -20553,7 +20833,7 @@
                 <a:ea typeface="Calibri" panose="020F0502020204030204" pitchFamily="34" charset="0"/>
                 <a:cs typeface="Times New Roman" panose="02020603050405020304" pitchFamily="18" charset="0"/>
               </a:rPr>
-              <a:t>6 short (group) assignments, worth 60% of the final grade.</a:t>
+              <a:t>5 short (group) assignments, worth 60% of the final grade.</a:t>
             </a:r>
           </a:p>
           <a:p>
@@ -20892,7 +21172,7 @@
                 <a:ea typeface="Calibri" panose="020F0502020204030204" pitchFamily="34" charset="0"/>
                 <a:cs typeface="Times New Roman" panose="02020603050405020304" pitchFamily="18" charset="0"/>
               </a:rPr>
-              <a:t>Training sessions offered in department in early Jan. </a:t>
+              <a:t>Training sessions offered in department on Jan. 17</a:t>
             </a:r>
             <a:endParaRPr lang="en-US" sz="3000" dirty="0">
               <a:ea typeface="Calibri" panose="020F0502020204030204" pitchFamily="34" charset="0"/>

--- a/Lectures/Lecture01_Introduction/Lecture1_Intro.pptx
+++ b/Lectures/Lecture01_Introduction/Lecture1_Intro.pptx
@@ -5,7 +5,7 @@
     <p:sldMasterId id="2147483738" r:id="rId1"/>
   </p:sldMasterIdLst>
   <p:notesMasterIdLst>
-    <p:notesMasterId r:id="rId43"/>
+    <p:notesMasterId r:id="rId45"/>
   </p:notesMasterIdLst>
   <p:sldIdLst>
     <p:sldId id="256" r:id="rId2"/>
@@ -21,34 +21,36 @@
     <p:sldId id="338" r:id="rId12"/>
     <p:sldId id="422" r:id="rId13"/>
     <p:sldId id="423" r:id="rId14"/>
-    <p:sldId id="424" r:id="rId15"/>
-    <p:sldId id="331" r:id="rId16"/>
-    <p:sldId id="332" r:id="rId17"/>
-    <p:sldId id="333" r:id="rId18"/>
-    <p:sldId id="334" r:id="rId19"/>
-    <p:sldId id="317" r:id="rId20"/>
-    <p:sldId id="419" r:id="rId21"/>
-    <p:sldId id="326" r:id="rId22"/>
-    <p:sldId id="398" r:id="rId23"/>
-    <p:sldId id="399" r:id="rId24"/>
-    <p:sldId id="400" r:id="rId25"/>
-    <p:sldId id="401" r:id="rId26"/>
-    <p:sldId id="402" r:id="rId27"/>
-    <p:sldId id="403" r:id="rId28"/>
-    <p:sldId id="404" r:id="rId29"/>
-    <p:sldId id="405" r:id="rId30"/>
-    <p:sldId id="407" r:id="rId31"/>
-    <p:sldId id="406" r:id="rId32"/>
-    <p:sldId id="408" r:id="rId33"/>
-    <p:sldId id="409" r:id="rId34"/>
-    <p:sldId id="410" r:id="rId35"/>
-    <p:sldId id="411" r:id="rId36"/>
-    <p:sldId id="413" r:id="rId37"/>
-    <p:sldId id="414" r:id="rId38"/>
-    <p:sldId id="415" r:id="rId39"/>
-    <p:sldId id="416" r:id="rId40"/>
-    <p:sldId id="412" r:id="rId41"/>
-    <p:sldId id="417" r:id="rId42"/>
+    <p:sldId id="428" r:id="rId15"/>
+    <p:sldId id="424" r:id="rId16"/>
+    <p:sldId id="429" r:id="rId17"/>
+    <p:sldId id="430" r:id="rId18"/>
+    <p:sldId id="331" r:id="rId19"/>
+    <p:sldId id="332" r:id="rId20"/>
+    <p:sldId id="333" r:id="rId21"/>
+    <p:sldId id="334" r:id="rId22"/>
+    <p:sldId id="317" r:id="rId23"/>
+    <p:sldId id="398" r:id="rId24"/>
+    <p:sldId id="399" r:id="rId25"/>
+    <p:sldId id="400" r:id="rId26"/>
+    <p:sldId id="401" r:id="rId27"/>
+    <p:sldId id="402" r:id="rId28"/>
+    <p:sldId id="403" r:id="rId29"/>
+    <p:sldId id="404" r:id="rId30"/>
+    <p:sldId id="405" r:id="rId31"/>
+    <p:sldId id="407" r:id="rId32"/>
+    <p:sldId id="406" r:id="rId33"/>
+    <p:sldId id="408" r:id="rId34"/>
+    <p:sldId id="409" r:id="rId35"/>
+    <p:sldId id="410" r:id="rId36"/>
+    <p:sldId id="411" r:id="rId37"/>
+    <p:sldId id="413" r:id="rId38"/>
+    <p:sldId id="414" r:id="rId39"/>
+    <p:sldId id="415" r:id="rId40"/>
+    <p:sldId id="416" r:id="rId41"/>
+    <p:sldId id="412" r:id="rId42"/>
+    <p:sldId id="431" r:id="rId43"/>
+    <p:sldId id="417" r:id="rId44"/>
   </p:sldIdLst>
   <p:sldSz cx="12192000" cy="6858000"/>
   <p:notesSz cx="7010400" cy="9296400"/>
@@ -364,7 +366,7 @@
           <a:p>
             <a:fld id="{EF911157-0FC2-4F06-8D61-FD647FE4E19D}" type="datetimeFigureOut">
               <a:rPr lang="en-US" smtClean="0"/>
-              <a:t>1/6/2025</a:t>
+              <a:t>1/7/2025</a:t>
             </a:fld>
             <a:endParaRPr lang="en-US"/>
           </a:p>
@@ -1044,7 +1046,10 @@
           <a:bodyPr/>
           <a:lstStyle/>
           <a:p>
-            <a:endParaRPr lang="en-CA" dirty="0"/>
+            <a:r>
+              <a:rPr lang="en-CA" dirty="0"/>
+              <a:t>A resource: https://www.youtube.com/watch?v=t7NrkAeosog&amp;ab_channel=MelissaVanBussel%28ggnot2%29. </a:t>
+            </a:r>
           </a:p>
         </p:txBody>
       </p:sp>
@@ -1089,7 +1094,13 @@
   <p:cSld>
     <p:spTree>
       <p:nvGrpSpPr>
-        <p:cNvPr id="1" name=""/>
+        <p:cNvPr id="1" name="">
+          <a:extLst>
+            <a:ext uri="{FF2B5EF4-FFF2-40B4-BE49-F238E27FC236}">
+              <a16:creationId xmlns:a16="http://schemas.microsoft.com/office/drawing/2014/main" id="{17E73291-3FA9-3DEF-CDCD-85831C2D426C}"/>
+            </a:ext>
+          </a:extLst>
+        </p:cNvPr>
         <p:cNvGrpSpPr/>
         <p:nvPr/>
       </p:nvGrpSpPr>
@@ -1103,7 +1114,13 @@
       </p:grpSpPr>
       <p:sp>
         <p:nvSpPr>
-          <p:cNvPr id="2" name="Slide Image Placeholder 1"/>
+          <p:cNvPr id="2" name="Slide Image Placeholder 1">
+            <a:extLst>
+              <a:ext uri="{FF2B5EF4-FFF2-40B4-BE49-F238E27FC236}">
+                <a16:creationId xmlns:a16="http://schemas.microsoft.com/office/drawing/2014/main" id="{FD02C48E-A3BF-A70C-772D-B5A23963C524}"/>
+              </a:ext>
+            </a:extLst>
+          </p:cNvPr>
           <p:cNvSpPr>
             <a:spLocks noGrp="1" noRot="1" noChangeAspect="1"/>
           </p:cNvSpPr>
@@ -1115,7 +1132,13 @@
       </p:sp>
       <p:sp>
         <p:nvSpPr>
-          <p:cNvPr id="3" name="Notes Placeholder 2"/>
+          <p:cNvPr id="3" name="Notes Placeholder 2">
+            <a:extLst>
+              <a:ext uri="{FF2B5EF4-FFF2-40B4-BE49-F238E27FC236}">
+                <a16:creationId xmlns:a16="http://schemas.microsoft.com/office/drawing/2014/main" id="{1661630F-D7B1-6DBA-29F1-9931637B1FA4}"/>
+              </a:ext>
+            </a:extLst>
+          </p:cNvPr>
           <p:cNvSpPr>
             <a:spLocks noGrp="1"/>
           </p:cNvSpPr>
@@ -1128,13 +1151,22 @@
           <a:bodyPr/>
           <a:lstStyle/>
           <a:p>
-            <a:endParaRPr lang="en-CA" dirty="0"/>
-          </a:p>
-        </p:txBody>
-      </p:sp>
-      <p:sp>
-        <p:nvSpPr>
-          <p:cNvPr id="4" name="Slide Number Placeholder 3"/>
+            <a:r>
+              <a:rPr lang="en-CA" dirty="0"/>
+              <a:t>A resource: https://www.youtube.com/watch?v=t7NrkAeosog&amp;ab_channel=MelissaVanBussel%28ggnot2%29. </a:t>
+            </a:r>
+          </a:p>
+        </p:txBody>
+      </p:sp>
+      <p:sp>
+        <p:nvSpPr>
+          <p:cNvPr id="4" name="Slide Number Placeholder 3">
+            <a:extLst>
+              <a:ext uri="{FF2B5EF4-FFF2-40B4-BE49-F238E27FC236}">
+                <a16:creationId xmlns:a16="http://schemas.microsoft.com/office/drawing/2014/main" id="{D1FD6FA8-414D-9B6B-ED1D-C175FA472417}"/>
+              </a:ext>
+            </a:extLst>
+          </p:cNvPr>
           <p:cNvSpPr>
             <a:spLocks noGrp="1"/>
           </p:cNvSpPr>
@@ -1158,7 +1190,7 @@
     </p:spTree>
     <p:extLst>
       <p:ext uri="{BB962C8B-B14F-4D97-AF65-F5344CB8AC3E}">
-        <p14:creationId xmlns:p14="http://schemas.microsoft.com/office/powerpoint/2010/main" val="924176199"/>
+        <p14:creationId xmlns:p14="http://schemas.microsoft.com/office/powerpoint/2010/main" val="2177420947"/>
       </p:ext>
     </p:extLst>
   </p:cSld>
@@ -1212,14 +1244,7 @@
           <a:bodyPr/>
           <a:lstStyle/>
           <a:p>
-            <a:r>
-              <a:rPr lang="en-CA" dirty="0" err="1"/>
-              <a:t>Tidyverse</a:t>
-            </a:r>
-            <a:r>
-              <a:rPr lang="en-CA" dirty="0"/>
-              <a:t>: set of packages to make R code more readable. We’ll spend some time at the end of class today with a simple R exercise and more next lecture. </a:t>
-            </a:r>
+            <a:endParaRPr lang="en-CA" dirty="0"/>
           </a:p>
         </p:txBody>
       </p:sp>
@@ -1249,7 +1274,7 @@
     </p:spTree>
     <p:extLst>
       <p:ext uri="{BB962C8B-B14F-4D97-AF65-F5344CB8AC3E}">
-        <p14:creationId xmlns:p14="http://schemas.microsoft.com/office/powerpoint/2010/main" val="3305082611"/>
+        <p14:creationId xmlns:p14="http://schemas.microsoft.com/office/powerpoint/2010/main" val="924176199"/>
       </p:ext>
     </p:extLst>
   </p:cSld>
@@ -1264,7 +1289,13 @@
   <p:cSld>
     <p:spTree>
       <p:nvGrpSpPr>
-        <p:cNvPr id="1" name=""/>
+        <p:cNvPr id="1" name="">
+          <a:extLst>
+            <a:ext uri="{FF2B5EF4-FFF2-40B4-BE49-F238E27FC236}">
+              <a16:creationId xmlns:a16="http://schemas.microsoft.com/office/drawing/2014/main" id="{0496C2F8-C5E9-27AF-8536-4984F0AD02D8}"/>
+            </a:ext>
+          </a:extLst>
+        </p:cNvPr>
         <p:cNvGrpSpPr/>
         <p:nvPr/>
       </p:nvGrpSpPr>
@@ -1278,7 +1309,13 @@
       </p:grpSpPr>
       <p:sp>
         <p:nvSpPr>
-          <p:cNvPr id="2" name="Slide Image Placeholder 1"/>
+          <p:cNvPr id="2" name="Slide Image Placeholder 1">
+            <a:extLst>
+              <a:ext uri="{FF2B5EF4-FFF2-40B4-BE49-F238E27FC236}">
+                <a16:creationId xmlns:a16="http://schemas.microsoft.com/office/drawing/2014/main" id="{CBFB8AC2-0A44-4F4B-42CB-947ED36E87C2}"/>
+              </a:ext>
+            </a:extLst>
+          </p:cNvPr>
           <p:cNvSpPr>
             <a:spLocks noGrp="1" noRot="1" noChangeAspect="1"/>
           </p:cNvSpPr>
@@ -1290,7 +1327,13 @@
       </p:sp>
       <p:sp>
         <p:nvSpPr>
-          <p:cNvPr id="3" name="Notes Placeholder 2"/>
+          <p:cNvPr id="3" name="Notes Placeholder 2">
+            <a:extLst>
+              <a:ext uri="{FF2B5EF4-FFF2-40B4-BE49-F238E27FC236}">
+                <a16:creationId xmlns:a16="http://schemas.microsoft.com/office/drawing/2014/main" id="{482DE7E2-B7B7-2547-FD26-5EC607ADA681}"/>
+              </a:ext>
+            </a:extLst>
+          </p:cNvPr>
           <p:cNvSpPr>
             <a:spLocks noGrp="1"/>
           </p:cNvSpPr>
@@ -1304,19 +1347,29 @@
           <a:lstStyle/>
           <a:p>
             <a:r>
+              <a:rPr lang="en-CA" dirty="0"/>
+              <a:t>One thing it’s good at (</a:t>
+            </a:r>
+            <a:r>
               <a:rPr lang="en-CA" dirty="0" err="1"/>
-              <a:t>Tidyverse</a:t>
+              <a:t>ish</a:t>
             </a:r>
             <a:r>
               <a:rPr lang="en-CA" dirty="0"/>
-              <a:t>: set of packages to make R code more readable.</a:t>
-            </a:r>
-          </a:p>
-        </p:txBody>
-      </p:sp>
-      <p:sp>
-        <p:nvSpPr>
-          <p:cNvPr id="4" name="Slide Number Placeholder 3"/>
+              <a:t>) – coding! Here is how you can integrate with R Studio and ask questions. Remember that the more detailed the question, the better the answer. (Note that this will only give you coding help, but there’s a reason you should do it this way – it will see your code and history!) </a:t>
+            </a:r>
+          </a:p>
+        </p:txBody>
+      </p:sp>
+      <p:sp>
+        <p:nvSpPr>
+          <p:cNvPr id="4" name="Slide Number Placeholder 3">
+            <a:extLst>
+              <a:ext uri="{FF2B5EF4-FFF2-40B4-BE49-F238E27FC236}">
+                <a16:creationId xmlns:a16="http://schemas.microsoft.com/office/drawing/2014/main" id="{34835B99-0A84-C050-0611-A3EC65C977A6}"/>
+              </a:ext>
+            </a:extLst>
+          </p:cNvPr>
           <p:cNvSpPr>
             <a:spLocks noGrp="1"/>
           </p:cNvSpPr>
@@ -1340,7 +1393,7 @@
     </p:spTree>
     <p:extLst>
       <p:ext uri="{BB962C8B-B14F-4D97-AF65-F5344CB8AC3E}">
-        <p14:creationId xmlns:p14="http://schemas.microsoft.com/office/powerpoint/2010/main" val="3697842715"/>
+        <p14:creationId xmlns:p14="http://schemas.microsoft.com/office/powerpoint/2010/main" val="489196094"/>
       </p:ext>
     </p:extLst>
   </p:cSld>
@@ -1355,7 +1408,13 @@
   <p:cSld>
     <p:spTree>
       <p:nvGrpSpPr>
-        <p:cNvPr id="1" name=""/>
+        <p:cNvPr id="1" name="">
+          <a:extLst>
+            <a:ext uri="{FF2B5EF4-FFF2-40B4-BE49-F238E27FC236}">
+              <a16:creationId xmlns:a16="http://schemas.microsoft.com/office/drawing/2014/main" id="{75945179-5993-F745-CE76-D85141BC59F4}"/>
+            </a:ext>
+          </a:extLst>
+        </p:cNvPr>
         <p:cNvGrpSpPr/>
         <p:nvPr/>
       </p:nvGrpSpPr>
@@ -1369,7 +1428,13 @@
       </p:grpSpPr>
       <p:sp>
         <p:nvSpPr>
-          <p:cNvPr id="2" name="Slide Image Placeholder 1"/>
+          <p:cNvPr id="2" name="Slide Image Placeholder 1">
+            <a:extLst>
+              <a:ext uri="{FF2B5EF4-FFF2-40B4-BE49-F238E27FC236}">
+                <a16:creationId xmlns:a16="http://schemas.microsoft.com/office/drawing/2014/main" id="{6EBCFF34-6ECB-252D-20E6-1C907D3EF373}"/>
+              </a:ext>
+            </a:extLst>
+          </p:cNvPr>
           <p:cNvSpPr>
             <a:spLocks noGrp="1" noRot="1" noChangeAspect="1"/>
           </p:cNvSpPr>
@@ -1381,7 +1446,13 @@
       </p:sp>
       <p:sp>
         <p:nvSpPr>
-          <p:cNvPr id="3" name="Notes Placeholder 2"/>
+          <p:cNvPr id="3" name="Notes Placeholder 2">
+            <a:extLst>
+              <a:ext uri="{FF2B5EF4-FFF2-40B4-BE49-F238E27FC236}">
+                <a16:creationId xmlns:a16="http://schemas.microsoft.com/office/drawing/2014/main" id="{106ACF9D-B844-774B-E410-62BA9DEE164D}"/>
+              </a:ext>
+            </a:extLst>
+          </p:cNvPr>
           <p:cNvSpPr>
             <a:spLocks noGrp="1"/>
           </p:cNvSpPr>
@@ -1396,14 +1467,70 @@
           <a:p>
             <a:r>
               <a:rPr lang="en-CA" dirty="0"/>
-              <a:t>Note: there will still be some theory, but less</a:t>
-            </a:r>
-          </a:p>
-        </p:txBody>
-      </p:sp>
-      <p:sp>
-        <p:nvSpPr>
-          <p:cNvPr id="4" name="Slide Number Placeholder 3"/>
+              <a:t>It’s *much* more variable at interpreting statistics. For example, this is good – although erring on the side of too much information. A worse outcome is this one: https://chatgpt.com/share/677d4e1b-46f0-8000-9cd8-e09f628f7795. </a:t>
+            </a:r>
+          </a:p>
+          <a:p>
+            <a:pPr marL="171450" indent="-171450">
+              <a:buFont typeface="Arial" panose="020B0604020202020204" pitchFamily="34" charset="0"/>
+              <a:buChar char="•"/>
+            </a:pPr>
+            <a:r>
+              <a:rPr lang="en-CA" dirty="0"/>
+              <a:t>Not really engaging in the context discussion</a:t>
+            </a:r>
+          </a:p>
+          <a:p>
+            <a:pPr marL="171450" indent="-171450">
+              <a:buFont typeface="Arial" panose="020B0604020202020204" pitchFamily="34" charset="0"/>
+              <a:buChar char="•"/>
+            </a:pPr>
+            <a:r>
+              <a:rPr lang="en-CA" dirty="0"/>
+              <a:t>Missing some obvious things (yes, a doubling of head trauma rates is serious) </a:t>
+            </a:r>
+          </a:p>
+          <a:p>
+            <a:pPr marL="171450" indent="-171450">
+              <a:buFont typeface="Arial" panose="020B0604020202020204" pitchFamily="34" charset="0"/>
+              <a:buChar char="•"/>
+            </a:pPr>
+            <a:r>
+              <a:rPr lang="en-CA" dirty="0"/>
+              <a:t>Provides too much information – you risk losing points for going on tangents that aren’t related to the question</a:t>
+            </a:r>
+          </a:p>
+          <a:p>
+            <a:pPr marL="171450" indent="-171450">
+              <a:buFont typeface="Arial" panose="020B0604020202020204" pitchFamily="34" charset="0"/>
+              <a:buChar char="•"/>
+            </a:pPr>
+            <a:r>
+              <a:rPr lang="en-CA" dirty="0"/>
+              <a:t>Ultimately, you take your learning into your hands. How could you use this in an assignment? </a:t>
+            </a:r>
+          </a:p>
+          <a:p>
+            <a:pPr marL="171450" indent="-171450">
+              <a:buFont typeface="Arial" panose="020B0604020202020204" pitchFamily="34" charset="0"/>
+              <a:buChar char="•"/>
+            </a:pPr>
+            <a:r>
+              <a:rPr lang="en-CA" dirty="0"/>
+              <a:t>If I feel it’s plagiarized, then it’s plagiarized. </a:t>
+            </a:r>
+          </a:p>
+        </p:txBody>
+      </p:sp>
+      <p:sp>
+        <p:nvSpPr>
+          <p:cNvPr id="4" name="Slide Number Placeholder 3">
+            <a:extLst>
+              <a:ext uri="{FF2B5EF4-FFF2-40B4-BE49-F238E27FC236}">
+                <a16:creationId xmlns:a16="http://schemas.microsoft.com/office/drawing/2014/main" id="{1C0A5D20-012D-0382-0A3A-CABD8E9D982B}"/>
+              </a:ext>
+            </a:extLst>
+          </p:cNvPr>
           <p:cNvSpPr>
             <a:spLocks noGrp="1"/>
           </p:cNvSpPr>
@@ -1427,7 +1554,7 @@
     </p:spTree>
     <p:extLst>
       <p:ext uri="{BB962C8B-B14F-4D97-AF65-F5344CB8AC3E}">
-        <p14:creationId xmlns:p14="http://schemas.microsoft.com/office/powerpoint/2010/main" val="1325921332"/>
+        <p14:creationId xmlns:p14="http://schemas.microsoft.com/office/powerpoint/2010/main" val="2368828945"/>
       </p:ext>
     </p:extLst>
   </p:cSld>
@@ -1482,37 +1609,12 @@
           <a:lstStyle/>
           <a:p>
             <a:r>
+              <a:rPr lang="en-CA" dirty="0" err="1"/>
+              <a:t>Tidyverse</a:t>
+            </a:r>
+            <a:r>
               <a:rPr lang="en-CA" dirty="0"/>
-              <a:t>To add next time: </a:t>
-            </a:r>
-            <a:r>
-              <a:rPr lang="en-US" sz="1800" u="sng" dirty="0">
-                <a:solidFill>
-                  <a:srgbClr val="0000FF"/>
-                </a:solidFill>
-                <a:effectLst/>
-                <a:latin typeface="Calibri" panose="020F0502020204030204" pitchFamily="34" charset="0"/>
-                <a:ea typeface="Times New Roman" panose="02020603050405020304" pitchFamily="18" charset="0"/>
-                <a:cs typeface="Times New Roman" panose="02020603050405020304" pitchFamily="18" charset="0"/>
-                <a:hlinkClick r:id="rId3"/>
-              </a:rPr>
-              <a:t>https://www.tiktok.com/t/ZTRxhLa7B/</a:t>
-            </a:r>
-            <a:r>
-              <a:rPr lang="en-US" sz="1800" u="sng" dirty="0">
-                <a:solidFill>
-                  <a:srgbClr val="0000FF"/>
-                </a:solidFill>
-                <a:effectLst/>
-                <a:latin typeface="Calibri" panose="020F0502020204030204" pitchFamily="34" charset="0"/>
-                <a:ea typeface="Times New Roman" panose="02020603050405020304" pitchFamily="18" charset="0"/>
-                <a:cs typeface="Times New Roman" panose="02020603050405020304" pitchFamily="18" charset="0"/>
-              </a:rPr>
-              <a:t>. </a:t>
-            </a:r>
-            <a:r>
-              <a:rPr lang="en-CA" dirty="0"/>
-              <a:t>It can be a pain to learn R – but the best way to learn really is trial by error. Note that there’s some literature/ideas out there that it’s good to suck at something (it’s the first step to being good at something), but I don’t want you to feel like you are sucking! Come to me with questions, but don’t be stressed if you are feeling frustrated. These are tools that will serve you well, invest in them. </a:t>
+              <a:t>: set of packages to make R code more readable. We’ll spend some time at the end of class today with a simple R exercise and more next lecture. </a:t>
             </a:r>
           </a:p>
         </p:txBody>
@@ -1543,7 +1645,7 @@
     </p:spTree>
     <p:extLst>
       <p:ext uri="{BB962C8B-B14F-4D97-AF65-F5344CB8AC3E}">
-        <p14:creationId xmlns:p14="http://schemas.microsoft.com/office/powerpoint/2010/main" val="2088279200"/>
+        <p14:creationId xmlns:p14="http://schemas.microsoft.com/office/powerpoint/2010/main" val="3305082611"/>
       </p:ext>
     </p:extLst>
   </p:cSld>
@@ -1598,8 +1700,12 @@
           <a:lstStyle/>
           <a:p>
             <a:r>
+              <a:rPr lang="en-CA" dirty="0" err="1"/>
+              <a:t>Tidyverse</a:t>
+            </a:r>
+            <a:r>
               <a:rPr lang="en-CA" dirty="0"/>
-              <a:t>Cheap, great resource. Other options listed on syllabus. Not required, any edition will work. </a:t>
+              <a:t>: set of packages to make R code more readable.</a:t>
             </a:r>
           </a:p>
         </p:txBody>
@@ -1630,7 +1736,7 @@
     </p:spTree>
     <p:extLst>
       <p:ext uri="{BB962C8B-B14F-4D97-AF65-F5344CB8AC3E}">
-        <p14:creationId xmlns:p14="http://schemas.microsoft.com/office/powerpoint/2010/main" val="2749371650"/>
+        <p14:creationId xmlns:p14="http://schemas.microsoft.com/office/powerpoint/2010/main" val="3697842715"/>
       </p:ext>
     </p:extLst>
   </p:cSld>
@@ -1769,18 +1875,9 @@
           <a:lstStyle/>
           <a:p>
             <a:r>
-              <a:rPr lang="en-US" dirty="0"/>
-              <a:t>This course should prepare you to specialize within your emphasis – econometrics if you’re in HE, other biostats classes for </a:t>
-            </a:r>
-            <a:r>
-              <a:rPr lang="en-US" dirty="0" err="1"/>
-              <a:t>ClinEpi</a:t>
-            </a:r>
-            <a:r>
-              <a:rPr lang="en-US"/>
-              <a:t>, etc. </a:t>
-            </a:r>
-            <a:endParaRPr lang="en-CA" dirty="0"/>
+              <a:rPr lang="en-CA" dirty="0"/>
+              <a:t>Note: there will still be some theory, but less</a:t>
+            </a:r>
           </a:p>
         </p:txBody>
       </p:sp>
@@ -1810,7 +1907,7 @@
     </p:spTree>
     <p:extLst>
       <p:ext uri="{BB962C8B-B14F-4D97-AF65-F5344CB8AC3E}">
-        <p14:creationId xmlns:p14="http://schemas.microsoft.com/office/powerpoint/2010/main" val="1119064972"/>
+        <p14:creationId xmlns:p14="http://schemas.microsoft.com/office/powerpoint/2010/main" val="1325921332"/>
       </p:ext>
     </p:extLst>
   </p:cSld>
@@ -1866,7 +1963,36 @@
           <a:p>
             <a:r>
               <a:rPr lang="en-CA" dirty="0"/>
-              <a:t>There are no real-time emergencies in a university class setting – send me an email, and please be respectful of my time. Likewise, I will be respectful of yours. </a:t>
+              <a:t>To add next time: </a:t>
+            </a:r>
+            <a:r>
+              <a:rPr lang="en-US" sz="1800" u="sng" dirty="0">
+                <a:solidFill>
+                  <a:srgbClr val="0000FF"/>
+                </a:solidFill>
+                <a:effectLst/>
+                <a:latin typeface="Calibri" panose="020F0502020204030204" pitchFamily="34" charset="0"/>
+                <a:ea typeface="Times New Roman" panose="02020603050405020304" pitchFamily="18" charset="0"/>
+                <a:cs typeface="Times New Roman" panose="02020603050405020304" pitchFamily="18" charset="0"/>
+                <a:hlinkClick r:id="rId3"/>
+              </a:rPr>
+              <a:t>https://www.tiktok.com/t/ZTRxhLa7B/</a:t>
+            </a:r>
+            <a:r>
+              <a:rPr lang="en-US" sz="1800" u="sng" dirty="0">
+                <a:solidFill>
+                  <a:srgbClr val="0000FF"/>
+                </a:solidFill>
+                <a:effectLst/>
+                <a:latin typeface="Calibri" panose="020F0502020204030204" pitchFamily="34" charset="0"/>
+                <a:ea typeface="Times New Roman" panose="02020603050405020304" pitchFamily="18" charset="0"/>
+                <a:cs typeface="Times New Roman" panose="02020603050405020304" pitchFamily="18" charset="0"/>
+              </a:rPr>
+              <a:t>. </a:t>
+            </a:r>
+            <a:r>
+              <a:rPr lang="en-CA" dirty="0"/>
+              <a:t>It can be a pain to learn R – but the best way to learn really is trial by error. Note that there’s some literature/ideas out there that it’s good to suck at something (it’s the first step to being good at something), but I don’t want you to feel like you are sucking! Come to me with questions, but don’t be stressed if you are feeling frustrated. These are tools that will serve you well, invest in them. </a:t>
             </a:r>
           </a:p>
         </p:txBody>
@@ -1897,7 +2023,7 @@
     </p:spTree>
     <p:extLst>
       <p:ext uri="{BB962C8B-B14F-4D97-AF65-F5344CB8AC3E}">
-        <p14:creationId xmlns:p14="http://schemas.microsoft.com/office/powerpoint/2010/main" val="1998886115"/>
+        <p14:creationId xmlns:p14="http://schemas.microsoft.com/office/powerpoint/2010/main" val="2088279200"/>
       </p:ext>
     </p:extLst>
   </p:cSld>
@@ -1951,7 +2077,16 @@
           <a:bodyPr/>
           <a:lstStyle/>
           <a:p>
-            <a:endParaRPr lang="en-US" dirty="0"/>
+            <a:r>
+              <a:rPr lang="en-CA" dirty="0"/>
+              <a:t>Cheap, great resource. Other options listed on syllabus. Not required, any edition will work. </a:t>
+            </a:r>
+          </a:p>
+          <a:p>
+            <a:r>
+              <a:rPr lang="en-CA" dirty="0"/>
+              <a:t>Finish the rest of the syllabus review here. </a:t>
+            </a:r>
           </a:p>
         </p:txBody>
       </p:sp>
@@ -1981,7 +2116,7 @@
     </p:spTree>
     <p:extLst>
       <p:ext uri="{BB962C8B-B14F-4D97-AF65-F5344CB8AC3E}">
-        <p14:creationId xmlns:p14="http://schemas.microsoft.com/office/powerpoint/2010/main" val="3366095260"/>
+        <p14:creationId xmlns:p14="http://schemas.microsoft.com/office/powerpoint/2010/main" val="2749371650"/>
       </p:ext>
     </p:extLst>
   </p:cSld>
@@ -2035,7 +2170,7 @@
           <a:bodyPr/>
           <a:lstStyle/>
           <a:p>
-            <a:endParaRPr lang="en-CA" dirty="0"/>
+            <a:endParaRPr lang="en-US" dirty="0"/>
           </a:p>
         </p:txBody>
       </p:sp>
@@ -2065,7 +2200,7 @@
     </p:spTree>
     <p:extLst>
       <p:ext uri="{BB962C8B-B14F-4D97-AF65-F5344CB8AC3E}">
-        <p14:creationId xmlns:p14="http://schemas.microsoft.com/office/powerpoint/2010/main" val="375680415"/>
+        <p14:creationId xmlns:p14="http://schemas.microsoft.com/office/powerpoint/2010/main" val="3366095260"/>
       </p:ext>
     </p:extLst>
   </p:cSld>
@@ -2149,7 +2284,7 @@
     </p:spTree>
     <p:extLst>
       <p:ext uri="{BB962C8B-B14F-4D97-AF65-F5344CB8AC3E}">
-        <p14:creationId xmlns:p14="http://schemas.microsoft.com/office/powerpoint/2010/main" val="2441164128"/>
+        <p14:creationId xmlns:p14="http://schemas.microsoft.com/office/powerpoint/2010/main" val="375680415"/>
       </p:ext>
     </p:extLst>
   </p:cSld>
@@ -2203,10 +2338,7 @@
           <a:bodyPr/>
           <a:lstStyle/>
           <a:p>
-            <a:r>
-              <a:rPr lang="en-CA" dirty="0"/>
-              <a:t>Statistics helps us generalize from limited n to a population *while being explicit* about the inherent uncertainty of doing so. </a:t>
-            </a:r>
+            <a:endParaRPr lang="en-CA" dirty="0"/>
           </a:p>
         </p:txBody>
       </p:sp>
@@ -2236,7 +2368,7 @@
     </p:spTree>
     <p:extLst>
       <p:ext uri="{BB962C8B-B14F-4D97-AF65-F5344CB8AC3E}">
-        <p14:creationId xmlns:p14="http://schemas.microsoft.com/office/powerpoint/2010/main" val="1123559337"/>
+        <p14:creationId xmlns:p14="http://schemas.microsoft.com/office/powerpoint/2010/main" val="2441164128"/>
       </p:ext>
     </p:extLst>
   </p:cSld>
@@ -2292,72 +2424,8 @@
           <a:p>
             <a:r>
               <a:rPr lang="en-CA" dirty="0"/>
-              <a:t>Do one for the whole class – should be that 90% of the intervals include the true amount, but in general, people are too narrow (overconfident) </a:t>
-            </a:r>
-          </a:p>
-          <a:p>
-            <a:endParaRPr lang="en-CA" dirty="0"/>
-          </a:p>
-          <a:p>
-            <a:endParaRPr lang="en-CA" dirty="0"/>
-          </a:p>
-          <a:p>
-            <a:endParaRPr lang="en-CA" dirty="0"/>
-          </a:p>
-          <a:p>
-            <a:endParaRPr lang="en-CA" dirty="0"/>
-          </a:p>
-          <a:p>
-            <a:endParaRPr lang="en-CA" dirty="0"/>
-          </a:p>
-          <a:p>
-            <a:endParaRPr lang="en-CA" dirty="0"/>
-          </a:p>
-          <a:p>
-            <a:endParaRPr lang="en-CA" dirty="0"/>
-          </a:p>
-          <a:p>
-            <a:r>
-              <a:rPr lang="en-CA" dirty="0"/>
-              <a:t>Answers: </a:t>
-            </a:r>
-          </a:p>
-          <a:p>
-            <a:pPr marL="171450" indent="-171450">
-              <a:buFont typeface="Arial" panose="020B0604020202020204" pitchFamily="34" charset="0"/>
-              <a:buChar char="•"/>
-            </a:pPr>
-            <a:r>
-              <a:rPr lang="en-CA" dirty="0"/>
-              <a:t>1227</a:t>
-            </a:r>
-          </a:p>
-          <a:p>
-            <a:pPr marL="171450" indent="-171450">
-              <a:buFont typeface="Arial" panose="020B0604020202020204" pitchFamily="34" charset="0"/>
-              <a:buChar char="•"/>
-            </a:pPr>
-            <a:r>
-              <a:rPr lang="en-CA" dirty="0"/>
-              <a:t>100 nanometers</a:t>
-            </a:r>
-          </a:p>
-          <a:p>
-            <a:pPr marL="171450" indent="-171450">
-              <a:buFont typeface="Arial" panose="020B0604020202020204" pitchFamily="34" charset="0"/>
-              <a:buChar char="•"/>
-            </a:pPr>
-            <a:r>
-              <a:rPr lang="en-CA" dirty="0"/>
-              <a:t>49244 km </a:t>
-            </a:r>
-          </a:p>
-          <a:p>
-            <a:pPr marL="171450" indent="-171450">
-              <a:buFont typeface="Arial" panose="020B0604020202020204" pitchFamily="34" charset="0"/>
-              <a:buChar char="•"/>
-            </a:pPr>
-            <a:endParaRPr lang="en-CA" dirty="0"/>
+              <a:t>Statistics helps us generalize from limited n to a population *while being explicit* about the inherent uncertainty of doing so. </a:t>
+            </a:r>
           </a:p>
         </p:txBody>
       </p:sp>
@@ -2387,7 +2455,7 @@
     </p:spTree>
     <p:extLst>
       <p:ext uri="{BB962C8B-B14F-4D97-AF65-F5344CB8AC3E}">
-        <p14:creationId xmlns:p14="http://schemas.microsoft.com/office/powerpoint/2010/main" val="3798776713"/>
+        <p14:creationId xmlns:p14="http://schemas.microsoft.com/office/powerpoint/2010/main" val="1123559337"/>
       </p:ext>
     </p:extLst>
   </p:cSld>
@@ -2443,8 +2511,72 @@
           <a:p>
             <a:r>
               <a:rPr lang="en-CA" dirty="0"/>
-              <a:t>Who’s on a “hot streak” here? Is there any player here whose chance of making the next shot (moving to the right) depends on the number of successful prior shots? (Note: all are random)</a:t>
-            </a:r>
+              <a:t>Do one for the whole class – should be that 90% of the intervals include the true amount, but in general, people are too narrow (overconfident) </a:t>
+            </a:r>
+          </a:p>
+          <a:p>
+            <a:endParaRPr lang="en-CA" dirty="0"/>
+          </a:p>
+          <a:p>
+            <a:endParaRPr lang="en-CA" dirty="0"/>
+          </a:p>
+          <a:p>
+            <a:endParaRPr lang="en-CA" dirty="0"/>
+          </a:p>
+          <a:p>
+            <a:endParaRPr lang="en-CA" dirty="0"/>
+          </a:p>
+          <a:p>
+            <a:endParaRPr lang="en-CA" dirty="0"/>
+          </a:p>
+          <a:p>
+            <a:endParaRPr lang="en-CA" dirty="0"/>
+          </a:p>
+          <a:p>
+            <a:endParaRPr lang="en-CA" dirty="0"/>
+          </a:p>
+          <a:p>
+            <a:r>
+              <a:rPr lang="en-CA" dirty="0"/>
+              <a:t>Answers: </a:t>
+            </a:r>
+          </a:p>
+          <a:p>
+            <a:pPr marL="171450" indent="-171450">
+              <a:buFont typeface="Arial" panose="020B0604020202020204" pitchFamily="34" charset="0"/>
+              <a:buChar char="•"/>
+            </a:pPr>
+            <a:r>
+              <a:rPr lang="en-CA" dirty="0"/>
+              <a:t>1227</a:t>
+            </a:r>
+          </a:p>
+          <a:p>
+            <a:pPr marL="171450" indent="-171450">
+              <a:buFont typeface="Arial" panose="020B0604020202020204" pitchFamily="34" charset="0"/>
+              <a:buChar char="•"/>
+            </a:pPr>
+            <a:r>
+              <a:rPr lang="en-CA" dirty="0"/>
+              <a:t>100 nanometers</a:t>
+            </a:r>
+          </a:p>
+          <a:p>
+            <a:pPr marL="171450" indent="-171450">
+              <a:buFont typeface="Arial" panose="020B0604020202020204" pitchFamily="34" charset="0"/>
+              <a:buChar char="•"/>
+            </a:pPr>
+            <a:r>
+              <a:rPr lang="en-CA" dirty="0"/>
+              <a:t>49244 km </a:t>
+            </a:r>
+          </a:p>
+          <a:p>
+            <a:pPr marL="171450" indent="-171450">
+              <a:buFont typeface="Arial" panose="020B0604020202020204" pitchFamily="34" charset="0"/>
+              <a:buChar char="•"/>
+            </a:pPr>
+            <a:endParaRPr lang="en-CA" dirty="0"/>
           </a:p>
         </p:txBody>
       </p:sp>
@@ -2474,7 +2606,7 @@
     </p:spTree>
     <p:extLst>
       <p:ext uri="{BB962C8B-B14F-4D97-AF65-F5344CB8AC3E}">
-        <p14:creationId xmlns:p14="http://schemas.microsoft.com/office/powerpoint/2010/main" val="3801040719"/>
+        <p14:creationId xmlns:p14="http://schemas.microsoft.com/office/powerpoint/2010/main" val="3798776713"/>
       </p:ext>
     </p:extLst>
   </p:cSld>
@@ -2528,11 +2660,10 @@
           <a:bodyPr/>
           <a:lstStyle/>
           <a:p>
-            <a:pPr marL="171450" indent="-171450">
-              <a:buFont typeface="Arial" panose="020B0604020202020204" pitchFamily="34" charset="0"/>
-              <a:buChar char="•"/>
-            </a:pPr>
-            <a:endParaRPr lang="en-CA" dirty="0"/>
+            <a:r>
+              <a:rPr lang="en-CA" dirty="0"/>
+              <a:t>Who’s on a “hot streak” here? Is there any player here whose chance of making the next shot (moving to the right) depends on the number of successful prior shots? (Note: all are random)</a:t>
+            </a:r>
           </a:p>
         </p:txBody>
       </p:sp>
@@ -2562,7 +2693,7 @@
     </p:spTree>
     <p:extLst>
       <p:ext uri="{BB962C8B-B14F-4D97-AF65-F5344CB8AC3E}">
-        <p14:creationId xmlns:p14="http://schemas.microsoft.com/office/powerpoint/2010/main" val="3288150254"/>
+        <p14:creationId xmlns:p14="http://schemas.microsoft.com/office/powerpoint/2010/main" val="3801040719"/>
       </p:ext>
     </p:extLst>
   </p:cSld>
@@ -2650,7 +2781,7 @@
     </p:spTree>
     <p:extLst>
       <p:ext uri="{BB962C8B-B14F-4D97-AF65-F5344CB8AC3E}">
-        <p14:creationId xmlns:p14="http://schemas.microsoft.com/office/powerpoint/2010/main" val="2772141251"/>
+        <p14:creationId xmlns:p14="http://schemas.microsoft.com/office/powerpoint/2010/main" val="3288150254"/>
       </p:ext>
     </p:extLst>
   </p:cSld>
@@ -2791,14 +2922,11 @@
           <a:bodyPr/>
           <a:lstStyle/>
           <a:p>
-            <a:pPr marL="0" indent="0">
+            <a:pPr marL="171450" indent="-171450">
               <a:buFont typeface="Arial" panose="020B0604020202020204" pitchFamily="34" charset="0"/>
-              <a:buNone/>
+              <a:buChar char="•"/>
             </a:pPr>
-            <a:r>
-              <a:rPr lang="en-CA" dirty="0"/>
-              <a:t>What does this mean? But if there are 223 admissions and 12 signs, that’s 2,676 distinct comparisons! Given a threshold of 5%, we should expect about 134 significant associations by chance (the authors found 72). </a:t>
-            </a:r>
+            <a:endParaRPr lang="en-CA" dirty="0"/>
           </a:p>
         </p:txBody>
       </p:sp>
@@ -2828,7 +2956,7 @@
     </p:spTree>
     <p:extLst>
       <p:ext uri="{BB962C8B-B14F-4D97-AF65-F5344CB8AC3E}">
-        <p14:creationId xmlns:p14="http://schemas.microsoft.com/office/powerpoint/2010/main" val="2991907137"/>
+        <p14:creationId xmlns:p14="http://schemas.microsoft.com/office/powerpoint/2010/main" val="2772141251"/>
       </p:ext>
     </p:extLst>
   </p:cSld>
@@ -2882,13 +3010,13 @@
           <a:bodyPr/>
           <a:lstStyle/>
           <a:p>
-            <a:pPr marL="171450" indent="-171450">
+            <a:pPr marL="0" indent="0">
               <a:buFont typeface="Arial" panose="020B0604020202020204" pitchFamily="34" charset="0"/>
-              <a:buChar char="•"/>
+              <a:buNone/>
             </a:pPr>
             <a:r>
               <a:rPr lang="en-CA" dirty="0"/>
-              <a:t>Someone visits the doctor once a month, and in October has terrible blood pressure. MD prescribes a medication – is this a sign that the medication worked? Why/why not?  </a:t>
+              <a:t>What does this mean? But if there are 223 admissions and 12 signs, that’s 2,676 distinct comparisons! Given a threshold of 5%, we should expect about 134 significant associations by chance (the authors found 72). </a:t>
             </a:r>
           </a:p>
         </p:txBody>
@@ -2919,7 +3047,7 @@
     </p:spTree>
     <p:extLst>
       <p:ext uri="{BB962C8B-B14F-4D97-AF65-F5344CB8AC3E}">
-        <p14:creationId xmlns:p14="http://schemas.microsoft.com/office/powerpoint/2010/main" val="2107801764"/>
+        <p14:creationId xmlns:p14="http://schemas.microsoft.com/office/powerpoint/2010/main" val="2991907137"/>
       </p:ext>
     </p:extLst>
   </p:cSld>
@@ -2973,7 +3101,14 @@
           <a:bodyPr/>
           <a:lstStyle/>
           <a:p>
-            <a:endParaRPr lang="en-US" dirty="0"/>
+            <a:pPr marL="171450" indent="-171450">
+              <a:buFont typeface="Arial" panose="020B0604020202020204" pitchFamily="34" charset="0"/>
+              <a:buChar char="•"/>
+            </a:pPr>
+            <a:r>
+              <a:rPr lang="en-CA" dirty="0"/>
+              <a:t>Someone visits the doctor once a month, and in October has terrible blood pressure. MD prescribes a medication – is this a sign that the medication worked? Why/why not?  </a:t>
+            </a:r>
           </a:p>
         </p:txBody>
       </p:sp>
@@ -3003,7 +3138,7 @@
     </p:spTree>
     <p:extLst>
       <p:ext uri="{BB962C8B-B14F-4D97-AF65-F5344CB8AC3E}">
-        <p14:creationId xmlns:p14="http://schemas.microsoft.com/office/powerpoint/2010/main" val="2726739068"/>
+        <p14:creationId xmlns:p14="http://schemas.microsoft.com/office/powerpoint/2010/main" val="2107801764"/>
       </p:ext>
     </p:extLst>
   </p:cSld>
@@ -3057,11 +3192,7 @@
           <a:bodyPr/>
           <a:lstStyle/>
           <a:p>
-            <a:pPr marL="171450" indent="-171450">
-              <a:buFont typeface="Arial" panose="020B0604020202020204" pitchFamily="34" charset="0"/>
-              <a:buChar char="•"/>
-            </a:pPr>
-            <a:endParaRPr lang="en-CA" dirty="0"/>
+            <a:endParaRPr lang="en-US" dirty="0"/>
           </a:p>
         </p:txBody>
       </p:sp>
@@ -3091,7 +3222,7 @@
     </p:spTree>
     <p:extLst>
       <p:ext uri="{BB962C8B-B14F-4D97-AF65-F5344CB8AC3E}">
-        <p14:creationId xmlns:p14="http://schemas.microsoft.com/office/powerpoint/2010/main" val="932696244"/>
+        <p14:creationId xmlns:p14="http://schemas.microsoft.com/office/powerpoint/2010/main" val="2726739068"/>
       </p:ext>
     </p:extLst>
   </p:cSld>
@@ -3179,7 +3310,7 @@
     </p:spTree>
     <p:extLst>
       <p:ext uri="{BB962C8B-B14F-4D97-AF65-F5344CB8AC3E}">
-        <p14:creationId xmlns:p14="http://schemas.microsoft.com/office/powerpoint/2010/main" val="109902631"/>
+        <p14:creationId xmlns:p14="http://schemas.microsoft.com/office/powerpoint/2010/main" val="932696244"/>
       </p:ext>
     </p:extLst>
   </p:cSld>
@@ -3237,10 +3368,7 @@
               <a:buFont typeface="Arial" panose="020B0604020202020204" pitchFamily="34" charset="0"/>
               <a:buChar char="•"/>
             </a:pPr>
-            <a:r>
-              <a:rPr lang="en-CA" dirty="0"/>
-              <a:t>Go through these one by one. For this one – say you want to know about the effectiveness of a drug to treat cancer. The population we really care about is all patients (including those who have cancer now but also everyone who might get cancer). But how do we get data?</a:t>
-            </a:r>
+            <a:endParaRPr lang="en-CA" dirty="0"/>
           </a:p>
         </p:txBody>
       </p:sp>
@@ -3270,7 +3398,7 @@
     </p:spTree>
     <p:extLst>
       <p:ext uri="{BB962C8B-B14F-4D97-AF65-F5344CB8AC3E}">
-        <p14:creationId xmlns:p14="http://schemas.microsoft.com/office/powerpoint/2010/main" val="4282466909"/>
+        <p14:creationId xmlns:p14="http://schemas.microsoft.com/office/powerpoint/2010/main" val="109902631"/>
       </p:ext>
     </p:extLst>
   </p:cSld>
@@ -3330,7 +3458,7 @@
             </a:pPr>
             <a:r>
               <a:rPr lang="en-CA" dirty="0"/>
-              <a:t>You may be limited in your data (e.g., lung cancer patients in Ontario). Have to think about how that affects the (1) you can speak to.</a:t>
+              <a:t>Go through these one by one. For this one – say you want to know about the effectiveness of a drug to treat cancer. The population we really care about is all patients (including those who have cancer now but also everyone who might get cancer). But how do we get data?</a:t>
             </a:r>
           </a:p>
         </p:txBody>
@@ -3361,7 +3489,7 @@
     </p:spTree>
     <p:extLst>
       <p:ext uri="{BB962C8B-B14F-4D97-AF65-F5344CB8AC3E}">
-        <p14:creationId xmlns:p14="http://schemas.microsoft.com/office/powerpoint/2010/main" val="3746082600"/>
+        <p14:creationId xmlns:p14="http://schemas.microsoft.com/office/powerpoint/2010/main" val="4282466909"/>
       </p:ext>
     </p:extLst>
   </p:cSld>
@@ -3421,7 +3549,7 @@
             </a:pPr>
             <a:r>
               <a:rPr lang="en-CA" dirty="0"/>
-              <a:t>Say we’re interested in “effectiveness.” what does that mean? % of patients in remission? Patient well-being? Years of life gained? </a:t>
+              <a:t>You may be limited in your data (e.g., lung cancer patients in Ontario). Have to think about how that affects the (1) you can speak to.</a:t>
             </a:r>
           </a:p>
         </p:txBody>
@@ -3452,7 +3580,7 @@
     </p:spTree>
     <p:extLst>
       <p:ext uri="{BB962C8B-B14F-4D97-AF65-F5344CB8AC3E}">
-        <p14:creationId xmlns:p14="http://schemas.microsoft.com/office/powerpoint/2010/main" val="3934575500"/>
+        <p14:creationId xmlns:p14="http://schemas.microsoft.com/office/powerpoint/2010/main" val="3746082600"/>
       </p:ext>
     </p:extLst>
   </p:cSld>
@@ -3506,13 +3634,13 @@
           <a:bodyPr/>
           <a:lstStyle/>
           <a:p>
-            <a:pPr marL="0" indent="0">
+            <a:pPr marL="171450" indent="-171450">
               <a:buFont typeface="Arial" panose="020B0604020202020204" pitchFamily="34" charset="0"/>
-              <a:buNone/>
+              <a:buChar char="•"/>
             </a:pPr>
             <a:r>
               <a:rPr lang="en-CA" dirty="0"/>
-              <a:t>Other assumptions we need to make: is treatment randomly assigned? What if we have observational data? Etc. </a:t>
+              <a:t>Say we’re interested in “effectiveness.” what does that mean? % of patients in remission? Patient well-being? Years of life gained? </a:t>
             </a:r>
           </a:p>
         </p:txBody>
@@ -3543,7 +3671,7 @@
     </p:spTree>
     <p:extLst>
       <p:ext uri="{BB962C8B-B14F-4D97-AF65-F5344CB8AC3E}">
-        <p14:creationId xmlns:p14="http://schemas.microsoft.com/office/powerpoint/2010/main" val="1936282456"/>
+        <p14:creationId xmlns:p14="http://schemas.microsoft.com/office/powerpoint/2010/main" val="3934575500"/>
       </p:ext>
     </p:extLst>
   </p:cSld>
@@ -3603,7 +3731,7 @@
             </a:pPr>
             <a:r>
               <a:rPr lang="en-CA" dirty="0"/>
-              <a:t>Statistics requires us to carefully think about each of these steps and honestly address how our research fits in given these limitations. </a:t>
+              <a:t>Other assumptions we need to make: is treatment randomly assigned? What if we have observational data? Etc. </a:t>
             </a:r>
           </a:p>
         </p:txBody>
@@ -3634,7 +3762,7 @@
     </p:spTree>
     <p:extLst>
       <p:ext uri="{BB962C8B-B14F-4D97-AF65-F5344CB8AC3E}">
-        <p14:creationId xmlns:p14="http://schemas.microsoft.com/office/powerpoint/2010/main" val="1165705853"/>
+        <p14:creationId xmlns:p14="http://schemas.microsoft.com/office/powerpoint/2010/main" val="1936282456"/>
       </p:ext>
     </p:extLst>
   </p:cSld>
@@ -3805,15 +3933,7 @@
             </a:pPr>
             <a:r>
               <a:rPr lang="en-CA" dirty="0"/>
-              <a:t>There are ML and econometric/causal inference methods to deal with these, but stats alone is not enough. </a:t>
-            </a:r>
-            <a:r>
-              <a:rPr lang="en-CA" dirty="0" err="1"/>
-              <a:t>Tradeoffs</a:t>
-            </a:r>
-            <a:r>
-              <a:rPr lang="en-CA" dirty="0"/>
-              <a:t> between assumptions and usefulness of results. </a:t>
+              <a:t>Statistics requires us to carefully think about each of these steps and honestly address how our research fits in given these limitations. </a:t>
             </a:r>
           </a:p>
         </p:txBody>
@@ -3844,7 +3964,7 @@
     </p:spTree>
     <p:extLst>
       <p:ext uri="{BB962C8B-B14F-4D97-AF65-F5344CB8AC3E}">
-        <p14:creationId xmlns:p14="http://schemas.microsoft.com/office/powerpoint/2010/main" val="1266546803"/>
+        <p14:creationId xmlns:p14="http://schemas.microsoft.com/office/powerpoint/2010/main" val="1165705853"/>
       </p:ext>
     </p:extLst>
   </p:cSld>
@@ -3902,7 +4022,18 @@
               <a:buFont typeface="Arial" panose="020B0604020202020204" pitchFamily="34" charset="0"/>
               <a:buNone/>
             </a:pPr>
-            <a:endParaRPr lang="en-CA" dirty="0"/>
+            <a:r>
+              <a:rPr lang="en-CA" dirty="0"/>
+              <a:t>There are ML and econometric/causal inference methods to deal with these, but stats alone is not enough. </a:t>
+            </a:r>
+            <a:r>
+              <a:rPr lang="en-CA" dirty="0" err="1"/>
+              <a:t>Tradeoffs</a:t>
+            </a:r>
+            <a:r>
+              <a:rPr lang="en-CA" dirty="0"/>
+              <a:t> between assumptions and usefulness of results. </a:t>
+            </a:r>
           </a:p>
         </p:txBody>
       </p:sp>
@@ -3924,6 +4055,210 @@
             <a:fld id="{4AF79E1B-2C51-4B9B-8EA4-26DE9E345AFF}" type="slidenum">
               <a:rPr lang="en-US" smtClean="0"/>
               <a:t>41</a:t>
+            </a:fld>
+            <a:endParaRPr lang="en-US"/>
+          </a:p>
+        </p:txBody>
+      </p:sp>
+    </p:spTree>
+    <p:extLst>
+      <p:ext uri="{BB962C8B-B14F-4D97-AF65-F5344CB8AC3E}">
+        <p14:creationId xmlns:p14="http://schemas.microsoft.com/office/powerpoint/2010/main" val="1266546803"/>
+      </p:ext>
+    </p:extLst>
+  </p:cSld>
+  <p:clrMapOvr>
+    <a:masterClrMapping/>
+  </p:clrMapOvr>
+</p:notes>
+</file>
+
+<file path=ppt/notesSlides/notesSlide42.xml><?xml version="1.0" encoding="utf-8"?>
+<p:notes xmlns:a="http://schemas.openxmlformats.org/drawingml/2006/main" xmlns:r="http://schemas.openxmlformats.org/officeDocument/2006/relationships" xmlns:p="http://schemas.openxmlformats.org/presentationml/2006/main">
+  <p:cSld>
+    <p:spTree>
+      <p:nvGrpSpPr>
+        <p:cNvPr id="1" name="">
+          <a:extLst>
+            <a:ext uri="{FF2B5EF4-FFF2-40B4-BE49-F238E27FC236}">
+              <a16:creationId xmlns:a16="http://schemas.microsoft.com/office/drawing/2014/main" id="{CB469810-23D7-5ABC-F927-019547753078}"/>
+            </a:ext>
+          </a:extLst>
+        </p:cNvPr>
+        <p:cNvGrpSpPr/>
+        <p:nvPr/>
+      </p:nvGrpSpPr>
+      <p:grpSpPr>
+        <a:xfrm>
+          <a:off x="0" y="0"/>
+          <a:ext cx="0" cy="0"/>
+          <a:chOff x="0" y="0"/>
+          <a:chExt cx="0" cy="0"/>
+        </a:xfrm>
+      </p:grpSpPr>
+      <p:sp>
+        <p:nvSpPr>
+          <p:cNvPr id="2" name="Slide Image Placeholder 1">
+            <a:extLst>
+              <a:ext uri="{FF2B5EF4-FFF2-40B4-BE49-F238E27FC236}">
+                <a16:creationId xmlns:a16="http://schemas.microsoft.com/office/drawing/2014/main" id="{A6B26949-5F42-52FC-F7DF-72EDE36BC5F5}"/>
+              </a:ext>
+            </a:extLst>
+          </p:cNvPr>
+          <p:cNvSpPr>
+            <a:spLocks noGrp="1" noRot="1" noChangeAspect="1"/>
+          </p:cNvSpPr>
+          <p:nvPr>
+            <p:ph type="sldImg"/>
+          </p:nvPr>
+        </p:nvSpPr>
+        <p:spPr/>
+      </p:sp>
+      <p:sp>
+        <p:nvSpPr>
+          <p:cNvPr id="3" name="Notes Placeholder 2">
+            <a:extLst>
+              <a:ext uri="{FF2B5EF4-FFF2-40B4-BE49-F238E27FC236}">
+                <a16:creationId xmlns:a16="http://schemas.microsoft.com/office/drawing/2014/main" id="{886AC05E-ADDD-ECCA-569D-A6AC0BDD3C6B}"/>
+              </a:ext>
+            </a:extLst>
+          </p:cNvPr>
+          <p:cNvSpPr>
+            <a:spLocks noGrp="1"/>
+          </p:cNvSpPr>
+          <p:nvPr>
+            <p:ph type="body" idx="1"/>
+          </p:nvPr>
+        </p:nvSpPr>
+        <p:spPr/>
+        <p:txBody>
+          <a:bodyPr/>
+          <a:lstStyle/>
+          <a:p>
+            <a:r>
+              <a:rPr lang="en-US" dirty="0"/>
+              <a:t>These are available on a separate .pdf but we will hit the high points </a:t>
+            </a:r>
+            <a:r>
+              <a:rPr lang="en-US"/>
+              <a:t>(paper copy)</a:t>
+            </a:r>
+            <a:endParaRPr lang="en-US" dirty="0"/>
+          </a:p>
+        </p:txBody>
+      </p:sp>
+      <p:sp>
+        <p:nvSpPr>
+          <p:cNvPr id="4" name="Slide Number Placeholder 3">
+            <a:extLst>
+              <a:ext uri="{FF2B5EF4-FFF2-40B4-BE49-F238E27FC236}">
+                <a16:creationId xmlns:a16="http://schemas.microsoft.com/office/drawing/2014/main" id="{3B45F80C-01FA-9778-CA2D-0B565033BC11}"/>
+              </a:ext>
+            </a:extLst>
+          </p:cNvPr>
+          <p:cNvSpPr>
+            <a:spLocks noGrp="1"/>
+          </p:cNvSpPr>
+          <p:nvPr>
+            <p:ph type="sldNum" sz="quarter" idx="5"/>
+          </p:nvPr>
+        </p:nvSpPr>
+        <p:spPr/>
+        <p:txBody>
+          <a:bodyPr/>
+          <a:lstStyle/>
+          <a:p>
+            <a:fld id="{4AF79E1B-2C51-4B9B-8EA4-26DE9E345AFF}" type="slidenum">
+              <a:rPr lang="en-US" smtClean="0"/>
+              <a:t>42</a:t>
+            </a:fld>
+            <a:endParaRPr lang="en-US"/>
+          </a:p>
+        </p:txBody>
+      </p:sp>
+    </p:spTree>
+    <p:extLst>
+      <p:ext uri="{BB962C8B-B14F-4D97-AF65-F5344CB8AC3E}">
+        <p14:creationId xmlns:p14="http://schemas.microsoft.com/office/powerpoint/2010/main" val="398228007"/>
+      </p:ext>
+    </p:extLst>
+  </p:cSld>
+  <p:clrMapOvr>
+    <a:masterClrMapping/>
+  </p:clrMapOvr>
+</p:notes>
+</file>
+
+<file path=ppt/notesSlides/notesSlide43.xml><?xml version="1.0" encoding="utf-8"?>
+<p:notes xmlns:a="http://schemas.openxmlformats.org/drawingml/2006/main" xmlns:r="http://schemas.openxmlformats.org/officeDocument/2006/relationships" xmlns:p="http://schemas.openxmlformats.org/presentationml/2006/main">
+  <p:cSld>
+    <p:spTree>
+      <p:nvGrpSpPr>
+        <p:cNvPr id="1" name=""/>
+        <p:cNvGrpSpPr/>
+        <p:nvPr/>
+      </p:nvGrpSpPr>
+      <p:grpSpPr>
+        <a:xfrm>
+          <a:off x="0" y="0"/>
+          <a:ext cx="0" cy="0"/>
+          <a:chOff x="0" y="0"/>
+          <a:chExt cx="0" cy="0"/>
+        </a:xfrm>
+      </p:grpSpPr>
+      <p:sp>
+        <p:nvSpPr>
+          <p:cNvPr id="2" name="Slide Image Placeholder 1"/>
+          <p:cNvSpPr>
+            <a:spLocks noGrp="1" noRot="1" noChangeAspect="1"/>
+          </p:cNvSpPr>
+          <p:nvPr>
+            <p:ph type="sldImg"/>
+          </p:nvPr>
+        </p:nvSpPr>
+        <p:spPr/>
+      </p:sp>
+      <p:sp>
+        <p:nvSpPr>
+          <p:cNvPr id="3" name="Notes Placeholder 2"/>
+          <p:cNvSpPr>
+            <a:spLocks noGrp="1"/>
+          </p:cNvSpPr>
+          <p:nvPr>
+            <p:ph type="body" idx="1"/>
+          </p:nvPr>
+        </p:nvSpPr>
+        <p:spPr/>
+        <p:txBody>
+          <a:bodyPr/>
+          <a:lstStyle/>
+          <a:p>
+            <a:pPr marL="0" indent="0">
+              <a:buFont typeface="Arial" panose="020B0604020202020204" pitchFamily="34" charset="0"/>
+              <a:buNone/>
+            </a:pPr>
+            <a:endParaRPr lang="en-CA" dirty="0"/>
+          </a:p>
+        </p:txBody>
+      </p:sp>
+      <p:sp>
+        <p:nvSpPr>
+          <p:cNvPr id="4" name="Slide Number Placeholder 3"/>
+          <p:cNvSpPr>
+            <a:spLocks noGrp="1"/>
+          </p:cNvSpPr>
+          <p:nvPr>
+            <p:ph type="sldNum" sz="quarter" idx="5"/>
+          </p:nvPr>
+        </p:nvSpPr>
+        <p:spPr/>
+        <p:txBody>
+          <a:bodyPr/>
+          <a:lstStyle/>
+          <a:p>
+            <a:fld id="{4AF79E1B-2C51-4B9B-8EA4-26DE9E345AFF}" type="slidenum">
+              <a:rPr lang="en-US" smtClean="0"/>
+              <a:t>43</a:t>
             </a:fld>
             <a:endParaRPr lang="en-US"/>
           </a:p>
@@ -4579,7 +4914,7 @@
             <a:fld id="{0972D05C-DCFB-4BB6-B49C-AC126BF3ED2C}" type="datetimeFigureOut">
               <a:rPr lang="en-US" smtClean="0"/>
               <a:pPr/>
-              <a:t>1/6/2025</a:t>
+              <a:t>1/7/2025</a:t>
             </a:fld>
             <a:endParaRPr lang="en-US"/>
           </a:p>
@@ -4809,7 +5144,7 @@
             <a:fld id="{0972D05C-DCFB-4BB6-B49C-AC126BF3ED2C}" type="datetimeFigureOut">
               <a:rPr lang="en-US" smtClean="0"/>
               <a:pPr/>
-              <a:t>1/6/2025</a:t>
+              <a:t>1/7/2025</a:t>
             </a:fld>
             <a:endParaRPr lang="en-US"/>
           </a:p>
@@ -4991,7 +5326,7 @@
             <a:fld id="{0972D05C-DCFB-4BB6-B49C-AC126BF3ED2C}" type="datetimeFigureOut">
               <a:rPr lang="en-US" smtClean="0"/>
               <a:pPr/>
-              <a:t>1/6/2025</a:t>
+              <a:t>1/7/2025</a:t>
             </a:fld>
             <a:endParaRPr lang="en-US"/>
           </a:p>
@@ -5163,7 +5498,7 @@
             <a:fld id="{0972D05C-DCFB-4BB6-B49C-AC126BF3ED2C}" type="datetimeFigureOut">
               <a:rPr lang="en-US" smtClean="0"/>
               <a:pPr/>
-              <a:t>1/6/2025</a:t>
+              <a:t>1/7/2025</a:t>
             </a:fld>
             <a:endParaRPr lang="en-US"/>
           </a:p>
@@ -5419,7 +5754,7 @@
             <a:fld id="{0972D05C-DCFB-4BB6-B49C-AC126BF3ED2C}" type="datetimeFigureOut">
               <a:rPr lang="en-US" smtClean="0"/>
               <a:pPr/>
-              <a:t>1/6/2025</a:t>
+              <a:t>1/7/2025</a:t>
             </a:fld>
             <a:endParaRPr lang="en-US"/>
           </a:p>
@@ -5747,7 +6082,7 @@
             <a:fld id="{0972D05C-DCFB-4BB6-B49C-AC126BF3ED2C}" type="datetimeFigureOut">
               <a:rPr lang="en-US" smtClean="0"/>
               <a:pPr/>
-              <a:t>1/6/2025</a:t>
+              <a:t>1/7/2025</a:t>
             </a:fld>
             <a:endParaRPr lang="en-US"/>
           </a:p>
@@ -6200,7 +6535,7 @@
             <a:fld id="{0972D05C-DCFB-4BB6-B49C-AC126BF3ED2C}" type="datetimeFigureOut">
               <a:rPr lang="en-US" smtClean="0"/>
               <a:pPr/>
-              <a:t>1/6/2025</a:t>
+              <a:t>1/7/2025</a:t>
             </a:fld>
             <a:endParaRPr lang="en-US"/>
           </a:p>
@@ -6320,7 +6655,7 @@
             <a:fld id="{0972D05C-DCFB-4BB6-B49C-AC126BF3ED2C}" type="datetimeFigureOut">
               <a:rPr lang="en-US" smtClean="0"/>
               <a:pPr/>
-              <a:t>1/6/2025</a:t>
+              <a:t>1/7/2025</a:t>
             </a:fld>
             <a:endParaRPr lang="en-US"/>
           </a:p>
@@ -6417,7 +6752,7 @@
             <a:fld id="{0972D05C-DCFB-4BB6-B49C-AC126BF3ED2C}" type="datetimeFigureOut">
               <a:rPr lang="en-US" smtClean="0"/>
               <a:pPr/>
-              <a:t>1/6/2025</a:t>
+              <a:t>1/7/2025</a:t>
             </a:fld>
             <a:endParaRPr lang="en-US"/>
           </a:p>
@@ -6706,7 +7041,7 @@
             <a:fld id="{0972D05C-DCFB-4BB6-B49C-AC126BF3ED2C}" type="datetimeFigureOut">
               <a:rPr lang="en-US" smtClean="0"/>
               <a:pPr/>
-              <a:t>1/6/2025</a:t>
+              <a:t>1/7/2025</a:t>
             </a:fld>
             <a:endParaRPr lang="en-US"/>
           </a:p>
@@ -7030,7 +7365,7 @@
             <a:fld id="{0972D05C-DCFB-4BB6-B49C-AC126BF3ED2C}" type="datetimeFigureOut">
               <a:rPr lang="en-US" smtClean="0"/>
               <a:pPr/>
-              <a:t>1/6/2025</a:t>
+              <a:t>1/7/2025</a:t>
             </a:fld>
             <a:endParaRPr lang="en-US"/>
           </a:p>
@@ -7285,7 +7620,7 @@
             <a:fld id="{0972D05C-DCFB-4BB6-B49C-AC126BF3ED2C}" type="datetimeFigureOut">
               <a:rPr lang="en-US" smtClean="0"/>
               <a:pPr/>
-              <a:t>1/6/2025</a:t>
+              <a:t>1/7/2025</a:t>
             </a:fld>
             <a:endParaRPr lang="en-US" dirty="0"/>
           </a:p>
@@ -8688,6 +9023,14 @@
             <a:pPr marL="0" indent="0">
               <a:buNone/>
             </a:pPr>
+            <a:endParaRPr lang="en-US" sz="2800" dirty="0">
+              <a:cs typeface="Times New Roman" panose="02020603050405020304" pitchFamily="18" charset="0"/>
+            </a:endParaRPr>
+          </a:p>
+          <a:p>
+            <a:pPr marL="0" indent="0">
+              <a:buNone/>
+            </a:pPr>
             <a:r>
               <a:rPr lang="en-US" sz="2800" dirty="0">
                 <a:cs typeface="Times New Roman" panose="02020603050405020304" pitchFamily="18" charset="0"/>
@@ -8699,49 +9042,9 @@
             <a:pPr marL="0" indent="0">
               <a:buNone/>
             </a:pPr>
-            <a:r>
-              <a:rPr lang="en-US" sz="2800" dirty="0">
-                <a:cs typeface="Times New Roman" panose="02020603050405020304" pitchFamily="18" charset="0"/>
-              </a:rPr>
-              <a:t>1.	Make sure you have a (free!) GitHub account. You can sign up here: </a:t>
-            </a:r>
-            <a:r>
-              <a:rPr lang="en-US" sz="2800" dirty="0">
-                <a:cs typeface="Times New Roman" panose="02020603050405020304" pitchFamily="18" charset="0"/>
-                <a:hlinkClick r:id="rId3"/>
-              </a:rPr>
-              <a:t>https://GitHub.com/join</a:t>
-            </a:r>
-            <a:r>
-              <a:rPr lang="en-US" sz="2800" dirty="0">
-                <a:cs typeface="Times New Roman" panose="02020603050405020304" pitchFamily="18" charset="0"/>
-              </a:rPr>
-              <a:t>. </a:t>
-            </a:r>
-          </a:p>
-          <a:p>
-            <a:pPr marL="0" indent="0">
-              <a:buNone/>
-            </a:pPr>
-            <a:r>
-              <a:rPr lang="en-US" sz="2800" dirty="0">
-                <a:cs typeface="Times New Roman" panose="02020603050405020304" pitchFamily="18" charset="0"/>
-              </a:rPr>
-              <a:t>2.	Apply for the GitHub Student Developer Pack here: </a:t>
-            </a:r>
-            <a:r>
-              <a:rPr lang="en-US" sz="2800" dirty="0">
-                <a:cs typeface="Times New Roman" panose="02020603050405020304" pitchFamily="18" charset="0"/>
-                <a:hlinkClick r:id="rId4"/>
-              </a:rPr>
-              <a:t>https://education.GitHub.com/pack</a:t>
-            </a:r>
-            <a:r>
-              <a:rPr lang="en-US" sz="2800" dirty="0">
-                <a:cs typeface="Times New Roman" panose="02020603050405020304" pitchFamily="18" charset="0"/>
-              </a:rPr>
-              <a:t>. You have to provide a picture of your student ID or some other proof you’re a student, and approval can take a few days, so the sooner the better! </a:t>
-            </a:r>
+            <a:endParaRPr lang="en-US" sz="2800" dirty="0">
+              <a:cs typeface="Times New Roman" panose="02020603050405020304" pitchFamily="18" charset="0"/>
+            </a:endParaRPr>
           </a:p>
         </p:txBody>
       </p:sp>
@@ -8801,6 +9104,36 @@
           </a:p>
         </p:txBody>
       </p:sp>
+      <p:pic>
+        <p:nvPicPr>
+          <p:cNvPr id="6" name="Picture 5">
+            <a:extLst>
+              <a:ext uri="{FF2B5EF4-FFF2-40B4-BE49-F238E27FC236}">
+                <a16:creationId xmlns:a16="http://schemas.microsoft.com/office/drawing/2014/main" id="{04F6560F-C7D3-4F10-C59E-CB7BF8AED783}"/>
+              </a:ext>
+            </a:extLst>
+          </p:cNvPr>
+          <p:cNvPicPr>
+            <a:picLocks noChangeAspect="1"/>
+          </p:cNvPicPr>
+          <p:nvPr/>
+        </p:nvPicPr>
+        <p:blipFill>
+          <a:blip r:embed="rId3"/>
+          <a:stretch>
+            <a:fillRect/>
+          </a:stretch>
+        </p:blipFill>
+        <p:spPr>
+          <a:xfrm>
+            <a:off x="222389" y="1905000"/>
+            <a:ext cx="11256822" cy="1524000"/>
+          </a:xfrm>
+          <a:prstGeom prst="rect">
+            <a:avLst/>
+          </a:prstGeom>
+        </p:spPr>
+      </p:pic>
     </p:spTree>
     <p:extLst>
       <p:ext uri="{BB962C8B-B14F-4D97-AF65-F5344CB8AC3E}">
@@ -8819,7 +9152,13 @@
   <p:cSld>
     <p:spTree>
       <p:nvGrpSpPr>
-        <p:cNvPr id="1" name=""/>
+        <p:cNvPr id="1" name="">
+          <a:extLst>
+            <a:ext uri="{FF2B5EF4-FFF2-40B4-BE49-F238E27FC236}">
+              <a16:creationId xmlns:a16="http://schemas.microsoft.com/office/drawing/2014/main" id="{7AAED8EC-D621-49CF-79B2-F6BD0FA15B96}"/>
+            </a:ext>
+          </a:extLst>
+        </p:cNvPr>
         <p:cNvGrpSpPr/>
         <p:nvPr/>
       </p:nvGrpSpPr>
@@ -8836,7 +9175,7 @@
           <p:cNvPr id="2" name="Title 1">
             <a:extLst>
               <a:ext uri="{FF2B5EF4-FFF2-40B4-BE49-F238E27FC236}">
-                <a16:creationId xmlns:a16="http://schemas.microsoft.com/office/drawing/2014/main" id="{E54BD568-A3DE-4D27-9652-A8CF021A9E7A}"/>
+                <a16:creationId xmlns:a16="http://schemas.microsoft.com/office/drawing/2014/main" id="{C70208FE-2E6D-4FBA-04FC-DDD8C2005713}"/>
               </a:ext>
             </a:extLst>
           </p:cNvPr>
@@ -8869,7 +9208,7 @@
           <p:cNvPr id="4" name="Content Placeholder 3">
             <a:extLst>
               <a:ext uri="{FF2B5EF4-FFF2-40B4-BE49-F238E27FC236}">
-                <a16:creationId xmlns:a16="http://schemas.microsoft.com/office/drawing/2014/main" id="{AE68E5BA-C675-4302-ABDA-3EFDD6418FDE}"/>
+                <a16:creationId xmlns:a16="http://schemas.microsoft.com/office/drawing/2014/main" id="{99B68BB6-0196-EAB2-1DA5-2EFE533BB2A1}"/>
               </a:ext>
             </a:extLst>
           </p:cNvPr>
@@ -8899,18 +9238,26 @@
               <a:rPr lang="en-US" sz="2800" dirty="0">
                 <a:cs typeface="Times New Roman" panose="02020603050405020304" pitchFamily="18" charset="0"/>
               </a:rPr>
-              <a:t>How do I get Copilot into RStudio? </a:t>
+              <a:t>What is Copilot? </a:t>
             </a:r>
           </a:p>
           <a:p>
             <a:pPr marL="0" indent="0">
               <a:buNone/>
             </a:pPr>
+            <a:endParaRPr lang="en-US" sz="2800" dirty="0">
+              <a:cs typeface="Times New Roman" panose="02020603050405020304" pitchFamily="18" charset="0"/>
+            </a:endParaRPr>
+          </a:p>
+          <a:p>
+            <a:pPr marL="0" indent="0">
+              <a:buNone/>
+            </a:pPr>
             <a:r>
               <a:rPr lang="en-US" sz="2800" dirty="0">
                 <a:cs typeface="Times New Roman" panose="02020603050405020304" pitchFamily="18" charset="0"/>
               </a:rPr>
-              <a:t>Step 1: Accessing GitHub Copilot. Visit the GitHub Copilot page (once signed in): https://GitHub.com/features/copilot. Follow the instructions to enable Copilot for your account. </a:t>
+              <a:t>Installation Prerequisites: </a:t>
             </a:r>
           </a:p>
           <a:p>
@@ -8921,7 +9268,20 @@
               <a:rPr lang="en-US" sz="2800" dirty="0">
                 <a:cs typeface="Times New Roman" panose="02020603050405020304" pitchFamily="18" charset="0"/>
               </a:rPr>
-              <a:t>Step 2: Integrating GitHub with RStudio</a:t>
+              <a:t>1.	Make sure you have a (free!) GitHub account. You can sign up here: </a:t>
+            </a:r>
+            <a:r>
+              <a:rPr lang="en-US" sz="2800" dirty="0">
+                <a:cs typeface="Times New Roman" panose="02020603050405020304" pitchFamily="18" charset="0"/>
+                <a:hlinkClick r:id="rId3"/>
+              </a:rPr>
+              <a:t>https://GitHub.com/join</a:t>
+            </a:r>
+            <a:r>
+              <a:rPr lang="en-US" sz="2800" dirty="0">
+                <a:cs typeface="Times New Roman" panose="02020603050405020304" pitchFamily="18" charset="0"/>
+              </a:rPr>
+              <a:t>. </a:t>
             </a:r>
           </a:p>
           <a:p>
@@ -8932,39 +9292,21 @@
               <a:rPr lang="en-US" sz="2800" dirty="0">
                 <a:cs typeface="Times New Roman" panose="02020603050405020304" pitchFamily="18" charset="0"/>
               </a:rPr>
-              <a:t>1.	</a:t>
-            </a:r>
-            <a:r>
-              <a:rPr lang="en-US" sz="2400" dirty="0">
+              <a:t>2.	Apply for the GitHub Student Developer Pack here: </a:t>
+            </a:r>
+            <a:r>
+              <a:rPr lang="en-US" sz="2800" dirty="0">
+                <a:cs typeface="Times New Roman" panose="02020603050405020304" pitchFamily="18" charset="0"/>
+                <a:hlinkClick r:id="rId4"/>
+              </a:rPr>
+              <a:t>https://education.GitHub.com/pack</a:t>
+            </a:r>
+            <a:r>
+              <a:rPr lang="en-US" sz="2800" dirty="0">
                 <a:cs typeface="Times New Roman" panose="02020603050405020304" pitchFamily="18" charset="0"/>
               </a:rPr>
-              <a:t>After completing the above, open RStudio and go to `Tools` &gt; `Global Options`</a:t>
-            </a:r>
-          </a:p>
-          <a:p>
-            <a:pPr marL="0" indent="0">
-              <a:buNone/>
-            </a:pPr>
-            <a:r>
-              <a:rPr lang="en-US" sz="2400" dirty="0">
-                <a:cs typeface="Times New Roman" panose="02020603050405020304" pitchFamily="18" charset="0"/>
-              </a:rPr>
-              <a:t>2.	At the very bottom left, click the “Copilot” button with the GitHub cat icon</a:t>
-            </a:r>
-          </a:p>
-          <a:p>
-            <a:pPr marL="0" indent="0">
-              <a:buNone/>
-            </a:pPr>
-            <a:r>
-              <a:rPr lang="en-US" sz="2400" dirty="0">
-                <a:cs typeface="Times New Roman" panose="02020603050405020304" pitchFamily="18" charset="0"/>
-              </a:rPr>
-              <a:t>3.	Check the “Enable GitHub Copilot" button. You will need to sign into your GitHub account again and give permission for communication between RStudio and GitHub. </a:t>
-            </a:r>
-            <a:endParaRPr lang="en-US" sz="2800" dirty="0">
-              <a:cs typeface="Times New Roman" panose="02020603050405020304" pitchFamily="18" charset="0"/>
-            </a:endParaRPr>
+              <a:t>. You have to provide a picture of your student ID or some other proof you’re a student, and approval can take a few days, so the sooner the better! </a:t>
+            </a:r>
           </a:p>
         </p:txBody>
       </p:sp>
@@ -8973,7 +9315,7 @@
           <p:cNvPr id="5" name="Title 1">
             <a:extLst>
               <a:ext uri="{FF2B5EF4-FFF2-40B4-BE49-F238E27FC236}">
-                <a16:creationId xmlns:a16="http://schemas.microsoft.com/office/drawing/2014/main" id="{9188A289-910E-45BF-9F49-22ADDCD09BA3}"/>
+                <a16:creationId xmlns:a16="http://schemas.microsoft.com/office/drawing/2014/main" id="{44D32660-A961-2B67-3901-4F6CCD329CEF}"/>
               </a:ext>
             </a:extLst>
           </p:cNvPr>
@@ -9027,6 +9369,229 @@
     </p:spTree>
     <p:extLst>
       <p:ext uri="{BB962C8B-B14F-4D97-AF65-F5344CB8AC3E}">
+        <p14:creationId xmlns:p14="http://schemas.microsoft.com/office/powerpoint/2010/main" val="1306760113"/>
+      </p:ext>
+    </p:extLst>
+  </p:cSld>
+  <p:clrMapOvr>
+    <a:masterClrMapping/>
+  </p:clrMapOvr>
+</p:sld>
+</file>
+
+<file path=ppt/slides/slide15.xml><?xml version="1.0" encoding="utf-8"?>
+<p:sld xmlns:a="http://schemas.openxmlformats.org/drawingml/2006/main" xmlns:r="http://schemas.openxmlformats.org/officeDocument/2006/relationships" xmlns:p="http://schemas.openxmlformats.org/presentationml/2006/main">
+  <p:cSld>
+    <p:spTree>
+      <p:nvGrpSpPr>
+        <p:cNvPr id="1" name=""/>
+        <p:cNvGrpSpPr/>
+        <p:nvPr/>
+      </p:nvGrpSpPr>
+      <p:grpSpPr>
+        <a:xfrm>
+          <a:off x="0" y="0"/>
+          <a:ext cx="0" cy="0"/>
+          <a:chOff x="0" y="0"/>
+          <a:chExt cx="0" cy="0"/>
+        </a:xfrm>
+      </p:grpSpPr>
+      <p:sp>
+        <p:nvSpPr>
+          <p:cNvPr id="2" name="Title 1">
+            <a:extLst>
+              <a:ext uri="{FF2B5EF4-FFF2-40B4-BE49-F238E27FC236}">
+                <a16:creationId xmlns:a16="http://schemas.microsoft.com/office/drawing/2014/main" id="{E54BD568-A3DE-4D27-9652-A8CF021A9E7A}"/>
+              </a:ext>
+            </a:extLst>
+          </p:cNvPr>
+          <p:cNvSpPr>
+            <a:spLocks noGrp="1"/>
+          </p:cNvSpPr>
+          <p:nvPr>
+            <p:ph type="title"/>
+          </p:nvPr>
+        </p:nvSpPr>
+        <p:spPr>
+          <a:xfrm>
+            <a:off x="2470404" y="337710"/>
+            <a:ext cx="7269480" cy="1325562"/>
+          </a:xfrm>
+        </p:spPr>
+        <p:txBody>
+          <a:bodyPr/>
+          <a:lstStyle/>
+          <a:p>
+            <a:r>
+              <a:rPr lang="en-US" dirty="0"/>
+              <a:t> </a:t>
+            </a:r>
+          </a:p>
+        </p:txBody>
+      </p:sp>
+      <p:sp>
+        <p:nvSpPr>
+          <p:cNvPr id="4" name="Content Placeholder 3">
+            <a:extLst>
+              <a:ext uri="{FF2B5EF4-FFF2-40B4-BE49-F238E27FC236}">
+                <a16:creationId xmlns:a16="http://schemas.microsoft.com/office/drawing/2014/main" id="{AE68E5BA-C675-4302-ABDA-3EFDD6418FDE}"/>
+              </a:ext>
+            </a:extLst>
+          </p:cNvPr>
+          <p:cNvSpPr>
+            <a:spLocks noGrp="1"/>
+          </p:cNvSpPr>
+          <p:nvPr>
+            <p:ph idx="1"/>
+          </p:nvPr>
+        </p:nvSpPr>
+        <p:spPr>
+          <a:xfrm>
+            <a:off x="228600" y="1219200"/>
+            <a:ext cx="10668000" cy="4960939"/>
+          </a:xfrm>
+        </p:spPr>
+        <p:txBody>
+          <a:bodyPr>
+            <a:noAutofit/>
+          </a:bodyPr>
+          <a:lstStyle/>
+          <a:p>
+            <a:pPr marL="0" indent="0">
+              <a:buNone/>
+            </a:pPr>
+            <a:r>
+              <a:rPr lang="en-US" sz="2800" dirty="0">
+                <a:cs typeface="Times New Roman" panose="02020603050405020304" pitchFamily="18" charset="0"/>
+              </a:rPr>
+              <a:t>How do I get Copilot into RStudio? </a:t>
+            </a:r>
+          </a:p>
+          <a:p>
+            <a:pPr marL="0" indent="0">
+              <a:buNone/>
+            </a:pPr>
+            <a:r>
+              <a:rPr lang="en-US" sz="2800" dirty="0">
+                <a:cs typeface="Times New Roman" panose="02020603050405020304" pitchFamily="18" charset="0"/>
+              </a:rPr>
+              <a:t>Step 1: Accessing GitHub Copilot. Visit the GitHub Copilot page (once signed in): https://GitHub.com/features/copilot. Follow the instructions to enable Copilot for your account. </a:t>
+            </a:r>
+          </a:p>
+          <a:p>
+            <a:pPr marL="0" indent="0">
+              <a:buNone/>
+            </a:pPr>
+            <a:r>
+              <a:rPr lang="en-US" sz="2800" dirty="0">
+                <a:cs typeface="Times New Roman" panose="02020603050405020304" pitchFamily="18" charset="0"/>
+              </a:rPr>
+              <a:t>Step 2: Integrating GitHub with RStudio</a:t>
+            </a:r>
+          </a:p>
+          <a:p>
+            <a:pPr marL="0" indent="0">
+              <a:buNone/>
+            </a:pPr>
+            <a:r>
+              <a:rPr lang="en-US" sz="2800" dirty="0">
+                <a:cs typeface="Times New Roman" panose="02020603050405020304" pitchFamily="18" charset="0"/>
+              </a:rPr>
+              <a:t>1.	</a:t>
+            </a:r>
+            <a:r>
+              <a:rPr lang="en-US" sz="2400" dirty="0">
+                <a:cs typeface="Times New Roman" panose="02020603050405020304" pitchFamily="18" charset="0"/>
+              </a:rPr>
+              <a:t>After completing the above, open RStudio and go to `Tools` &gt; `Global Options`</a:t>
+            </a:r>
+          </a:p>
+          <a:p>
+            <a:pPr marL="0" indent="0">
+              <a:buNone/>
+            </a:pPr>
+            <a:r>
+              <a:rPr lang="en-US" sz="2400" dirty="0">
+                <a:cs typeface="Times New Roman" panose="02020603050405020304" pitchFamily="18" charset="0"/>
+              </a:rPr>
+              <a:t>2.	At the very bottom left, click the “Copilot” button with the GitHub cat icon</a:t>
+            </a:r>
+          </a:p>
+          <a:p>
+            <a:pPr marL="0" indent="0">
+              <a:buNone/>
+            </a:pPr>
+            <a:r>
+              <a:rPr lang="en-US" sz="2400" dirty="0">
+                <a:cs typeface="Times New Roman" panose="02020603050405020304" pitchFamily="18" charset="0"/>
+              </a:rPr>
+              <a:t>3.	Check the “Enable GitHub Copilot" button. You will need to sign into your GitHub account again and give permission for communication between RStudio and GitHub. </a:t>
+            </a:r>
+            <a:endParaRPr lang="en-US" sz="2800" dirty="0">
+              <a:cs typeface="Times New Roman" panose="02020603050405020304" pitchFamily="18" charset="0"/>
+            </a:endParaRPr>
+          </a:p>
+        </p:txBody>
+      </p:sp>
+      <p:sp>
+        <p:nvSpPr>
+          <p:cNvPr id="5" name="Title 1">
+            <a:extLst>
+              <a:ext uri="{FF2B5EF4-FFF2-40B4-BE49-F238E27FC236}">
+                <a16:creationId xmlns:a16="http://schemas.microsoft.com/office/drawing/2014/main" id="{9188A289-910E-45BF-9F49-22ADDCD09BA3}"/>
+              </a:ext>
+            </a:extLst>
+          </p:cNvPr>
+          <p:cNvSpPr txBox="1">
+            <a:spLocks/>
+          </p:cNvSpPr>
+          <p:nvPr/>
+        </p:nvSpPr>
+        <p:spPr>
+          <a:xfrm>
+            <a:off x="222389" y="365760"/>
+            <a:ext cx="10732123" cy="777240"/>
+          </a:xfrm>
+          <a:prstGeom prst="rect">
+            <a:avLst/>
+          </a:prstGeom>
+        </p:spPr>
+        <p:txBody>
+          <a:bodyPr vert="horz" lIns="91440" tIns="45720" rIns="91440" bIns="45720" rtlCol="0" anchor="b">
+            <a:normAutofit/>
+          </a:bodyPr>
+          <a:lstStyle>
+            <a:lvl1pPr algn="l" defTabSz="914400" rtl="0" eaLnBrk="1" latinLnBrk="0" hangingPunct="1">
+              <a:lnSpc>
+                <a:spcPct val="90000"/>
+              </a:lnSpc>
+              <a:spcBef>
+                <a:spcPct val="0"/>
+              </a:spcBef>
+              <a:buNone/>
+              <a:defRPr sz="4400" kern="1200" spc="-50" baseline="0">
+                <a:solidFill>
+                  <a:schemeClr val="tx1"/>
+                </a:solidFill>
+                <a:latin typeface="+mj-lt"/>
+                <a:ea typeface="+mj-ea"/>
+                <a:cs typeface="+mj-cs"/>
+              </a:defRPr>
+            </a:lvl1pPr>
+          </a:lstStyle>
+          <a:p>
+            <a:r>
+              <a:rPr lang="en-US" dirty="0">
+                <a:latin typeface="Times New Roman" panose="02020603050405020304" pitchFamily="18" charset="0"/>
+              </a:rPr>
+              <a:t>Installing R, RStudio, and Copilot</a:t>
+            </a:r>
+          </a:p>
+        </p:txBody>
+      </p:sp>
+    </p:spTree>
+    <p:extLst>
+      <p:ext uri="{BB962C8B-B14F-4D97-AF65-F5344CB8AC3E}">
         <p14:creationId xmlns:p14="http://schemas.microsoft.com/office/powerpoint/2010/main" val="4147474584"/>
       </p:ext>
     </p:extLst>
@@ -9037,7 +9602,1025 @@
 </p:sld>
 </file>
 
-<file path=ppt/slides/slide15.xml><?xml version="1.0" encoding="utf-8"?>
+<file path=ppt/slides/slide16.xml><?xml version="1.0" encoding="utf-8"?>
+<p:sld xmlns:a="http://schemas.openxmlformats.org/drawingml/2006/main" xmlns:r="http://schemas.openxmlformats.org/officeDocument/2006/relationships" xmlns:p="http://schemas.openxmlformats.org/presentationml/2006/main">
+  <p:cSld>
+    <p:spTree>
+      <p:nvGrpSpPr>
+        <p:cNvPr id="1" name="">
+          <a:extLst>
+            <a:ext uri="{FF2B5EF4-FFF2-40B4-BE49-F238E27FC236}">
+              <a16:creationId xmlns:a16="http://schemas.microsoft.com/office/drawing/2014/main" id="{ACFB7591-F0FD-5A4E-1A09-7FCE0482AA50}"/>
+            </a:ext>
+          </a:extLst>
+        </p:cNvPr>
+        <p:cNvGrpSpPr/>
+        <p:nvPr/>
+      </p:nvGrpSpPr>
+      <p:grpSpPr>
+        <a:xfrm>
+          <a:off x="0" y="0"/>
+          <a:ext cx="0" cy="0"/>
+          <a:chOff x="0" y="0"/>
+          <a:chExt cx="0" cy="0"/>
+        </a:xfrm>
+      </p:grpSpPr>
+      <p:sp>
+        <p:nvSpPr>
+          <p:cNvPr id="2" name="Title 1">
+            <a:extLst>
+              <a:ext uri="{FF2B5EF4-FFF2-40B4-BE49-F238E27FC236}">
+                <a16:creationId xmlns:a16="http://schemas.microsoft.com/office/drawing/2014/main" id="{E893C384-4380-72BA-8091-750AE25D1A38}"/>
+              </a:ext>
+            </a:extLst>
+          </p:cNvPr>
+          <p:cNvSpPr>
+            <a:spLocks noGrp="1"/>
+          </p:cNvSpPr>
+          <p:nvPr>
+            <p:ph type="title"/>
+          </p:nvPr>
+        </p:nvSpPr>
+        <p:spPr>
+          <a:xfrm>
+            <a:off x="2470404" y="337710"/>
+            <a:ext cx="7269480" cy="1325562"/>
+          </a:xfrm>
+        </p:spPr>
+        <p:txBody>
+          <a:bodyPr/>
+          <a:lstStyle/>
+          <a:p>
+            <a:r>
+              <a:rPr lang="en-US" dirty="0"/>
+              <a:t> </a:t>
+            </a:r>
+          </a:p>
+        </p:txBody>
+      </p:sp>
+      <p:sp>
+        <p:nvSpPr>
+          <p:cNvPr id="4" name="Content Placeholder 3">
+            <a:extLst>
+              <a:ext uri="{FF2B5EF4-FFF2-40B4-BE49-F238E27FC236}">
+                <a16:creationId xmlns:a16="http://schemas.microsoft.com/office/drawing/2014/main" id="{FC0976F2-5A75-A5AC-DA79-3D596E92E347}"/>
+              </a:ext>
+            </a:extLst>
+          </p:cNvPr>
+          <p:cNvSpPr>
+            <a:spLocks noGrp="1"/>
+          </p:cNvSpPr>
+          <p:nvPr>
+            <p:ph idx="1"/>
+          </p:nvPr>
+        </p:nvSpPr>
+        <p:spPr>
+          <a:xfrm>
+            <a:off x="228600" y="1219200"/>
+            <a:ext cx="10668000" cy="4960939"/>
+          </a:xfrm>
+        </p:spPr>
+        <p:txBody>
+          <a:bodyPr>
+            <a:noAutofit/>
+          </a:bodyPr>
+          <a:lstStyle/>
+          <a:p>
+            <a:pPr marL="0" indent="0">
+              <a:buNone/>
+            </a:pPr>
+            <a:r>
+              <a:rPr lang="en-US" sz="2800" dirty="0">
+                <a:cs typeface="Times New Roman" panose="02020603050405020304" pitchFamily="18" charset="0"/>
+              </a:rPr>
+              <a:t>Course policy on generative AI: use it carefully, take responsibility for your work (and learning), and do not plagiarize</a:t>
+            </a:r>
+          </a:p>
+          <a:p>
+            <a:pPr marL="0" indent="0">
+              <a:buNone/>
+            </a:pPr>
+            <a:r>
+              <a:rPr lang="en-US" sz="2800" dirty="0">
+                <a:cs typeface="Times New Roman" panose="02020603050405020304" pitchFamily="18" charset="0"/>
+              </a:rPr>
+              <a:t>Generative AI has </a:t>
+            </a:r>
+            <a:r>
+              <a:rPr lang="en-US" sz="2800" b="1" dirty="0">
+                <a:cs typeface="Times New Roman" panose="02020603050405020304" pitchFamily="18" charset="0"/>
+              </a:rPr>
+              <a:t>strengths </a:t>
+            </a:r>
+            <a:r>
+              <a:rPr lang="en-US" sz="2800" dirty="0">
+                <a:cs typeface="Times New Roman" panose="02020603050405020304" pitchFamily="18" charset="0"/>
+              </a:rPr>
+              <a:t>and </a:t>
+            </a:r>
+            <a:r>
+              <a:rPr lang="en-US" sz="2800" b="1" dirty="0">
+                <a:cs typeface="Times New Roman" panose="02020603050405020304" pitchFamily="18" charset="0"/>
+              </a:rPr>
+              <a:t>weaknesses</a:t>
+            </a:r>
+            <a:r>
+              <a:rPr lang="en-US" sz="2800" dirty="0">
+                <a:cs typeface="Times New Roman" panose="02020603050405020304" pitchFamily="18" charset="0"/>
+              </a:rPr>
+              <a:t> in quant research</a:t>
+            </a:r>
+          </a:p>
+          <a:p>
+            <a:pPr marL="0" indent="0">
+              <a:buNone/>
+            </a:pPr>
+            <a:endParaRPr lang="en-US" sz="2800" dirty="0">
+              <a:cs typeface="Times New Roman" panose="02020603050405020304" pitchFamily="18" charset="0"/>
+            </a:endParaRPr>
+          </a:p>
+        </p:txBody>
+      </p:sp>
+      <p:sp>
+        <p:nvSpPr>
+          <p:cNvPr id="5" name="Title 1">
+            <a:extLst>
+              <a:ext uri="{FF2B5EF4-FFF2-40B4-BE49-F238E27FC236}">
+                <a16:creationId xmlns:a16="http://schemas.microsoft.com/office/drawing/2014/main" id="{B78E58F5-C9A4-4041-DC15-D6C68385CF61}"/>
+              </a:ext>
+            </a:extLst>
+          </p:cNvPr>
+          <p:cNvSpPr txBox="1">
+            <a:spLocks/>
+          </p:cNvSpPr>
+          <p:nvPr/>
+        </p:nvSpPr>
+        <p:spPr>
+          <a:xfrm>
+            <a:off x="222389" y="365760"/>
+            <a:ext cx="10732123" cy="777240"/>
+          </a:xfrm>
+          <a:prstGeom prst="rect">
+            <a:avLst/>
+          </a:prstGeom>
+        </p:spPr>
+        <p:txBody>
+          <a:bodyPr vert="horz" lIns="91440" tIns="45720" rIns="91440" bIns="45720" rtlCol="0" anchor="b">
+            <a:normAutofit/>
+          </a:bodyPr>
+          <a:lstStyle>
+            <a:lvl1pPr algn="l" defTabSz="914400" rtl="0" eaLnBrk="1" latinLnBrk="0" hangingPunct="1">
+              <a:lnSpc>
+                <a:spcPct val="90000"/>
+              </a:lnSpc>
+              <a:spcBef>
+                <a:spcPct val="0"/>
+              </a:spcBef>
+              <a:buNone/>
+              <a:defRPr sz="4400" kern="1200" spc="-50" baseline="0">
+                <a:solidFill>
+                  <a:schemeClr val="tx1"/>
+                </a:solidFill>
+                <a:latin typeface="+mj-lt"/>
+                <a:ea typeface="+mj-ea"/>
+                <a:cs typeface="+mj-cs"/>
+              </a:defRPr>
+            </a:lvl1pPr>
+          </a:lstStyle>
+          <a:p>
+            <a:r>
+              <a:rPr lang="en-US" dirty="0">
+                <a:latin typeface="Times New Roman" panose="02020603050405020304" pitchFamily="18" charset="0"/>
+              </a:rPr>
+              <a:t>What about Chat-GPT? </a:t>
+            </a:r>
+          </a:p>
+        </p:txBody>
+      </p:sp>
+      <p:pic>
+        <p:nvPicPr>
+          <p:cNvPr id="6" name="Picture 5">
+            <a:extLst>
+              <a:ext uri="{FF2B5EF4-FFF2-40B4-BE49-F238E27FC236}">
+                <a16:creationId xmlns:a16="http://schemas.microsoft.com/office/drawing/2014/main" id="{4536DE50-FB48-DA09-D74C-748E314E745F}"/>
+              </a:ext>
+            </a:extLst>
+          </p:cNvPr>
+          <p:cNvPicPr>
+            <a:picLocks noChangeAspect="1"/>
+          </p:cNvPicPr>
+          <p:nvPr/>
+        </p:nvPicPr>
+        <p:blipFill>
+          <a:blip r:embed="rId3"/>
+          <a:stretch>
+            <a:fillRect/>
+          </a:stretch>
+        </p:blipFill>
+        <p:spPr>
+          <a:xfrm>
+            <a:off x="304800" y="2667000"/>
+            <a:ext cx="9067800" cy="4297785"/>
+          </a:xfrm>
+          <a:prstGeom prst="rect">
+            <a:avLst/>
+          </a:prstGeom>
+        </p:spPr>
+      </p:pic>
+    </p:spTree>
+    <p:extLst>
+      <p:ext uri="{BB962C8B-B14F-4D97-AF65-F5344CB8AC3E}">
+        <p14:creationId xmlns:p14="http://schemas.microsoft.com/office/powerpoint/2010/main" val="878995478"/>
+      </p:ext>
+    </p:extLst>
+  </p:cSld>
+  <p:clrMapOvr>
+    <a:masterClrMapping/>
+  </p:clrMapOvr>
+</p:sld>
+</file>
+
+<file path=ppt/slides/slide17.xml><?xml version="1.0" encoding="utf-8"?>
+<p:sld xmlns:a="http://schemas.openxmlformats.org/drawingml/2006/main" xmlns:r="http://schemas.openxmlformats.org/officeDocument/2006/relationships" xmlns:p="http://schemas.openxmlformats.org/presentationml/2006/main">
+  <p:cSld>
+    <p:spTree>
+      <p:nvGrpSpPr>
+        <p:cNvPr id="1" name="">
+          <a:extLst>
+            <a:ext uri="{FF2B5EF4-FFF2-40B4-BE49-F238E27FC236}">
+              <a16:creationId xmlns:a16="http://schemas.microsoft.com/office/drawing/2014/main" id="{522C22CE-DA7B-FCDC-95B9-CA557AAA4D46}"/>
+            </a:ext>
+          </a:extLst>
+        </p:cNvPr>
+        <p:cNvGrpSpPr/>
+        <p:nvPr/>
+      </p:nvGrpSpPr>
+      <p:grpSpPr>
+        <a:xfrm>
+          <a:off x="0" y="0"/>
+          <a:ext cx="0" cy="0"/>
+          <a:chOff x="0" y="0"/>
+          <a:chExt cx="0" cy="0"/>
+        </a:xfrm>
+      </p:grpSpPr>
+      <p:sp>
+        <p:nvSpPr>
+          <p:cNvPr id="2" name="Title 1">
+            <a:extLst>
+              <a:ext uri="{FF2B5EF4-FFF2-40B4-BE49-F238E27FC236}">
+                <a16:creationId xmlns:a16="http://schemas.microsoft.com/office/drawing/2014/main" id="{BFE30900-102F-847F-883F-B464607C284F}"/>
+              </a:ext>
+            </a:extLst>
+          </p:cNvPr>
+          <p:cNvSpPr>
+            <a:spLocks noGrp="1"/>
+          </p:cNvSpPr>
+          <p:nvPr>
+            <p:ph type="title"/>
+          </p:nvPr>
+        </p:nvSpPr>
+        <p:spPr>
+          <a:xfrm>
+            <a:off x="2470404" y="337710"/>
+            <a:ext cx="7269480" cy="1325562"/>
+          </a:xfrm>
+        </p:spPr>
+        <p:txBody>
+          <a:bodyPr/>
+          <a:lstStyle/>
+          <a:p>
+            <a:r>
+              <a:rPr lang="en-US" dirty="0"/>
+              <a:t> </a:t>
+            </a:r>
+          </a:p>
+        </p:txBody>
+      </p:sp>
+      <p:sp>
+        <p:nvSpPr>
+          <p:cNvPr id="4" name="Content Placeholder 3">
+            <a:extLst>
+              <a:ext uri="{FF2B5EF4-FFF2-40B4-BE49-F238E27FC236}">
+                <a16:creationId xmlns:a16="http://schemas.microsoft.com/office/drawing/2014/main" id="{565DB682-5123-8B8F-3A01-5C5DD9934A9F}"/>
+              </a:ext>
+            </a:extLst>
+          </p:cNvPr>
+          <p:cNvSpPr>
+            <a:spLocks noGrp="1"/>
+          </p:cNvSpPr>
+          <p:nvPr>
+            <p:ph idx="1"/>
+          </p:nvPr>
+        </p:nvSpPr>
+        <p:spPr>
+          <a:xfrm>
+            <a:off x="228600" y="1219200"/>
+            <a:ext cx="10668000" cy="4960939"/>
+          </a:xfrm>
+        </p:spPr>
+        <p:txBody>
+          <a:bodyPr>
+            <a:noAutofit/>
+          </a:bodyPr>
+          <a:lstStyle/>
+          <a:p>
+            <a:pPr marL="0" indent="0">
+              <a:buNone/>
+            </a:pPr>
+            <a:r>
+              <a:rPr lang="en-US" sz="2800" dirty="0">
+                <a:cs typeface="Times New Roman" panose="02020603050405020304" pitchFamily="18" charset="0"/>
+              </a:rPr>
+              <a:t>Course policy on generative AI: use it carefully, take responsibility for your work (and learning), and do not plagiarize</a:t>
+            </a:r>
+          </a:p>
+          <a:p>
+            <a:pPr marL="0" indent="0">
+              <a:buNone/>
+            </a:pPr>
+            <a:r>
+              <a:rPr lang="en-US" sz="2800" dirty="0">
+                <a:cs typeface="Times New Roman" panose="02020603050405020304" pitchFamily="18" charset="0"/>
+              </a:rPr>
+              <a:t>Generative AI has </a:t>
+            </a:r>
+            <a:r>
+              <a:rPr lang="en-US" sz="2800" b="1" dirty="0">
+                <a:cs typeface="Times New Roman" panose="02020603050405020304" pitchFamily="18" charset="0"/>
+              </a:rPr>
+              <a:t>strengths </a:t>
+            </a:r>
+            <a:r>
+              <a:rPr lang="en-US" sz="2800" dirty="0">
+                <a:cs typeface="Times New Roman" panose="02020603050405020304" pitchFamily="18" charset="0"/>
+              </a:rPr>
+              <a:t>and </a:t>
+            </a:r>
+            <a:r>
+              <a:rPr lang="en-US" sz="2800" b="1" dirty="0">
+                <a:cs typeface="Times New Roman" panose="02020603050405020304" pitchFamily="18" charset="0"/>
+              </a:rPr>
+              <a:t>weaknesses</a:t>
+            </a:r>
+            <a:r>
+              <a:rPr lang="en-US" sz="2800" dirty="0">
+                <a:cs typeface="Times New Roman" panose="02020603050405020304" pitchFamily="18" charset="0"/>
+              </a:rPr>
+              <a:t> in quant research</a:t>
+            </a:r>
+          </a:p>
+          <a:p>
+            <a:pPr marL="0" indent="0">
+              <a:buNone/>
+            </a:pPr>
+            <a:endParaRPr lang="en-US" sz="2800" dirty="0">
+              <a:cs typeface="Times New Roman" panose="02020603050405020304" pitchFamily="18" charset="0"/>
+            </a:endParaRPr>
+          </a:p>
+        </p:txBody>
+      </p:sp>
+      <p:sp>
+        <p:nvSpPr>
+          <p:cNvPr id="5" name="Title 1">
+            <a:extLst>
+              <a:ext uri="{FF2B5EF4-FFF2-40B4-BE49-F238E27FC236}">
+                <a16:creationId xmlns:a16="http://schemas.microsoft.com/office/drawing/2014/main" id="{59CED9AE-9FD1-F24B-AAA4-A145C86ED1FF}"/>
+              </a:ext>
+            </a:extLst>
+          </p:cNvPr>
+          <p:cNvSpPr txBox="1">
+            <a:spLocks/>
+          </p:cNvSpPr>
+          <p:nvPr/>
+        </p:nvSpPr>
+        <p:spPr>
+          <a:xfrm>
+            <a:off x="222389" y="365760"/>
+            <a:ext cx="10732123" cy="777240"/>
+          </a:xfrm>
+          <a:prstGeom prst="rect">
+            <a:avLst/>
+          </a:prstGeom>
+        </p:spPr>
+        <p:txBody>
+          <a:bodyPr vert="horz" lIns="91440" tIns="45720" rIns="91440" bIns="45720" rtlCol="0" anchor="b">
+            <a:normAutofit/>
+          </a:bodyPr>
+          <a:lstStyle>
+            <a:lvl1pPr algn="l" defTabSz="914400" rtl="0" eaLnBrk="1" latinLnBrk="0" hangingPunct="1">
+              <a:lnSpc>
+                <a:spcPct val="90000"/>
+              </a:lnSpc>
+              <a:spcBef>
+                <a:spcPct val="0"/>
+              </a:spcBef>
+              <a:buNone/>
+              <a:defRPr sz="4400" kern="1200" spc="-50" baseline="0">
+                <a:solidFill>
+                  <a:schemeClr val="tx1"/>
+                </a:solidFill>
+                <a:latin typeface="+mj-lt"/>
+                <a:ea typeface="+mj-ea"/>
+                <a:cs typeface="+mj-cs"/>
+              </a:defRPr>
+            </a:lvl1pPr>
+          </a:lstStyle>
+          <a:p>
+            <a:r>
+              <a:rPr lang="en-US" dirty="0">
+                <a:latin typeface="Times New Roman" panose="02020603050405020304" pitchFamily="18" charset="0"/>
+              </a:rPr>
+              <a:t>What about Chat-GPT? </a:t>
+            </a:r>
+          </a:p>
+        </p:txBody>
+      </p:sp>
+      <p:sp>
+        <p:nvSpPr>
+          <p:cNvPr id="7" name="Rectangle 1">
+            <a:extLst>
+              <a:ext uri="{FF2B5EF4-FFF2-40B4-BE49-F238E27FC236}">
+                <a16:creationId xmlns:a16="http://schemas.microsoft.com/office/drawing/2014/main" id="{F21EE1B4-A701-CEC3-3517-9D157C9A1CAA}"/>
+              </a:ext>
+            </a:extLst>
+          </p:cNvPr>
+          <p:cNvSpPr>
+            <a:spLocks noChangeArrowheads="1"/>
+          </p:cNvSpPr>
+          <p:nvPr/>
+        </p:nvSpPr>
+        <p:spPr bwMode="auto">
+          <a:xfrm>
+            <a:off x="222389" y="2840019"/>
+            <a:ext cx="10846931" cy="3416320"/>
+          </a:xfrm>
+          <a:prstGeom prst="rect">
+            <a:avLst/>
+          </a:prstGeom>
+          <a:solidFill>
+            <a:schemeClr val="accent3"/>
+          </a:solidFill>
+          <a:ln>
+            <a:solidFill>
+              <a:schemeClr val="accent3">
+                <a:lumMod val="50000"/>
+              </a:schemeClr>
+            </a:solidFill>
+          </a:ln>
+          <a:effectLst/>
+        </p:spPr>
+        <p:txBody>
+          <a:bodyPr vert="horz" wrap="square" lIns="91440" tIns="45720" rIns="91440" bIns="45720" numCol="1" anchor="ctr" anchorCtr="0" compatLnSpc="1">
+            <a:prstTxWarp prst="textNoShape">
+              <a:avLst/>
+            </a:prstTxWarp>
+            <a:spAutoFit/>
+          </a:bodyPr>
+          <a:lstStyle/>
+          <a:p>
+            <a:pPr marL="0" marR="0" lvl="0" indent="0" algn="l" defTabSz="914400" rtl="0" eaLnBrk="0" fontAlgn="base" latinLnBrk="0" hangingPunct="0">
+              <a:lnSpc>
+                <a:spcPct val="100000"/>
+              </a:lnSpc>
+              <a:spcBef>
+                <a:spcPct val="0"/>
+              </a:spcBef>
+              <a:spcAft>
+                <a:spcPct val="0"/>
+              </a:spcAft>
+              <a:buClrTx/>
+              <a:buSzTx/>
+              <a:buFontTx/>
+              <a:buNone/>
+              <a:tabLst/>
+            </a:pPr>
+            <a:r>
+              <a:rPr lang="en-US" altLang="en-US" sz="1200" dirty="0">
+                <a:solidFill>
+                  <a:schemeClr val="bg1"/>
+                </a:solidFill>
+                <a:latin typeface="Aptos" panose="020B0004020202020204" pitchFamily="34" charset="0"/>
+              </a:rPr>
+              <a:t>Q: Why are confidence intervals narrower when sample size increases?</a:t>
+            </a:r>
+          </a:p>
+          <a:p>
+            <a:pPr marL="0" marR="0" lvl="0" indent="0" algn="l" defTabSz="914400" rtl="0" eaLnBrk="0" fontAlgn="base" latinLnBrk="0" hangingPunct="0">
+              <a:lnSpc>
+                <a:spcPct val="100000"/>
+              </a:lnSpc>
+              <a:spcBef>
+                <a:spcPct val="0"/>
+              </a:spcBef>
+              <a:spcAft>
+                <a:spcPct val="0"/>
+              </a:spcAft>
+              <a:buClrTx/>
+              <a:buSzTx/>
+              <a:buFontTx/>
+              <a:buNone/>
+              <a:tabLst/>
+            </a:pPr>
+            <a:r>
+              <a:rPr kumimoji="0" lang="en-US" altLang="en-US" sz="1200" b="0" i="0" u="none" strike="noStrike" cap="none" normalizeH="0" baseline="0" dirty="0">
+                <a:ln>
+                  <a:noFill/>
+                </a:ln>
+                <a:solidFill>
+                  <a:schemeClr val="bg1"/>
+                </a:solidFill>
+                <a:effectLst/>
+                <a:latin typeface="Aptos" panose="020B0004020202020204" pitchFamily="34" charset="0"/>
+              </a:rPr>
+              <a:t>A: Confidence intervals become narrower as the sample size increases because larger sample sizes reduce the </a:t>
+            </a:r>
+            <a:r>
+              <a:rPr kumimoji="0" lang="en-US" altLang="en-US" sz="1200" b="1" i="0" u="none" strike="noStrike" cap="none" normalizeH="0" baseline="0" dirty="0">
+                <a:ln>
+                  <a:noFill/>
+                </a:ln>
+                <a:solidFill>
+                  <a:schemeClr val="bg1"/>
+                </a:solidFill>
+                <a:effectLst/>
+                <a:latin typeface="Aptos" panose="020B0004020202020204" pitchFamily="34" charset="0"/>
+              </a:rPr>
+              <a:t>standard error</a:t>
+            </a:r>
+            <a:r>
+              <a:rPr kumimoji="0" lang="en-US" altLang="en-US" sz="1200" b="0" i="0" u="none" strike="noStrike" cap="none" normalizeH="0" baseline="0" dirty="0">
+                <a:ln>
+                  <a:noFill/>
+                </a:ln>
+                <a:solidFill>
+                  <a:schemeClr val="bg1"/>
+                </a:solidFill>
+                <a:effectLst/>
+                <a:latin typeface="Aptos" panose="020B0004020202020204" pitchFamily="34" charset="0"/>
+              </a:rPr>
+              <a:t> of the estimated parameter, which directly affects the width of the confidence interval. </a:t>
+            </a:r>
+          </a:p>
+          <a:p>
+            <a:pPr marL="0" marR="0" lvl="0" indent="0" algn="l" defTabSz="914400" rtl="0" eaLnBrk="0" fontAlgn="base" latinLnBrk="0" hangingPunct="0">
+              <a:lnSpc>
+                <a:spcPct val="100000"/>
+              </a:lnSpc>
+              <a:spcBef>
+                <a:spcPct val="0"/>
+              </a:spcBef>
+              <a:spcAft>
+                <a:spcPct val="0"/>
+              </a:spcAft>
+              <a:buClrTx/>
+              <a:buSzTx/>
+              <a:buFontTx/>
+              <a:buNone/>
+              <a:tabLst/>
+            </a:pPr>
+            <a:endParaRPr kumimoji="0" lang="en-US" altLang="en-US" sz="1200" b="1" i="0" u="none" strike="noStrike" cap="none" normalizeH="0" baseline="0" dirty="0">
+              <a:ln>
+                <a:noFill/>
+              </a:ln>
+              <a:solidFill>
+                <a:schemeClr val="bg1"/>
+              </a:solidFill>
+              <a:effectLst/>
+              <a:latin typeface="Aptos" panose="020B0004020202020204" pitchFamily="34" charset="0"/>
+            </a:endParaRPr>
+          </a:p>
+          <a:p>
+            <a:pPr marL="0" marR="0" lvl="0" indent="0" algn="l" defTabSz="914400" rtl="0" eaLnBrk="0" fontAlgn="base" latinLnBrk="0" hangingPunct="0">
+              <a:lnSpc>
+                <a:spcPct val="100000"/>
+              </a:lnSpc>
+              <a:spcBef>
+                <a:spcPct val="0"/>
+              </a:spcBef>
+              <a:spcAft>
+                <a:spcPct val="0"/>
+              </a:spcAft>
+              <a:buClrTx/>
+              <a:buSzTx/>
+              <a:buFontTx/>
+              <a:buNone/>
+              <a:tabLst/>
+            </a:pPr>
+            <a:r>
+              <a:rPr kumimoji="0" lang="en-US" altLang="en-US" sz="1200" b="1" i="0" u="none" strike="noStrike" cap="none" normalizeH="0" baseline="0" dirty="0">
+                <a:ln>
+                  <a:noFill/>
+                </a:ln>
+                <a:solidFill>
+                  <a:schemeClr val="bg1"/>
+                </a:solidFill>
+                <a:effectLst/>
+                <a:latin typeface="Aptos" panose="020B0004020202020204" pitchFamily="34" charset="0"/>
+              </a:rPr>
+              <a:t>Standard Error Decreases with Larger Samples</a:t>
+            </a:r>
+          </a:p>
+          <a:p>
+            <a:pPr marL="0" marR="0" lvl="0" indent="0" algn="l" defTabSz="914400" rtl="0" eaLnBrk="0" fontAlgn="base" latinLnBrk="0" hangingPunct="0">
+              <a:lnSpc>
+                <a:spcPct val="100000"/>
+              </a:lnSpc>
+              <a:spcBef>
+                <a:spcPct val="0"/>
+              </a:spcBef>
+              <a:spcAft>
+                <a:spcPct val="0"/>
+              </a:spcAft>
+              <a:buClrTx/>
+              <a:buSzTx/>
+              <a:buFontTx/>
+              <a:buNone/>
+              <a:tabLst/>
+            </a:pPr>
+            <a:r>
+              <a:rPr kumimoji="0" lang="en-US" altLang="en-US" sz="1200" b="0" i="0" u="none" strike="noStrike" cap="none" normalizeH="0" baseline="0" dirty="0">
+                <a:ln>
+                  <a:noFill/>
+                </a:ln>
+                <a:solidFill>
+                  <a:schemeClr val="bg1"/>
+                </a:solidFill>
+                <a:effectLst/>
+                <a:latin typeface="Aptos" panose="020B0004020202020204" pitchFamily="34" charset="0"/>
+              </a:rPr>
+              <a:t>The </a:t>
+            </a:r>
+            <a:r>
+              <a:rPr kumimoji="0" lang="en-US" altLang="en-US" sz="1200" b="1" i="0" u="none" strike="noStrike" cap="none" normalizeH="0" baseline="0" dirty="0">
+                <a:ln>
+                  <a:noFill/>
+                </a:ln>
+                <a:solidFill>
+                  <a:schemeClr val="bg1"/>
+                </a:solidFill>
+                <a:effectLst/>
+                <a:latin typeface="Aptos" panose="020B0004020202020204" pitchFamily="34" charset="0"/>
+              </a:rPr>
+              <a:t>standard error (SE)</a:t>
+            </a:r>
+            <a:r>
+              <a:rPr kumimoji="0" lang="en-US" altLang="en-US" sz="1200" b="0" i="0" u="none" strike="noStrike" cap="none" normalizeH="0" baseline="0" dirty="0">
+                <a:ln>
+                  <a:noFill/>
+                </a:ln>
+                <a:solidFill>
+                  <a:schemeClr val="bg1"/>
+                </a:solidFill>
+                <a:effectLst/>
+                <a:latin typeface="Aptos" panose="020B0004020202020204" pitchFamily="34" charset="0"/>
+              </a:rPr>
+              <a:t> measures the variability or uncertainty in the estimate of a parameter (e.g., the mean or regression coefficient). For a sample mean, the formula for the standard error is:</a:t>
+            </a:r>
+          </a:p>
+          <a:p>
+            <a:pPr marL="0" marR="0" lvl="0" indent="0" algn="l" defTabSz="914400" rtl="0" eaLnBrk="0" fontAlgn="base" latinLnBrk="0" hangingPunct="0">
+              <a:lnSpc>
+                <a:spcPct val="100000"/>
+              </a:lnSpc>
+              <a:spcBef>
+                <a:spcPct val="0"/>
+              </a:spcBef>
+              <a:spcAft>
+                <a:spcPct val="0"/>
+              </a:spcAft>
+              <a:buClrTx/>
+              <a:buSzTx/>
+              <a:buFontTx/>
+              <a:buNone/>
+              <a:tabLst/>
+            </a:pPr>
+            <a:r>
+              <a:rPr kumimoji="0" lang="en-US" altLang="en-US" sz="1200" b="0" i="0" u="none" strike="noStrike" cap="none" normalizeH="0" baseline="0" dirty="0">
+                <a:ln>
+                  <a:noFill/>
+                </a:ln>
+                <a:solidFill>
+                  <a:schemeClr val="bg1"/>
+                </a:solidFill>
+                <a:effectLst/>
+                <a:latin typeface="Aptos" panose="020B0004020202020204" pitchFamily="34" charset="0"/>
+              </a:rPr>
+              <a:t>SE=</a:t>
+            </a:r>
+            <a:r>
+              <a:rPr kumimoji="0" lang="en-US" altLang="en-US" sz="1200" b="0" i="0" u="none" strike="noStrike" cap="none" normalizeH="0" baseline="0" dirty="0" err="1">
+                <a:ln>
+                  <a:noFill/>
+                </a:ln>
+                <a:solidFill>
+                  <a:schemeClr val="bg1"/>
+                </a:solidFill>
+                <a:effectLst/>
+                <a:latin typeface="Aptos" panose="020B0004020202020204" pitchFamily="34" charset="0"/>
+              </a:rPr>
+              <a:t>σnSE</a:t>
+            </a:r>
+            <a:r>
+              <a:rPr kumimoji="0" lang="en-US" altLang="en-US" sz="1200" b="0" i="0" u="none" strike="noStrike" cap="none" normalizeH="0" baseline="0" dirty="0">
+                <a:ln>
+                  <a:noFill/>
+                </a:ln>
+                <a:solidFill>
+                  <a:schemeClr val="bg1"/>
+                </a:solidFill>
+                <a:effectLst/>
+                <a:latin typeface="Aptos" panose="020B0004020202020204" pitchFamily="34" charset="0"/>
+              </a:rPr>
+              <a:t> = \frac{\sigma}{\sqrt{n}} </a:t>
+            </a:r>
+          </a:p>
+          <a:p>
+            <a:pPr marL="0" marR="0" lvl="0" indent="0" algn="l" defTabSz="914400" rtl="0" eaLnBrk="0" fontAlgn="base" latinLnBrk="0" hangingPunct="0">
+              <a:lnSpc>
+                <a:spcPct val="100000"/>
+              </a:lnSpc>
+              <a:spcBef>
+                <a:spcPct val="0"/>
+              </a:spcBef>
+              <a:spcAft>
+                <a:spcPct val="0"/>
+              </a:spcAft>
+              <a:buClrTx/>
+              <a:buSzTx/>
+              <a:buFontTx/>
+              <a:buNone/>
+              <a:tabLst/>
+            </a:pPr>
+            <a:r>
+              <a:rPr kumimoji="0" lang="en-US" altLang="en-US" sz="1200" b="0" i="0" u="none" strike="noStrike" cap="none" normalizeH="0" baseline="0" dirty="0">
+                <a:ln>
+                  <a:noFill/>
+                </a:ln>
+                <a:solidFill>
+                  <a:schemeClr val="bg1"/>
+                </a:solidFill>
+                <a:effectLst/>
+                <a:latin typeface="Aptos" panose="020B0004020202020204" pitchFamily="34" charset="0"/>
+              </a:rPr>
+              <a:t>Where:</a:t>
+            </a:r>
+          </a:p>
+          <a:p>
+            <a:pPr marL="0" marR="0" lvl="0" indent="0" algn="l" defTabSz="914400" rtl="0" eaLnBrk="0" fontAlgn="base" latinLnBrk="0" hangingPunct="0">
+              <a:lnSpc>
+                <a:spcPct val="100000"/>
+              </a:lnSpc>
+              <a:spcBef>
+                <a:spcPct val="0"/>
+              </a:spcBef>
+              <a:spcAft>
+                <a:spcPct val="0"/>
+              </a:spcAft>
+              <a:buClrTx/>
+              <a:buSzTx/>
+              <a:buFontTx/>
+              <a:buChar char="•"/>
+              <a:tabLst/>
+            </a:pPr>
+            <a:r>
+              <a:rPr kumimoji="0" lang="en-US" altLang="en-US" sz="1200" b="0" i="0" u="none" strike="noStrike" cap="none" normalizeH="0" baseline="0" dirty="0">
+                <a:ln>
+                  <a:noFill/>
+                </a:ln>
+                <a:solidFill>
+                  <a:schemeClr val="bg1"/>
+                </a:solidFill>
+                <a:effectLst/>
+                <a:latin typeface="Aptos" panose="020B0004020202020204" pitchFamily="34" charset="0"/>
+              </a:rPr>
+              <a:t>σ\sigma is the population standard deviation (assumed constant), </a:t>
+            </a:r>
+          </a:p>
+          <a:p>
+            <a:pPr marL="0" marR="0" lvl="0" indent="0" algn="l" defTabSz="914400" rtl="0" eaLnBrk="0" fontAlgn="base" latinLnBrk="0" hangingPunct="0">
+              <a:lnSpc>
+                <a:spcPct val="100000"/>
+              </a:lnSpc>
+              <a:spcBef>
+                <a:spcPct val="0"/>
+              </a:spcBef>
+              <a:spcAft>
+                <a:spcPct val="0"/>
+              </a:spcAft>
+              <a:buClrTx/>
+              <a:buSzTx/>
+              <a:buFontTx/>
+              <a:buChar char="•"/>
+              <a:tabLst/>
+            </a:pPr>
+            <a:r>
+              <a:rPr lang="en-US" altLang="en-US" sz="1200" dirty="0">
+                <a:solidFill>
+                  <a:schemeClr val="bg1"/>
+                </a:solidFill>
+                <a:latin typeface="Aptos" panose="020B0004020202020204" pitchFamily="34" charset="0"/>
+              </a:rPr>
+              <a:t>\sqrt{</a:t>
+            </a:r>
+            <a:r>
+              <a:rPr kumimoji="0" lang="en-US" altLang="en-US" sz="1200" b="0" i="0" u="none" strike="noStrike" cap="none" normalizeH="0" baseline="0" dirty="0">
+                <a:ln>
+                  <a:noFill/>
+                </a:ln>
+                <a:solidFill>
+                  <a:schemeClr val="bg1"/>
+                </a:solidFill>
+                <a:effectLst/>
+                <a:latin typeface="Aptos" panose="020B0004020202020204" pitchFamily="34" charset="0"/>
+              </a:rPr>
+              <a:t>n} is the sample size. </a:t>
+            </a:r>
+          </a:p>
+          <a:p>
+            <a:pPr marL="0" marR="0" lvl="0" indent="0" algn="l" defTabSz="914400" rtl="0" eaLnBrk="0" fontAlgn="base" latinLnBrk="0" hangingPunct="0">
+              <a:lnSpc>
+                <a:spcPct val="100000"/>
+              </a:lnSpc>
+              <a:spcBef>
+                <a:spcPct val="0"/>
+              </a:spcBef>
+              <a:spcAft>
+                <a:spcPct val="0"/>
+              </a:spcAft>
+              <a:buClrTx/>
+              <a:buSzTx/>
+              <a:buFontTx/>
+              <a:buNone/>
+              <a:tabLst/>
+            </a:pPr>
+            <a:r>
+              <a:rPr kumimoji="0" lang="en-US" altLang="en-US" sz="1200" b="0" i="0" u="none" strike="noStrike" cap="none" normalizeH="0" baseline="0" dirty="0">
+                <a:ln>
+                  <a:noFill/>
+                </a:ln>
+                <a:solidFill>
+                  <a:schemeClr val="bg1"/>
+                </a:solidFill>
+                <a:effectLst/>
+                <a:latin typeface="Aptos" panose="020B0004020202020204" pitchFamily="34" charset="0"/>
+              </a:rPr>
+              <a:t>As the sample size n increases, the denominator \sqrt{n} becomes larger, causing the standard error to decrease. A smaller standard error means that the estimate is more precise.</a:t>
+            </a:r>
+            <a:endParaRPr kumimoji="0" lang="en-US" altLang="en-US" sz="1200" b="1" i="0" u="none" strike="noStrike" cap="none" normalizeH="0" baseline="0" dirty="0">
+              <a:ln>
+                <a:noFill/>
+              </a:ln>
+              <a:solidFill>
+                <a:schemeClr val="bg1"/>
+              </a:solidFill>
+              <a:effectLst/>
+              <a:latin typeface="Aptos" panose="020B0004020202020204" pitchFamily="34" charset="0"/>
+            </a:endParaRPr>
+          </a:p>
+          <a:p>
+            <a:pPr marL="0" marR="0" lvl="0" indent="0" algn="l" defTabSz="914400" rtl="0" eaLnBrk="0" fontAlgn="base" latinLnBrk="0" hangingPunct="0">
+              <a:lnSpc>
+                <a:spcPct val="100000"/>
+              </a:lnSpc>
+              <a:spcBef>
+                <a:spcPct val="0"/>
+              </a:spcBef>
+              <a:spcAft>
+                <a:spcPct val="0"/>
+              </a:spcAft>
+              <a:buClrTx/>
+              <a:buSzTx/>
+              <a:buFontTx/>
+              <a:buNone/>
+              <a:tabLst/>
+            </a:pPr>
+            <a:endParaRPr kumimoji="0" lang="en-US" altLang="en-US" sz="1200" b="1" i="0" u="none" strike="noStrike" cap="none" normalizeH="0" baseline="0" dirty="0">
+              <a:ln>
+                <a:noFill/>
+              </a:ln>
+              <a:solidFill>
+                <a:schemeClr val="bg1"/>
+              </a:solidFill>
+              <a:effectLst/>
+              <a:latin typeface="Aptos" panose="020B0004020202020204" pitchFamily="34" charset="0"/>
+            </a:endParaRPr>
+          </a:p>
+          <a:p>
+            <a:pPr marL="0" marR="0" lvl="0" indent="0" algn="l" defTabSz="914400" rtl="0" eaLnBrk="0" fontAlgn="base" latinLnBrk="0" hangingPunct="0">
+              <a:lnSpc>
+                <a:spcPct val="100000"/>
+              </a:lnSpc>
+              <a:spcBef>
+                <a:spcPct val="0"/>
+              </a:spcBef>
+              <a:spcAft>
+                <a:spcPct val="0"/>
+              </a:spcAft>
+              <a:buClrTx/>
+              <a:buSzTx/>
+              <a:buFontTx/>
+              <a:buNone/>
+              <a:tabLst/>
+            </a:pPr>
+            <a:r>
+              <a:rPr kumimoji="0" lang="en-US" altLang="en-US" sz="1200" b="1" i="0" u="none" strike="noStrike" cap="none" normalizeH="0" baseline="0" dirty="0">
+                <a:ln>
+                  <a:noFill/>
+                </a:ln>
+                <a:solidFill>
+                  <a:schemeClr val="bg1"/>
+                </a:solidFill>
+                <a:effectLst/>
+                <a:latin typeface="Aptos" panose="020B0004020202020204" pitchFamily="34" charset="0"/>
+              </a:rPr>
+              <a:t>Intuition: More Data Reduces Uncertainty</a:t>
+            </a:r>
+          </a:p>
+          <a:p>
+            <a:pPr marL="0" marR="0" lvl="0" indent="0" algn="l" defTabSz="914400" rtl="0" eaLnBrk="0" fontAlgn="base" latinLnBrk="0" hangingPunct="0">
+              <a:lnSpc>
+                <a:spcPct val="100000"/>
+              </a:lnSpc>
+              <a:spcBef>
+                <a:spcPct val="0"/>
+              </a:spcBef>
+              <a:spcAft>
+                <a:spcPct val="0"/>
+              </a:spcAft>
+              <a:buClrTx/>
+              <a:buSzTx/>
+              <a:buFontTx/>
+              <a:buNone/>
+              <a:tabLst/>
+            </a:pPr>
+            <a:r>
+              <a:rPr kumimoji="0" lang="en-US" altLang="en-US" sz="1200" b="0" i="0" u="none" strike="noStrike" cap="none" normalizeH="0" baseline="0" dirty="0">
+                <a:ln>
+                  <a:noFill/>
+                </a:ln>
+                <a:solidFill>
+                  <a:schemeClr val="bg1"/>
+                </a:solidFill>
+                <a:effectLst/>
+                <a:latin typeface="Aptos" panose="020B0004020202020204" pitchFamily="34" charset="0"/>
+              </a:rPr>
+              <a:t>Larger sample sizes provide more information about the population, reducing uncertainty about the parameter being estimated. This greater precision is reflected in narrower confidence intervals.</a:t>
+            </a:r>
+            <a:endParaRPr kumimoji="0" lang="en-US" altLang="en-US" sz="1200" b="1" i="0" u="none" strike="noStrike" cap="none" normalizeH="0" baseline="0" dirty="0">
+              <a:ln>
+                <a:noFill/>
+              </a:ln>
+              <a:solidFill>
+                <a:schemeClr val="bg1"/>
+              </a:solidFill>
+              <a:effectLst/>
+              <a:latin typeface="Aptos" panose="020B0004020202020204" pitchFamily="34" charset="0"/>
+            </a:endParaRPr>
+          </a:p>
+          <a:p>
+            <a:pPr marL="0" marR="0" lvl="0" indent="0" algn="l" defTabSz="914400" rtl="0" eaLnBrk="0" fontAlgn="base" latinLnBrk="0" hangingPunct="0">
+              <a:lnSpc>
+                <a:spcPct val="100000"/>
+              </a:lnSpc>
+              <a:spcBef>
+                <a:spcPct val="0"/>
+              </a:spcBef>
+              <a:spcAft>
+                <a:spcPct val="0"/>
+              </a:spcAft>
+              <a:buClrTx/>
+              <a:buSzTx/>
+              <a:buFontTx/>
+              <a:buNone/>
+              <a:tabLst/>
+            </a:pPr>
+            <a:endParaRPr kumimoji="0" lang="en-US" altLang="en-US" sz="1200" b="0" i="0" u="none" strike="noStrike" cap="none" normalizeH="0" baseline="0" dirty="0">
+              <a:ln>
+                <a:noFill/>
+              </a:ln>
+              <a:solidFill>
+                <a:schemeClr val="bg1"/>
+              </a:solidFill>
+              <a:effectLst/>
+              <a:latin typeface="Aptos" panose="020B0004020202020204" pitchFamily="34" charset="0"/>
+            </a:endParaRPr>
+          </a:p>
+        </p:txBody>
+      </p:sp>
+    </p:spTree>
+    <p:extLst>
+      <p:ext uri="{BB962C8B-B14F-4D97-AF65-F5344CB8AC3E}">
+        <p14:creationId xmlns:p14="http://schemas.microsoft.com/office/powerpoint/2010/main" val="1078635388"/>
+      </p:ext>
+    </p:extLst>
+  </p:cSld>
+  <p:clrMapOvr>
+    <a:masterClrMapping/>
+  </p:clrMapOvr>
+</p:sld>
+</file>
+
+<file path=ppt/slides/slide18.xml><?xml version="1.0" encoding="utf-8"?>
 <p:sld xmlns:a="http://schemas.openxmlformats.org/drawingml/2006/main" xmlns:r="http://schemas.openxmlformats.org/officeDocument/2006/relationships" xmlns:p="http://schemas.openxmlformats.org/presentationml/2006/main">
   <p:cSld>
     <p:spTree>
@@ -9235,7 +10818,7 @@
 </p:sld>
 </file>
 
-<file path=ppt/slides/slide16.xml><?xml version="1.0" encoding="utf-8"?>
+<file path=ppt/slides/slide19.xml><?xml version="1.0" encoding="utf-8"?>
 <p:sld xmlns:a="http://schemas.openxmlformats.org/drawingml/2006/main" xmlns:r="http://schemas.openxmlformats.org/officeDocument/2006/relationships" xmlns:p="http://schemas.openxmlformats.org/presentationml/2006/main">
   <p:cSld>
     <p:spTree>
@@ -9445,670 +11028,6 @@
 </p:sld>
 </file>
 
-<file path=ppt/slides/slide17.xml><?xml version="1.0" encoding="utf-8"?>
-<p:sld xmlns:a="http://schemas.openxmlformats.org/drawingml/2006/main" xmlns:r="http://schemas.openxmlformats.org/officeDocument/2006/relationships" xmlns:p="http://schemas.openxmlformats.org/presentationml/2006/main">
-  <p:cSld>
-    <p:spTree>
-      <p:nvGrpSpPr>
-        <p:cNvPr id="1" name=""/>
-        <p:cNvGrpSpPr/>
-        <p:nvPr/>
-      </p:nvGrpSpPr>
-      <p:grpSpPr>
-        <a:xfrm>
-          <a:off x="0" y="0"/>
-          <a:ext cx="0" cy="0"/>
-          <a:chOff x="0" y="0"/>
-          <a:chExt cx="0" cy="0"/>
-        </a:xfrm>
-      </p:grpSpPr>
-      <p:sp>
-        <p:nvSpPr>
-          <p:cNvPr id="2" name="Title 1">
-            <a:extLst>
-              <a:ext uri="{FF2B5EF4-FFF2-40B4-BE49-F238E27FC236}">
-                <a16:creationId xmlns:a16="http://schemas.microsoft.com/office/drawing/2014/main" id="{E54BD568-A3DE-4D27-9652-A8CF021A9E7A}"/>
-              </a:ext>
-            </a:extLst>
-          </p:cNvPr>
-          <p:cNvSpPr>
-            <a:spLocks noGrp="1"/>
-          </p:cNvSpPr>
-          <p:nvPr>
-            <p:ph type="title"/>
-          </p:nvPr>
-        </p:nvSpPr>
-        <p:spPr>
-          <a:xfrm>
-            <a:off x="2470404" y="272396"/>
-            <a:ext cx="7269480" cy="1325562"/>
-          </a:xfrm>
-        </p:spPr>
-        <p:txBody>
-          <a:bodyPr/>
-          <a:lstStyle/>
-          <a:p>
-            <a:r>
-              <a:rPr lang="en-US" dirty="0"/>
-              <a:t> </a:t>
-            </a:r>
-          </a:p>
-        </p:txBody>
-      </p:sp>
-      <p:sp>
-        <p:nvSpPr>
-          <p:cNvPr id="4" name="Content Placeholder 3">
-            <a:extLst>
-              <a:ext uri="{FF2B5EF4-FFF2-40B4-BE49-F238E27FC236}">
-                <a16:creationId xmlns:a16="http://schemas.microsoft.com/office/drawing/2014/main" id="{AE68E5BA-C675-4302-ABDA-3EFDD6418FDE}"/>
-              </a:ext>
-            </a:extLst>
-          </p:cNvPr>
-          <p:cNvSpPr>
-            <a:spLocks noGrp="1"/>
-          </p:cNvSpPr>
-          <p:nvPr>
-            <p:ph idx="1"/>
-          </p:nvPr>
-        </p:nvSpPr>
-        <p:spPr>
-          <a:xfrm>
-            <a:off x="1261872" y="1066800"/>
-            <a:ext cx="9634728" cy="4960939"/>
-          </a:xfrm>
-        </p:spPr>
-        <p:txBody>
-          <a:bodyPr>
-            <a:normAutofit/>
-          </a:bodyPr>
-          <a:lstStyle/>
-          <a:p>
-            <a:pPr lvl="1"/>
-            <a:r>
-              <a:rPr lang="en-US" sz="3000" dirty="0"/>
-              <a:t>We will use the </a:t>
-            </a:r>
-            <a:r>
-              <a:rPr lang="en-US" sz="3000" b="1" dirty="0" err="1"/>
-              <a:t>tidyverse</a:t>
-            </a:r>
-            <a:endParaRPr lang="en-US" sz="3000" b="1" dirty="0"/>
-          </a:p>
-          <a:p>
-            <a:pPr lvl="1"/>
-            <a:r>
-              <a:rPr lang="en-US" sz="3000" dirty="0"/>
-              <a:t>Makes R code </a:t>
-            </a:r>
-            <a:r>
-              <a:rPr lang="en-US" sz="3000" b="1" dirty="0"/>
-              <a:t>read more like English!</a:t>
-            </a:r>
-          </a:p>
-          <a:p>
-            <a:pPr lvl="1"/>
-            <a:r>
-              <a:rPr lang="en-US" sz="3000" dirty="0"/>
-              <a:t>Emphasize </a:t>
-            </a:r>
-            <a:r>
-              <a:rPr lang="en-US" sz="3000" b="1" dirty="0">
-                <a:solidFill>
-                  <a:srgbClr val="0070C0"/>
-                </a:solidFill>
-              </a:rPr>
-              <a:t>practical applications </a:t>
-            </a:r>
-            <a:r>
-              <a:rPr lang="en-US" sz="3000" dirty="0"/>
-              <a:t>over theory</a:t>
-            </a:r>
-          </a:p>
-        </p:txBody>
-      </p:sp>
-      <p:sp>
-        <p:nvSpPr>
-          <p:cNvPr id="5" name="Title 1">
-            <a:extLst>
-              <a:ext uri="{FF2B5EF4-FFF2-40B4-BE49-F238E27FC236}">
-                <a16:creationId xmlns:a16="http://schemas.microsoft.com/office/drawing/2014/main" id="{9188A289-910E-45BF-9F49-22ADDCD09BA3}"/>
-              </a:ext>
-            </a:extLst>
-          </p:cNvPr>
-          <p:cNvSpPr txBox="1">
-            <a:spLocks/>
-          </p:cNvSpPr>
-          <p:nvPr/>
-        </p:nvSpPr>
-        <p:spPr>
-          <a:xfrm>
-            <a:off x="1261872" y="365760"/>
-            <a:ext cx="9692640" cy="777240"/>
-          </a:xfrm>
-          <a:prstGeom prst="rect">
-            <a:avLst/>
-          </a:prstGeom>
-        </p:spPr>
-        <p:txBody>
-          <a:bodyPr vert="horz" lIns="91440" tIns="45720" rIns="91440" bIns="45720" rtlCol="0" anchor="b">
-            <a:normAutofit/>
-          </a:bodyPr>
-          <a:lstStyle>
-            <a:lvl1pPr algn="l" defTabSz="914400" rtl="0" eaLnBrk="1" latinLnBrk="0" hangingPunct="1">
-              <a:lnSpc>
-                <a:spcPct val="90000"/>
-              </a:lnSpc>
-              <a:spcBef>
-                <a:spcPct val="0"/>
-              </a:spcBef>
-              <a:buNone/>
-              <a:defRPr sz="4400" kern="1200" spc="-50" baseline="0">
-                <a:solidFill>
-                  <a:schemeClr val="tx1"/>
-                </a:solidFill>
-                <a:latin typeface="+mj-lt"/>
-                <a:ea typeface="+mj-ea"/>
-                <a:cs typeface="+mj-cs"/>
-              </a:defRPr>
-            </a:lvl1pPr>
-          </a:lstStyle>
-          <a:p>
-            <a:r>
-              <a:rPr lang="en-US" dirty="0">
-                <a:latin typeface="Times New Roman" panose="02020603050405020304" pitchFamily="18" charset="0"/>
-              </a:rPr>
-              <a:t>Using R</a:t>
-            </a:r>
-          </a:p>
-        </p:txBody>
-      </p:sp>
-      <p:pic>
-        <p:nvPicPr>
-          <p:cNvPr id="7" name="Picture 6">
-            <a:extLst>
-              <a:ext uri="{FF2B5EF4-FFF2-40B4-BE49-F238E27FC236}">
-                <a16:creationId xmlns:a16="http://schemas.microsoft.com/office/drawing/2014/main" id="{F85D38ED-CB4B-CDF1-5898-816A8EC8011C}"/>
-              </a:ext>
-            </a:extLst>
-          </p:cNvPr>
-          <p:cNvPicPr>
-            <a:picLocks noChangeAspect="1"/>
-          </p:cNvPicPr>
-          <p:nvPr/>
-        </p:nvPicPr>
-        <p:blipFill>
-          <a:blip r:embed="rId3"/>
-          <a:stretch>
-            <a:fillRect/>
-          </a:stretch>
-        </p:blipFill>
-        <p:spPr>
-          <a:xfrm>
-            <a:off x="1676400" y="2590800"/>
-            <a:ext cx="7954519" cy="4560861"/>
-          </a:xfrm>
-          <a:prstGeom prst="rect">
-            <a:avLst/>
-          </a:prstGeom>
-        </p:spPr>
-      </p:pic>
-    </p:spTree>
-    <p:extLst>
-      <p:ext uri="{BB962C8B-B14F-4D97-AF65-F5344CB8AC3E}">
-        <p14:creationId xmlns:p14="http://schemas.microsoft.com/office/powerpoint/2010/main" val="3112479426"/>
-      </p:ext>
-    </p:extLst>
-  </p:cSld>
-  <p:clrMapOvr>
-    <a:masterClrMapping/>
-  </p:clrMapOvr>
-</p:sld>
-</file>
-
-<file path=ppt/slides/slide18.xml><?xml version="1.0" encoding="utf-8"?>
-<p:sld xmlns:a="http://schemas.openxmlformats.org/drawingml/2006/main" xmlns:r="http://schemas.openxmlformats.org/officeDocument/2006/relationships" xmlns:p="http://schemas.openxmlformats.org/presentationml/2006/main">
-  <p:cSld>
-    <p:spTree>
-      <p:nvGrpSpPr>
-        <p:cNvPr id="1" name=""/>
-        <p:cNvGrpSpPr/>
-        <p:nvPr/>
-      </p:nvGrpSpPr>
-      <p:grpSpPr>
-        <a:xfrm>
-          <a:off x="0" y="0"/>
-          <a:ext cx="0" cy="0"/>
-          <a:chOff x="0" y="0"/>
-          <a:chExt cx="0" cy="0"/>
-        </a:xfrm>
-      </p:grpSpPr>
-      <p:sp>
-        <p:nvSpPr>
-          <p:cNvPr id="2" name="Title 1">
-            <a:extLst>
-              <a:ext uri="{FF2B5EF4-FFF2-40B4-BE49-F238E27FC236}">
-                <a16:creationId xmlns:a16="http://schemas.microsoft.com/office/drawing/2014/main" id="{E54BD568-A3DE-4D27-9652-A8CF021A9E7A}"/>
-              </a:ext>
-            </a:extLst>
-          </p:cNvPr>
-          <p:cNvSpPr>
-            <a:spLocks noGrp="1"/>
-          </p:cNvSpPr>
-          <p:nvPr>
-            <p:ph type="title"/>
-          </p:nvPr>
-        </p:nvSpPr>
-        <p:spPr>
-          <a:xfrm>
-            <a:off x="2470404" y="272396"/>
-            <a:ext cx="7269480" cy="1325562"/>
-          </a:xfrm>
-        </p:spPr>
-        <p:txBody>
-          <a:bodyPr/>
-          <a:lstStyle/>
-          <a:p>
-            <a:r>
-              <a:rPr lang="en-US" dirty="0"/>
-              <a:t> </a:t>
-            </a:r>
-          </a:p>
-        </p:txBody>
-      </p:sp>
-      <p:pic>
-        <p:nvPicPr>
-          <p:cNvPr id="6" name="Content Placeholder 5">
-            <a:extLst>
-              <a:ext uri="{FF2B5EF4-FFF2-40B4-BE49-F238E27FC236}">
-                <a16:creationId xmlns:a16="http://schemas.microsoft.com/office/drawing/2014/main" id="{B7692B18-F381-2632-2CBD-1E4711EEBB59}"/>
-              </a:ext>
-            </a:extLst>
-          </p:cNvPr>
-          <p:cNvPicPr>
-            <a:picLocks noGrp="1" noChangeAspect="1"/>
-          </p:cNvPicPr>
-          <p:nvPr>
-            <p:ph idx="1"/>
-          </p:nvPr>
-        </p:nvPicPr>
-        <p:blipFill>
-          <a:blip r:embed="rId3"/>
-          <a:stretch>
-            <a:fillRect/>
-          </a:stretch>
-        </p:blipFill>
-        <p:spPr>
-          <a:xfrm>
-            <a:off x="1261872" y="1746069"/>
-            <a:ext cx="7643834" cy="4746171"/>
-          </a:xfrm>
-        </p:spPr>
-      </p:pic>
-      <p:sp>
-        <p:nvSpPr>
-          <p:cNvPr id="5" name="Title 1">
-            <a:extLst>
-              <a:ext uri="{FF2B5EF4-FFF2-40B4-BE49-F238E27FC236}">
-                <a16:creationId xmlns:a16="http://schemas.microsoft.com/office/drawing/2014/main" id="{9188A289-910E-45BF-9F49-22ADDCD09BA3}"/>
-              </a:ext>
-            </a:extLst>
-          </p:cNvPr>
-          <p:cNvSpPr txBox="1">
-            <a:spLocks/>
-          </p:cNvSpPr>
-          <p:nvPr/>
-        </p:nvSpPr>
-        <p:spPr>
-          <a:xfrm>
-            <a:off x="1261872" y="365760"/>
-            <a:ext cx="9692640" cy="777240"/>
-          </a:xfrm>
-          <a:prstGeom prst="rect">
-            <a:avLst/>
-          </a:prstGeom>
-        </p:spPr>
-        <p:txBody>
-          <a:bodyPr vert="horz" lIns="91440" tIns="45720" rIns="91440" bIns="45720" rtlCol="0" anchor="b">
-            <a:normAutofit/>
-          </a:bodyPr>
-          <a:lstStyle>
-            <a:lvl1pPr algn="l" defTabSz="914400" rtl="0" eaLnBrk="1" latinLnBrk="0" hangingPunct="1">
-              <a:lnSpc>
-                <a:spcPct val="90000"/>
-              </a:lnSpc>
-              <a:spcBef>
-                <a:spcPct val="0"/>
-              </a:spcBef>
-              <a:buNone/>
-              <a:defRPr sz="4400" kern="1200" spc="-50" baseline="0">
-                <a:solidFill>
-                  <a:schemeClr val="tx1"/>
-                </a:solidFill>
-                <a:latin typeface="+mj-lt"/>
-                <a:ea typeface="+mj-ea"/>
-                <a:cs typeface="+mj-cs"/>
-              </a:defRPr>
-            </a:lvl1pPr>
-          </a:lstStyle>
-          <a:p>
-            <a:r>
-              <a:rPr lang="en-US" dirty="0">
-                <a:latin typeface="Times New Roman" panose="02020603050405020304" pitchFamily="18" charset="0"/>
-              </a:rPr>
-              <a:t>Using R: A Trial of Patience/Faith/Etc. </a:t>
-            </a:r>
-          </a:p>
-        </p:txBody>
-      </p:sp>
-      <p:sp>
-        <p:nvSpPr>
-          <p:cNvPr id="3" name="TextBox 2">
-            <a:extLst>
-              <a:ext uri="{FF2B5EF4-FFF2-40B4-BE49-F238E27FC236}">
-                <a16:creationId xmlns:a16="http://schemas.microsoft.com/office/drawing/2014/main" id="{0A2072EC-227B-3E59-F9C4-2AC123F8D610}"/>
-              </a:ext>
-            </a:extLst>
-          </p:cNvPr>
-          <p:cNvSpPr txBox="1"/>
-          <p:nvPr/>
-        </p:nvSpPr>
-        <p:spPr>
-          <a:xfrm>
-            <a:off x="1371600" y="1291111"/>
-            <a:ext cx="8324715" cy="461665"/>
-          </a:xfrm>
-          <a:prstGeom prst="rect">
-            <a:avLst/>
-          </a:prstGeom>
-          <a:noFill/>
-        </p:spPr>
-        <p:txBody>
-          <a:bodyPr wrap="none" rtlCol="0">
-            <a:spAutoFit/>
-          </a:bodyPr>
-          <a:lstStyle/>
-          <a:p>
-            <a:pPr marL="342900" indent="-342900">
-              <a:buFont typeface="Arial" panose="020B0604020202020204" pitchFamily="34" charset="0"/>
-              <a:buChar char="•"/>
-            </a:pPr>
-            <a:r>
-              <a:rPr lang="en-CA" sz="2400" dirty="0">
-                <a:latin typeface="Times New Roman" panose="02020603050405020304" pitchFamily="18" charset="0"/>
-                <a:cs typeface="Times New Roman" panose="02020603050405020304" pitchFamily="18" charset="0"/>
-              </a:rPr>
-              <a:t>Mini-modules: </a:t>
-            </a:r>
-            <a:r>
-              <a:rPr lang="en-CA" sz="2400" dirty="0">
-                <a:latin typeface="Times New Roman" panose="02020603050405020304" pitchFamily="18" charset="0"/>
-                <a:cs typeface="Times New Roman" panose="02020603050405020304" pitchFamily="18" charset="0"/>
-                <a:hlinkClick r:id="rId4"/>
-              </a:rPr>
-              <a:t>https://jacobjameson.github.io/Intro%20R.html</a:t>
-            </a:r>
-            <a:r>
-              <a:rPr lang="en-CA" sz="2400" dirty="0">
-                <a:latin typeface="Times New Roman" panose="02020603050405020304" pitchFamily="18" charset="0"/>
-                <a:cs typeface="Times New Roman" panose="02020603050405020304" pitchFamily="18" charset="0"/>
-              </a:rPr>
-              <a:t> </a:t>
-            </a:r>
-          </a:p>
-        </p:txBody>
-      </p:sp>
-    </p:spTree>
-    <p:extLst>
-      <p:ext uri="{BB962C8B-B14F-4D97-AF65-F5344CB8AC3E}">
-        <p14:creationId xmlns:p14="http://schemas.microsoft.com/office/powerpoint/2010/main" val="3166985140"/>
-      </p:ext>
-    </p:extLst>
-  </p:cSld>
-  <p:clrMapOvr>
-    <a:masterClrMapping/>
-  </p:clrMapOvr>
-</p:sld>
-</file>
-
-<file path=ppt/slides/slide19.xml><?xml version="1.0" encoding="utf-8"?>
-<p:sld xmlns:a="http://schemas.openxmlformats.org/drawingml/2006/main" xmlns:r="http://schemas.openxmlformats.org/officeDocument/2006/relationships" xmlns:p="http://schemas.openxmlformats.org/presentationml/2006/main">
-  <p:cSld>
-    <p:spTree>
-      <p:nvGrpSpPr>
-        <p:cNvPr id="1" name=""/>
-        <p:cNvGrpSpPr/>
-        <p:nvPr/>
-      </p:nvGrpSpPr>
-      <p:grpSpPr>
-        <a:xfrm>
-          <a:off x="0" y="0"/>
-          <a:ext cx="0" cy="0"/>
-          <a:chOff x="0" y="0"/>
-          <a:chExt cx="0" cy="0"/>
-        </a:xfrm>
-      </p:grpSpPr>
-      <p:sp>
-        <p:nvSpPr>
-          <p:cNvPr id="4" name="Content Placeholder 3">
-            <a:extLst>
-              <a:ext uri="{FF2B5EF4-FFF2-40B4-BE49-F238E27FC236}">
-                <a16:creationId xmlns:a16="http://schemas.microsoft.com/office/drawing/2014/main" id="{AE68E5BA-C675-4302-ABDA-3EFDD6418FDE}"/>
-              </a:ext>
-            </a:extLst>
-          </p:cNvPr>
-          <p:cNvSpPr>
-            <a:spLocks noGrp="1"/>
-          </p:cNvSpPr>
-          <p:nvPr>
-            <p:ph idx="1"/>
-          </p:nvPr>
-        </p:nvSpPr>
-        <p:spPr>
-          <a:xfrm>
-            <a:off x="2470404" y="1608139"/>
-            <a:ext cx="7359396" cy="4572000"/>
-          </a:xfrm>
-        </p:spPr>
-        <p:txBody>
-          <a:bodyPr/>
-          <a:lstStyle/>
-          <a:p>
-            <a:pPr lvl="1"/>
-            <a:endParaRPr lang="en-US" dirty="0"/>
-          </a:p>
-          <a:p>
-            <a:pPr lvl="1"/>
-            <a:endParaRPr lang="en-US" dirty="0"/>
-          </a:p>
-        </p:txBody>
-      </p:sp>
-      <p:sp>
-        <p:nvSpPr>
-          <p:cNvPr id="6" name="Title 1">
-            <a:extLst>
-              <a:ext uri="{FF2B5EF4-FFF2-40B4-BE49-F238E27FC236}">
-                <a16:creationId xmlns:a16="http://schemas.microsoft.com/office/drawing/2014/main" id="{2447C70A-E8CD-4D7B-8C00-FF6EC3DCB236}"/>
-              </a:ext>
-            </a:extLst>
-          </p:cNvPr>
-          <p:cNvSpPr txBox="1">
-            <a:spLocks/>
-          </p:cNvSpPr>
-          <p:nvPr/>
-        </p:nvSpPr>
-        <p:spPr>
-          <a:xfrm>
-            <a:off x="1261872" y="365760"/>
-            <a:ext cx="9692640" cy="777240"/>
-          </a:xfrm>
-          <a:prstGeom prst="rect">
-            <a:avLst/>
-          </a:prstGeom>
-        </p:spPr>
-        <p:txBody>
-          <a:bodyPr vert="horz" lIns="91440" tIns="45720" rIns="91440" bIns="45720" rtlCol="0" anchor="b">
-            <a:normAutofit/>
-          </a:bodyPr>
-          <a:lstStyle>
-            <a:lvl1pPr algn="l" defTabSz="914400" rtl="0" eaLnBrk="1" latinLnBrk="0" hangingPunct="1">
-              <a:lnSpc>
-                <a:spcPct val="90000"/>
-              </a:lnSpc>
-              <a:spcBef>
-                <a:spcPct val="0"/>
-              </a:spcBef>
-              <a:buNone/>
-              <a:defRPr sz="4400" kern="1200" spc="-50" baseline="0">
-                <a:solidFill>
-                  <a:schemeClr val="tx1"/>
-                </a:solidFill>
-                <a:latin typeface="+mj-lt"/>
-                <a:ea typeface="+mj-ea"/>
-                <a:cs typeface="+mj-cs"/>
-              </a:defRPr>
-            </a:lvl1pPr>
-          </a:lstStyle>
-          <a:p>
-            <a:r>
-              <a:rPr lang="en-US" dirty="0">
-                <a:latin typeface="Times New Roman" panose="02020603050405020304" pitchFamily="18" charset="0"/>
-              </a:rPr>
-              <a:t>Introduction &amp; Syllabus</a:t>
-            </a:r>
-          </a:p>
-        </p:txBody>
-      </p:sp>
-      <p:sp>
-        <p:nvSpPr>
-          <p:cNvPr id="8" name="Title 7">
-            <a:extLst>
-              <a:ext uri="{FF2B5EF4-FFF2-40B4-BE49-F238E27FC236}">
-                <a16:creationId xmlns:a16="http://schemas.microsoft.com/office/drawing/2014/main" id="{D13B5070-8B01-4C63-9F2E-79CAC4D00929}"/>
-              </a:ext>
-            </a:extLst>
-          </p:cNvPr>
-          <p:cNvSpPr>
-            <a:spLocks noGrp="1"/>
-          </p:cNvSpPr>
-          <p:nvPr>
-            <p:ph type="title"/>
-          </p:nvPr>
-        </p:nvSpPr>
-        <p:spPr/>
-        <p:txBody>
-          <a:bodyPr/>
-          <a:lstStyle/>
-          <a:p>
-            <a:r>
-              <a:rPr lang="en-US" dirty="0"/>
-              <a:t> </a:t>
-            </a:r>
-          </a:p>
-        </p:txBody>
-      </p:sp>
-      <p:pic>
-        <p:nvPicPr>
-          <p:cNvPr id="3" name="Picture 2">
-            <a:extLst>
-              <a:ext uri="{FF2B5EF4-FFF2-40B4-BE49-F238E27FC236}">
-                <a16:creationId xmlns:a16="http://schemas.microsoft.com/office/drawing/2014/main" id="{3CBAAE71-F388-4DDA-4DC4-C96E9ED81548}"/>
-              </a:ext>
-            </a:extLst>
-          </p:cNvPr>
-          <p:cNvPicPr>
-            <a:picLocks noChangeAspect="1"/>
-          </p:cNvPicPr>
-          <p:nvPr/>
-        </p:nvPicPr>
-        <p:blipFill>
-          <a:blip r:embed="rId3"/>
-          <a:stretch>
-            <a:fillRect/>
-          </a:stretch>
-        </p:blipFill>
-        <p:spPr>
-          <a:xfrm>
-            <a:off x="158172" y="1524000"/>
-            <a:ext cx="9547027" cy="4419600"/>
-          </a:xfrm>
-          <a:prstGeom prst="rect">
-            <a:avLst/>
-          </a:prstGeom>
-        </p:spPr>
-      </p:pic>
-      <p:pic>
-        <p:nvPicPr>
-          <p:cNvPr id="5" name="Picture 4">
-            <a:extLst>
-              <a:ext uri="{FF2B5EF4-FFF2-40B4-BE49-F238E27FC236}">
-                <a16:creationId xmlns:a16="http://schemas.microsoft.com/office/drawing/2014/main" id="{551DBAB4-0ABF-E753-47A0-056D061292A6}"/>
-              </a:ext>
-            </a:extLst>
-          </p:cNvPr>
-          <p:cNvPicPr>
-            <a:picLocks noChangeAspect="1"/>
-          </p:cNvPicPr>
-          <p:nvPr/>
-        </p:nvPicPr>
-        <p:blipFill>
-          <a:blip r:embed="rId4"/>
-          <a:stretch>
-            <a:fillRect/>
-          </a:stretch>
-        </p:blipFill>
-        <p:spPr>
-          <a:xfrm>
-            <a:off x="3505200" y="1184476"/>
-            <a:ext cx="3586049" cy="5098648"/>
-          </a:xfrm>
-          <a:prstGeom prst="rect">
-            <a:avLst/>
-          </a:prstGeom>
-        </p:spPr>
-      </p:pic>
-      <p:pic>
-        <p:nvPicPr>
-          <p:cNvPr id="9" name="Picture 8">
-            <a:extLst>
-              <a:ext uri="{FF2B5EF4-FFF2-40B4-BE49-F238E27FC236}">
-                <a16:creationId xmlns:a16="http://schemas.microsoft.com/office/drawing/2014/main" id="{AB011FEB-2C5F-2112-F24B-49135380630E}"/>
-              </a:ext>
-            </a:extLst>
-          </p:cNvPr>
-          <p:cNvPicPr>
-            <a:picLocks noChangeAspect="1"/>
-          </p:cNvPicPr>
-          <p:nvPr/>
-        </p:nvPicPr>
-        <p:blipFill>
-          <a:blip r:embed="rId5"/>
-          <a:stretch>
-            <a:fillRect/>
-          </a:stretch>
-        </p:blipFill>
-        <p:spPr>
-          <a:xfrm>
-            <a:off x="7091249" y="1268137"/>
-            <a:ext cx="3527714" cy="5098648"/>
-          </a:xfrm>
-          <a:prstGeom prst="rect">
-            <a:avLst/>
-          </a:prstGeom>
-        </p:spPr>
-      </p:pic>
-    </p:spTree>
-    <p:extLst>
-      <p:ext uri="{BB962C8B-B14F-4D97-AF65-F5344CB8AC3E}">
-        <p14:creationId xmlns:p14="http://schemas.microsoft.com/office/powerpoint/2010/main" val="1420699121"/>
-      </p:ext>
-    </p:extLst>
-  </p:cSld>
-  <p:clrMapOvr>
-    <a:masterClrMapping/>
-  </p:clrMapOvr>
-</p:sld>
-</file>
-
 <file path=ppt/slides/slide2.xml><?xml version="1.0" encoding="utf-8"?>
 <p:sld xmlns:a="http://schemas.openxmlformats.org/drawingml/2006/main" xmlns:r="http://schemas.openxmlformats.org/officeDocument/2006/relationships" xmlns:p="http://schemas.openxmlformats.org/presentationml/2006/main">
   <p:cSld>
@@ -10207,8 +11126,8 @@
           </a:prstGeom>
         </p:spPr>
       </p:pic>
-      <mc:AlternateContent xmlns:mc="http://schemas.openxmlformats.org/markup-compatibility/2006">
-        <mc:Choice xmlns:a14="http://schemas.microsoft.com/office/drawing/2010/main" Requires="a14">
+      <mc:AlternateContent xmlns:mc="http://schemas.openxmlformats.org/markup-compatibility/2006" xmlns:a14="http://schemas.microsoft.com/office/drawing/2010/main">
+        <mc:Choice Requires="a14">
           <p:sp>
             <p:nvSpPr>
               <p:cNvPr id="4" name="TextBox 3">
@@ -10375,7 +11294,7 @@
             </p:txBody>
           </p:sp>
         </mc:Choice>
-        <mc:Fallback>
+        <mc:Fallback xmlns="">
           <p:sp>
             <p:nvSpPr>
               <p:cNvPr id="4" name="TextBox 3">
@@ -10507,6 +11426,39 @@
       </p:grpSpPr>
       <p:sp>
         <p:nvSpPr>
+          <p:cNvPr id="2" name="Title 1">
+            <a:extLst>
+              <a:ext uri="{FF2B5EF4-FFF2-40B4-BE49-F238E27FC236}">
+                <a16:creationId xmlns:a16="http://schemas.microsoft.com/office/drawing/2014/main" id="{E54BD568-A3DE-4D27-9652-A8CF021A9E7A}"/>
+              </a:ext>
+            </a:extLst>
+          </p:cNvPr>
+          <p:cNvSpPr>
+            <a:spLocks noGrp="1"/>
+          </p:cNvSpPr>
+          <p:nvPr>
+            <p:ph type="title"/>
+          </p:nvPr>
+        </p:nvSpPr>
+        <p:spPr>
+          <a:xfrm>
+            <a:off x="2470404" y="272396"/>
+            <a:ext cx="7269480" cy="1325562"/>
+          </a:xfrm>
+        </p:spPr>
+        <p:txBody>
+          <a:bodyPr/>
+          <a:lstStyle/>
+          <a:p>
+            <a:r>
+              <a:rPr lang="en-US" dirty="0"/>
+              <a:t> </a:t>
+            </a:r>
+          </a:p>
+        </p:txBody>
+      </p:sp>
+      <p:sp>
+        <p:nvSpPr>
           <p:cNvPr id="4" name="Content Placeholder 3">
             <a:extLst>
               <a:ext uri="{FF2B5EF4-FFF2-40B4-BE49-F238E27FC236}">
@@ -10523,29 +11475,65 @@
         </p:nvSpPr>
         <p:spPr>
           <a:xfrm>
-            <a:off x="2470404" y="1608139"/>
-            <a:ext cx="7359396" cy="4572000"/>
+            <a:off x="1261872" y="1066800"/>
+            <a:ext cx="9634728" cy="4960939"/>
           </a:xfrm>
         </p:spPr>
         <p:txBody>
-          <a:bodyPr/>
+          <a:bodyPr>
+            <a:normAutofit/>
+          </a:bodyPr>
           <a:lstStyle/>
           <a:p>
             <a:pPr lvl="1"/>
-            <a:endParaRPr lang="en-US" dirty="0"/>
+            <a:r>
+              <a:rPr lang="en-US" sz="3000" dirty="0"/>
+              <a:t>We will use the </a:t>
+            </a:r>
+            <a:r>
+              <a:rPr lang="en-US" sz="3000" b="1" dirty="0" err="1"/>
+              <a:t>tidyverse</a:t>
+            </a:r>
+            <a:endParaRPr lang="en-US" sz="3000" b="1" dirty="0"/>
           </a:p>
           <a:p>
             <a:pPr lvl="1"/>
-            <a:endParaRPr lang="en-US" dirty="0"/>
-          </a:p>
-        </p:txBody>
-      </p:sp>
-      <p:sp>
-        <p:nvSpPr>
-          <p:cNvPr id="6" name="Title 1">
+            <a:r>
+              <a:rPr lang="en-US" sz="3000" dirty="0"/>
+              <a:t>Makes R code </a:t>
+            </a:r>
+            <a:r>
+              <a:rPr lang="en-US" sz="3000" b="1" dirty="0"/>
+              <a:t>read more like English!</a:t>
+            </a:r>
+          </a:p>
+          <a:p>
+            <a:pPr lvl="1"/>
+            <a:r>
+              <a:rPr lang="en-US" sz="3000" dirty="0"/>
+              <a:t>Emphasize </a:t>
+            </a:r>
+            <a:r>
+              <a:rPr lang="en-US" sz="3000" b="1" dirty="0">
+                <a:solidFill>
+                  <a:srgbClr val="0070C0"/>
+                </a:solidFill>
+              </a:rPr>
+              <a:t>practical applications </a:t>
+            </a:r>
+            <a:r>
+              <a:rPr lang="en-US" sz="3000" dirty="0"/>
+              <a:t>over theory</a:t>
+            </a:r>
+          </a:p>
+        </p:txBody>
+      </p:sp>
+      <p:sp>
+        <p:nvSpPr>
+          <p:cNvPr id="5" name="Title 1">
             <a:extLst>
               <a:ext uri="{FF2B5EF4-FFF2-40B4-BE49-F238E27FC236}">
-                <a16:creationId xmlns:a16="http://schemas.microsoft.com/office/drawing/2014/main" id="{2447C70A-E8CD-4D7B-8C00-FF6EC3DCB236}"/>
+                <a16:creationId xmlns:a16="http://schemas.microsoft.com/office/drawing/2014/main" id="{9188A289-910E-45BF-9F49-22ADDCD09BA3}"/>
               </a:ext>
             </a:extLst>
           </p:cNvPr>
@@ -10556,8 +11544,8 @@
         </p:nvSpPr>
         <p:spPr>
           <a:xfrm>
-            <a:off x="245708" y="365760"/>
-            <a:ext cx="10708804" cy="777240"/>
+            <a:off x="1261872" y="365760"/>
+            <a:ext cx="9692640" cy="777240"/>
           </a:xfrm>
           <a:prstGeom prst="rect">
             <a:avLst/>
@@ -10591,150 +11579,45 @@
               <a:rPr lang="en-US" dirty="0">
                 <a:latin typeface="Times New Roman" panose="02020603050405020304" pitchFamily="18" charset="0"/>
               </a:rPr>
-              <a:t>Introduction &amp; Syllabus</a:t>
-            </a:r>
-          </a:p>
-        </p:txBody>
-      </p:sp>
-      <p:sp>
-        <p:nvSpPr>
-          <p:cNvPr id="8" name="Title 7">
+              <a:t>Using R</a:t>
+            </a:r>
+          </a:p>
+        </p:txBody>
+      </p:sp>
+      <p:pic>
+        <p:nvPicPr>
+          <p:cNvPr id="7" name="Picture 6">
             <a:extLst>
               <a:ext uri="{FF2B5EF4-FFF2-40B4-BE49-F238E27FC236}">
-                <a16:creationId xmlns:a16="http://schemas.microsoft.com/office/drawing/2014/main" id="{D13B5070-8B01-4C63-9F2E-79CAC4D00929}"/>
+                <a16:creationId xmlns:a16="http://schemas.microsoft.com/office/drawing/2014/main" id="{F85D38ED-CB4B-CDF1-5898-816A8EC8011C}"/>
               </a:ext>
             </a:extLst>
           </p:cNvPr>
-          <p:cNvSpPr>
-            <a:spLocks noGrp="1"/>
-          </p:cNvSpPr>
-          <p:nvPr>
-            <p:ph type="title"/>
-          </p:nvPr>
-        </p:nvSpPr>
-        <p:spPr/>
-        <p:txBody>
-          <a:bodyPr/>
-          <a:lstStyle/>
-          <a:p>
-            <a:r>
-              <a:rPr lang="en-US" dirty="0"/>
-              <a:t> </a:t>
-            </a:r>
-          </a:p>
-        </p:txBody>
-      </p:sp>
-      <p:sp>
-        <p:nvSpPr>
-          <p:cNvPr id="2" name="TextBox 1">
-            <a:extLst>
-              <a:ext uri="{FF2B5EF4-FFF2-40B4-BE49-F238E27FC236}">
-                <a16:creationId xmlns:a16="http://schemas.microsoft.com/office/drawing/2014/main" id="{3EACAB49-2397-06CA-9197-B9ABCC386752}"/>
-              </a:ext>
-            </a:extLst>
-          </p:cNvPr>
-          <p:cNvSpPr txBox="1"/>
+          <p:cNvPicPr>
+            <a:picLocks noChangeAspect="1"/>
+          </p:cNvPicPr>
           <p:nvPr/>
-        </p:nvSpPr>
+        </p:nvPicPr>
+        <p:blipFill>
+          <a:blip r:embed="rId3"/>
+          <a:stretch>
+            <a:fillRect/>
+          </a:stretch>
+        </p:blipFill>
         <p:spPr>
           <a:xfrm>
-            <a:off x="381000" y="1143000"/>
-            <a:ext cx="10439400" cy="3416320"/>
+            <a:off x="1676400" y="2590800"/>
+            <a:ext cx="7954519" cy="4560861"/>
           </a:xfrm>
           <a:prstGeom prst="rect">
             <a:avLst/>
           </a:prstGeom>
-          <a:noFill/>
         </p:spPr>
-        <p:txBody>
-          <a:bodyPr wrap="square" rtlCol="0">
-            <a:spAutoFit/>
-          </a:bodyPr>
-          <a:lstStyle/>
-          <a:p>
-            <a:r>
-              <a:rPr lang="en-US" sz="2400" dirty="0"/>
-              <a:t>Course outline: </a:t>
-            </a:r>
-          </a:p>
-          <a:p>
-            <a:pPr marL="342900" indent="-342900">
-              <a:buAutoNum type="arabicPeriod"/>
-            </a:pPr>
-            <a:r>
-              <a:rPr lang="en-US" sz="2400" dirty="0"/>
-              <a:t>Data visualization (and introduction to R)</a:t>
-            </a:r>
-          </a:p>
-          <a:p>
-            <a:pPr marL="342900" indent="-342900">
-              <a:buAutoNum type="arabicPeriod"/>
-            </a:pPr>
-            <a:r>
-              <a:rPr lang="en-US" sz="2400" dirty="0"/>
-              <a:t>Descriptive statistics</a:t>
-            </a:r>
-          </a:p>
-          <a:p>
-            <a:pPr marL="342900" indent="-342900">
-              <a:buAutoNum type="arabicPeriod"/>
-            </a:pPr>
-            <a:r>
-              <a:rPr lang="en-US" sz="2400" dirty="0"/>
-              <a:t>Standard errors and other measures of uncertainty</a:t>
-            </a:r>
-          </a:p>
-          <a:p>
-            <a:pPr marL="342900" indent="-342900">
-              <a:buAutoNum type="arabicPeriod"/>
-            </a:pPr>
-            <a:r>
-              <a:rPr lang="en-US" sz="2400" dirty="0"/>
-              <a:t>Hypothesis Testing</a:t>
-            </a:r>
-          </a:p>
-          <a:p>
-            <a:pPr marL="342900" indent="-342900">
-              <a:buAutoNum type="arabicPeriod"/>
-            </a:pPr>
-            <a:r>
-              <a:rPr lang="en-US" sz="2400" dirty="0"/>
-              <a:t>Linear Regression</a:t>
-            </a:r>
-          </a:p>
-          <a:p>
-            <a:pPr marL="342900" indent="-342900">
-              <a:buAutoNum type="arabicPeriod"/>
-            </a:pPr>
-            <a:r>
-              <a:rPr lang="en-US" sz="2400" dirty="0"/>
-              <a:t>RCT Evaluations</a:t>
-            </a:r>
-          </a:p>
-          <a:p>
-            <a:pPr marL="342900" indent="-342900">
-              <a:buAutoNum type="arabicPeriod"/>
-            </a:pPr>
-            <a:r>
-              <a:rPr lang="en-US" sz="2400" dirty="0"/>
-              <a:t>Causal Inference</a:t>
-            </a:r>
-          </a:p>
-          <a:p>
-            <a:pPr marL="342900" indent="-342900">
-              <a:buAutoNum type="arabicPeriod"/>
-            </a:pPr>
-            <a:r>
-              <a:rPr lang="en-US" sz="2400" dirty="0"/>
-              <a:t>Survival Analysis, Mixed Methods </a:t>
-            </a:r>
-          </a:p>
-        </p:txBody>
-      </p:sp>
+      </p:pic>
     </p:spTree>
     <p:extLst>
       <p:ext uri="{BB962C8B-B14F-4D97-AF65-F5344CB8AC3E}">
-        <p14:creationId xmlns:p14="http://schemas.microsoft.com/office/powerpoint/2010/main" val="2458449207"/>
+        <p14:creationId xmlns:p14="http://schemas.microsoft.com/office/powerpoint/2010/main" val="3112479426"/>
       </p:ext>
     </p:extLst>
   </p:cSld>
@@ -10763,10 +11646,10 @@
       </p:grpSpPr>
       <p:sp>
         <p:nvSpPr>
-          <p:cNvPr id="4" name="Content Placeholder 3">
+          <p:cNvPr id="2" name="Title 1">
             <a:extLst>
               <a:ext uri="{FF2B5EF4-FFF2-40B4-BE49-F238E27FC236}">
-                <a16:creationId xmlns:a16="http://schemas.microsoft.com/office/drawing/2014/main" id="{AE68E5BA-C675-4302-ABDA-3EFDD6418FDE}"/>
+                <a16:creationId xmlns:a16="http://schemas.microsoft.com/office/drawing/2014/main" id="{E54BD568-A3DE-4D27-9652-A8CF021A9E7A}"/>
               </a:ext>
             </a:extLst>
           </p:cNvPr>
@@ -10774,34 +11657,61 @@
             <a:spLocks noGrp="1"/>
           </p:cNvSpPr>
           <p:nvPr>
-            <p:ph idx="1"/>
+            <p:ph type="title"/>
           </p:nvPr>
         </p:nvSpPr>
         <p:spPr>
           <a:xfrm>
-            <a:off x="2470404" y="1608139"/>
-            <a:ext cx="7359396" cy="4572000"/>
+            <a:off x="2470404" y="272396"/>
+            <a:ext cx="7269480" cy="1325562"/>
           </a:xfrm>
         </p:spPr>
         <p:txBody>
           <a:bodyPr/>
           <a:lstStyle/>
           <a:p>
-            <a:pPr lvl="1"/>
-            <a:endParaRPr lang="en-US" dirty="0"/>
-          </a:p>
-          <a:p>
-            <a:pPr lvl="1"/>
-            <a:endParaRPr lang="en-US" dirty="0"/>
-          </a:p>
-        </p:txBody>
-      </p:sp>
-      <p:sp>
-        <p:nvSpPr>
-          <p:cNvPr id="6" name="Title 1">
+            <a:r>
+              <a:rPr lang="en-US" dirty="0"/>
+              <a:t> </a:t>
+            </a:r>
+          </a:p>
+        </p:txBody>
+      </p:sp>
+      <p:pic>
+        <p:nvPicPr>
+          <p:cNvPr id="6" name="Content Placeholder 5">
             <a:extLst>
               <a:ext uri="{FF2B5EF4-FFF2-40B4-BE49-F238E27FC236}">
-                <a16:creationId xmlns:a16="http://schemas.microsoft.com/office/drawing/2014/main" id="{2447C70A-E8CD-4D7B-8C00-FF6EC3DCB236}"/>
+                <a16:creationId xmlns:a16="http://schemas.microsoft.com/office/drawing/2014/main" id="{B7692B18-F381-2632-2CBD-1E4711EEBB59}"/>
+              </a:ext>
+            </a:extLst>
+          </p:cNvPr>
+          <p:cNvPicPr>
+            <a:picLocks noGrp="1" noChangeAspect="1"/>
+          </p:cNvPicPr>
+          <p:nvPr>
+            <p:ph idx="1"/>
+          </p:nvPr>
+        </p:nvPicPr>
+        <p:blipFill>
+          <a:blip r:embed="rId3"/>
+          <a:stretch>
+            <a:fillRect/>
+          </a:stretch>
+        </p:blipFill>
+        <p:spPr>
+          <a:xfrm>
+            <a:off x="1261872" y="1746069"/>
+            <a:ext cx="7643834" cy="4746171"/>
+          </a:xfrm>
+        </p:spPr>
+      </p:pic>
+      <p:sp>
+        <p:nvSpPr>
+          <p:cNvPr id="5" name="Title 1">
+            <a:extLst>
+              <a:ext uri="{FF2B5EF4-FFF2-40B4-BE49-F238E27FC236}">
+                <a16:creationId xmlns:a16="http://schemas.microsoft.com/office/drawing/2014/main" id="{9188A289-910E-45BF-9F49-22ADDCD09BA3}"/>
               </a:ext>
             </a:extLst>
           </p:cNvPr>
@@ -10847,81 +11757,72 @@
               <a:rPr lang="en-US" dirty="0">
                 <a:latin typeface="Times New Roman" panose="02020603050405020304" pitchFamily="18" charset="0"/>
               </a:rPr>
-              <a:t>Introduction &amp; Syllabus</a:t>
-            </a:r>
-          </a:p>
-        </p:txBody>
-      </p:sp>
-      <p:sp>
-        <p:nvSpPr>
-          <p:cNvPr id="8" name="Title 7">
+              <a:t>Using R: A Trial of Patience/Faith/Etc. </a:t>
+            </a:r>
+          </a:p>
+        </p:txBody>
+      </p:sp>
+      <p:sp>
+        <p:nvSpPr>
+          <p:cNvPr id="3" name="TextBox 2">
             <a:extLst>
               <a:ext uri="{FF2B5EF4-FFF2-40B4-BE49-F238E27FC236}">
-                <a16:creationId xmlns:a16="http://schemas.microsoft.com/office/drawing/2014/main" id="{D13B5070-8B01-4C63-9F2E-79CAC4D00929}"/>
+                <a16:creationId xmlns:a16="http://schemas.microsoft.com/office/drawing/2014/main" id="{0A2072EC-227B-3E59-F9C4-2AC123F8D610}"/>
               </a:ext>
             </a:extLst>
           </p:cNvPr>
-          <p:cNvSpPr>
-            <a:spLocks noGrp="1"/>
-          </p:cNvSpPr>
-          <p:nvPr>
-            <p:ph type="title"/>
-          </p:nvPr>
-        </p:nvSpPr>
-        <p:spPr/>
-        <p:txBody>
-          <a:bodyPr>
-            <a:normAutofit/>
-          </a:bodyPr>
-          <a:lstStyle/>
-          <a:p>
-            <a:r>
-              <a:rPr lang="en-US" sz="3600" u="sng" dirty="0">
-                <a:solidFill>
-                  <a:schemeClr val="accent3">
-                    <a:lumMod val="75000"/>
-                  </a:schemeClr>
-                </a:solidFill>
-              </a:rPr>
-              <a:t>One Pet Peeve: </a:t>
-            </a:r>
-          </a:p>
-        </p:txBody>
-      </p:sp>
-      <p:pic>
-        <p:nvPicPr>
-          <p:cNvPr id="3" name="Picture 2">
-            <a:extLst>
-              <a:ext uri="{FF2B5EF4-FFF2-40B4-BE49-F238E27FC236}">
-                <a16:creationId xmlns:a16="http://schemas.microsoft.com/office/drawing/2014/main" id="{833370FD-9F6E-44BA-A617-4B97C3866C26}"/>
-              </a:ext>
-            </a:extLst>
-          </p:cNvPr>
-          <p:cNvPicPr>
-            <a:picLocks noChangeAspect="1"/>
-          </p:cNvPicPr>
+          <p:cNvSpPr txBox="1"/>
           <p:nvPr/>
-        </p:nvPicPr>
-        <p:blipFill>
-          <a:blip r:embed="rId3"/>
-          <a:stretch>
-            <a:fillRect/>
-          </a:stretch>
-        </p:blipFill>
+        </p:nvSpPr>
         <p:spPr>
           <a:xfrm>
-            <a:off x="1371600" y="1817614"/>
-            <a:ext cx="9000000" cy="3222771"/>
+            <a:off x="1371600" y="1291111"/>
+            <a:ext cx="8324715" cy="461665"/>
           </a:xfrm>
           <a:prstGeom prst="rect">
             <a:avLst/>
           </a:prstGeom>
+          <a:noFill/>
         </p:spPr>
-      </p:pic>
+        <p:txBody>
+          <a:bodyPr wrap="none" rtlCol="0">
+            <a:spAutoFit/>
+          </a:bodyPr>
+          <a:lstStyle/>
+          <a:p>
+            <a:pPr marL="342900" indent="-342900">
+              <a:buFont typeface="Arial" panose="020B0604020202020204" pitchFamily="34" charset="0"/>
+              <a:buChar char="•"/>
+            </a:pPr>
+            <a:r>
+              <a:rPr lang="en-CA" sz="2400" dirty="0">
+                <a:latin typeface="Times New Roman" panose="02020603050405020304" pitchFamily="18" charset="0"/>
+                <a:cs typeface="Times New Roman" panose="02020603050405020304" pitchFamily="18" charset="0"/>
+              </a:rPr>
+              <a:t>Mini-modules: </a:t>
+            </a:r>
+            <a:r>
+              <a:rPr lang="en-CA" sz="2400" dirty="0">
+                <a:latin typeface="Times New Roman" panose="02020603050405020304" pitchFamily="18" charset="0"/>
+                <a:cs typeface="Times New Roman" panose="02020603050405020304" pitchFamily="18" charset="0"/>
+                <a:hlinkClick r:id="rId4"/>
+              </a:rPr>
+              <a:t>https://jacobjameson.github.io/Intro%20R.html</a:t>
+            </a:r>
+            <a:r>
+              <a:rPr lang="en-CA" sz="2400" dirty="0">
+                <a:latin typeface="Times New Roman" panose="02020603050405020304" pitchFamily="18" charset="0"/>
+                <a:cs typeface="Times New Roman" panose="02020603050405020304" pitchFamily="18" charset="0"/>
+              </a:rPr>
+              <a:t> </a:t>
+            </a:r>
+          </a:p>
+        </p:txBody>
+      </p:sp>
     </p:spTree>
     <p:extLst>
       <p:ext uri="{BB962C8B-B14F-4D97-AF65-F5344CB8AC3E}">
-        <p14:creationId xmlns:p14="http://schemas.microsoft.com/office/powerpoint/2010/main" val="190750474"/>
+        <p14:creationId xmlns:p14="http://schemas.microsoft.com/office/powerpoint/2010/main" val="3166985140"/>
       </p:ext>
     </p:extLst>
   </p:cSld>
@@ -10950,6 +11851,245 @@
       </p:grpSpPr>
       <p:sp>
         <p:nvSpPr>
+          <p:cNvPr id="4" name="Content Placeholder 3">
+            <a:extLst>
+              <a:ext uri="{FF2B5EF4-FFF2-40B4-BE49-F238E27FC236}">
+                <a16:creationId xmlns:a16="http://schemas.microsoft.com/office/drawing/2014/main" id="{AE68E5BA-C675-4302-ABDA-3EFDD6418FDE}"/>
+              </a:ext>
+            </a:extLst>
+          </p:cNvPr>
+          <p:cNvSpPr>
+            <a:spLocks noGrp="1"/>
+          </p:cNvSpPr>
+          <p:nvPr>
+            <p:ph idx="1"/>
+          </p:nvPr>
+        </p:nvSpPr>
+        <p:spPr>
+          <a:xfrm>
+            <a:off x="2470404" y="1608139"/>
+            <a:ext cx="7359396" cy="4572000"/>
+          </a:xfrm>
+        </p:spPr>
+        <p:txBody>
+          <a:bodyPr/>
+          <a:lstStyle/>
+          <a:p>
+            <a:pPr lvl="1"/>
+            <a:endParaRPr lang="en-US" dirty="0"/>
+          </a:p>
+          <a:p>
+            <a:pPr lvl="1"/>
+            <a:endParaRPr lang="en-US" dirty="0"/>
+          </a:p>
+        </p:txBody>
+      </p:sp>
+      <p:sp>
+        <p:nvSpPr>
+          <p:cNvPr id="6" name="Title 1">
+            <a:extLst>
+              <a:ext uri="{FF2B5EF4-FFF2-40B4-BE49-F238E27FC236}">
+                <a16:creationId xmlns:a16="http://schemas.microsoft.com/office/drawing/2014/main" id="{2447C70A-E8CD-4D7B-8C00-FF6EC3DCB236}"/>
+              </a:ext>
+            </a:extLst>
+          </p:cNvPr>
+          <p:cNvSpPr txBox="1">
+            <a:spLocks/>
+          </p:cNvSpPr>
+          <p:nvPr/>
+        </p:nvSpPr>
+        <p:spPr>
+          <a:xfrm>
+            <a:off x="1261872" y="365760"/>
+            <a:ext cx="9692640" cy="777240"/>
+          </a:xfrm>
+          <a:prstGeom prst="rect">
+            <a:avLst/>
+          </a:prstGeom>
+        </p:spPr>
+        <p:txBody>
+          <a:bodyPr vert="horz" lIns="91440" tIns="45720" rIns="91440" bIns="45720" rtlCol="0" anchor="b">
+            <a:normAutofit/>
+          </a:bodyPr>
+          <a:lstStyle>
+            <a:lvl1pPr algn="l" defTabSz="914400" rtl="0" eaLnBrk="1" latinLnBrk="0" hangingPunct="1">
+              <a:lnSpc>
+                <a:spcPct val="90000"/>
+              </a:lnSpc>
+              <a:spcBef>
+                <a:spcPct val="0"/>
+              </a:spcBef>
+              <a:buNone/>
+              <a:defRPr sz="4400" kern="1200" spc="-50" baseline="0">
+                <a:solidFill>
+                  <a:schemeClr val="tx1"/>
+                </a:solidFill>
+                <a:latin typeface="+mj-lt"/>
+                <a:ea typeface="+mj-ea"/>
+                <a:cs typeface="+mj-cs"/>
+              </a:defRPr>
+            </a:lvl1pPr>
+          </a:lstStyle>
+          <a:p>
+            <a:r>
+              <a:rPr lang="en-US" dirty="0">
+                <a:latin typeface="Times New Roman" panose="02020603050405020304" pitchFamily="18" charset="0"/>
+              </a:rPr>
+              <a:t>Introduction &amp; Syllabus</a:t>
+            </a:r>
+          </a:p>
+        </p:txBody>
+      </p:sp>
+      <p:sp>
+        <p:nvSpPr>
+          <p:cNvPr id="8" name="Title 7">
+            <a:extLst>
+              <a:ext uri="{FF2B5EF4-FFF2-40B4-BE49-F238E27FC236}">
+                <a16:creationId xmlns:a16="http://schemas.microsoft.com/office/drawing/2014/main" id="{D13B5070-8B01-4C63-9F2E-79CAC4D00929}"/>
+              </a:ext>
+            </a:extLst>
+          </p:cNvPr>
+          <p:cNvSpPr>
+            <a:spLocks noGrp="1"/>
+          </p:cNvSpPr>
+          <p:nvPr>
+            <p:ph type="title"/>
+          </p:nvPr>
+        </p:nvSpPr>
+        <p:spPr/>
+        <p:txBody>
+          <a:bodyPr/>
+          <a:lstStyle/>
+          <a:p>
+            <a:r>
+              <a:rPr lang="en-US" dirty="0"/>
+              <a:t> </a:t>
+            </a:r>
+          </a:p>
+        </p:txBody>
+      </p:sp>
+      <p:pic>
+        <p:nvPicPr>
+          <p:cNvPr id="3" name="Picture 2">
+            <a:extLst>
+              <a:ext uri="{FF2B5EF4-FFF2-40B4-BE49-F238E27FC236}">
+                <a16:creationId xmlns:a16="http://schemas.microsoft.com/office/drawing/2014/main" id="{3CBAAE71-F388-4DDA-4DC4-C96E9ED81548}"/>
+              </a:ext>
+            </a:extLst>
+          </p:cNvPr>
+          <p:cNvPicPr>
+            <a:picLocks noChangeAspect="1"/>
+          </p:cNvPicPr>
+          <p:nvPr/>
+        </p:nvPicPr>
+        <p:blipFill>
+          <a:blip r:embed="rId3"/>
+          <a:stretch>
+            <a:fillRect/>
+          </a:stretch>
+        </p:blipFill>
+        <p:spPr>
+          <a:xfrm>
+            <a:off x="158172" y="1524000"/>
+            <a:ext cx="9547027" cy="4419600"/>
+          </a:xfrm>
+          <a:prstGeom prst="rect">
+            <a:avLst/>
+          </a:prstGeom>
+        </p:spPr>
+      </p:pic>
+      <p:pic>
+        <p:nvPicPr>
+          <p:cNvPr id="5" name="Picture 4">
+            <a:extLst>
+              <a:ext uri="{FF2B5EF4-FFF2-40B4-BE49-F238E27FC236}">
+                <a16:creationId xmlns:a16="http://schemas.microsoft.com/office/drawing/2014/main" id="{551DBAB4-0ABF-E753-47A0-056D061292A6}"/>
+              </a:ext>
+            </a:extLst>
+          </p:cNvPr>
+          <p:cNvPicPr>
+            <a:picLocks noChangeAspect="1"/>
+          </p:cNvPicPr>
+          <p:nvPr/>
+        </p:nvPicPr>
+        <p:blipFill>
+          <a:blip r:embed="rId4"/>
+          <a:stretch>
+            <a:fillRect/>
+          </a:stretch>
+        </p:blipFill>
+        <p:spPr>
+          <a:xfrm>
+            <a:off x="3505200" y="1184476"/>
+            <a:ext cx="3586049" cy="5098648"/>
+          </a:xfrm>
+          <a:prstGeom prst="rect">
+            <a:avLst/>
+          </a:prstGeom>
+        </p:spPr>
+      </p:pic>
+      <p:pic>
+        <p:nvPicPr>
+          <p:cNvPr id="9" name="Picture 8">
+            <a:extLst>
+              <a:ext uri="{FF2B5EF4-FFF2-40B4-BE49-F238E27FC236}">
+                <a16:creationId xmlns:a16="http://schemas.microsoft.com/office/drawing/2014/main" id="{AB011FEB-2C5F-2112-F24B-49135380630E}"/>
+              </a:ext>
+            </a:extLst>
+          </p:cNvPr>
+          <p:cNvPicPr>
+            <a:picLocks noChangeAspect="1"/>
+          </p:cNvPicPr>
+          <p:nvPr/>
+        </p:nvPicPr>
+        <p:blipFill>
+          <a:blip r:embed="rId5"/>
+          <a:stretch>
+            <a:fillRect/>
+          </a:stretch>
+        </p:blipFill>
+        <p:spPr>
+          <a:xfrm>
+            <a:off x="7091249" y="1268137"/>
+            <a:ext cx="3527714" cy="5098648"/>
+          </a:xfrm>
+          <a:prstGeom prst="rect">
+            <a:avLst/>
+          </a:prstGeom>
+        </p:spPr>
+      </p:pic>
+    </p:spTree>
+    <p:extLst>
+      <p:ext uri="{BB962C8B-B14F-4D97-AF65-F5344CB8AC3E}">
+        <p14:creationId xmlns:p14="http://schemas.microsoft.com/office/powerpoint/2010/main" val="1420699121"/>
+      </p:ext>
+    </p:extLst>
+  </p:cSld>
+  <p:clrMapOvr>
+    <a:masterClrMapping/>
+  </p:clrMapOvr>
+</p:sld>
+</file>
+
+<file path=ppt/slides/slide23.xml><?xml version="1.0" encoding="utf-8"?>
+<p:sld xmlns:a="http://schemas.openxmlformats.org/drawingml/2006/main" xmlns:r="http://schemas.openxmlformats.org/officeDocument/2006/relationships" xmlns:p="http://schemas.openxmlformats.org/presentationml/2006/main">
+  <p:cSld>
+    <p:spTree>
+      <p:nvGrpSpPr>
+        <p:cNvPr id="1" name=""/>
+        <p:cNvGrpSpPr/>
+        <p:nvPr/>
+      </p:nvGrpSpPr>
+      <p:grpSpPr>
+        <a:xfrm>
+          <a:off x="0" y="0"/>
+          <a:ext cx="0" cy="0"/>
+          <a:chOff x="0" y="0"/>
+          <a:chExt cx="0" cy="0"/>
+        </a:xfrm>
+      </p:grpSpPr>
+      <p:sp>
+        <p:nvSpPr>
           <p:cNvPr id="2" name="Title 1">
             <a:extLst>
               <a:ext uri="{FF2B5EF4-FFF2-40B4-BE49-F238E27FC236}">
@@ -11021,7 +12161,7 @@
 </p:sld>
 </file>
 
-<file path=ppt/slides/slide23.xml><?xml version="1.0" encoding="utf-8"?>
+<file path=ppt/slides/slide24.xml><?xml version="1.0" encoding="utf-8"?>
 <p:sld xmlns:a="http://schemas.openxmlformats.org/drawingml/2006/main" xmlns:r="http://schemas.openxmlformats.org/officeDocument/2006/relationships" xmlns:p="http://schemas.openxmlformats.org/presentationml/2006/main">
   <p:cSld>
     <p:spTree>
@@ -11468,7 +12608,7 @@
 </p:sld>
 </file>
 
-<file path=ppt/slides/slide24.xml><?xml version="1.0" encoding="utf-8"?>
+<file path=ppt/slides/slide25.xml><?xml version="1.0" encoding="utf-8"?>
 <p:sld xmlns:a="http://schemas.openxmlformats.org/drawingml/2006/main" xmlns:r="http://schemas.openxmlformats.org/officeDocument/2006/relationships" xmlns:p="http://schemas.openxmlformats.org/presentationml/2006/main">
   <p:cSld>
     <p:spTree>
@@ -11954,7 +13094,7 @@
 </p:sld>
 </file>
 
-<file path=ppt/slides/slide25.xml><?xml version="1.0" encoding="utf-8"?>
+<file path=ppt/slides/slide26.xml><?xml version="1.0" encoding="utf-8"?>
 <p:sld xmlns:a="http://schemas.openxmlformats.org/drawingml/2006/main" xmlns:r="http://schemas.openxmlformats.org/officeDocument/2006/relationships" xmlns:p="http://schemas.openxmlformats.org/presentationml/2006/main">
   <p:cSld>
     <p:spTree>
@@ -12500,7 +13640,7 @@
 </p:sld>
 </file>
 
-<file path=ppt/slides/slide26.xml><?xml version="1.0" encoding="utf-8"?>
+<file path=ppt/slides/slide27.xml><?xml version="1.0" encoding="utf-8"?>
 <p:sld xmlns:a="http://schemas.openxmlformats.org/drawingml/2006/main" xmlns:r="http://schemas.openxmlformats.org/officeDocument/2006/relationships" xmlns:p="http://schemas.openxmlformats.org/presentationml/2006/main">
   <p:cSld>
     <p:spTree>
@@ -12949,7 +14089,7 @@
 </p:sld>
 </file>
 
-<file path=ppt/slides/slide27.xml><?xml version="1.0" encoding="utf-8"?>
+<file path=ppt/slides/slide28.xml><?xml version="1.0" encoding="utf-8"?>
 <p:sld xmlns:a="http://schemas.openxmlformats.org/drawingml/2006/main" xmlns:r="http://schemas.openxmlformats.org/officeDocument/2006/relationships" xmlns:p="http://schemas.openxmlformats.org/presentationml/2006/main">
   <p:cSld>
     <p:spTree>
@@ -13385,7 +14525,7 @@
 </p:sld>
 </file>
 
-<file path=ppt/slides/slide28.xml><?xml version="1.0" encoding="utf-8"?>
+<file path=ppt/slides/slide29.xml><?xml version="1.0" encoding="utf-8"?>
 <p:sld xmlns:a="http://schemas.openxmlformats.org/drawingml/2006/main" xmlns:r="http://schemas.openxmlformats.org/officeDocument/2006/relationships" xmlns:p="http://schemas.openxmlformats.org/presentationml/2006/main">
   <p:cSld>
     <p:spTree>
@@ -13846,7 +14986,125 @@
 </p:sld>
 </file>
 
-<file path=ppt/slides/slide29.xml><?xml version="1.0" encoding="utf-8"?>
+<file path=ppt/slides/slide3.xml><?xml version="1.0" encoding="utf-8"?>
+<p:sld xmlns:a="http://schemas.openxmlformats.org/drawingml/2006/main" xmlns:r="http://schemas.openxmlformats.org/officeDocument/2006/relationships" xmlns:p="http://schemas.openxmlformats.org/presentationml/2006/main">
+  <p:cSld>
+    <p:spTree>
+      <p:nvGrpSpPr>
+        <p:cNvPr id="1" name=""/>
+        <p:cNvGrpSpPr/>
+        <p:nvPr/>
+      </p:nvGrpSpPr>
+      <p:grpSpPr>
+        <a:xfrm>
+          <a:off x="0" y="0"/>
+          <a:ext cx="0" cy="0"/>
+          <a:chOff x="0" y="0"/>
+          <a:chExt cx="0" cy="0"/>
+        </a:xfrm>
+      </p:grpSpPr>
+      <p:sp>
+        <p:nvSpPr>
+          <p:cNvPr id="2" name="Title 1">
+            <a:extLst>
+              <a:ext uri="{FF2B5EF4-FFF2-40B4-BE49-F238E27FC236}">
+                <a16:creationId xmlns:a16="http://schemas.microsoft.com/office/drawing/2014/main" id="{E54BD568-A3DE-4D27-9652-A8CF021A9E7A}"/>
+              </a:ext>
+            </a:extLst>
+          </p:cNvPr>
+          <p:cNvSpPr>
+            <a:spLocks noGrp="1"/>
+          </p:cNvSpPr>
+          <p:nvPr>
+            <p:ph type="title"/>
+          </p:nvPr>
+        </p:nvSpPr>
+        <p:spPr>
+          <a:xfrm>
+            <a:off x="762000" y="365760"/>
+            <a:ext cx="10192512" cy="777240"/>
+          </a:xfrm>
+        </p:spPr>
+        <p:txBody>
+          <a:bodyPr>
+            <a:normAutofit/>
+          </a:bodyPr>
+          <a:lstStyle/>
+          <a:p>
+            <a:r>
+              <a:rPr lang="en-US" dirty="0"/>
+              <a:t>Introductions: Backgrounds</a:t>
+            </a:r>
+          </a:p>
+        </p:txBody>
+      </p:sp>
+      <p:sp>
+        <p:nvSpPr>
+          <p:cNvPr id="17" name="TextBox 16">
+            <a:extLst>
+              <a:ext uri="{FF2B5EF4-FFF2-40B4-BE49-F238E27FC236}">
+                <a16:creationId xmlns:a16="http://schemas.microsoft.com/office/drawing/2014/main" id="{F8A4666C-BC49-0B06-DA1C-0573BF456E8B}"/>
+              </a:ext>
+            </a:extLst>
+          </p:cNvPr>
+          <p:cNvSpPr txBox="1"/>
+          <p:nvPr/>
+        </p:nvSpPr>
+        <p:spPr>
+          <a:xfrm>
+            <a:off x="988118" y="1369429"/>
+            <a:ext cx="9055684" cy="510778"/>
+          </a:xfrm>
+          <a:prstGeom prst="roundRect">
+            <a:avLst/>
+          </a:prstGeom>
+          <a:solidFill>
+            <a:schemeClr val="accent2">
+              <a:lumMod val="40000"/>
+              <a:lumOff val="60000"/>
+            </a:schemeClr>
+          </a:solidFill>
+          <a:ln>
+            <a:solidFill>
+              <a:schemeClr val="accent2">
+                <a:lumMod val="50000"/>
+              </a:schemeClr>
+            </a:solidFill>
+          </a:ln>
+        </p:spPr>
+        <p:txBody>
+          <a:bodyPr wrap="none" rtlCol="0">
+            <a:spAutoFit/>
+          </a:bodyPr>
+          <a:lstStyle/>
+          <a:p>
+            <a:r>
+              <a:rPr lang="en-CA" sz="2400" dirty="0">
+                <a:solidFill>
+                  <a:schemeClr val="accent2">
+                    <a:lumMod val="50000"/>
+                  </a:schemeClr>
+                </a:solidFill>
+              </a:rPr>
+              <a:t>Most have backgrounds in mixed methods or qualitative work</a:t>
+            </a:r>
+          </a:p>
+        </p:txBody>
+      </p:sp>
+    </p:spTree>
+    <p:extLst>
+      <p:ext uri="{BB962C8B-B14F-4D97-AF65-F5344CB8AC3E}">
+        <p14:creationId xmlns:p14="http://schemas.microsoft.com/office/powerpoint/2010/main" val="1999073114"/>
+      </p:ext>
+    </p:extLst>
+  </p:cSld>
+  <p:clrMapOvr>
+    <a:masterClrMapping/>
+  </p:clrMapOvr>
+</p:sld>
+</file>
+
+<file path=ppt/slides/slide30.xml><?xml version="1.0" encoding="utf-8"?>
 <p:sld xmlns:a="http://schemas.openxmlformats.org/drawingml/2006/main" xmlns:r="http://schemas.openxmlformats.org/officeDocument/2006/relationships" xmlns:p="http://schemas.openxmlformats.org/presentationml/2006/main">
   <p:cSld>
     <p:spTree>
@@ -14322,125 +15580,7 @@
 </p:sld>
 </file>
 
-<file path=ppt/slides/slide3.xml><?xml version="1.0" encoding="utf-8"?>
-<p:sld xmlns:a="http://schemas.openxmlformats.org/drawingml/2006/main" xmlns:r="http://schemas.openxmlformats.org/officeDocument/2006/relationships" xmlns:p="http://schemas.openxmlformats.org/presentationml/2006/main">
-  <p:cSld>
-    <p:spTree>
-      <p:nvGrpSpPr>
-        <p:cNvPr id="1" name=""/>
-        <p:cNvGrpSpPr/>
-        <p:nvPr/>
-      </p:nvGrpSpPr>
-      <p:grpSpPr>
-        <a:xfrm>
-          <a:off x="0" y="0"/>
-          <a:ext cx="0" cy="0"/>
-          <a:chOff x="0" y="0"/>
-          <a:chExt cx="0" cy="0"/>
-        </a:xfrm>
-      </p:grpSpPr>
-      <p:sp>
-        <p:nvSpPr>
-          <p:cNvPr id="2" name="Title 1">
-            <a:extLst>
-              <a:ext uri="{FF2B5EF4-FFF2-40B4-BE49-F238E27FC236}">
-                <a16:creationId xmlns:a16="http://schemas.microsoft.com/office/drawing/2014/main" id="{E54BD568-A3DE-4D27-9652-A8CF021A9E7A}"/>
-              </a:ext>
-            </a:extLst>
-          </p:cNvPr>
-          <p:cNvSpPr>
-            <a:spLocks noGrp="1"/>
-          </p:cNvSpPr>
-          <p:nvPr>
-            <p:ph type="title"/>
-          </p:nvPr>
-        </p:nvSpPr>
-        <p:spPr>
-          <a:xfrm>
-            <a:off x="762000" y="365760"/>
-            <a:ext cx="10192512" cy="777240"/>
-          </a:xfrm>
-        </p:spPr>
-        <p:txBody>
-          <a:bodyPr>
-            <a:normAutofit/>
-          </a:bodyPr>
-          <a:lstStyle/>
-          <a:p>
-            <a:r>
-              <a:rPr lang="en-US" dirty="0"/>
-              <a:t>Introductions: Backgrounds</a:t>
-            </a:r>
-          </a:p>
-        </p:txBody>
-      </p:sp>
-      <p:sp>
-        <p:nvSpPr>
-          <p:cNvPr id="17" name="TextBox 16">
-            <a:extLst>
-              <a:ext uri="{FF2B5EF4-FFF2-40B4-BE49-F238E27FC236}">
-                <a16:creationId xmlns:a16="http://schemas.microsoft.com/office/drawing/2014/main" id="{F8A4666C-BC49-0B06-DA1C-0573BF456E8B}"/>
-              </a:ext>
-            </a:extLst>
-          </p:cNvPr>
-          <p:cNvSpPr txBox="1"/>
-          <p:nvPr/>
-        </p:nvSpPr>
-        <p:spPr>
-          <a:xfrm>
-            <a:off x="988118" y="1369429"/>
-            <a:ext cx="9055684" cy="510778"/>
-          </a:xfrm>
-          <a:prstGeom prst="roundRect">
-            <a:avLst/>
-          </a:prstGeom>
-          <a:solidFill>
-            <a:schemeClr val="accent2">
-              <a:lumMod val="40000"/>
-              <a:lumOff val="60000"/>
-            </a:schemeClr>
-          </a:solidFill>
-          <a:ln>
-            <a:solidFill>
-              <a:schemeClr val="accent2">
-                <a:lumMod val="50000"/>
-              </a:schemeClr>
-            </a:solidFill>
-          </a:ln>
-        </p:spPr>
-        <p:txBody>
-          <a:bodyPr wrap="none" rtlCol="0">
-            <a:spAutoFit/>
-          </a:bodyPr>
-          <a:lstStyle/>
-          <a:p>
-            <a:r>
-              <a:rPr lang="en-CA" sz="2400" dirty="0">
-                <a:solidFill>
-                  <a:schemeClr val="accent2">
-                    <a:lumMod val="50000"/>
-                  </a:schemeClr>
-                </a:solidFill>
-              </a:rPr>
-              <a:t>Most have backgrounds in mixed methods or qualitative work</a:t>
-            </a:r>
-          </a:p>
-        </p:txBody>
-      </p:sp>
-    </p:spTree>
-    <p:extLst>
-      <p:ext uri="{BB962C8B-B14F-4D97-AF65-F5344CB8AC3E}">
-        <p14:creationId xmlns:p14="http://schemas.microsoft.com/office/powerpoint/2010/main" val="1999073114"/>
-      </p:ext>
-    </p:extLst>
-  </p:cSld>
-  <p:clrMapOvr>
-    <a:masterClrMapping/>
-  </p:clrMapOvr>
-</p:sld>
-</file>
-
-<file path=ppt/slides/slide30.xml><?xml version="1.0" encoding="utf-8"?>
+<file path=ppt/slides/slide31.xml><?xml version="1.0" encoding="utf-8"?>
 <p:sld xmlns:a="http://schemas.openxmlformats.org/drawingml/2006/main" xmlns:r="http://schemas.openxmlformats.org/officeDocument/2006/relationships" xmlns:p="http://schemas.openxmlformats.org/presentationml/2006/main">
   <p:cSld>
     <p:spTree>
@@ -15119,7 +16259,7 @@
 </p:sld>
 </file>
 
-<file path=ppt/slides/slide31.xml><?xml version="1.0" encoding="utf-8"?>
+<file path=ppt/slides/slide32.xml><?xml version="1.0" encoding="utf-8"?>
 <p:sld xmlns:a="http://schemas.openxmlformats.org/drawingml/2006/main" xmlns:r="http://schemas.openxmlformats.org/officeDocument/2006/relationships" xmlns:p="http://schemas.openxmlformats.org/presentationml/2006/main">
   <p:cSld>
     <p:spTree>
@@ -15568,7 +16708,7 @@
 </p:sld>
 </file>
 
-<file path=ppt/slides/slide32.xml><?xml version="1.0" encoding="utf-8"?>
+<file path=ppt/slides/slide33.xml><?xml version="1.0" encoding="utf-8"?>
 <p:sld xmlns:a="http://schemas.openxmlformats.org/drawingml/2006/main" xmlns:r="http://schemas.openxmlformats.org/officeDocument/2006/relationships" xmlns:p="http://schemas.openxmlformats.org/presentationml/2006/main">
   <p:cSld>
     <p:spTree>
@@ -15658,7 +16798,7 @@
 </p:sld>
 </file>
 
-<file path=ppt/slides/slide33.xml><?xml version="1.0" encoding="utf-8"?>
+<file path=ppt/slides/slide34.xml><?xml version="1.0" encoding="utf-8"?>
 <p:sld xmlns:a="http://schemas.openxmlformats.org/drawingml/2006/main" xmlns:r="http://schemas.openxmlformats.org/officeDocument/2006/relationships" xmlns:p="http://schemas.openxmlformats.org/presentationml/2006/main">
   <p:cSld>
     <p:spTree>
@@ -15965,7 +17105,7 @@
 </p:sld>
 </file>
 
-<file path=ppt/slides/slide34.xml><?xml version="1.0" encoding="utf-8"?>
+<file path=ppt/slides/slide35.xml><?xml version="1.0" encoding="utf-8"?>
 <p:sld xmlns:a="http://schemas.openxmlformats.org/drawingml/2006/main" xmlns:r="http://schemas.openxmlformats.org/officeDocument/2006/relationships" xmlns:p="http://schemas.openxmlformats.org/presentationml/2006/main">
   <p:cSld>
     <p:spTree>
@@ -16271,7 +17411,7 @@
 </p:sld>
 </file>
 
-<file path=ppt/slides/slide35.xml><?xml version="1.0" encoding="utf-8"?>
+<file path=ppt/slides/slide36.xml><?xml version="1.0" encoding="utf-8"?>
 <p:sld xmlns:a="http://schemas.openxmlformats.org/drawingml/2006/main" xmlns:r="http://schemas.openxmlformats.org/officeDocument/2006/relationships" xmlns:p="http://schemas.openxmlformats.org/presentationml/2006/main">
   <p:cSld>
     <p:spTree>
@@ -16636,393 +17776,6 @@
     <p:extLst>
       <p:ext uri="{BB962C8B-B14F-4D97-AF65-F5344CB8AC3E}">
         <p14:creationId xmlns:p14="http://schemas.microsoft.com/office/powerpoint/2010/main" val="3348349559"/>
-      </p:ext>
-    </p:extLst>
-  </p:cSld>
-  <p:clrMapOvr>
-    <a:masterClrMapping/>
-  </p:clrMapOvr>
-</p:sld>
-</file>
-
-<file path=ppt/slides/slide36.xml><?xml version="1.0" encoding="utf-8"?>
-<p:sld xmlns:a="http://schemas.openxmlformats.org/drawingml/2006/main" xmlns:r="http://schemas.openxmlformats.org/officeDocument/2006/relationships" xmlns:p="http://schemas.openxmlformats.org/presentationml/2006/main">
-  <p:cSld>
-    <p:spTree>
-      <p:nvGrpSpPr>
-        <p:cNvPr id="1" name=""/>
-        <p:cNvGrpSpPr/>
-        <p:nvPr/>
-      </p:nvGrpSpPr>
-      <p:grpSpPr>
-        <a:xfrm>
-          <a:off x="0" y="0"/>
-          <a:ext cx="0" cy="0"/>
-          <a:chOff x="0" y="0"/>
-          <a:chExt cx="0" cy="0"/>
-        </a:xfrm>
-      </p:grpSpPr>
-      <p:sp>
-        <p:nvSpPr>
-          <p:cNvPr id="6" name="Title 1">
-            <a:extLst>
-              <a:ext uri="{FF2B5EF4-FFF2-40B4-BE49-F238E27FC236}">
-                <a16:creationId xmlns:a16="http://schemas.microsoft.com/office/drawing/2014/main" id="{2447C70A-E8CD-4D7B-8C00-FF6EC3DCB236}"/>
-              </a:ext>
-            </a:extLst>
-          </p:cNvPr>
-          <p:cNvSpPr txBox="1">
-            <a:spLocks/>
-          </p:cNvSpPr>
-          <p:nvPr/>
-        </p:nvSpPr>
-        <p:spPr>
-          <a:xfrm>
-            <a:off x="318370" y="387315"/>
-            <a:ext cx="9692640" cy="777240"/>
-          </a:xfrm>
-          <a:prstGeom prst="rect">
-            <a:avLst/>
-          </a:prstGeom>
-        </p:spPr>
-        <p:txBody>
-          <a:bodyPr vert="horz" lIns="91440" tIns="45720" rIns="91440" bIns="45720" rtlCol="0" anchor="b">
-            <a:normAutofit/>
-          </a:bodyPr>
-          <a:lstStyle>
-            <a:lvl1pPr algn="l" defTabSz="914400" rtl="0" eaLnBrk="1" latinLnBrk="0" hangingPunct="1">
-              <a:lnSpc>
-                <a:spcPct val="90000"/>
-              </a:lnSpc>
-              <a:spcBef>
-                <a:spcPct val="0"/>
-              </a:spcBef>
-              <a:buNone/>
-              <a:defRPr sz="4400" kern="1200" spc="-50" baseline="0">
-                <a:solidFill>
-                  <a:schemeClr val="tx1"/>
-                </a:solidFill>
-                <a:latin typeface="+mj-lt"/>
-                <a:ea typeface="+mj-ea"/>
-                <a:cs typeface="+mj-cs"/>
-              </a:defRPr>
-            </a:lvl1pPr>
-          </a:lstStyle>
-          <a:p>
-            <a:r>
-              <a:rPr lang="en-US" dirty="0">
-                <a:solidFill>
-                  <a:srgbClr val="0070C0"/>
-                </a:solidFill>
-                <a:latin typeface="Times New Roman" panose="02020603050405020304" pitchFamily="18" charset="0"/>
-              </a:rPr>
-              <a:t>What statistics can do</a:t>
-            </a:r>
-          </a:p>
-        </p:txBody>
-      </p:sp>
-      <p:sp>
-        <p:nvSpPr>
-          <p:cNvPr id="2" name="Content Placeholder 3">
-            <a:extLst>
-              <a:ext uri="{FF2B5EF4-FFF2-40B4-BE49-F238E27FC236}">
-                <a16:creationId xmlns:a16="http://schemas.microsoft.com/office/drawing/2014/main" id="{3F15E76A-5D15-A90E-3BAC-6C06CA5B293D}"/>
-              </a:ext>
-            </a:extLst>
-          </p:cNvPr>
-          <p:cNvSpPr txBox="1">
-            <a:spLocks/>
-          </p:cNvSpPr>
-          <p:nvPr/>
-        </p:nvSpPr>
-        <p:spPr>
-          <a:xfrm>
-            <a:off x="389852" y="1219200"/>
-            <a:ext cx="9634728" cy="4960939"/>
-          </a:xfrm>
-          <a:prstGeom prst="rect">
-            <a:avLst/>
-          </a:prstGeom>
-        </p:spPr>
-        <p:txBody>
-          <a:bodyPr vert="horz" lIns="91440" tIns="45720" rIns="91440" bIns="45720" rtlCol="0">
-            <a:noAutofit/>
-          </a:bodyPr>
-          <a:lstStyle>
-            <a:lvl1pPr marL="182880" indent="-182880" algn="l" defTabSz="914400" rtl="0" eaLnBrk="1" latinLnBrk="0" hangingPunct="1">
-              <a:lnSpc>
-                <a:spcPct val="95000"/>
-              </a:lnSpc>
-              <a:spcBef>
-                <a:spcPts val="1400"/>
-              </a:spcBef>
-              <a:spcAft>
-                <a:spcPts val="200"/>
-              </a:spcAft>
-              <a:buClr>
-                <a:schemeClr val="accent1"/>
-              </a:buClr>
-              <a:buSzPct val="80000"/>
-              <a:buFont typeface="Arial" pitchFamily="34" charset="0"/>
-              <a:buChar char="•"/>
-              <a:defRPr sz="1800" kern="1200" spc="10" baseline="0">
-                <a:solidFill>
-                  <a:schemeClr val="tx1"/>
-                </a:solidFill>
-                <a:latin typeface="Times New Roman" panose="02020603050405020304" pitchFamily="18" charset="0"/>
-                <a:ea typeface="+mn-ea"/>
-                <a:cs typeface="+mn-cs"/>
-              </a:defRPr>
-            </a:lvl1pPr>
-            <a:lvl2pPr marL="457200" indent="-182880" algn="l" defTabSz="914400" rtl="0" eaLnBrk="1" latinLnBrk="0" hangingPunct="1">
-              <a:lnSpc>
-                <a:spcPct val="90000"/>
-              </a:lnSpc>
-              <a:spcBef>
-                <a:spcPts val="300"/>
-              </a:spcBef>
-              <a:spcAft>
-                <a:spcPts val="300"/>
-              </a:spcAft>
-              <a:buClr>
-                <a:schemeClr val="accent1"/>
-              </a:buClr>
-              <a:buFont typeface="Wingdings 2" pitchFamily="18" charset="2"/>
-              <a:buChar char=""/>
-              <a:defRPr sz="1600" kern="1200">
-                <a:solidFill>
-                  <a:schemeClr val="tx1">
-                    <a:lumMod val="85000"/>
-                    <a:lumOff val="15000"/>
-                  </a:schemeClr>
-                </a:solidFill>
-                <a:latin typeface="Times New Roman" panose="02020603050405020304" pitchFamily="18" charset="0"/>
-                <a:ea typeface="+mn-ea"/>
-                <a:cs typeface="+mn-cs"/>
-              </a:defRPr>
-            </a:lvl2pPr>
-            <a:lvl3pPr marL="731520" indent="-182880" algn="l" defTabSz="914400" rtl="0" eaLnBrk="1" latinLnBrk="0" hangingPunct="1">
-              <a:lnSpc>
-                <a:spcPct val="90000"/>
-              </a:lnSpc>
-              <a:spcBef>
-                <a:spcPts val="300"/>
-              </a:spcBef>
-              <a:spcAft>
-                <a:spcPts val="300"/>
-              </a:spcAft>
-              <a:buClr>
-                <a:schemeClr val="accent1"/>
-              </a:buClr>
-              <a:buFont typeface="Wingdings 2" pitchFamily="18" charset="2"/>
-              <a:buChar char=""/>
-              <a:defRPr sz="1400" kern="1200">
-                <a:solidFill>
-                  <a:schemeClr val="tx1">
-                    <a:lumMod val="85000"/>
-                    <a:lumOff val="15000"/>
-                  </a:schemeClr>
-                </a:solidFill>
-                <a:latin typeface="Times New Roman" panose="02020603050405020304" pitchFamily="18" charset="0"/>
-                <a:ea typeface="+mn-ea"/>
-                <a:cs typeface="+mn-cs"/>
-              </a:defRPr>
-            </a:lvl3pPr>
-            <a:lvl4pPr marL="1005840" indent="-182880" algn="l" defTabSz="914400" rtl="0" eaLnBrk="1" latinLnBrk="0" hangingPunct="1">
-              <a:lnSpc>
-                <a:spcPct val="90000"/>
-              </a:lnSpc>
-              <a:spcBef>
-                <a:spcPts val="300"/>
-              </a:spcBef>
-              <a:spcAft>
-                <a:spcPts val="300"/>
-              </a:spcAft>
-              <a:buClr>
-                <a:schemeClr val="accent1"/>
-              </a:buClr>
-              <a:buFont typeface="Wingdings 2" pitchFamily="18" charset="2"/>
-              <a:buChar char=""/>
-              <a:defRPr sz="1400" kern="1200">
-                <a:solidFill>
-                  <a:schemeClr val="tx1">
-                    <a:lumMod val="85000"/>
-                    <a:lumOff val="15000"/>
-                  </a:schemeClr>
-                </a:solidFill>
-                <a:latin typeface="Times New Roman" panose="02020603050405020304" pitchFamily="18" charset="0"/>
-                <a:ea typeface="+mn-ea"/>
-                <a:cs typeface="+mn-cs"/>
-              </a:defRPr>
-            </a:lvl4pPr>
-            <a:lvl5pPr marL="1280160" indent="-182880" algn="l" defTabSz="914400" rtl="0" eaLnBrk="1" latinLnBrk="0" hangingPunct="1">
-              <a:lnSpc>
-                <a:spcPct val="90000"/>
-              </a:lnSpc>
-              <a:spcBef>
-                <a:spcPts val="300"/>
-              </a:spcBef>
-              <a:spcAft>
-                <a:spcPts val="300"/>
-              </a:spcAft>
-              <a:buClr>
-                <a:schemeClr val="accent1"/>
-              </a:buClr>
-              <a:buFont typeface="Wingdings 2" pitchFamily="18" charset="2"/>
-              <a:buChar char=""/>
-              <a:defRPr sz="1400" kern="1200">
-                <a:solidFill>
-                  <a:schemeClr val="tx1">
-                    <a:lumMod val="85000"/>
-                    <a:lumOff val="15000"/>
-                  </a:schemeClr>
-                </a:solidFill>
-                <a:latin typeface="Times New Roman" panose="02020603050405020304" pitchFamily="18" charset="0"/>
-                <a:ea typeface="+mn-ea"/>
-                <a:cs typeface="+mn-cs"/>
-              </a:defRPr>
-            </a:lvl5pPr>
-            <a:lvl6pPr marL="1600000" indent="-228600" algn="l" defTabSz="914400" rtl="0" eaLnBrk="1" latinLnBrk="0" hangingPunct="1">
-              <a:lnSpc>
-                <a:spcPct val="90000"/>
-              </a:lnSpc>
-              <a:spcBef>
-                <a:spcPts val="300"/>
-              </a:spcBef>
-              <a:spcAft>
-                <a:spcPts val="300"/>
-              </a:spcAft>
-              <a:buClr>
-                <a:schemeClr val="accent1"/>
-              </a:buClr>
-              <a:buFont typeface="Wingdings 2" pitchFamily="18" charset="2"/>
-              <a:buChar char=""/>
-              <a:defRPr sz="1400" kern="1200">
-                <a:solidFill>
-                  <a:schemeClr val="tx1">
-                    <a:lumMod val="85000"/>
-                    <a:lumOff val="15000"/>
-                  </a:schemeClr>
-                </a:solidFill>
-                <a:latin typeface="+mn-lt"/>
-                <a:ea typeface="+mn-ea"/>
-                <a:cs typeface="+mn-cs"/>
-              </a:defRPr>
-            </a:lvl6pPr>
-            <a:lvl7pPr marL="1900000" indent="-228600" algn="l" defTabSz="914400" rtl="0" eaLnBrk="1" latinLnBrk="0" hangingPunct="1">
-              <a:lnSpc>
-                <a:spcPct val="90000"/>
-              </a:lnSpc>
-              <a:spcBef>
-                <a:spcPts val="300"/>
-              </a:spcBef>
-              <a:spcAft>
-                <a:spcPts val="300"/>
-              </a:spcAft>
-              <a:buClr>
-                <a:schemeClr val="accent1"/>
-              </a:buClr>
-              <a:buFont typeface="Wingdings 2" pitchFamily="18" charset="2"/>
-              <a:buChar char=""/>
-              <a:defRPr sz="1400" kern="1200">
-                <a:solidFill>
-                  <a:schemeClr val="tx1">
-                    <a:lumMod val="85000"/>
-                    <a:lumOff val="15000"/>
-                  </a:schemeClr>
-                </a:solidFill>
-                <a:latin typeface="+mn-lt"/>
-                <a:ea typeface="+mn-ea"/>
-                <a:cs typeface="+mn-cs"/>
-              </a:defRPr>
-            </a:lvl7pPr>
-            <a:lvl8pPr marL="2200000" indent="-228600" algn="l" defTabSz="914400" rtl="0" eaLnBrk="1" latinLnBrk="0" hangingPunct="1">
-              <a:lnSpc>
-                <a:spcPct val="90000"/>
-              </a:lnSpc>
-              <a:spcBef>
-                <a:spcPts val="300"/>
-              </a:spcBef>
-              <a:spcAft>
-                <a:spcPts val="300"/>
-              </a:spcAft>
-              <a:buClr>
-                <a:schemeClr val="accent1"/>
-              </a:buClr>
-              <a:buFont typeface="Wingdings 2" pitchFamily="18" charset="2"/>
-              <a:buChar char=""/>
-              <a:defRPr sz="1400" kern="1200">
-                <a:solidFill>
-                  <a:schemeClr val="tx1">
-                    <a:lumMod val="85000"/>
-                    <a:lumOff val="15000"/>
-                  </a:schemeClr>
-                </a:solidFill>
-                <a:latin typeface="+mn-lt"/>
-                <a:ea typeface="+mn-ea"/>
-                <a:cs typeface="+mn-cs"/>
-              </a:defRPr>
-            </a:lvl8pPr>
-            <a:lvl9pPr marL="2500000" indent="-228600" algn="l" defTabSz="914400" rtl="0" eaLnBrk="1" latinLnBrk="0" hangingPunct="1">
-              <a:lnSpc>
-                <a:spcPct val="90000"/>
-              </a:lnSpc>
-              <a:spcBef>
-                <a:spcPts val="300"/>
-              </a:spcBef>
-              <a:spcAft>
-                <a:spcPts val="300"/>
-              </a:spcAft>
-              <a:buClr>
-                <a:schemeClr val="accent1"/>
-              </a:buClr>
-              <a:buFont typeface="Wingdings 2" pitchFamily="18" charset="2"/>
-              <a:buChar char=""/>
-              <a:defRPr sz="1400" kern="1200">
-                <a:solidFill>
-                  <a:schemeClr val="tx1">
-                    <a:lumMod val="85000"/>
-                    <a:lumOff val="15000"/>
-                  </a:schemeClr>
-                </a:solidFill>
-                <a:latin typeface="+mn-lt"/>
-                <a:ea typeface="+mn-ea"/>
-                <a:cs typeface="+mn-cs"/>
-              </a:defRPr>
-            </a:lvl9pPr>
-          </a:lstStyle>
-          <a:p>
-            <a:pPr marL="514350" indent="-514350">
-              <a:buAutoNum type="arabicPeriod"/>
-            </a:pPr>
-            <a:r>
-              <a:rPr lang="en-US" sz="2800" dirty="0"/>
-              <a:t>For a </a:t>
-            </a:r>
-            <a:r>
-              <a:rPr lang="en-US" sz="2800" u="sng" dirty="0"/>
-              <a:t>defined population of interest, </a:t>
-            </a:r>
-          </a:p>
-          <a:p>
-            <a:pPr marL="514350" indent="-514350">
-              <a:buAutoNum type="arabicPeriod"/>
-            </a:pPr>
-            <a:r>
-              <a:rPr lang="en-US" sz="2800" dirty="0"/>
-              <a:t>With an </a:t>
-            </a:r>
-            <a:r>
-              <a:rPr lang="en-US" sz="2800" u="sng" dirty="0"/>
-              <a:t>appropriately selected random sample,</a:t>
-            </a:r>
-          </a:p>
-        </p:txBody>
-      </p:sp>
-    </p:spTree>
-    <p:extLst>
-      <p:ext uri="{BB962C8B-B14F-4D97-AF65-F5344CB8AC3E}">
-        <p14:creationId xmlns:p14="http://schemas.microsoft.com/office/powerpoint/2010/main" val="2329274608"/>
       </p:ext>
     </p:extLst>
   </p:cSld>
@@ -17404,25 +18157,12 @@
               <a:t>appropriately selected random sample,</a:t>
             </a:r>
           </a:p>
-          <a:p>
-            <a:pPr marL="514350" indent="-514350">
-              <a:buAutoNum type="arabicPeriod"/>
-            </a:pPr>
-            <a:r>
-              <a:rPr lang="en-US" sz="2800" dirty="0"/>
-              <a:t>And a </a:t>
-            </a:r>
-            <a:r>
-              <a:rPr lang="en-US" sz="2800" u="sng" dirty="0"/>
-              <a:t>well-measured variable of interest,</a:t>
-            </a:r>
-          </a:p>
         </p:txBody>
       </p:sp>
     </p:spTree>
     <p:extLst>
       <p:ext uri="{BB962C8B-B14F-4D97-AF65-F5344CB8AC3E}">
-        <p14:creationId xmlns:p14="http://schemas.microsoft.com/office/powerpoint/2010/main" val="612190701"/>
+        <p14:creationId xmlns:p14="http://schemas.microsoft.com/office/powerpoint/2010/main" val="2329274608"/>
       </p:ext>
     </p:extLst>
   </p:cSld>
@@ -17816,45 +18556,13 @@
               <a:rPr lang="en-US" sz="2800" u="sng" dirty="0"/>
               <a:t>well-measured variable of interest,</a:t>
             </a:r>
-            <a:endParaRPr lang="en-US" sz="2800" dirty="0"/>
-          </a:p>
-          <a:p>
-            <a:pPr marL="514350" indent="-514350">
-              <a:buAutoNum type="arabicPeriod"/>
-            </a:pPr>
-            <a:r>
-              <a:rPr lang="en-US" sz="2800" dirty="0"/>
-              <a:t>Under </a:t>
-            </a:r>
-            <a:r>
-              <a:rPr lang="en-US" sz="2800" u="sng" dirty="0"/>
-              <a:t>the appropriate assumptions:</a:t>
-            </a:r>
-          </a:p>
-          <a:p>
-            <a:pPr marL="514350" indent="-514350">
-              <a:buAutoNum type="arabicPeriod"/>
-            </a:pPr>
-            <a:endParaRPr lang="en-US" sz="2800" b="1" dirty="0">
-              <a:solidFill>
-                <a:schemeClr val="accent2">
-                  <a:lumMod val="75000"/>
-                </a:schemeClr>
-              </a:solidFill>
-            </a:endParaRPr>
-          </a:p>
-          <a:p>
-            <a:pPr marL="514350" indent="-514350">
-              <a:buAutoNum type="arabicPeriod"/>
-            </a:pPr>
-            <a:endParaRPr lang="en-US" sz="2800" u="sng" dirty="0"/>
           </a:p>
         </p:txBody>
       </p:sp>
     </p:spTree>
     <p:extLst>
       <p:ext uri="{BB962C8B-B14F-4D97-AF65-F5344CB8AC3E}">
-        <p14:creationId xmlns:p14="http://schemas.microsoft.com/office/powerpoint/2010/main" val="471639199"/>
+        <p14:creationId xmlns:p14="http://schemas.microsoft.com/office/powerpoint/2010/main" val="612190701"/>
       </p:ext>
     </p:extLst>
   </p:cSld>
@@ -18267,22 +18975,13 @@
             <a:pPr marL="514350" indent="-514350">
               <a:buAutoNum type="arabicPeriod"/>
             </a:pPr>
-            <a:endParaRPr lang="en-US" sz="2800" u="sng" dirty="0"/>
-          </a:p>
-          <a:p>
-            <a:pPr marL="0" indent="0" algn="ctr">
-              <a:buNone/>
-            </a:pPr>
-            <a:r>
-              <a:rPr lang="en-US" sz="2800" b="1" dirty="0">
-                <a:solidFill>
-                  <a:schemeClr val="accent2">
-                    <a:lumMod val="75000"/>
-                  </a:schemeClr>
-                </a:solidFill>
-              </a:rPr>
-              <a:t>One can make inferences about the (changes in) distribution of the variable in the population given the sample</a:t>
-            </a:r>
+            <a:endParaRPr lang="en-US" sz="2800" b="1" dirty="0">
+              <a:solidFill>
+                <a:schemeClr val="accent2">
+                  <a:lumMod val="75000"/>
+                </a:schemeClr>
+              </a:solidFill>
+            </a:endParaRPr>
           </a:p>
           <a:p>
             <a:pPr marL="514350" indent="-514350">
@@ -18295,7 +18994,7 @@
     </p:spTree>
     <p:extLst>
       <p:ext uri="{BB962C8B-B14F-4D97-AF65-F5344CB8AC3E}">
-        <p14:creationId xmlns:p14="http://schemas.microsoft.com/office/powerpoint/2010/main" val="3477177824"/>
+        <p14:creationId xmlns:p14="http://schemas.microsoft.com/office/powerpoint/2010/main" val="471639199"/>
       </p:ext>
     </p:extLst>
   </p:cSld>
@@ -18690,41 +19389,6 @@
       </p:grpSpPr>
       <p:sp>
         <p:nvSpPr>
-          <p:cNvPr id="4" name="Content Placeholder 3">
-            <a:extLst>
-              <a:ext uri="{FF2B5EF4-FFF2-40B4-BE49-F238E27FC236}">
-                <a16:creationId xmlns:a16="http://schemas.microsoft.com/office/drawing/2014/main" id="{AE68E5BA-C675-4302-ABDA-3EFDD6418FDE}"/>
-              </a:ext>
-            </a:extLst>
-          </p:cNvPr>
-          <p:cNvSpPr>
-            <a:spLocks noGrp="1"/>
-          </p:cNvSpPr>
-          <p:nvPr>
-            <p:ph idx="1"/>
-          </p:nvPr>
-        </p:nvSpPr>
-        <p:spPr>
-          <a:xfrm>
-            <a:off x="2470404" y="1608139"/>
-            <a:ext cx="7359396" cy="4572000"/>
-          </a:xfrm>
-        </p:spPr>
-        <p:txBody>
-          <a:bodyPr/>
-          <a:lstStyle/>
-          <a:p>
-            <a:pPr lvl="1"/>
-            <a:endParaRPr lang="en-US" dirty="0"/>
-          </a:p>
-          <a:p>
-            <a:pPr lvl="1"/>
-            <a:endParaRPr lang="en-US" dirty="0"/>
-          </a:p>
-        </p:txBody>
-      </p:sp>
-      <p:sp>
-        <p:nvSpPr>
           <p:cNvPr id="6" name="Title 1">
             <a:extLst>
               <a:ext uri="{FF2B5EF4-FFF2-40B4-BE49-F238E27FC236}">
@@ -18777,35 +19441,17 @@
                 </a:solidFill>
                 <a:latin typeface="Times New Roman" panose="02020603050405020304" pitchFamily="18" charset="0"/>
               </a:rPr>
-              <a:t>What statistics </a:t>
-            </a:r>
-            <a:r>
-              <a:rPr lang="en-US" b="1" dirty="0">
-                <a:solidFill>
-                  <a:srgbClr val="0070C0"/>
-                </a:solidFill>
-                <a:latin typeface="Times New Roman" panose="02020603050405020304" pitchFamily="18" charset="0"/>
-              </a:rPr>
-              <a:t>cannot</a:t>
-            </a:r>
-            <a:r>
-              <a:rPr lang="en-US" dirty="0">
-                <a:solidFill>
-                  <a:srgbClr val="0070C0"/>
-                </a:solidFill>
-                <a:latin typeface="Times New Roman" panose="02020603050405020304" pitchFamily="18" charset="0"/>
-              </a:rPr>
-              <a:t> do (well)</a:t>
-            </a:r>
-          </a:p>
-        </p:txBody>
-      </p:sp>
-      <p:sp>
-        <p:nvSpPr>
-          <p:cNvPr id="5" name="Content Placeholder 3">
+              <a:t>What statistics can do</a:t>
+            </a:r>
+          </a:p>
+        </p:txBody>
+      </p:sp>
+      <p:sp>
+        <p:nvSpPr>
+          <p:cNvPr id="2" name="Content Placeholder 3">
             <a:extLst>
               <a:ext uri="{FF2B5EF4-FFF2-40B4-BE49-F238E27FC236}">
-                <a16:creationId xmlns:a16="http://schemas.microsoft.com/office/drawing/2014/main" id="{EF77A64B-FB81-2AF7-47B1-7CC481CD8F82}"/>
+                <a16:creationId xmlns:a16="http://schemas.microsoft.com/office/drawing/2014/main" id="{3F15E76A-5D15-A90E-3BAC-6C06CA5B293D}"/>
               </a:ext>
             </a:extLst>
           </p:cNvPr>
@@ -19071,6 +19717,500 @@
             </a:lvl9pPr>
           </a:lstStyle>
           <a:p>
+            <a:pPr marL="514350" indent="-514350">
+              <a:buAutoNum type="arabicPeriod"/>
+            </a:pPr>
+            <a:r>
+              <a:rPr lang="en-US" sz="2800" dirty="0"/>
+              <a:t>For a </a:t>
+            </a:r>
+            <a:r>
+              <a:rPr lang="en-US" sz="2800" u="sng" dirty="0"/>
+              <a:t>defined population of interest, </a:t>
+            </a:r>
+          </a:p>
+          <a:p>
+            <a:pPr marL="514350" indent="-514350">
+              <a:buAutoNum type="arabicPeriod"/>
+            </a:pPr>
+            <a:r>
+              <a:rPr lang="en-US" sz="2800" dirty="0"/>
+              <a:t>With an </a:t>
+            </a:r>
+            <a:r>
+              <a:rPr lang="en-US" sz="2800" u="sng" dirty="0"/>
+              <a:t>appropriately selected random sample,</a:t>
+            </a:r>
+          </a:p>
+          <a:p>
+            <a:pPr marL="514350" indent="-514350">
+              <a:buAutoNum type="arabicPeriod"/>
+            </a:pPr>
+            <a:r>
+              <a:rPr lang="en-US" sz="2800" dirty="0"/>
+              <a:t>And a </a:t>
+            </a:r>
+            <a:r>
+              <a:rPr lang="en-US" sz="2800" u="sng" dirty="0"/>
+              <a:t>well-measured variable of interest,</a:t>
+            </a:r>
+            <a:endParaRPr lang="en-US" sz="2800" dirty="0"/>
+          </a:p>
+          <a:p>
+            <a:pPr marL="514350" indent="-514350">
+              <a:buAutoNum type="arabicPeriod"/>
+            </a:pPr>
+            <a:r>
+              <a:rPr lang="en-US" sz="2800" dirty="0"/>
+              <a:t>Under </a:t>
+            </a:r>
+            <a:r>
+              <a:rPr lang="en-US" sz="2800" u="sng" dirty="0"/>
+              <a:t>the appropriate assumptions:</a:t>
+            </a:r>
+          </a:p>
+          <a:p>
+            <a:pPr marL="514350" indent="-514350">
+              <a:buAutoNum type="arabicPeriod"/>
+            </a:pPr>
+            <a:endParaRPr lang="en-US" sz="2800" u="sng" dirty="0"/>
+          </a:p>
+          <a:p>
+            <a:pPr marL="0" indent="0" algn="ctr">
+              <a:buNone/>
+            </a:pPr>
+            <a:r>
+              <a:rPr lang="en-US" sz="2800" b="1" dirty="0">
+                <a:solidFill>
+                  <a:schemeClr val="accent2">
+                    <a:lumMod val="75000"/>
+                  </a:schemeClr>
+                </a:solidFill>
+              </a:rPr>
+              <a:t>One can make inferences about the (changes in) distribution of the variable in the population given the sample</a:t>
+            </a:r>
+          </a:p>
+          <a:p>
+            <a:pPr marL="514350" indent="-514350">
+              <a:buAutoNum type="arabicPeriod"/>
+            </a:pPr>
+            <a:endParaRPr lang="en-US" sz="2800" u="sng" dirty="0"/>
+          </a:p>
+        </p:txBody>
+      </p:sp>
+    </p:spTree>
+    <p:extLst>
+      <p:ext uri="{BB962C8B-B14F-4D97-AF65-F5344CB8AC3E}">
+        <p14:creationId xmlns:p14="http://schemas.microsoft.com/office/powerpoint/2010/main" val="3477177824"/>
+      </p:ext>
+    </p:extLst>
+  </p:cSld>
+  <p:clrMapOvr>
+    <a:masterClrMapping/>
+  </p:clrMapOvr>
+</p:sld>
+</file>
+
+<file path=ppt/slides/slide41.xml><?xml version="1.0" encoding="utf-8"?>
+<p:sld xmlns:a="http://schemas.openxmlformats.org/drawingml/2006/main" xmlns:r="http://schemas.openxmlformats.org/officeDocument/2006/relationships" xmlns:p="http://schemas.openxmlformats.org/presentationml/2006/main">
+  <p:cSld>
+    <p:spTree>
+      <p:nvGrpSpPr>
+        <p:cNvPr id="1" name=""/>
+        <p:cNvGrpSpPr/>
+        <p:nvPr/>
+      </p:nvGrpSpPr>
+      <p:grpSpPr>
+        <a:xfrm>
+          <a:off x="0" y="0"/>
+          <a:ext cx="0" cy="0"/>
+          <a:chOff x="0" y="0"/>
+          <a:chExt cx="0" cy="0"/>
+        </a:xfrm>
+      </p:grpSpPr>
+      <p:sp>
+        <p:nvSpPr>
+          <p:cNvPr id="4" name="Content Placeholder 3">
+            <a:extLst>
+              <a:ext uri="{FF2B5EF4-FFF2-40B4-BE49-F238E27FC236}">
+                <a16:creationId xmlns:a16="http://schemas.microsoft.com/office/drawing/2014/main" id="{AE68E5BA-C675-4302-ABDA-3EFDD6418FDE}"/>
+              </a:ext>
+            </a:extLst>
+          </p:cNvPr>
+          <p:cNvSpPr>
+            <a:spLocks noGrp="1"/>
+          </p:cNvSpPr>
+          <p:nvPr>
+            <p:ph idx="1"/>
+          </p:nvPr>
+        </p:nvSpPr>
+        <p:spPr>
+          <a:xfrm>
+            <a:off x="2470404" y="1608139"/>
+            <a:ext cx="7359396" cy="4572000"/>
+          </a:xfrm>
+        </p:spPr>
+        <p:txBody>
+          <a:bodyPr/>
+          <a:lstStyle/>
+          <a:p>
+            <a:pPr lvl="1"/>
+            <a:endParaRPr lang="en-US" dirty="0"/>
+          </a:p>
+          <a:p>
+            <a:pPr lvl="1"/>
+            <a:endParaRPr lang="en-US" dirty="0"/>
+          </a:p>
+        </p:txBody>
+      </p:sp>
+      <p:sp>
+        <p:nvSpPr>
+          <p:cNvPr id="6" name="Title 1">
+            <a:extLst>
+              <a:ext uri="{FF2B5EF4-FFF2-40B4-BE49-F238E27FC236}">
+                <a16:creationId xmlns:a16="http://schemas.microsoft.com/office/drawing/2014/main" id="{2447C70A-E8CD-4D7B-8C00-FF6EC3DCB236}"/>
+              </a:ext>
+            </a:extLst>
+          </p:cNvPr>
+          <p:cNvSpPr txBox="1">
+            <a:spLocks/>
+          </p:cNvSpPr>
+          <p:nvPr/>
+        </p:nvSpPr>
+        <p:spPr>
+          <a:xfrm>
+            <a:off x="318370" y="387315"/>
+            <a:ext cx="9692640" cy="777240"/>
+          </a:xfrm>
+          <a:prstGeom prst="rect">
+            <a:avLst/>
+          </a:prstGeom>
+        </p:spPr>
+        <p:txBody>
+          <a:bodyPr vert="horz" lIns="91440" tIns="45720" rIns="91440" bIns="45720" rtlCol="0" anchor="b">
+            <a:normAutofit/>
+          </a:bodyPr>
+          <a:lstStyle>
+            <a:lvl1pPr algn="l" defTabSz="914400" rtl="0" eaLnBrk="1" latinLnBrk="0" hangingPunct="1">
+              <a:lnSpc>
+                <a:spcPct val="90000"/>
+              </a:lnSpc>
+              <a:spcBef>
+                <a:spcPct val="0"/>
+              </a:spcBef>
+              <a:buNone/>
+              <a:defRPr sz="4400" kern="1200" spc="-50" baseline="0">
+                <a:solidFill>
+                  <a:schemeClr val="tx1"/>
+                </a:solidFill>
+                <a:latin typeface="+mj-lt"/>
+                <a:ea typeface="+mj-ea"/>
+                <a:cs typeface="+mj-cs"/>
+              </a:defRPr>
+            </a:lvl1pPr>
+          </a:lstStyle>
+          <a:p>
+            <a:r>
+              <a:rPr lang="en-US" dirty="0">
+                <a:solidFill>
+                  <a:srgbClr val="0070C0"/>
+                </a:solidFill>
+                <a:latin typeface="Times New Roman" panose="02020603050405020304" pitchFamily="18" charset="0"/>
+              </a:rPr>
+              <a:t>What statistics </a:t>
+            </a:r>
+            <a:r>
+              <a:rPr lang="en-US" b="1" dirty="0">
+                <a:solidFill>
+                  <a:srgbClr val="0070C0"/>
+                </a:solidFill>
+                <a:latin typeface="Times New Roman" panose="02020603050405020304" pitchFamily="18" charset="0"/>
+              </a:rPr>
+              <a:t>cannot</a:t>
+            </a:r>
+            <a:r>
+              <a:rPr lang="en-US" dirty="0">
+                <a:solidFill>
+                  <a:srgbClr val="0070C0"/>
+                </a:solidFill>
+                <a:latin typeface="Times New Roman" panose="02020603050405020304" pitchFamily="18" charset="0"/>
+              </a:rPr>
+              <a:t> do (well)</a:t>
+            </a:r>
+          </a:p>
+        </p:txBody>
+      </p:sp>
+      <p:sp>
+        <p:nvSpPr>
+          <p:cNvPr id="5" name="Content Placeholder 3">
+            <a:extLst>
+              <a:ext uri="{FF2B5EF4-FFF2-40B4-BE49-F238E27FC236}">
+                <a16:creationId xmlns:a16="http://schemas.microsoft.com/office/drawing/2014/main" id="{EF77A64B-FB81-2AF7-47B1-7CC481CD8F82}"/>
+              </a:ext>
+            </a:extLst>
+          </p:cNvPr>
+          <p:cNvSpPr txBox="1">
+            <a:spLocks/>
+          </p:cNvSpPr>
+          <p:nvPr/>
+        </p:nvSpPr>
+        <p:spPr>
+          <a:xfrm>
+            <a:off x="389852" y="1219200"/>
+            <a:ext cx="9634728" cy="4960939"/>
+          </a:xfrm>
+          <a:prstGeom prst="rect">
+            <a:avLst/>
+          </a:prstGeom>
+        </p:spPr>
+        <p:txBody>
+          <a:bodyPr vert="horz" lIns="91440" tIns="45720" rIns="91440" bIns="45720" rtlCol="0">
+            <a:noAutofit/>
+          </a:bodyPr>
+          <a:lstStyle>
+            <a:lvl1pPr marL="182880" indent="-182880" algn="l" defTabSz="914400" rtl="0" eaLnBrk="1" latinLnBrk="0" hangingPunct="1">
+              <a:lnSpc>
+                <a:spcPct val="95000"/>
+              </a:lnSpc>
+              <a:spcBef>
+                <a:spcPts val="1400"/>
+              </a:spcBef>
+              <a:spcAft>
+                <a:spcPts val="200"/>
+              </a:spcAft>
+              <a:buClr>
+                <a:schemeClr val="accent1"/>
+              </a:buClr>
+              <a:buSzPct val="80000"/>
+              <a:buFont typeface="Arial" pitchFamily="34" charset="0"/>
+              <a:buChar char="•"/>
+              <a:defRPr sz="1800" kern="1200" spc="10" baseline="0">
+                <a:solidFill>
+                  <a:schemeClr val="tx1"/>
+                </a:solidFill>
+                <a:latin typeface="Times New Roman" panose="02020603050405020304" pitchFamily="18" charset="0"/>
+                <a:ea typeface="+mn-ea"/>
+                <a:cs typeface="+mn-cs"/>
+              </a:defRPr>
+            </a:lvl1pPr>
+            <a:lvl2pPr marL="457200" indent="-182880" algn="l" defTabSz="914400" rtl="0" eaLnBrk="1" latinLnBrk="0" hangingPunct="1">
+              <a:lnSpc>
+                <a:spcPct val="90000"/>
+              </a:lnSpc>
+              <a:spcBef>
+                <a:spcPts val="300"/>
+              </a:spcBef>
+              <a:spcAft>
+                <a:spcPts val="300"/>
+              </a:spcAft>
+              <a:buClr>
+                <a:schemeClr val="accent1"/>
+              </a:buClr>
+              <a:buFont typeface="Wingdings 2" pitchFamily="18" charset="2"/>
+              <a:buChar char=""/>
+              <a:defRPr sz="1600" kern="1200">
+                <a:solidFill>
+                  <a:schemeClr val="tx1">
+                    <a:lumMod val="85000"/>
+                    <a:lumOff val="15000"/>
+                  </a:schemeClr>
+                </a:solidFill>
+                <a:latin typeface="Times New Roman" panose="02020603050405020304" pitchFamily="18" charset="0"/>
+                <a:ea typeface="+mn-ea"/>
+                <a:cs typeface="+mn-cs"/>
+              </a:defRPr>
+            </a:lvl2pPr>
+            <a:lvl3pPr marL="731520" indent="-182880" algn="l" defTabSz="914400" rtl="0" eaLnBrk="1" latinLnBrk="0" hangingPunct="1">
+              <a:lnSpc>
+                <a:spcPct val="90000"/>
+              </a:lnSpc>
+              <a:spcBef>
+                <a:spcPts val="300"/>
+              </a:spcBef>
+              <a:spcAft>
+                <a:spcPts val="300"/>
+              </a:spcAft>
+              <a:buClr>
+                <a:schemeClr val="accent1"/>
+              </a:buClr>
+              <a:buFont typeface="Wingdings 2" pitchFamily="18" charset="2"/>
+              <a:buChar char=""/>
+              <a:defRPr sz="1400" kern="1200">
+                <a:solidFill>
+                  <a:schemeClr val="tx1">
+                    <a:lumMod val="85000"/>
+                    <a:lumOff val="15000"/>
+                  </a:schemeClr>
+                </a:solidFill>
+                <a:latin typeface="Times New Roman" panose="02020603050405020304" pitchFamily="18" charset="0"/>
+                <a:ea typeface="+mn-ea"/>
+                <a:cs typeface="+mn-cs"/>
+              </a:defRPr>
+            </a:lvl3pPr>
+            <a:lvl4pPr marL="1005840" indent="-182880" algn="l" defTabSz="914400" rtl="0" eaLnBrk="1" latinLnBrk="0" hangingPunct="1">
+              <a:lnSpc>
+                <a:spcPct val="90000"/>
+              </a:lnSpc>
+              <a:spcBef>
+                <a:spcPts val="300"/>
+              </a:spcBef>
+              <a:spcAft>
+                <a:spcPts val="300"/>
+              </a:spcAft>
+              <a:buClr>
+                <a:schemeClr val="accent1"/>
+              </a:buClr>
+              <a:buFont typeface="Wingdings 2" pitchFamily="18" charset="2"/>
+              <a:buChar char=""/>
+              <a:defRPr sz="1400" kern="1200">
+                <a:solidFill>
+                  <a:schemeClr val="tx1">
+                    <a:lumMod val="85000"/>
+                    <a:lumOff val="15000"/>
+                  </a:schemeClr>
+                </a:solidFill>
+                <a:latin typeface="Times New Roman" panose="02020603050405020304" pitchFamily="18" charset="0"/>
+                <a:ea typeface="+mn-ea"/>
+                <a:cs typeface="+mn-cs"/>
+              </a:defRPr>
+            </a:lvl4pPr>
+            <a:lvl5pPr marL="1280160" indent="-182880" algn="l" defTabSz="914400" rtl="0" eaLnBrk="1" latinLnBrk="0" hangingPunct="1">
+              <a:lnSpc>
+                <a:spcPct val="90000"/>
+              </a:lnSpc>
+              <a:spcBef>
+                <a:spcPts val="300"/>
+              </a:spcBef>
+              <a:spcAft>
+                <a:spcPts val="300"/>
+              </a:spcAft>
+              <a:buClr>
+                <a:schemeClr val="accent1"/>
+              </a:buClr>
+              <a:buFont typeface="Wingdings 2" pitchFamily="18" charset="2"/>
+              <a:buChar char=""/>
+              <a:defRPr sz="1400" kern="1200">
+                <a:solidFill>
+                  <a:schemeClr val="tx1">
+                    <a:lumMod val="85000"/>
+                    <a:lumOff val="15000"/>
+                  </a:schemeClr>
+                </a:solidFill>
+                <a:latin typeface="Times New Roman" panose="02020603050405020304" pitchFamily="18" charset="0"/>
+                <a:ea typeface="+mn-ea"/>
+                <a:cs typeface="+mn-cs"/>
+              </a:defRPr>
+            </a:lvl5pPr>
+            <a:lvl6pPr marL="1600000" indent="-228600" algn="l" defTabSz="914400" rtl="0" eaLnBrk="1" latinLnBrk="0" hangingPunct="1">
+              <a:lnSpc>
+                <a:spcPct val="90000"/>
+              </a:lnSpc>
+              <a:spcBef>
+                <a:spcPts val="300"/>
+              </a:spcBef>
+              <a:spcAft>
+                <a:spcPts val="300"/>
+              </a:spcAft>
+              <a:buClr>
+                <a:schemeClr val="accent1"/>
+              </a:buClr>
+              <a:buFont typeface="Wingdings 2" pitchFamily="18" charset="2"/>
+              <a:buChar char=""/>
+              <a:defRPr sz="1400" kern="1200">
+                <a:solidFill>
+                  <a:schemeClr val="tx1">
+                    <a:lumMod val="85000"/>
+                    <a:lumOff val="15000"/>
+                  </a:schemeClr>
+                </a:solidFill>
+                <a:latin typeface="+mn-lt"/>
+                <a:ea typeface="+mn-ea"/>
+                <a:cs typeface="+mn-cs"/>
+              </a:defRPr>
+            </a:lvl6pPr>
+            <a:lvl7pPr marL="1900000" indent="-228600" algn="l" defTabSz="914400" rtl="0" eaLnBrk="1" latinLnBrk="0" hangingPunct="1">
+              <a:lnSpc>
+                <a:spcPct val="90000"/>
+              </a:lnSpc>
+              <a:spcBef>
+                <a:spcPts val="300"/>
+              </a:spcBef>
+              <a:spcAft>
+                <a:spcPts val="300"/>
+              </a:spcAft>
+              <a:buClr>
+                <a:schemeClr val="accent1"/>
+              </a:buClr>
+              <a:buFont typeface="Wingdings 2" pitchFamily="18" charset="2"/>
+              <a:buChar char=""/>
+              <a:defRPr sz="1400" kern="1200">
+                <a:solidFill>
+                  <a:schemeClr val="tx1">
+                    <a:lumMod val="85000"/>
+                    <a:lumOff val="15000"/>
+                  </a:schemeClr>
+                </a:solidFill>
+                <a:latin typeface="+mn-lt"/>
+                <a:ea typeface="+mn-ea"/>
+                <a:cs typeface="+mn-cs"/>
+              </a:defRPr>
+            </a:lvl7pPr>
+            <a:lvl8pPr marL="2200000" indent="-228600" algn="l" defTabSz="914400" rtl="0" eaLnBrk="1" latinLnBrk="0" hangingPunct="1">
+              <a:lnSpc>
+                <a:spcPct val="90000"/>
+              </a:lnSpc>
+              <a:spcBef>
+                <a:spcPts val="300"/>
+              </a:spcBef>
+              <a:spcAft>
+                <a:spcPts val="300"/>
+              </a:spcAft>
+              <a:buClr>
+                <a:schemeClr val="accent1"/>
+              </a:buClr>
+              <a:buFont typeface="Wingdings 2" pitchFamily="18" charset="2"/>
+              <a:buChar char=""/>
+              <a:defRPr sz="1400" kern="1200">
+                <a:solidFill>
+                  <a:schemeClr val="tx1">
+                    <a:lumMod val="85000"/>
+                    <a:lumOff val="15000"/>
+                  </a:schemeClr>
+                </a:solidFill>
+                <a:latin typeface="+mn-lt"/>
+                <a:ea typeface="+mn-ea"/>
+                <a:cs typeface="+mn-cs"/>
+              </a:defRPr>
+            </a:lvl8pPr>
+            <a:lvl9pPr marL="2500000" indent="-228600" algn="l" defTabSz="914400" rtl="0" eaLnBrk="1" latinLnBrk="0" hangingPunct="1">
+              <a:lnSpc>
+                <a:spcPct val="90000"/>
+              </a:lnSpc>
+              <a:spcBef>
+                <a:spcPts val="300"/>
+              </a:spcBef>
+              <a:spcAft>
+                <a:spcPts val="300"/>
+              </a:spcAft>
+              <a:buClr>
+                <a:schemeClr val="accent1"/>
+              </a:buClr>
+              <a:buFont typeface="Wingdings 2" pitchFamily="18" charset="2"/>
+              <a:buChar char=""/>
+              <a:defRPr sz="1400" kern="1200">
+                <a:solidFill>
+                  <a:schemeClr val="tx1">
+                    <a:lumMod val="85000"/>
+                    <a:lumOff val="15000"/>
+                  </a:schemeClr>
+                </a:solidFill>
+                <a:latin typeface="+mn-lt"/>
+                <a:ea typeface="+mn-ea"/>
+                <a:cs typeface="+mn-cs"/>
+              </a:defRPr>
+            </a:lvl9pPr>
+          </a:lstStyle>
+          <a:p>
             <a:r>
               <a:rPr lang="en-US" sz="2800" dirty="0"/>
               <a:t>Go from a limited sample to a (even related) population</a:t>
@@ -19109,7 +20249,107 @@
 </p:sld>
 </file>
 
-<file path=ppt/slides/slide41.xml><?xml version="1.0" encoding="utf-8"?>
+<file path=ppt/slides/slide42.xml><?xml version="1.0" encoding="utf-8"?>
+<p:sld xmlns:a="http://schemas.openxmlformats.org/drawingml/2006/main" xmlns:r="http://schemas.openxmlformats.org/officeDocument/2006/relationships" xmlns:p="http://schemas.openxmlformats.org/presentationml/2006/main">
+  <p:cSld>
+    <p:spTree>
+      <p:nvGrpSpPr>
+        <p:cNvPr id="1" name="">
+          <a:extLst>
+            <a:ext uri="{FF2B5EF4-FFF2-40B4-BE49-F238E27FC236}">
+              <a16:creationId xmlns:a16="http://schemas.microsoft.com/office/drawing/2014/main" id="{49E81284-463D-1210-BCEA-712C1B419BA5}"/>
+            </a:ext>
+          </a:extLst>
+        </p:cNvPr>
+        <p:cNvGrpSpPr/>
+        <p:nvPr/>
+      </p:nvGrpSpPr>
+      <p:grpSpPr>
+        <a:xfrm>
+          <a:off x="0" y="0"/>
+          <a:ext cx="0" cy="0"/>
+          <a:chOff x="0" y="0"/>
+          <a:chExt cx="0" cy="0"/>
+        </a:xfrm>
+      </p:grpSpPr>
+      <p:sp>
+        <p:nvSpPr>
+          <p:cNvPr id="2" name="Title 1">
+            <a:extLst>
+              <a:ext uri="{FF2B5EF4-FFF2-40B4-BE49-F238E27FC236}">
+                <a16:creationId xmlns:a16="http://schemas.microsoft.com/office/drawing/2014/main" id="{9CF365E3-52FE-3AFD-64BA-A38479DA6A6D}"/>
+              </a:ext>
+            </a:extLst>
+          </p:cNvPr>
+          <p:cNvSpPr>
+            <a:spLocks noGrp="1"/>
+          </p:cNvSpPr>
+          <p:nvPr>
+            <p:ph type="ctrTitle"/>
+          </p:nvPr>
+        </p:nvSpPr>
+        <p:spPr>
+          <a:xfrm>
+            <a:off x="1261872" y="758952"/>
+            <a:ext cx="10549128" cy="4041648"/>
+          </a:xfrm>
+        </p:spPr>
+        <p:txBody>
+          <a:bodyPr/>
+          <a:lstStyle/>
+          <a:p>
+            <a:r>
+              <a:rPr lang="en-US" dirty="0"/>
+              <a:t>Probability</a:t>
+            </a:r>
+          </a:p>
+        </p:txBody>
+      </p:sp>
+      <p:sp>
+        <p:nvSpPr>
+          <p:cNvPr id="3" name="Subtitle 2">
+            <a:extLst>
+              <a:ext uri="{FF2B5EF4-FFF2-40B4-BE49-F238E27FC236}">
+                <a16:creationId xmlns:a16="http://schemas.microsoft.com/office/drawing/2014/main" id="{D9AE48EF-B37A-EBC1-9F99-F272A1C90B15}"/>
+              </a:ext>
+            </a:extLst>
+          </p:cNvPr>
+          <p:cNvSpPr>
+            <a:spLocks noGrp="1"/>
+          </p:cNvSpPr>
+          <p:nvPr>
+            <p:ph type="subTitle" idx="1"/>
+          </p:nvPr>
+        </p:nvSpPr>
+        <p:spPr/>
+        <p:txBody>
+          <a:bodyPr>
+            <a:normAutofit fontScale="70000" lnSpcReduction="20000"/>
+          </a:bodyPr>
+          <a:lstStyle/>
+          <a:p>
+            <a:r>
+              <a:rPr lang="en-US" sz="9600" dirty="0"/>
+              <a:t>The language of statistics</a:t>
+            </a:r>
+            <a:endParaRPr lang="en-US" sz="4400" dirty="0"/>
+          </a:p>
+        </p:txBody>
+      </p:sp>
+    </p:spTree>
+    <p:extLst>
+      <p:ext uri="{BB962C8B-B14F-4D97-AF65-F5344CB8AC3E}">
+        <p14:creationId xmlns:p14="http://schemas.microsoft.com/office/powerpoint/2010/main" val="2569803690"/>
+      </p:ext>
+    </p:extLst>
+  </p:cSld>
+  <p:clrMapOvr>
+    <a:masterClrMapping/>
+  </p:clrMapOvr>
+</p:sld>
+</file>
+
+<file path=ppt/slides/slide43.xml><?xml version="1.0" encoding="utf-8"?>
 <p:sld xmlns:a="http://schemas.openxmlformats.org/drawingml/2006/main" xmlns:r="http://schemas.openxmlformats.org/officeDocument/2006/relationships" xmlns:p="http://schemas.openxmlformats.org/presentationml/2006/main">
   <p:cSld>
     <p:spTree>
@@ -19940,7 +21180,7 @@
         </p:nvSpPr>
         <p:spPr>
           <a:xfrm>
-            <a:off x="304799" y="2094695"/>
+            <a:off x="914399" y="1874510"/>
             <a:ext cx="7467601" cy="919401"/>
           </a:xfrm>
           <a:prstGeom prst="roundRect">
@@ -19997,7 +21237,7 @@
         </p:nvSpPr>
         <p:spPr>
           <a:xfrm>
-            <a:off x="304799" y="3455013"/>
+            <a:off x="914399" y="3014643"/>
             <a:ext cx="9753601" cy="919401"/>
           </a:xfrm>
           <a:prstGeom prst="roundRect">
@@ -20054,7 +21294,7 @@
         </p:nvSpPr>
         <p:spPr>
           <a:xfrm>
-            <a:off x="304799" y="6175647"/>
+            <a:off x="937590" y="5294909"/>
             <a:ext cx="9753601" cy="510778"/>
           </a:xfrm>
           <a:prstGeom prst="roundRect">
@@ -20111,7 +21351,7 @@
         </p:nvSpPr>
         <p:spPr>
           <a:xfrm>
-            <a:off x="304799" y="1143000"/>
+            <a:off x="914399" y="1143000"/>
             <a:ext cx="9753601" cy="510778"/>
           </a:xfrm>
           <a:prstGeom prst="roundRect">
@@ -20168,7 +21408,7 @@
         </p:nvSpPr>
         <p:spPr>
           <a:xfrm>
-            <a:off x="304799" y="4815331"/>
+            <a:off x="914399" y="4154776"/>
             <a:ext cx="9753601" cy="919401"/>
           </a:xfrm>
           <a:prstGeom prst="roundRect">
@@ -20294,7 +21534,7 @@
         </p:nvSpPr>
         <p:spPr>
           <a:xfrm>
-            <a:off x="533399" y="3576445"/>
+            <a:off x="990599" y="2982789"/>
             <a:ext cx="9753601" cy="919401"/>
           </a:xfrm>
           <a:prstGeom prst="roundRect">
@@ -20351,7 +21591,7 @@
         </p:nvSpPr>
         <p:spPr>
           <a:xfrm>
-            <a:off x="533399" y="5256246"/>
+            <a:off x="954156" y="4144562"/>
             <a:ext cx="9753601" cy="510778"/>
           </a:xfrm>
           <a:prstGeom prst="roundRect">
@@ -20465,7 +21705,7 @@
         </p:nvSpPr>
         <p:spPr>
           <a:xfrm>
-            <a:off x="533399" y="1488022"/>
+            <a:off x="990599" y="1488022"/>
             <a:ext cx="9753601" cy="1328023"/>
           </a:xfrm>
           <a:prstGeom prst="roundRect">
